--- a/Presentation/PresentationTender.pptx
+++ b/Presentation/PresentationTender.pptx
@@ -11,10 +11,12 @@
     <p:sldId id="262" r:id="rId5"/>
     <p:sldId id="261" r:id="rId6"/>
     <p:sldId id="265" r:id="rId7"/>
-    <p:sldId id="260" r:id="rId8"/>
-    <p:sldId id="263" r:id="rId9"/>
-    <p:sldId id="264" r:id="rId10"/>
-    <p:sldId id="257" r:id="rId11"/>
+    <p:sldId id="266" r:id="rId8"/>
+    <p:sldId id="260" r:id="rId9"/>
+    <p:sldId id="263" r:id="rId10"/>
+    <p:sldId id="264" r:id="rId11"/>
+    <p:sldId id="267" r:id="rId12"/>
+    <p:sldId id="268" r:id="rId13"/>
   </p:sldIdLst>
   <p:sldSz cx="12192000" cy="6858000"/>
   <p:notesSz cx="6858000" cy="9144000"/>
@@ -5901,7 +5903,7 @@
         <p:spPr>
           <a:xfrm>
             <a:off x="609292" y="83127"/>
-            <a:ext cx="7345988" cy="1058254"/>
+            <a:ext cx="3630199" cy="1058254"/>
           </a:xfrm>
         </p:spPr>
         <p:txBody>
@@ -5910,143 +5912,7 @@
           <a:p>
             <a:r>
               <a:rPr lang="fr-FR" dirty="0" smtClean="0"/>
-              <a:t>Technologies utilisées</a:t>
-            </a:r>
-            <a:endParaRPr lang="fr-FR" dirty="0"/>
-          </a:p>
-        </p:txBody>
-      </p:sp>
-      <p:sp>
-        <p:nvSpPr>
-          <p:cNvPr id="3" name="Sous-titre 2"/>
-          <p:cNvSpPr>
-            <a:spLocks noGrp="1"/>
-          </p:cNvSpPr>
-          <p:nvPr>
-            <p:ph type="subTitle" idx="1"/>
-          </p:nvPr>
-        </p:nvSpPr>
-        <p:spPr>
-          <a:xfrm>
-            <a:off x="-803873" y="1141381"/>
-            <a:ext cx="7766936" cy="1096899"/>
-          </a:xfrm>
-        </p:spPr>
-        <p:txBody>
-          <a:bodyPr/>
-          <a:lstStyle/>
-          <a:p>
-            <a:endParaRPr lang="fr-FR" dirty="0"/>
-          </a:p>
-        </p:txBody>
-      </p:sp>
-      <p:pic>
-        <p:nvPicPr>
-          <p:cNvPr id="4" name="Image 3"/>
-          <p:cNvPicPr>
-            <a:picLocks noChangeAspect="1"/>
-          </p:cNvPicPr>
-          <p:nvPr/>
-        </p:nvPicPr>
-        <p:blipFill>
-          <a:blip r:embed="rId2">
-            <a:extLst>
-              <a:ext uri="{28A0092B-C50C-407E-A947-70E740481C1C}">
-                <a14:useLocalDpi xmlns:a14="http://schemas.microsoft.com/office/drawing/2010/main" val="0"/>
-              </a:ext>
-            </a:extLst>
-          </a:blip>
-          <a:stretch>
-            <a:fillRect/>
-          </a:stretch>
-        </p:blipFill>
-        <p:spPr>
-          <a:xfrm>
-            <a:off x="10066712" y="149629"/>
-            <a:ext cx="1787441" cy="1778806"/>
-          </a:xfrm>
-          <a:prstGeom prst="roundRect">
-            <a:avLst>
-              <a:gd name="adj" fmla="val 16667"/>
-            </a:avLst>
-          </a:prstGeom>
-          <a:ln>
-            <a:noFill/>
-          </a:ln>
-          <a:effectLst>
-            <a:outerShdw blurRad="76200" dist="38100" dir="7800000" algn="tl" rotWithShape="0">
-              <a:srgbClr val="000000">
-                <a:alpha val="40000"/>
-              </a:srgbClr>
-            </a:outerShdw>
-          </a:effectLst>
-          <a:scene3d>
-            <a:camera prst="orthographicFront"/>
-            <a:lightRig rig="contrasting" dir="t">
-              <a:rot lat="0" lon="0" rev="4200000"/>
-            </a:lightRig>
-          </a:scene3d>
-          <a:sp3d prstMaterial="plastic">
-            <a:bevelT w="381000" h="114300" prst="relaxedInset"/>
-            <a:contourClr>
-              <a:srgbClr val="969696"/>
-            </a:contourClr>
-          </a:sp3d>
-        </p:spPr>
-      </p:pic>
-    </p:spTree>
-    <p:extLst>
-      <p:ext uri="{BB962C8B-B14F-4D97-AF65-F5344CB8AC3E}">
-        <p14:creationId xmlns:p14="http://schemas.microsoft.com/office/powerpoint/2010/main" val="1482563611"/>
-      </p:ext>
-    </p:extLst>
-  </p:cSld>
-  <p:clrMapOvr>
-    <a:masterClrMapping/>
-  </p:clrMapOvr>
-</p:sld>
-</file>
-
-<file path=ppt/slides/slide2.xml><?xml version="1.0" encoding="utf-8"?>
-<p:sld xmlns:a="http://schemas.openxmlformats.org/drawingml/2006/main" xmlns:r="http://schemas.openxmlformats.org/officeDocument/2006/relationships" xmlns:p="http://schemas.openxmlformats.org/presentationml/2006/main">
-  <p:cSld>
-    <p:spTree>
-      <p:nvGrpSpPr>
-        <p:cNvPr id="1" name=""/>
-        <p:cNvGrpSpPr/>
-        <p:nvPr/>
-      </p:nvGrpSpPr>
-      <p:grpSpPr>
-        <a:xfrm>
-          <a:off x="0" y="0"/>
-          <a:ext cx="0" cy="0"/>
-          <a:chOff x="0" y="0"/>
-          <a:chExt cx="0" cy="0"/>
-        </a:xfrm>
-      </p:grpSpPr>
-      <p:sp>
-        <p:nvSpPr>
-          <p:cNvPr id="2" name="Titre 1"/>
-          <p:cNvSpPr>
-            <a:spLocks noGrp="1"/>
-          </p:cNvSpPr>
-          <p:nvPr>
-            <p:ph type="ctrTitle"/>
-          </p:nvPr>
-        </p:nvSpPr>
-        <p:spPr>
-          <a:xfrm>
-            <a:off x="609292" y="83127"/>
-            <a:ext cx="4370032" cy="1058254"/>
-          </a:xfrm>
-        </p:spPr>
-        <p:txBody>
-          <a:bodyPr/>
-          <a:lstStyle/>
-          <a:p>
-            <a:r>
-              <a:rPr lang="fr-FR" dirty="0" smtClean="0"/>
-              <a:t>Présentation</a:t>
+              <a:t>Front-end</a:t>
             </a:r>
             <a:endParaRPr lang="fr-FR" dirty="0"/>
           </a:p>
@@ -6084,6 +5950,797 @@
       </p:pic>
       <p:sp>
         <p:nvSpPr>
+          <p:cNvPr id="9" name="ZoneTexte 8"/>
+          <p:cNvSpPr txBox="1"/>
+          <p:nvPr/>
+        </p:nvSpPr>
+        <p:spPr>
+          <a:xfrm>
+            <a:off x="1546167" y="1983067"/>
+            <a:ext cx="6716684" cy="830997"/>
+          </a:xfrm>
+          <a:prstGeom prst="rect">
+            <a:avLst/>
+          </a:prstGeom>
+          <a:noFill/>
+        </p:spPr>
+        <p:txBody>
+          <a:bodyPr wrap="square" rtlCol="0">
+            <a:spAutoFit/>
+          </a:bodyPr>
+          <a:lstStyle/>
+          <a:p>
+            <a:r>
+              <a:rPr lang="fr-FR" sz="1600" dirty="0" smtClean="0">
+                <a:solidFill>
+                  <a:schemeClr val="bg1">
+                    <a:lumMod val="65000"/>
+                  </a:schemeClr>
+                </a:solidFill>
+              </a:rPr>
+              <a:t>Utilisation de </a:t>
+            </a:r>
+            <a:r>
+              <a:rPr lang="fr-FR" sz="1600" b="1" dirty="0" err="1" smtClean="0">
+                <a:solidFill>
+                  <a:schemeClr val="bg1">
+                    <a:lumMod val="65000"/>
+                  </a:schemeClr>
+                </a:solidFill>
+              </a:rPr>
+              <a:t>Axios</a:t>
+            </a:r>
+            <a:r>
+              <a:rPr lang="fr-FR" sz="1600" dirty="0" smtClean="0">
+                <a:solidFill>
+                  <a:schemeClr val="bg1">
+                    <a:lumMod val="65000"/>
+                  </a:schemeClr>
+                </a:solidFill>
+              </a:rPr>
+              <a:t> pour envoyer les requêtes </a:t>
+            </a:r>
+            <a:r>
+              <a:rPr lang="fr-FR" sz="1600" b="1" dirty="0" smtClean="0">
+                <a:solidFill>
+                  <a:schemeClr val="bg1">
+                    <a:lumMod val="65000"/>
+                  </a:schemeClr>
+                </a:solidFill>
+              </a:rPr>
+              <a:t>JSON</a:t>
+            </a:r>
+            <a:r>
+              <a:rPr lang="fr-FR" sz="1600" dirty="0" smtClean="0">
+                <a:solidFill>
+                  <a:schemeClr val="bg1">
+                    <a:lumMod val="65000"/>
+                  </a:schemeClr>
+                </a:solidFill>
+              </a:rPr>
+              <a:t> vers le Back</a:t>
+            </a:r>
+          </a:p>
+          <a:p>
+            <a:endParaRPr lang="fr-FR" sz="1600" dirty="0">
+              <a:solidFill>
+                <a:schemeClr val="bg1">
+                  <a:lumMod val="65000"/>
+                </a:schemeClr>
+              </a:solidFill>
+            </a:endParaRPr>
+          </a:p>
+          <a:p>
+            <a:r>
+              <a:rPr lang="fr-FR" sz="1600" dirty="0" err="1" smtClean="0">
+                <a:solidFill>
+                  <a:schemeClr val="bg1">
+                    <a:lumMod val="65000"/>
+                  </a:schemeClr>
+                </a:solidFill>
+              </a:rPr>
+              <a:t>Hashage</a:t>
+            </a:r>
+            <a:r>
+              <a:rPr lang="fr-FR" sz="1600" dirty="0" smtClean="0">
+                <a:solidFill>
+                  <a:schemeClr val="bg1">
+                    <a:lumMod val="65000"/>
+                  </a:schemeClr>
+                </a:solidFill>
+              </a:rPr>
+              <a:t> des mots de passe dans le Front avec </a:t>
+            </a:r>
+            <a:r>
+              <a:rPr lang="fr-FR" sz="1600" b="1" dirty="0" smtClean="0">
+                <a:solidFill>
+                  <a:schemeClr val="bg1">
+                    <a:lumMod val="65000"/>
+                  </a:schemeClr>
+                </a:solidFill>
+              </a:rPr>
+              <a:t>Js-Sha256</a:t>
+            </a:r>
+          </a:p>
+        </p:txBody>
+      </p:sp>
+      <p:sp>
+        <p:nvSpPr>
+          <p:cNvPr id="6" name="ZoneTexte 5"/>
+          <p:cNvSpPr txBox="1"/>
+          <p:nvPr/>
+        </p:nvSpPr>
+        <p:spPr>
+          <a:xfrm>
+            <a:off x="1346662" y="1398292"/>
+            <a:ext cx="4463934" cy="1015663"/>
+          </a:xfrm>
+          <a:prstGeom prst="rect">
+            <a:avLst/>
+          </a:prstGeom>
+          <a:noFill/>
+        </p:spPr>
+        <p:txBody>
+          <a:bodyPr wrap="square" rtlCol="0">
+            <a:spAutoFit/>
+          </a:bodyPr>
+          <a:lstStyle/>
+          <a:p>
+            <a:pPr marL="285750" indent="-285750">
+              <a:buFont typeface="Wingdings" panose="05000000000000000000" pitchFamily="2" charset="2"/>
+              <a:buChar char="v"/>
+            </a:pPr>
+            <a:r>
+              <a:rPr lang="fr-FR" sz="2400" dirty="0" smtClean="0">
+                <a:solidFill>
+                  <a:schemeClr val="bg1">
+                    <a:lumMod val="65000"/>
+                  </a:schemeClr>
+                </a:solidFill>
+              </a:rPr>
+              <a:t>Dépendances </a:t>
+            </a:r>
+            <a:r>
+              <a:rPr lang="fr-FR" sz="2400" dirty="0" err="1" smtClean="0">
+                <a:solidFill>
+                  <a:schemeClr val="bg1">
+                    <a:lumMod val="65000"/>
+                  </a:schemeClr>
+                </a:solidFill>
+              </a:rPr>
+              <a:t>React</a:t>
+            </a:r>
+            <a:endParaRPr lang="fr-FR" sz="2400" dirty="0" smtClean="0">
+              <a:solidFill>
+                <a:schemeClr val="bg1">
+                  <a:lumMod val="65000"/>
+                </a:schemeClr>
+              </a:solidFill>
+            </a:endParaRPr>
+          </a:p>
+          <a:p>
+            <a:endParaRPr lang="fr-FR" dirty="0">
+              <a:solidFill>
+                <a:schemeClr val="bg1">
+                  <a:lumMod val="65000"/>
+                </a:schemeClr>
+              </a:solidFill>
+            </a:endParaRPr>
+          </a:p>
+          <a:p>
+            <a:endParaRPr lang="fr-FR" dirty="0">
+              <a:solidFill>
+                <a:schemeClr val="bg1">
+                  <a:lumMod val="65000"/>
+                </a:schemeClr>
+              </a:solidFill>
+            </a:endParaRPr>
+          </a:p>
+        </p:txBody>
+      </p:sp>
+      <p:sp>
+        <p:nvSpPr>
+          <p:cNvPr id="7" name="ZoneTexte 6"/>
+          <p:cNvSpPr txBox="1"/>
+          <p:nvPr/>
+        </p:nvSpPr>
+        <p:spPr>
+          <a:xfrm>
+            <a:off x="1546167" y="3690928"/>
+            <a:ext cx="6716684" cy="584775"/>
+          </a:xfrm>
+          <a:prstGeom prst="rect">
+            <a:avLst/>
+          </a:prstGeom>
+          <a:noFill/>
+        </p:spPr>
+        <p:txBody>
+          <a:bodyPr wrap="square" rtlCol="0">
+            <a:spAutoFit/>
+          </a:bodyPr>
+          <a:lstStyle/>
+          <a:p>
+            <a:endParaRPr lang="fr-FR" sz="1600" dirty="0">
+              <a:solidFill>
+                <a:schemeClr val="bg1">
+                  <a:lumMod val="65000"/>
+                </a:schemeClr>
+              </a:solidFill>
+            </a:endParaRPr>
+          </a:p>
+          <a:p>
+            <a:r>
+              <a:rPr lang="fr-FR" sz="1600" b="1" dirty="0" err="1" smtClean="0">
+                <a:solidFill>
+                  <a:schemeClr val="bg1">
+                    <a:lumMod val="65000"/>
+                  </a:schemeClr>
+                </a:solidFill>
+              </a:rPr>
+              <a:t>Bootstrap</a:t>
+            </a:r>
+            <a:r>
+              <a:rPr lang="fr-FR" sz="1600" dirty="0" smtClean="0">
+                <a:solidFill>
+                  <a:schemeClr val="bg1">
+                    <a:lumMod val="65000"/>
+                  </a:schemeClr>
+                </a:solidFill>
+              </a:rPr>
+              <a:t> </a:t>
+            </a:r>
+            <a:r>
+              <a:rPr lang="fr-FR" sz="1600" b="1" dirty="0" smtClean="0">
+                <a:solidFill>
+                  <a:schemeClr val="bg1">
+                    <a:lumMod val="65000"/>
+                  </a:schemeClr>
+                </a:solidFill>
+              </a:rPr>
+              <a:t>5</a:t>
+            </a:r>
+            <a:r>
+              <a:rPr lang="fr-FR" sz="1600" dirty="0" smtClean="0">
+                <a:solidFill>
+                  <a:schemeClr val="bg1">
+                    <a:lumMod val="65000"/>
+                  </a:schemeClr>
+                </a:solidFill>
+              </a:rPr>
+              <a:t> pour l’aspect visuel du site</a:t>
+            </a:r>
+            <a:endParaRPr lang="fr-FR" sz="1600" dirty="0">
+              <a:solidFill>
+                <a:schemeClr val="bg1">
+                  <a:lumMod val="65000"/>
+                </a:schemeClr>
+              </a:solidFill>
+            </a:endParaRPr>
+          </a:p>
+        </p:txBody>
+      </p:sp>
+      <p:sp>
+        <p:nvSpPr>
+          <p:cNvPr id="8" name="ZoneTexte 7"/>
+          <p:cNvSpPr txBox="1"/>
+          <p:nvPr/>
+        </p:nvSpPr>
+        <p:spPr>
+          <a:xfrm>
+            <a:off x="1346662" y="3183097"/>
+            <a:ext cx="4463934" cy="1015663"/>
+          </a:xfrm>
+          <a:prstGeom prst="rect">
+            <a:avLst/>
+          </a:prstGeom>
+          <a:noFill/>
+        </p:spPr>
+        <p:txBody>
+          <a:bodyPr wrap="square" rtlCol="0">
+            <a:spAutoFit/>
+          </a:bodyPr>
+          <a:lstStyle/>
+          <a:p>
+            <a:pPr marL="285750" indent="-285750">
+              <a:buFont typeface="Wingdings" panose="05000000000000000000" pitchFamily="2" charset="2"/>
+              <a:buChar char="v"/>
+            </a:pPr>
+            <a:r>
+              <a:rPr lang="fr-FR" sz="2400" dirty="0" smtClean="0">
+                <a:solidFill>
+                  <a:schemeClr val="bg1">
+                    <a:lumMod val="65000"/>
+                  </a:schemeClr>
+                </a:solidFill>
+              </a:rPr>
+              <a:t>HTML/CSS</a:t>
+            </a:r>
+          </a:p>
+          <a:p>
+            <a:endParaRPr lang="fr-FR" dirty="0">
+              <a:solidFill>
+                <a:schemeClr val="bg1">
+                  <a:lumMod val="65000"/>
+                </a:schemeClr>
+              </a:solidFill>
+            </a:endParaRPr>
+          </a:p>
+          <a:p>
+            <a:endParaRPr lang="fr-FR" dirty="0">
+              <a:solidFill>
+                <a:schemeClr val="bg1">
+                  <a:lumMod val="65000"/>
+                </a:schemeClr>
+              </a:solidFill>
+            </a:endParaRPr>
+          </a:p>
+        </p:txBody>
+      </p:sp>
+      <p:sp>
+        <p:nvSpPr>
+          <p:cNvPr id="10" name="ZoneTexte 9"/>
+          <p:cNvSpPr txBox="1"/>
+          <p:nvPr/>
+        </p:nvSpPr>
+        <p:spPr>
+          <a:xfrm>
+            <a:off x="1546167" y="5166308"/>
+            <a:ext cx="6716684" cy="830997"/>
+          </a:xfrm>
+          <a:prstGeom prst="rect">
+            <a:avLst/>
+          </a:prstGeom>
+          <a:noFill/>
+        </p:spPr>
+        <p:txBody>
+          <a:bodyPr wrap="square" rtlCol="0">
+            <a:spAutoFit/>
+          </a:bodyPr>
+          <a:lstStyle/>
+          <a:p>
+            <a:r>
+              <a:rPr lang="fr-FR" sz="1600" dirty="0" smtClean="0">
+                <a:solidFill>
+                  <a:schemeClr val="bg1">
+                    <a:lumMod val="65000"/>
+                  </a:schemeClr>
+                </a:solidFill>
+              </a:rPr>
+              <a:t>Session stockée dans le </a:t>
+            </a:r>
+            <a:r>
+              <a:rPr lang="fr-FR" sz="1600" b="1" dirty="0" err="1" smtClean="0">
+                <a:solidFill>
+                  <a:schemeClr val="bg1">
+                    <a:lumMod val="65000"/>
+                  </a:schemeClr>
+                </a:solidFill>
+              </a:rPr>
+              <a:t>localStorage</a:t>
+            </a:r>
+            <a:endParaRPr lang="fr-FR" sz="1600" b="1" dirty="0" smtClean="0">
+              <a:solidFill>
+                <a:schemeClr val="bg1">
+                  <a:lumMod val="65000"/>
+                </a:schemeClr>
+              </a:solidFill>
+            </a:endParaRPr>
+          </a:p>
+          <a:p>
+            <a:endParaRPr lang="fr-FR" sz="1600" dirty="0">
+              <a:solidFill>
+                <a:schemeClr val="bg1">
+                  <a:lumMod val="65000"/>
+                </a:schemeClr>
+              </a:solidFill>
+            </a:endParaRPr>
+          </a:p>
+          <a:p>
+            <a:r>
+              <a:rPr lang="fr-FR" sz="1600" dirty="0" smtClean="0">
+                <a:solidFill>
+                  <a:schemeClr val="bg1">
+                    <a:lumMod val="65000"/>
+                  </a:schemeClr>
+                </a:solidFill>
+              </a:rPr>
+              <a:t>Expiration de la session après </a:t>
+            </a:r>
+            <a:r>
+              <a:rPr lang="fr-FR" sz="1600" b="1" dirty="0" smtClean="0">
+                <a:solidFill>
+                  <a:schemeClr val="bg1">
+                    <a:lumMod val="65000"/>
+                  </a:schemeClr>
+                </a:solidFill>
+              </a:rPr>
+              <a:t>30min</a:t>
+            </a:r>
+            <a:r>
+              <a:rPr lang="fr-FR" sz="1600" dirty="0" smtClean="0">
+                <a:solidFill>
+                  <a:schemeClr val="bg1">
+                    <a:lumMod val="65000"/>
+                  </a:schemeClr>
+                </a:solidFill>
+              </a:rPr>
+              <a:t> d’inactivité</a:t>
+            </a:r>
+          </a:p>
+        </p:txBody>
+      </p:sp>
+      <p:sp>
+        <p:nvSpPr>
+          <p:cNvPr id="11" name="ZoneTexte 10"/>
+          <p:cNvSpPr txBox="1"/>
+          <p:nvPr/>
+        </p:nvSpPr>
+        <p:spPr>
+          <a:xfrm>
+            <a:off x="1346662" y="4567792"/>
+            <a:ext cx="4463934" cy="1015663"/>
+          </a:xfrm>
+          <a:prstGeom prst="rect">
+            <a:avLst/>
+          </a:prstGeom>
+          <a:noFill/>
+        </p:spPr>
+        <p:txBody>
+          <a:bodyPr wrap="square" rtlCol="0">
+            <a:spAutoFit/>
+          </a:bodyPr>
+          <a:lstStyle/>
+          <a:p>
+            <a:pPr marL="285750" indent="-285750">
+              <a:buFont typeface="Wingdings" panose="05000000000000000000" pitchFamily="2" charset="2"/>
+              <a:buChar char="v"/>
+            </a:pPr>
+            <a:r>
+              <a:rPr lang="fr-FR" sz="2400" dirty="0" smtClean="0">
+                <a:solidFill>
+                  <a:schemeClr val="bg1">
+                    <a:lumMod val="65000"/>
+                  </a:schemeClr>
+                </a:solidFill>
+              </a:rPr>
+              <a:t>Gestion des sessions</a:t>
+            </a:r>
+          </a:p>
+          <a:p>
+            <a:endParaRPr lang="fr-FR" dirty="0">
+              <a:solidFill>
+                <a:schemeClr val="bg1">
+                  <a:lumMod val="65000"/>
+                </a:schemeClr>
+              </a:solidFill>
+            </a:endParaRPr>
+          </a:p>
+          <a:p>
+            <a:endParaRPr lang="fr-FR" dirty="0">
+              <a:solidFill>
+                <a:schemeClr val="bg1">
+                  <a:lumMod val="65000"/>
+                </a:schemeClr>
+              </a:solidFill>
+            </a:endParaRPr>
+          </a:p>
+        </p:txBody>
+      </p:sp>
+    </p:spTree>
+    <p:extLst>
+      <p:ext uri="{BB962C8B-B14F-4D97-AF65-F5344CB8AC3E}">
+        <p14:creationId xmlns:p14="http://schemas.microsoft.com/office/powerpoint/2010/main" val="3933585696"/>
+      </p:ext>
+    </p:extLst>
+  </p:cSld>
+  <p:clrMapOvr>
+    <a:masterClrMapping/>
+  </p:clrMapOvr>
+</p:sld>
+</file>
+
+<file path=ppt/slides/slide11.xml><?xml version="1.0" encoding="utf-8"?>
+<p:sld xmlns:a="http://schemas.openxmlformats.org/drawingml/2006/main" xmlns:r="http://schemas.openxmlformats.org/officeDocument/2006/relationships" xmlns:p="http://schemas.openxmlformats.org/presentationml/2006/main">
+  <p:cSld>
+    <p:spTree>
+      <p:nvGrpSpPr>
+        <p:cNvPr id="1" name=""/>
+        <p:cNvGrpSpPr/>
+        <p:nvPr/>
+      </p:nvGrpSpPr>
+      <p:grpSpPr>
+        <a:xfrm>
+          <a:off x="0" y="0"/>
+          <a:ext cx="0" cy="0"/>
+          <a:chOff x="0" y="0"/>
+          <a:chExt cx="0" cy="0"/>
+        </a:xfrm>
+      </p:grpSpPr>
+      <p:sp>
+        <p:nvSpPr>
+          <p:cNvPr id="2" name="Titre 1"/>
+          <p:cNvSpPr>
+            <a:spLocks noGrp="1"/>
+          </p:cNvSpPr>
+          <p:nvPr>
+            <p:ph type="ctrTitle"/>
+          </p:nvPr>
+        </p:nvSpPr>
+        <p:spPr>
+          <a:xfrm>
+            <a:off x="906086" y="-258478"/>
+            <a:ext cx="5868786" cy="1656770"/>
+          </a:xfrm>
+        </p:spPr>
+        <p:txBody>
+          <a:bodyPr/>
+          <a:lstStyle/>
+          <a:p>
+            <a:r>
+              <a:rPr lang="fr-FR" sz="4000" dirty="0" smtClean="0"/>
+              <a:t>Cheminement du front </a:t>
+            </a:r>
+            <a:br>
+              <a:rPr lang="fr-FR" sz="4000" dirty="0" smtClean="0"/>
+            </a:br>
+            <a:r>
+              <a:rPr lang="fr-FR" sz="4000" dirty="0" smtClean="0"/>
+              <a:t>au back-end</a:t>
+            </a:r>
+            <a:endParaRPr lang="fr-FR" sz="4000" dirty="0"/>
+          </a:p>
+        </p:txBody>
+      </p:sp>
+      <p:pic>
+        <p:nvPicPr>
+          <p:cNvPr id="5" name="Image 4"/>
+          <p:cNvPicPr>
+            <a:picLocks noChangeAspect="1"/>
+          </p:cNvPicPr>
+          <p:nvPr/>
+        </p:nvPicPr>
+        <p:blipFill>
+          <a:blip r:embed="rId2">
+            <a:extLst>
+              <a:ext uri="{28A0092B-C50C-407E-A947-70E740481C1C}">
+                <a14:useLocalDpi xmlns:a14="http://schemas.microsoft.com/office/drawing/2010/main" val="0"/>
+              </a:ext>
+            </a:extLst>
+          </a:blip>
+          <a:stretch>
+            <a:fillRect/>
+          </a:stretch>
+        </p:blipFill>
+        <p:spPr>
+          <a:xfrm>
+            <a:off x="7739148" y="182880"/>
+            <a:ext cx="1438101" cy="1431154"/>
+          </a:xfrm>
+          <a:prstGeom prst="rect">
+            <a:avLst/>
+          </a:prstGeom>
+        </p:spPr>
+      </p:pic>
+      <p:sp>
+        <p:nvSpPr>
+          <p:cNvPr id="9" name="ZoneTexte 8"/>
+          <p:cNvSpPr txBox="1"/>
+          <p:nvPr/>
+        </p:nvSpPr>
+        <p:spPr>
+          <a:xfrm>
+            <a:off x="1305098" y="2298951"/>
+            <a:ext cx="6716684" cy="369332"/>
+          </a:xfrm>
+          <a:prstGeom prst="rect">
+            <a:avLst/>
+          </a:prstGeom>
+          <a:noFill/>
+        </p:spPr>
+        <p:txBody>
+          <a:bodyPr wrap="square" rtlCol="0">
+            <a:spAutoFit/>
+          </a:bodyPr>
+          <a:lstStyle/>
+          <a:p>
+            <a:r>
+              <a:rPr lang="fr-FR" dirty="0" smtClean="0">
+                <a:solidFill>
+                  <a:schemeClr val="bg1">
+                    <a:lumMod val="65000"/>
+                  </a:schemeClr>
+                </a:solidFill>
+              </a:rPr>
+              <a:t>Exemple de la connexion d’un utilisateur</a:t>
+            </a:r>
+            <a:endParaRPr lang="fr-FR" b="1" dirty="0" smtClean="0">
+              <a:solidFill>
+                <a:schemeClr val="bg1">
+                  <a:lumMod val="65000"/>
+                </a:schemeClr>
+              </a:solidFill>
+            </a:endParaRPr>
+          </a:p>
+        </p:txBody>
+      </p:sp>
+    </p:spTree>
+    <p:extLst>
+      <p:ext uri="{BB962C8B-B14F-4D97-AF65-F5344CB8AC3E}">
+        <p14:creationId xmlns:p14="http://schemas.microsoft.com/office/powerpoint/2010/main" val="2931377543"/>
+      </p:ext>
+    </p:extLst>
+  </p:cSld>
+  <p:clrMapOvr>
+    <a:masterClrMapping/>
+  </p:clrMapOvr>
+</p:sld>
+</file>
+
+<file path=ppt/slides/slide12.xml><?xml version="1.0" encoding="utf-8"?>
+<p:sld xmlns:a="http://schemas.openxmlformats.org/drawingml/2006/main" xmlns:r="http://schemas.openxmlformats.org/officeDocument/2006/relationships" xmlns:p="http://schemas.openxmlformats.org/presentationml/2006/main">
+  <p:cSld>
+    <p:spTree>
+      <p:nvGrpSpPr>
+        <p:cNvPr id="1" name=""/>
+        <p:cNvGrpSpPr/>
+        <p:nvPr/>
+      </p:nvGrpSpPr>
+      <p:grpSpPr>
+        <a:xfrm>
+          <a:off x="0" y="0"/>
+          <a:ext cx="0" cy="0"/>
+          <a:chOff x="0" y="0"/>
+          <a:chExt cx="0" cy="0"/>
+        </a:xfrm>
+      </p:grpSpPr>
+      <p:sp>
+        <p:nvSpPr>
+          <p:cNvPr id="2" name="Titre 1"/>
+          <p:cNvSpPr>
+            <a:spLocks noGrp="1"/>
+          </p:cNvSpPr>
+          <p:nvPr>
+            <p:ph type="ctrTitle"/>
+          </p:nvPr>
+        </p:nvSpPr>
+        <p:spPr>
+          <a:xfrm>
+            <a:off x="906086" y="-258478"/>
+            <a:ext cx="4937761" cy="1239380"/>
+          </a:xfrm>
+        </p:spPr>
+        <p:txBody>
+          <a:bodyPr/>
+          <a:lstStyle/>
+          <a:p>
+            <a:r>
+              <a:rPr lang="fr-FR" dirty="0" smtClean="0"/>
+              <a:t>Démonstration</a:t>
+            </a:r>
+            <a:endParaRPr lang="fr-FR" dirty="0"/>
+          </a:p>
+        </p:txBody>
+      </p:sp>
+      <p:pic>
+        <p:nvPicPr>
+          <p:cNvPr id="5" name="Image 4"/>
+          <p:cNvPicPr>
+            <a:picLocks noChangeAspect="1"/>
+          </p:cNvPicPr>
+          <p:nvPr/>
+        </p:nvPicPr>
+        <p:blipFill>
+          <a:blip r:embed="rId2">
+            <a:extLst>
+              <a:ext uri="{28A0092B-C50C-407E-A947-70E740481C1C}">
+                <a14:useLocalDpi xmlns:a14="http://schemas.microsoft.com/office/drawing/2010/main" val="0"/>
+              </a:ext>
+            </a:extLst>
+          </a:blip>
+          <a:stretch>
+            <a:fillRect/>
+          </a:stretch>
+        </p:blipFill>
+        <p:spPr>
+          <a:xfrm>
+            <a:off x="7739148" y="182880"/>
+            <a:ext cx="1438101" cy="1431154"/>
+          </a:xfrm>
+          <a:prstGeom prst="rect">
+            <a:avLst/>
+          </a:prstGeom>
+        </p:spPr>
+      </p:pic>
+    </p:spTree>
+    <p:extLst>
+      <p:ext uri="{BB962C8B-B14F-4D97-AF65-F5344CB8AC3E}">
+        <p14:creationId xmlns:p14="http://schemas.microsoft.com/office/powerpoint/2010/main" val="969082092"/>
+      </p:ext>
+    </p:extLst>
+  </p:cSld>
+  <p:clrMapOvr>
+    <a:masterClrMapping/>
+  </p:clrMapOvr>
+</p:sld>
+</file>
+
+<file path=ppt/slides/slide2.xml><?xml version="1.0" encoding="utf-8"?>
+<p:sld xmlns:a="http://schemas.openxmlformats.org/drawingml/2006/main" xmlns:r="http://schemas.openxmlformats.org/officeDocument/2006/relationships" xmlns:p="http://schemas.openxmlformats.org/presentationml/2006/main">
+  <p:cSld>
+    <p:spTree>
+      <p:nvGrpSpPr>
+        <p:cNvPr id="1" name=""/>
+        <p:cNvGrpSpPr/>
+        <p:nvPr/>
+      </p:nvGrpSpPr>
+      <p:grpSpPr>
+        <a:xfrm>
+          <a:off x="0" y="0"/>
+          <a:ext cx="0" cy="0"/>
+          <a:chOff x="0" y="0"/>
+          <a:chExt cx="0" cy="0"/>
+        </a:xfrm>
+      </p:grpSpPr>
+      <p:sp>
+        <p:nvSpPr>
+          <p:cNvPr id="2" name="Titre 1"/>
+          <p:cNvSpPr>
+            <a:spLocks noGrp="1"/>
+          </p:cNvSpPr>
+          <p:nvPr>
+            <p:ph type="ctrTitle"/>
+          </p:nvPr>
+        </p:nvSpPr>
+        <p:spPr>
+          <a:xfrm>
+            <a:off x="609292" y="83127"/>
+            <a:ext cx="4370032" cy="1058254"/>
+          </a:xfrm>
+        </p:spPr>
+        <p:txBody>
+          <a:bodyPr/>
+          <a:lstStyle/>
+          <a:p>
+            <a:r>
+              <a:rPr lang="fr-FR" dirty="0" smtClean="0"/>
+              <a:t>Présentation</a:t>
+            </a:r>
+            <a:endParaRPr lang="fr-FR" dirty="0"/>
+          </a:p>
+        </p:txBody>
+      </p:sp>
+      <p:pic>
+        <p:nvPicPr>
+          <p:cNvPr id="5" name="Image 4"/>
+          <p:cNvPicPr>
+            <a:picLocks noChangeAspect="1"/>
+          </p:cNvPicPr>
+          <p:nvPr/>
+        </p:nvPicPr>
+        <p:blipFill>
+          <a:blip r:embed="rId2">
+            <a:extLst>
+              <a:ext uri="{28A0092B-C50C-407E-A947-70E740481C1C}">
+                <a14:useLocalDpi xmlns:a14="http://schemas.microsoft.com/office/drawing/2010/main" val="0"/>
+              </a:ext>
+            </a:extLst>
+          </a:blip>
+          <a:stretch>
+            <a:fillRect/>
+          </a:stretch>
+        </p:blipFill>
+        <p:spPr>
+          <a:xfrm>
+            <a:off x="7739148" y="182880"/>
+            <a:ext cx="1438101" cy="1431154"/>
+          </a:xfrm>
+          <a:prstGeom prst="rect">
+            <a:avLst/>
+          </a:prstGeom>
+        </p:spPr>
+      </p:pic>
+      <p:sp>
+        <p:nvSpPr>
           <p:cNvPr id="6" name="ZoneTexte 5"/>
           <p:cNvSpPr txBox="1"/>
           <p:nvPr/>
@@ -6314,7 +6971,7 @@
         <p:spPr>
           <a:xfrm>
             <a:off x="1346662" y="1429789"/>
-            <a:ext cx="4463934" cy="1015663"/>
+            <a:ext cx="4463934" cy="738664"/>
           </a:xfrm>
           <a:prstGeom prst="rect">
             <a:avLst/>
@@ -6341,8 +6998,6 @@
               </a:rPr>
               <a:t>Conception</a:t>
             </a:r>
-          </a:p>
-          <a:p>
             <a:endParaRPr lang="fr-FR" dirty="0">
               <a:solidFill>
                 <a:schemeClr val="bg1">
@@ -6371,7 +7026,7 @@
         <p:spPr>
           <a:xfrm>
             <a:off x="1546167" y="2028305"/>
-            <a:ext cx="6716684" cy="1323439"/>
+            <a:ext cx="6716684" cy="1815882"/>
           </a:xfrm>
           <a:prstGeom prst="rect">
             <a:avLst/>
@@ -6383,6 +7038,27 @@
             <a:spAutoFit/>
           </a:bodyPr>
           <a:lstStyle/>
+          <a:p>
+            <a:r>
+              <a:rPr lang="fr-FR" sz="1600" dirty="0" smtClean="0">
+                <a:solidFill>
+                  <a:schemeClr val="bg1">
+                    <a:lumMod val="65000"/>
+                  </a:schemeClr>
+                </a:solidFill>
+              </a:rPr>
+              <a:t>Cahier des charges</a:t>
+            </a:r>
+          </a:p>
+          <a:p>
+            <a:endParaRPr lang="fr-FR" sz="1600" dirty="0">
+              <a:solidFill>
+                <a:schemeClr val="bg1">
+                  <a:lumMod val="65000"/>
+                </a:schemeClr>
+              </a:solidFill>
+            </a:endParaRPr>
+          </a:p>
           <a:p>
             <a:r>
               <a:rPr lang="fr-FR" sz="1600" dirty="0" smtClean="0">
@@ -8774,6 +9450,196 @@
           <a:chExt cx="0" cy="0"/>
         </a:xfrm>
       </p:grpSpPr>
+      <p:pic>
+        <p:nvPicPr>
+          <p:cNvPr id="4" name="Image 3"/>
+          <p:cNvPicPr>
+            <a:picLocks noChangeAspect="1"/>
+          </p:cNvPicPr>
+          <p:nvPr/>
+        </p:nvPicPr>
+        <p:blipFill rotWithShape="1">
+          <a:blip r:embed="rId2">
+            <a:extLst>
+              <a:ext uri="{28A0092B-C50C-407E-A947-70E740481C1C}">
+                <a14:useLocalDpi xmlns:a14="http://schemas.microsoft.com/office/drawing/2010/main" val="0"/>
+              </a:ext>
+            </a:extLst>
+          </a:blip>
+          <a:srcRect b="41577"/>
+          <a:stretch/>
+        </p:blipFill>
+        <p:spPr>
+          <a:xfrm>
+            <a:off x="366525" y="1081215"/>
+            <a:ext cx="4445812" cy="5627156"/>
+          </a:xfrm>
+          <a:prstGeom prst="rect">
+            <a:avLst/>
+          </a:prstGeom>
+        </p:spPr>
+      </p:pic>
+      <p:sp>
+        <p:nvSpPr>
+          <p:cNvPr id="5" name="Titre 1"/>
+          <p:cNvSpPr txBox="1">
+            <a:spLocks/>
+          </p:cNvSpPr>
+          <p:nvPr/>
+        </p:nvSpPr>
+        <p:spPr>
+          <a:xfrm>
+            <a:off x="291634" y="207817"/>
+            <a:ext cx="8326890" cy="1058254"/>
+          </a:xfrm>
+          <a:prstGeom prst="rect">
+            <a:avLst/>
+          </a:prstGeom>
+        </p:spPr>
+        <p:txBody>
+          <a:bodyPr vert="horz" lIns="91440" tIns="45720" rIns="91440" bIns="45720" rtlCol="0" anchor="t">
+            <a:normAutofit fontScale="85000" lnSpcReduction="10000"/>
+          </a:bodyPr>
+          <a:lstStyle>
+            <a:lvl1pPr algn="l" defTabSz="457200" rtl="0" eaLnBrk="1" latinLnBrk="0" hangingPunct="1">
+              <a:spcBef>
+                <a:spcPct val="0"/>
+              </a:spcBef>
+              <a:buNone/>
+              <a:defRPr sz="3600" kern="1200">
+                <a:solidFill>
+                  <a:schemeClr val="accent1"/>
+                </a:solidFill>
+                <a:latin typeface="+mj-lt"/>
+                <a:ea typeface="+mj-ea"/>
+                <a:cs typeface="+mj-cs"/>
+              </a:defRPr>
+            </a:lvl1pPr>
+            <a:lvl2pPr eaLnBrk="1" hangingPunct="1">
+              <a:defRPr>
+                <a:solidFill>
+                  <a:schemeClr val="tx2"/>
+                </a:solidFill>
+              </a:defRPr>
+            </a:lvl2pPr>
+            <a:lvl3pPr eaLnBrk="1" hangingPunct="1">
+              <a:defRPr>
+                <a:solidFill>
+                  <a:schemeClr val="tx2"/>
+                </a:solidFill>
+              </a:defRPr>
+            </a:lvl3pPr>
+            <a:lvl4pPr eaLnBrk="1" hangingPunct="1">
+              <a:defRPr>
+                <a:solidFill>
+                  <a:schemeClr val="tx2"/>
+                </a:solidFill>
+              </a:defRPr>
+            </a:lvl4pPr>
+            <a:lvl5pPr eaLnBrk="1" hangingPunct="1">
+              <a:defRPr>
+                <a:solidFill>
+                  <a:schemeClr val="tx2"/>
+                </a:solidFill>
+              </a:defRPr>
+            </a:lvl5pPr>
+            <a:lvl6pPr eaLnBrk="1" hangingPunct="1">
+              <a:defRPr>
+                <a:solidFill>
+                  <a:schemeClr val="tx2"/>
+                </a:solidFill>
+              </a:defRPr>
+            </a:lvl6pPr>
+            <a:lvl7pPr eaLnBrk="1" hangingPunct="1">
+              <a:defRPr>
+                <a:solidFill>
+                  <a:schemeClr val="tx2"/>
+                </a:solidFill>
+              </a:defRPr>
+            </a:lvl7pPr>
+            <a:lvl8pPr eaLnBrk="1" hangingPunct="1">
+              <a:defRPr>
+                <a:solidFill>
+                  <a:schemeClr val="tx2"/>
+                </a:solidFill>
+              </a:defRPr>
+            </a:lvl8pPr>
+            <a:lvl9pPr eaLnBrk="1" hangingPunct="1">
+              <a:defRPr>
+                <a:solidFill>
+                  <a:schemeClr val="tx2"/>
+                </a:solidFill>
+              </a:defRPr>
+            </a:lvl9pPr>
+          </a:lstStyle>
+          <a:p>
+            <a:r>
+              <a:rPr lang="fr-FR" sz="5400" dirty="0" smtClean="0"/>
+              <a:t>Diagramme de cas d’utilisation</a:t>
+            </a:r>
+            <a:endParaRPr lang="fr-FR" sz="5400" dirty="0"/>
+          </a:p>
+        </p:txBody>
+      </p:sp>
+      <p:pic>
+        <p:nvPicPr>
+          <p:cNvPr id="6" name="Image 5"/>
+          <p:cNvPicPr>
+            <a:picLocks noChangeAspect="1"/>
+          </p:cNvPicPr>
+          <p:nvPr/>
+        </p:nvPicPr>
+        <p:blipFill rotWithShape="1">
+          <a:blip r:embed="rId2">
+            <a:extLst>
+              <a:ext uri="{28A0092B-C50C-407E-A947-70E740481C1C}">
+                <a14:useLocalDpi xmlns:a14="http://schemas.microsoft.com/office/drawing/2010/main" val="0"/>
+              </a:ext>
+            </a:extLst>
+          </a:blip>
+          <a:srcRect l="1904" t="60000" r="7787"/>
+          <a:stretch/>
+        </p:blipFill>
+        <p:spPr>
+          <a:xfrm>
+            <a:off x="4796443" y="1081215"/>
+            <a:ext cx="4729942" cy="4538749"/>
+          </a:xfrm>
+          <a:prstGeom prst="rect">
+            <a:avLst/>
+          </a:prstGeom>
+        </p:spPr>
+      </p:pic>
+    </p:spTree>
+    <p:extLst>
+      <p:ext uri="{BB962C8B-B14F-4D97-AF65-F5344CB8AC3E}">
+        <p14:creationId xmlns:p14="http://schemas.microsoft.com/office/powerpoint/2010/main" val="1638862961"/>
+      </p:ext>
+    </p:extLst>
+  </p:cSld>
+  <p:clrMapOvr>
+    <a:masterClrMapping/>
+  </p:clrMapOvr>
+</p:sld>
+</file>
+
+<file path=ppt/slides/slide8.xml><?xml version="1.0" encoding="utf-8"?>
+<p:sld xmlns:a="http://schemas.openxmlformats.org/drawingml/2006/main" xmlns:r="http://schemas.openxmlformats.org/officeDocument/2006/relationships" xmlns:p="http://schemas.openxmlformats.org/presentationml/2006/main">
+  <p:cSld>
+    <p:spTree>
+      <p:nvGrpSpPr>
+        <p:cNvPr id="1" name=""/>
+        <p:cNvGrpSpPr/>
+        <p:nvPr/>
+      </p:nvGrpSpPr>
+      <p:grpSpPr>
+        <a:xfrm>
+          <a:off x="0" y="0"/>
+          <a:ext cx="0" cy="0"/>
+          <a:chOff x="0" y="0"/>
+          <a:chExt cx="0" cy="0"/>
+        </a:xfrm>
+      </p:grpSpPr>
       <p:sp>
         <p:nvSpPr>
           <p:cNvPr id="2" name="Titre 1"/>
@@ -9194,7 +10060,7 @@
 </p:sld>
 </file>
 
-<file path=ppt/slides/slide8.xml><?xml version="1.0" encoding="utf-8"?>
+<file path=ppt/slides/slide9.xml><?xml version="1.0" encoding="utf-8"?>
 <p:sld xmlns:a="http://schemas.openxmlformats.org/drawingml/2006/main" xmlns:r="http://schemas.openxmlformats.org/officeDocument/2006/relationships" xmlns:p="http://schemas.openxmlformats.org/presentationml/2006/main">
   <p:cSld>
     <p:spTree>
@@ -9653,532 +10519,6 @@
     <p:extLst>
       <p:ext uri="{BB962C8B-B14F-4D97-AF65-F5344CB8AC3E}">
         <p14:creationId xmlns:p14="http://schemas.microsoft.com/office/powerpoint/2010/main" val="2426825249"/>
-      </p:ext>
-    </p:extLst>
-  </p:cSld>
-  <p:clrMapOvr>
-    <a:masterClrMapping/>
-  </p:clrMapOvr>
-</p:sld>
-</file>
-
-<file path=ppt/slides/slide9.xml><?xml version="1.0" encoding="utf-8"?>
-<p:sld xmlns:a="http://schemas.openxmlformats.org/drawingml/2006/main" xmlns:r="http://schemas.openxmlformats.org/officeDocument/2006/relationships" xmlns:p="http://schemas.openxmlformats.org/presentationml/2006/main">
-  <p:cSld>
-    <p:spTree>
-      <p:nvGrpSpPr>
-        <p:cNvPr id="1" name=""/>
-        <p:cNvGrpSpPr/>
-        <p:nvPr/>
-      </p:nvGrpSpPr>
-      <p:grpSpPr>
-        <a:xfrm>
-          <a:off x="0" y="0"/>
-          <a:ext cx="0" cy="0"/>
-          <a:chOff x="0" y="0"/>
-          <a:chExt cx="0" cy="0"/>
-        </a:xfrm>
-      </p:grpSpPr>
-      <p:sp>
-        <p:nvSpPr>
-          <p:cNvPr id="2" name="Titre 1"/>
-          <p:cNvSpPr>
-            <a:spLocks noGrp="1"/>
-          </p:cNvSpPr>
-          <p:nvPr>
-            <p:ph type="ctrTitle"/>
-          </p:nvPr>
-        </p:nvSpPr>
-        <p:spPr>
-          <a:xfrm>
-            <a:off x="609292" y="83127"/>
-            <a:ext cx="3630199" cy="1058254"/>
-          </a:xfrm>
-        </p:spPr>
-        <p:txBody>
-          <a:bodyPr/>
-          <a:lstStyle/>
-          <a:p>
-            <a:r>
-              <a:rPr lang="fr-FR" dirty="0" smtClean="0"/>
-              <a:t>Front-end</a:t>
-            </a:r>
-            <a:endParaRPr lang="fr-FR" dirty="0"/>
-          </a:p>
-        </p:txBody>
-      </p:sp>
-      <p:pic>
-        <p:nvPicPr>
-          <p:cNvPr id="5" name="Image 4"/>
-          <p:cNvPicPr>
-            <a:picLocks noChangeAspect="1"/>
-          </p:cNvPicPr>
-          <p:nvPr/>
-        </p:nvPicPr>
-        <p:blipFill>
-          <a:blip r:embed="rId2">
-            <a:extLst>
-              <a:ext uri="{28A0092B-C50C-407E-A947-70E740481C1C}">
-                <a14:useLocalDpi xmlns:a14="http://schemas.microsoft.com/office/drawing/2010/main" val="0"/>
-              </a:ext>
-            </a:extLst>
-          </a:blip>
-          <a:stretch>
-            <a:fillRect/>
-          </a:stretch>
-        </p:blipFill>
-        <p:spPr>
-          <a:xfrm>
-            <a:off x="7739148" y="182880"/>
-            <a:ext cx="1438101" cy="1431154"/>
-          </a:xfrm>
-          <a:prstGeom prst="rect">
-            <a:avLst/>
-          </a:prstGeom>
-        </p:spPr>
-      </p:pic>
-      <p:sp>
-        <p:nvSpPr>
-          <p:cNvPr id="9" name="ZoneTexte 8"/>
-          <p:cNvSpPr txBox="1"/>
-          <p:nvPr/>
-        </p:nvSpPr>
-        <p:spPr>
-          <a:xfrm>
-            <a:off x="1546167" y="1983067"/>
-            <a:ext cx="6716684" cy="830997"/>
-          </a:xfrm>
-          <a:prstGeom prst="rect">
-            <a:avLst/>
-          </a:prstGeom>
-          <a:noFill/>
-        </p:spPr>
-        <p:txBody>
-          <a:bodyPr wrap="square" rtlCol="0">
-            <a:spAutoFit/>
-          </a:bodyPr>
-          <a:lstStyle/>
-          <a:p>
-            <a:r>
-              <a:rPr lang="fr-FR" sz="1600" dirty="0" smtClean="0">
-                <a:solidFill>
-                  <a:schemeClr val="bg1">
-                    <a:lumMod val="65000"/>
-                  </a:schemeClr>
-                </a:solidFill>
-              </a:rPr>
-              <a:t>Utilisation de </a:t>
-            </a:r>
-            <a:r>
-              <a:rPr lang="fr-FR" sz="1600" b="1" dirty="0" err="1" smtClean="0">
-                <a:solidFill>
-                  <a:schemeClr val="bg1">
-                    <a:lumMod val="65000"/>
-                  </a:schemeClr>
-                </a:solidFill>
-              </a:rPr>
-              <a:t>Axios</a:t>
-            </a:r>
-            <a:r>
-              <a:rPr lang="fr-FR" sz="1600" dirty="0" smtClean="0">
-                <a:solidFill>
-                  <a:schemeClr val="bg1">
-                    <a:lumMod val="65000"/>
-                  </a:schemeClr>
-                </a:solidFill>
-              </a:rPr>
-              <a:t> pour envoyer les requêtes vers le back-end</a:t>
-            </a:r>
-          </a:p>
-          <a:p>
-            <a:endParaRPr lang="fr-FR" sz="1600" dirty="0">
-              <a:solidFill>
-                <a:schemeClr val="bg1">
-                  <a:lumMod val="65000"/>
-                </a:schemeClr>
-              </a:solidFill>
-            </a:endParaRPr>
-          </a:p>
-          <a:p>
-            <a:r>
-              <a:rPr lang="fr-FR" sz="1600" dirty="0" err="1" smtClean="0">
-                <a:solidFill>
-                  <a:schemeClr val="bg1">
-                    <a:lumMod val="65000"/>
-                  </a:schemeClr>
-                </a:solidFill>
-              </a:rPr>
-              <a:t>Hashage</a:t>
-            </a:r>
-            <a:r>
-              <a:rPr lang="fr-FR" sz="1600" dirty="0" smtClean="0">
-                <a:solidFill>
-                  <a:schemeClr val="bg1">
-                    <a:lumMod val="65000"/>
-                  </a:schemeClr>
-                </a:solidFill>
-              </a:rPr>
-              <a:t> des mots de passe dans le Front avec </a:t>
-            </a:r>
-            <a:r>
-              <a:rPr lang="fr-FR" sz="1600" b="1" dirty="0" smtClean="0">
-                <a:solidFill>
-                  <a:schemeClr val="bg1">
-                    <a:lumMod val="65000"/>
-                  </a:schemeClr>
-                </a:solidFill>
-              </a:rPr>
-              <a:t>Js-Sha256</a:t>
-            </a:r>
-          </a:p>
-        </p:txBody>
-      </p:sp>
-      <p:sp>
-        <p:nvSpPr>
-          <p:cNvPr id="6" name="ZoneTexte 5"/>
-          <p:cNvSpPr txBox="1"/>
-          <p:nvPr/>
-        </p:nvSpPr>
-        <p:spPr>
-          <a:xfrm>
-            <a:off x="1346662" y="1398292"/>
-            <a:ext cx="4463934" cy="1015663"/>
-          </a:xfrm>
-          <a:prstGeom prst="rect">
-            <a:avLst/>
-          </a:prstGeom>
-          <a:noFill/>
-        </p:spPr>
-        <p:txBody>
-          <a:bodyPr wrap="square" rtlCol="0">
-            <a:spAutoFit/>
-          </a:bodyPr>
-          <a:lstStyle/>
-          <a:p>
-            <a:pPr marL="285750" indent="-285750">
-              <a:buFont typeface="Wingdings" panose="05000000000000000000" pitchFamily="2" charset="2"/>
-              <a:buChar char="v"/>
-            </a:pPr>
-            <a:r>
-              <a:rPr lang="fr-FR" sz="2400" dirty="0" smtClean="0">
-                <a:solidFill>
-                  <a:schemeClr val="bg1">
-                    <a:lumMod val="65000"/>
-                  </a:schemeClr>
-                </a:solidFill>
-              </a:rPr>
-              <a:t>Dépendances </a:t>
-            </a:r>
-            <a:r>
-              <a:rPr lang="fr-FR" sz="2400" dirty="0" err="1" smtClean="0">
-                <a:solidFill>
-                  <a:schemeClr val="bg1">
-                    <a:lumMod val="65000"/>
-                  </a:schemeClr>
-                </a:solidFill>
-              </a:rPr>
-              <a:t>React</a:t>
-            </a:r>
-            <a:endParaRPr lang="fr-FR" sz="2400" dirty="0" smtClean="0">
-              <a:solidFill>
-                <a:schemeClr val="bg1">
-                  <a:lumMod val="65000"/>
-                </a:schemeClr>
-              </a:solidFill>
-            </a:endParaRPr>
-          </a:p>
-          <a:p>
-            <a:endParaRPr lang="fr-FR" dirty="0">
-              <a:solidFill>
-                <a:schemeClr val="bg1">
-                  <a:lumMod val="65000"/>
-                </a:schemeClr>
-              </a:solidFill>
-            </a:endParaRPr>
-          </a:p>
-          <a:p>
-            <a:endParaRPr lang="fr-FR" dirty="0">
-              <a:solidFill>
-                <a:schemeClr val="bg1">
-                  <a:lumMod val="65000"/>
-                </a:schemeClr>
-              </a:solidFill>
-            </a:endParaRPr>
-          </a:p>
-        </p:txBody>
-      </p:sp>
-      <p:sp>
-        <p:nvSpPr>
-          <p:cNvPr id="7" name="ZoneTexte 6"/>
-          <p:cNvSpPr txBox="1"/>
-          <p:nvPr/>
-        </p:nvSpPr>
-        <p:spPr>
-          <a:xfrm>
-            <a:off x="1546167" y="3690928"/>
-            <a:ext cx="6716684" cy="584775"/>
-          </a:xfrm>
-          <a:prstGeom prst="rect">
-            <a:avLst/>
-          </a:prstGeom>
-          <a:noFill/>
-        </p:spPr>
-        <p:txBody>
-          <a:bodyPr wrap="square" rtlCol="0">
-            <a:spAutoFit/>
-          </a:bodyPr>
-          <a:lstStyle/>
-          <a:p>
-            <a:endParaRPr lang="fr-FR" sz="1600" dirty="0">
-              <a:solidFill>
-                <a:schemeClr val="bg1">
-                  <a:lumMod val="65000"/>
-                </a:schemeClr>
-              </a:solidFill>
-            </a:endParaRPr>
-          </a:p>
-          <a:p>
-            <a:r>
-              <a:rPr lang="fr-FR" sz="1600" dirty="0" err="1" smtClean="0">
-                <a:solidFill>
-                  <a:schemeClr val="bg1">
-                    <a:lumMod val="65000"/>
-                  </a:schemeClr>
-                </a:solidFill>
-              </a:rPr>
-              <a:t>Bootstrap</a:t>
-            </a:r>
-            <a:r>
-              <a:rPr lang="fr-FR" sz="1600" dirty="0" smtClean="0">
-                <a:solidFill>
-                  <a:schemeClr val="bg1">
-                    <a:lumMod val="65000"/>
-                  </a:schemeClr>
-                </a:solidFill>
-              </a:rPr>
-              <a:t> 5 pour l’aspect visuel du site</a:t>
-            </a:r>
-            <a:endParaRPr lang="fr-FR" sz="1600" dirty="0">
-              <a:solidFill>
-                <a:schemeClr val="bg1">
-                  <a:lumMod val="65000"/>
-                </a:schemeClr>
-              </a:solidFill>
-            </a:endParaRPr>
-          </a:p>
-        </p:txBody>
-      </p:sp>
-      <p:sp>
-        <p:nvSpPr>
-          <p:cNvPr id="8" name="ZoneTexte 7"/>
-          <p:cNvSpPr txBox="1"/>
-          <p:nvPr/>
-        </p:nvSpPr>
-        <p:spPr>
-          <a:xfrm>
-            <a:off x="1346662" y="3183097"/>
-            <a:ext cx="4463934" cy="1015663"/>
-          </a:xfrm>
-          <a:prstGeom prst="rect">
-            <a:avLst/>
-          </a:prstGeom>
-          <a:noFill/>
-        </p:spPr>
-        <p:txBody>
-          <a:bodyPr wrap="square" rtlCol="0">
-            <a:spAutoFit/>
-          </a:bodyPr>
-          <a:lstStyle/>
-          <a:p>
-            <a:pPr marL="285750" indent="-285750">
-              <a:buFont typeface="Wingdings" panose="05000000000000000000" pitchFamily="2" charset="2"/>
-              <a:buChar char="v"/>
-            </a:pPr>
-            <a:r>
-              <a:rPr lang="fr-FR" sz="2400" dirty="0" smtClean="0">
-                <a:solidFill>
-                  <a:schemeClr val="bg1">
-                    <a:lumMod val="65000"/>
-                  </a:schemeClr>
-                </a:solidFill>
-              </a:rPr>
-              <a:t>HTML/CSS</a:t>
-            </a:r>
-          </a:p>
-          <a:p>
-            <a:endParaRPr lang="fr-FR" dirty="0">
-              <a:solidFill>
-                <a:schemeClr val="bg1">
-                  <a:lumMod val="65000"/>
-                </a:schemeClr>
-              </a:solidFill>
-            </a:endParaRPr>
-          </a:p>
-          <a:p>
-            <a:endParaRPr lang="fr-FR" dirty="0">
-              <a:solidFill>
-                <a:schemeClr val="bg1">
-                  <a:lumMod val="65000"/>
-                </a:schemeClr>
-              </a:solidFill>
-            </a:endParaRPr>
-          </a:p>
-        </p:txBody>
-      </p:sp>
-      <p:sp>
-        <p:nvSpPr>
-          <p:cNvPr id="10" name="ZoneTexte 9"/>
-          <p:cNvSpPr txBox="1"/>
-          <p:nvPr/>
-        </p:nvSpPr>
-        <p:spPr>
-          <a:xfrm>
-            <a:off x="1546167" y="5166308"/>
-            <a:ext cx="6716684" cy="830997"/>
-          </a:xfrm>
-          <a:prstGeom prst="rect">
-            <a:avLst/>
-          </a:prstGeom>
-          <a:noFill/>
-        </p:spPr>
-        <p:txBody>
-          <a:bodyPr wrap="square" rtlCol="0">
-            <a:spAutoFit/>
-          </a:bodyPr>
-          <a:lstStyle/>
-          <a:p>
-            <a:r>
-              <a:rPr lang="fr-FR" sz="1600" dirty="0" smtClean="0">
-                <a:solidFill>
-                  <a:schemeClr val="bg1">
-                    <a:lumMod val="65000"/>
-                  </a:schemeClr>
-                </a:solidFill>
-              </a:rPr>
-              <a:t>Session stockée dans le </a:t>
-            </a:r>
-            <a:r>
-              <a:rPr lang="fr-FR" sz="1600" b="1" dirty="0" err="1" smtClean="0">
-                <a:solidFill>
-                  <a:schemeClr val="bg1">
-                    <a:lumMod val="65000"/>
-                  </a:schemeClr>
-                </a:solidFill>
-              </a:rPr>
-              <a:t>localStorage</a:t>
-            </a:r>
-            <a:endParaRPr lang="fr-FR" sz="1600" b="1" dirty="0" smtClean="0">
-              <a:solidFill>
-                <a:schemeClr val="bg1">
-                  <a:lumMod val="65000"/>
-                </a:schemeClr>
-              </a:solidFill>
-            </a:endParaRPr>
-          </a:p>
-          <a:p>
-            <a:endParaRPr lang="fr-FR" sz="1600" dirty="0">
-              <a:solidFill>
-                <a:schemeClr val="bg1">
-                  <a:lumMod val="65000"/>
-                </a:schemeClr>
-              </a:solidFill>
-            </a:endParaRPr>
-          </a:p>
-          <a:p>
-            <a:r>
-              <a:rPr lang="fr-FR" sz="1600" dirty="0" smtClean="0">
-                <a:solidFill>
-                  <a:schemeClr val="bg1">
-                    <a:lumMod val="65000"/>
-                  </a:schemeClr>
-                </a:solidFill>
-              </a:rPr>
-              <a:t>Expiration de la session après </a:t>
-            </a:r>
-            <a:r>
-              <a:rPr lang="fr-FR" sz="1600" b="1" dirty="0" smtClean="0">
-                <a:solidFill>
-                  <a:schemeClr val="bg1">
-                    <a:lumMod val="65000"/>
-                  </a:schemeClr>
-                </a:solidFill>
-              </a:rPr>
-              <a:t>30min</a:t>
-            </a:r>
-            <a:r>
-              <a:rPr lang="fr-FR" sz="1600" dirty="0" smtClean="0">
-                <a:solidFill>
-                  <a:schemeClr val="bg1">
-                    <a:lumMod val="65000"/>
-                  </a:schemeClr>
-                </a:solidFill>
-              </a:rPr>
-              <a:t> d’inactivité</a:t>
-            </a:r>
-          </a:p>
-        </p:txBody>
-      </p:sp>
-      <p:sp>
-        <p:nvSpPr>
-          <p:cNvPr id="11" name="ZoneTexte 10"/>
-          <p:cNvSpPr txBox="1"/>
-          <p:nvPr/>
-        </p:nvSpPr>
-        <p:spPr>
-          <a:xfrm>
-            <a:off x="1346662" y="4567792"/>
-            <a:ext cx="4463934" cy="1015663"/>
-          </a:xfrm>
-          <a:prstGeom prst="rect">
-            <a:avLst/>
-          </a:prstGeom>
-          <a:noFill/>
-        </p:spPr>
-        <p:txBody>
-          <a:bodyPr wrap="square" rtlCol="0">
-            <a:spAutoFit/>
-          </a:bodyPr>
-          <a:lstStyle/>
-          <a:p>
-            <a:pPr marL="285750" indent="-285750">
-              <a:buFont typeface="Wingdings" panose="05000000000000000000" pitchFamily="2" charset="2"/>
-              <a:buChar char="v"/>
-            </a:pPr>
-            <a:r>
-              <a:rPr lang="fr-FR" sz="2400" dirty="0" smtClean="0">
-                <a:solidFill>
-                  <a:schemeClr val="bg1">
-                    <a:lumMod val="65000"/>
-                  </a:schemeClr>
-                </a:solidFill>
-              </a:rPr>
-              <a:t>Gestion des sessions</a:t>
-            </a:r>
-          </a:p>
-          <a:p>
-            <a:endParaRPr lang="fr-FR" dirty="0">
-              <a:solidFill>
-                <a:schemeClr val="bg1">
-                  <a:lumMod val="65000"/>
-                </a:schemeClr>
-              </a:solidFill>
-            </a:endParaRPr>
-          </a:p>
-          <a:p>
-            <a:endParaRPr lang="fr-FR" dirty="0">
-              <a:solidFill>
-                <a:schemeClr val="bg1">
-                  <a:lumMod val="65000"/>
-                </a:schemeClr>
-              </a:solidFill>
-            </a:endParaRPr>
-          </a:p>
-        </p:txBody>
-      </p:sp>
-    </p:spTree>
-    <p:extLst>
-      <p:ext uri="{BB962C8B-B14F-4D97-AF65-F5344CB8AC3E}">
-        <p14:creationId xmlns:p14="http://schemas.microsoft.com/office/powerpoint/2010/main" val="3933585696"/>
       </p:ext>
     </p:extLst>
   </p:cSld>

--- a/Presentation/PresentationTender.pptx
+++ b/Presentation/PresentationTender.pptx
@@ -8,15 +8,24 @@
     <p:sldId id="256" r:id="rId2"/>
     <p:sldId id="258" r:id="rId3"/>
     <p:sldId id="259" r:id="rId4"/>
-    <p:sldId id="262" r:id="rId5"/>
-    <p:sldId id="261" r:id="rId6"/>
-    <p:sldId id="265" r:id="rId7"/>
-    <p:sldId id="266" r:id="rId8"/>
-    <p:sldId id="260" r:id="rId9"/>
-    <p:sldId id="263" r:id="rId10"/>
-    <p:sldId id="264" r:id="rId11"/>
-    <p:sldId id="267" r:id="rId12"/>
-    <p:sldId id="268" r:id="rId13"/>
+    <p:sldId id="272" r:id="rId5"/>
+    <p:sldId id="273" r:id="rId6"/>
+    <p:sldId id="274" r:id="rId7"/>
+    <p:sldId id="275" r:id="rId8"/>
+    <p:sldId id="262" r:id="rId9"/>
+    <p:sldId id="276" r:id="rId10"/>
+    <p:sldId id="277" r:id="rId11"/>
+    <p:sldId id="261" r:id="rId12"/>
+    <p:sldId id="265" r:id="rId13"/>
+    <p:sldId id="266" r:id="rId14"/>
+    <p:sldId id="260" r:id="rId15"/>
+    <p:sldId id="263" r:id="rId16"/>
+    <p:sldId id="264" r:id="rId17"/>
+    <p:sldId id="267" r:id="rId18"/>
+    <p:sldId id="269" r:id="rId19"/>
+    <p:sldId id="270" r:id="rId20"/>
+    <p:sldId id="271" r:id="rId21"/>
+    <p:sldId id="268" r:id="rId22"/>
   </p:sldIdLst>
   <p:sldSz cx="12192000" cy="6858000"/>
   <p:notesSz cx="6858000" cy="9144000"/>
@@ -5806,30 +5815,6 @@
           </a:p>
         </p:txBody>
       </p:sp>
-      <p:sp>
-        <p:nvSpPr>
-          <p:cNvPr id="3" name="Sous-titre 2"/>
-          <p:cNvSpPr>
-            <a:spLocks noGrp="1"/>
-          </p:cNvSpPr>
-          <p:nvPr>
-            <p:ph type="subTitle" idx="1"/>
-          </p:nvPr>
-        </p:nvSpPr>
-        <p:spPr>
-          <a:xfrm>
-            <a:off x="-803873" y="1141381"/>
-            <a:ext cx="7766936" cy="1096899"/>
-          </a:xfrm>
-        </p:spPr>
-        <p:txBody>
-          <a:bodyPr/>
-          <a:lstStyle/>
-          <a:p>
-            <a:endParaRPr lang="fr-FR" dirty="0"/>
-          </a:p>
-        </p:txBody>
-      </p:sp>
       <p:pic>
         <p:nvPicPr>
           <p:cNvPr id="5" name="Image 4"/>
@@ -5860,6 +5845,84 @@
           </a:prstGeom>
         </p:spPr>
       </p:pic>
+      <p:sp>
+        <p:nvSpPr>
+          <p:cNvPr id="6" name="ZoneTexte 5"/>
+          <p:cNvSpPr txBox="1"/>
+          <p:nvPr/>
+        </p:nvSpPr>
+        <p:spPr>
+          <a:xfrm>
+            <a:off x="1288473" y="1249446"/>
+            <a:ext cx="6716684" cy="1077218"/>
+          </a:xfrm>
+          <a:prstGeom prst="rect">
+            <a:avLst/>
+          </a:prstGeom>
+          <a:noFill/>
+        </p:spPr>
+        <p:txBody>
+          <a:bodyPr wrap="square" rtlCol="0">
+            <a:spAutoFit/>
+          </a:bodyPr>
+          <a:lstStyle/>
+          <a:p>
+            <a:r>
+              <a:rPr lang="fr-FR" sz="1600" dirty="0" smtClean="0">
+                <a:solidFill>
+                  <a:schemeClr val="bg1">
+                    <a:lumMod val="65000"/>
+                  </a:schemeClr>
+                </a:solidFill>
+              </a:rPr>
+              <a:t>Camille Binet</a:t>
+            </a:r>
+          </a:p>
+          <a:p>
+            <a:r>
+              <a:rPr lang="fr-FR" sz="1600" dirty="0" smtClean="0">
+                <a:solidFill>
+                  <a:schemeClr val="bg1">
+                    <a:lumMod val="65000"/>
+                  </a:schemeClr>
+                </a:solidFill>
+              </a:rPr>
+              <a:t>Loïc Mathieu</a:t>
+            </a:r>
+          </a:p>
+          <a:p>
+            <a:r>
+              <a:rPr lang="fr-FR" sz="1600" dirty="0" smtClean="0">
+                <a:solidFill>
+                  <a:schemeClr val="bg1">
+                    <a:lumMod val="65000"/>
+                  </a:schemeClr>
+                </a:solidFill>
+              </a:rPr>
+              <a:t>Philippe Venet</a:t>
+            </a:r>
+          </a:p>
+          <a:p>
+            <a:r>
+              <a:rPr lang="fr-FR" sz="1600" dirty="0" smtClean="0">
+                <a:solidFill>
+                  <a:schemeClr val="bg1">
+                    <a:lumMod val="65000"/>
+                  </a:schemeClr>
+                </a:solidFill>
+              </a:rPr>
+              <a:t>Théo Maes</a:t>
+            </a:r>
+            <a:endParaRPr lang="fr-FR" sz="1600" dirty="0">
+              <a:solidFill>
+                <a:schemeClr val="bg1">
+                  <a:lumMod val="65000"/>
+                </a:schemeClr>
+              </a:solidFill>
+            </a:endParaRPr>
+          </a:p>
+        </p:txBody>
+      </p:sp>
     </p:spTree>
     <p:extLst>
       <p:ext uri="{BB962C8B-B14F-4D97-AF65-F5344CB8AC3E}">
@@ -5903,7 +5966,7 @@
         <p:spPr>
           <a:xfrm>
             <a:off x="609292" y="83127"/>
-            <a:ext cx="3630199" cy="1058254"/>
+            <a:ext cx="4153902" cy="1058254"/>
           </a:xfrm>
         </p:spPr>
         <p:txBody>
@@ -5912,7 +5975,7 @@
           <a:p>
             <a:r>
               <a:rPr lang="fr-FR" dirty="0" smtClean="0"/>
-              <a:t>Front-end</a:t>
+              <a:t>Maquettage</a:t>
             </a:r>
             <a:endParaRPr lang="fr-FR" dirty="0"/>
           </a:p>
@@ -5950,14 +6013,14 @@
       </p:pic>
       <p:sp>
         <p:nvSpPr>
-          <p:cNvPr id="9" name="ZoneTexte 8"/>
+          <p:cNvPr id="8" name="ZoneTexte 7"/>
           <p:cNvSpPr txBox="1"/>
           <p:nvPr/>
         </p:nvSpPr>
         <p:spPr>
           <a:xfrm>
-            <a:off x="1546167" y="1983067"/>
-            <a:ext cx="6716684" cy="830997"/>
+            <a:off x="1097280" y="1331335"/>
+            <a:ext cx="4463934" cy="1015663"/>
           </a:xfrm>
           <a:prstGeom prst="rect">
             <a:avLst/>
@@ -5970,122 +6033,6 @@
           </a:bodyPr>
           <a:lstStyle/>
           <a:p>
-            <a:r>
-              <a:rPr lang="fr-FR" sz="1600" dirty="0" smtClean="0">
-                <a:solidFill>
-                  <a:schemeClr val="bg1">
-                    <a:lumMod val="65000"/>
-                  </a:schemeClr>
-                </a:solidFill>
-              </a:rPr>
-              <a:t>Utilisation de </a:t>
-            </a:r>
-            <a:r>
-              <a:rPr lang="fr-FR" sz="1600" b="1" dirty="0" err="1" smtClean="0">
-                <a:solidFill>
-                  <a:schemeClr val="bg1">
-                    <a:lumMod val="65000"/>
-                  </a:schemeClr>
-                </a:solidFill>
-              </a:rPr>
-              <a:t>Axios</a:t>
-            </a:r>
-            <a:r>
-              <a:rPr lang="fr-FR" sz="1600" dirty="0" smtClean="0">
-                <a:solidFill>
-                  <a:schemeClr val="bg1">
-                    <a:lumMod val="65000"/>
-                  </a:schemeClr>
-                </a:solidFill>
-              </a:rPr>
-              <a:t> pour envoyer les requêtes </a:t>
-            </a:r>
-            <a:r>
-              <a:rPr lang="fr-FR" sz="1600" b="1" dirty="0" smtClean="0">
-                <a:solidFill>
-                  <a:schemeClr val="bg1">
-                    <a:lumMod val="65000"/>
-                  </a:schemeClr>
-                </a:solidFill>
-              </a:rPr>
-              <a:t>JSON</a:t>
-            </a:r>
-            <a:r>
-              <a:rPr lang="fr-FR" sz="1600" dirty="0" smtClean="0">
-                <a:solidFill>
-                  <a:schemeClr val="bg1">
-                    <a:lumMod val="65000"/>
-                  </a:schemeClr>
-                </a:solidFill>
-              </a:rPr>
-              <a:t> vers le Back</a:t>
-            </a:r>
-          </a:p>
-          <a:p>
-            <a:endParaRPr lang="fr-FR" sz="1600" dirty="0">
-              <a:solidFill>
-                <a:schemeClr val="bg1">
-                  <a:lumMod val="65000"/>
-                </a:schemeClr>
-              </a:solidFill>
-            </a:endParaRPr>
-          </a:p>
-          <a:p>
-            <a:r>
-              <a:rPr lang="fr-FR" sz="1600" dirty="0" err="1" smtClean="0">
-                <a:solidFill>
-                  <a:schemeClr val="bg1">
-                    <a:lumMod val="65000"/>
-                  </a:schemeClr>
-                </a:solidFill>
-              </a:rPr>
-              <a:t>Hashage</a:t>
-            </a:r>
-            <a:r>
-              <a:rPr lang="fr-FR" sz="1600" dirty="0" smtClean="0">
-                <a:solidFill>
-                  <a:schemeClr val="bg1">
-                    <a:lumMod val="65000"/>
-                  </a:schemeClr>
-                </a:solidFill>
-              </a:rPr>
-              <a:t> des mots de passe dans le Front avec </a:t>
-            </a:r>
-            <a:r>
-              <a:rPr lang="fr-FR" sz="1600" b="1" dirty="0" smtClean="0">
-                <a:solidFill>
-                  <a:schemeClr val="bg1">
-                    <a:lumMod val="65000"/>
-                  </a:schemeClr>
-                </a:solidFill>
-              </a:rPr>
-              <a:t>Js-Sha256</a:t>
-            </a:r>
-          </a:p>
-        </p:txBody>
-      </p:sp>
-      <p:sp>
-        <p:nvSpPr>
-          <p:cNvPr id="6" name="ZoneTexte 5"/>
-          <p:cNvSpPr txBox="1"/>
-          <p:nvPr/>
-        </p:nvSpPr>
-        <p:spPr>
-          <a:xfrm>
-            <a:off x="1346662" y="1398292"/>
-            <a:ext cx="4463934" cy="1015663"/>
-          </a:xfrm>
-          <a:prstGeom prst="rect">
-            <a:avLst/>
-          </a:prstGeom>
-          <a:noFill/>
-        </p:spPr>
-        <p:txBody>
-          <a:bodyPr wrap="square" rtlCol="0">
-            <a:spAutoFit/>
-          </a:bodyPr>
-          <a:lstStyle/>
-          <a:p>
             <a:pPr marL="285750" indent="-285750">
               <a:buFont typeface="Wingdings" panose="05000000000000000000" pitchFamily="2" charset="2"/>
               <a:buChar char="v"/>
@@ -6098,25 +6045,8 @@
                   </a:schemeClr>
                 </a:solidFill>
               </a:rPr>
-              <a:t>Dépendances </a:t>
-            </a:r>
-            <a:r>
-              <a:rPr lang="fr-FR" sz="2400" dirty="0" err="1" smtClean="0">
-                <a:solidFill>
-                  <a:schemeClr val="bg1">
-                    <a:lumMod val="65000"/>
-                  </a:schemeClr>
-                </a:solidFill>
-              </a:rPr>
-              <a:t>React</a:t>
-            </a:r>
-            <a:endParaRPr lang="fr-FR" sz="2400" dirty="0" smtClean="0">
-              <a:solidFill>
-                <a:schemeClr val="bg1">
-                  <a:lumMod val="65000"/>
-                </a:schemeClr>
-              </a:solidFill>
-            </a:endParaRPr>
+              <a:t>Publier et page de profil</a:t>
+            </a:r>
           </a:p>
           <a:p>
             <a:endParaRPr lang="fr-FR" dirty="0">
@@ -6138,298 +6068,68 @@
           </a:p>
         </p:txBody>
       </p:sp>
-      <p:sp>
-        <p:nvSpPr>
-          <p:cNvPr id="7" name="ZoneTexte 6"/>
-          <p:cNvSpPr txBox="1"/>
+      <p:pic>
+        <p:nvPicPr>
+          <p:cNvPr id="3" name="Image 2"/>
+          <p:cNvPicPr>
+            <a:picLocks noChangeAspect="1"/>
+          </p:cNvPicPr>
           <p:nvPr/>
-        </p:nvSpPr>
-        <p:spPr>
-          <a:xfrm>
-            <a:off x="1546167" y="3690928"/>
-            <a:ext cx="6716684" cy="584775"/>
+        </p:nvPicPr>
+        <p:blipFill rotWithShape="1">
+          <a:blip r:embed="rId3">
+            <a:extLst>
+              <a:ext uri="{28A0092B-C50C-407E-A947-70E740481C1C}">
+                <a14:useLocalDpi xmlns:a14="http://schemas.microsoft.com/office/drawing/2010/main" val="0"/>
+              </a:ext>
+            </a:extLst>
+          </a:blip>
+          <a:srcRect b="7040"/>
+          <a:stretch/>
+        </p:blipFill>
+        <p:spPr>
+          <a:xfrm>
+            <a:off x="2325636" y="1920240"/>
+            <a:ext cx="2437558" cy="4639802"/>
           </a:xfrm>
           <a:prstGeom prst="rect">
             <a:avLst/>
           </a:prstGeom>
-          <a:noFill/>
-        </p:spPr>
-        <p:txBody>
-          <a:bodyPr wrap="square" rtlCol="0">
-            <a:spAutoFit/>
-          </a:bodyPr>
-          <a:lstStyle/>
-          <a:p>
-            <a:endParaRPr lang="fr-FR" sz="1600" dirty="0">
-              <a:solidFill>
-                <a:schemeClr val="bg1">
-                  <a:lumMod val="65000"/>
-                </a:schemeClr>
-              </a:solidFill>
-            </a:endParaRPr>
-          </a:p>
-          <a:p>
-            <a:r>
-              <a:rPr lang="fr-FR" sz="1600" b="1" dirty="0" err="1" smtClean="0">
-                <a:solidFill>
-                  <a:schemeClr val="bg1">
-                    <a:lumMod val="65000"/>
-                  </a:schemeClr>
-                </a:solidFill>
-              </a:rPr>
-              <a:t>Bootstrap</a:t>
-            </a:r>
-            <a:r>
-              <a:rPr lang="fr-FR" sz="1600" dirty="0" smtClean="0">
-                <a:solidFill>
-                  <a:schemeClr val="bg1">
-                    <a:lumMod val="65000"/>
-                  </a:schemeClr>
-                </a:solidFill>
-              </a:rPr>
-              <a:t> </a:t>
-            </a:r>
-            <a:r>
-              <a:rPr lang="fr-FR" sz="1600" b="1" dirty="0" smtClean="0">
-                <a:solidFill>
-                  <a:schemeClr val="bg1">
-                    <a:lumMod val="65000"/>
-                  </a:schemeClr>
-                </a:solidFill>
-              </a:rPr>
-              <a:t>5</a:t>
-            </a:r>
-            <a:r>
-              <a:rPr lang="fr-FR" sz="1600" dirty="0" smtClean="0">
-                <a:solidFill>
-                  <a:schemeClr val="bg1">
-                    <a:lumMod val="65000"/>
-                  </a:schemeClr>
-                </a:solidFill>
-              </a:rPr>
-              <a:t> pour l’aspect visuel du site</a:t>
-            </a:r>
-            <a:endParaRPr lang="fr-FR" sz="1600" dirty="0">
-              <a:solidFill>
-                <a:schemeClr val="bg1">
-                  <a:lumMod val="65000"/>
-                </a:schemeClr>
-              </a:solidFill>
-            </a:endParaRPr>
-          </a:p>
-        </p:txBody>
-      </p:sp>
-      <p:sp>
-        <p:nvSpPr>
-          <p:cNvPr id="8" name="ZoneTexte 7"/>
-          <p:cNvSpPr txBox="1"/>
+        </p:spPr>
+      </p:pic>
+      <p:pic>
+        <p:nvPicPr>
+          <p:cNvPr id="6" name="Image 5"/>
+          <p:cNvPicPr>
+            <a:picLocks noChangeAspect="1"/>
+          </p:cNvPicPr>
           <p:nvPr/>
-        </p:nvSpPr>
-        <p:spPr>
-          <a:xfrm>
-            <a:off x="1346662" y="3183097"/>
-            <a:ext cx="4463934" cy="1015663"/>
+        </p:nvPicPr>
+        <p:blipFill rotWithShape="1">
+          <a:blip r:embed="rId4">
+            <a:extLst>
+              <a:ext uri="{28A0092B-C50C-407E-A947-70E740481C1C}">
+                <a14:useLocalDpi xmlns:a14="http://schemas.microsoft.com/office/drawing/2010/main" val="0"/>
+              </a:ext>
+            </a:extLst>
+          </a:blip>
+          <a:srcRect t="849" b="10302"/>
+          <a:stretch/>
+        </p:blipFill>
+        <p:spPr>
+          <a:xfrm>
+            <a:off x="5321856" y="612254"/>
+            <a:ext cx="1858630" cy="6093229"/>
           </a:xfrm>
           <a:prstGeom prst="rect">
             <a:avLst/>
           </a:prstGeom>
-          <a:noFill/>
-        </p:spPr>
-        <p:txBody>
-          <a:bodyPr wrap="square" rtlCol="0">
-            <a:spAutoFit/>
-          </a:bodyPr>
-          <a:lstStyle/>
-          <a:p>
-            <a:pPr marL="285750" indent="-285750">
-              <a:buFont typeface="Wingdings" panose="05000000000000000000" pitchFamily="2" charset="2"/>
-              <a:buChar char="v"/>
-            </a:pPr>
-            <a:r>
-              <a:rPr lang="fr-FR" sz="2400" dirty="0" smtClean="0">
-                <a:solidFill>
-                  <a:schemeClr val="bg1">
-                    <a:lumMod val="65000"/>
-                  </a:schemeClr>
-                </a:solidFill>
-              </a:rPr>
-              <a:t>HTML/CSS</a:t>
-            </a:r>
-          </a:p>
-          <a:p>
-            <a:endParaRPr lang="fr-FR" dirty="0">
-              <a:solidFill>
-                <a:schemeClr val="bg1">
-                  <a:lumMod val="65000"/>
-                </a:schemeClr>
-              </a:solidFill>
-            </a:endParaRPr>
-          </a:p>
-          <a:p>
-            <a:endParaRPr lang="fr-FR" dirty="0">
-              <a:solidFill>
-                <a:schemeClr val="bg1">
-                  <a:lumMod val="65000"/>
-                </a:schemeClr>
-              </a:solidFill>
-            </a:endParaRPr>
-          </a:p>
-        </p:txBody>
-      </p:sp>
-      <p:sp>
-        <p:nvSpPr>
-          <p:cNvPr id="10" name="ZoneTexte 9"/>
-          <p:cNvSpPr txBox="1"/>
-          <p:nvPr/>
-        </p:nvSpPr>
-        <p:spPr>
-          <a:xfrm>
-            <a:off x="1546167" y="5166308"/>
-            <a:ext cx="6716684" cy="830997"/>
-          </a:xfrm>
-          <a:prstGeom prst="rect">
-            <a:avLst/>
-          </a:prstGeom>
-          <a:noFill/>
-        </p:spPr>
-        <p:txBody>
-          <a:bodyPr wrap="square" rtlCol="0">
-            <a:spAutoFit/>
-          </a:bodyPr>
-          <a:lstStyle/>
-          <a:p>
-            <a:r>
-              <a:rPr lang="fr-FR" sz="1600" dirty="0" smtClean="0">
-                <a:solidFill>
-                  <a:schemeClr val="bg1">
-                    <a:lumMod val="65000"/>
-                  </a:schemeClr>
-                </a:solidFill>
-              </a:rPr>
-              <a:t>Session stockée dans le </a:t>
-            </a:r>
-            <a:r>
-              <a:rPr lang="fr-FR" sz="1600" b="1" dirty="0" err="1" smtClean="0">
-                <a:solidFill>
-                  <a:schemeClr val="bg1">
-                    <a:lumMod val="65000"/>
-                  </a:schemeClr>
-                </a:solidFill>
-              </a:rPr>
-              <a:t>localStorage</a:t>
-            </a:r>
-            <a:endParaRPr lang="fr-FR" sz="1600" b="1" dirty="0" smtClean="0">
-              <a:solidFill>
-                <a:schemeClr val="bg1">
-                  <a:lumMod val="65000"/>
-                </a:schemeClr>
-              </a:solidFill>
-            </a:endParaRPr>
-          </a:p>
-          <a:p>
-            <a:endParaRPr lang="fr-FR" sz="1600" dirty="0">
-              <a:solidFill>
-                <a:schemeClr val="bg1">
-                  <a:lumMod val="65000"/>
-                </a:schemeClr>
-              </a:solidFill>
-            </a:endParaRPr>
-          </a:p>
-          <a:p>
-            <a:r>
-              <a:rPr lang="fr-FR" sz="1600" dirty="0" smtClean="0">
-                <a:solidFill>
-                  <a:schemeClr val="bg1">
-                    <a:lumMod val="65000"/>
-                  </a:schemeClr>
-                </a:solidFill>
-              </a:rPr>
-              <a:t>Expiration de la session après </a:t>
-            </a:r>
-            <a:r>
-              <a:rPr lang="fr-FR" sz="1600" b="1" dirty="0" smtClean="0">
-                <a:solidFill>
-                  <a:schemeClr val="bg1">
-                    <a:lumMod val="65000"/>
-                  </a:schemeClr>
-                </a:solidFill>
-              </a:rPr>
-              <a:t>30min</a:t>
-            </a:r>
-            <a:r>
-              <a:rPr lang="fr-FR" sz="1600" dirty="0" smtClean="0">
-                <a:solidFill>
-                  <a:schemeClr val="bg1">
-                    <a:lumMod val="65000"/>
-                  </a:schemeClr>
-                </a:solidFill>
-              </a:rPr>
-              <a:t> d’inactivité</a:t>
-            </a:r>
-          </a:p>
-        </p:txBody>
-      </p:sp>
-      <p:sp>
-        <p:nvSpPr>
-          <p:cNvPr id="11" name="ZoneTexte 10"/>
-          <p:cNvSpPr txBox="1"/>
-          <p:nvPr/>
-        </p:nvSpPr>
-        <p:spPr>
-          <a:xfrm>
-            <a:off x="1346662" y="4567792"/>
-            <a:ext cx="4463934" cy="1015663"/>
-          </a:xfrm>
-          <a:prstGeom prst="rect">
-            <a:avLst/>
-          </a:prstGeom>
-          <a:noFill/>
-        </p:spPr>
-        <p:txBody>
-          <a:bodyPr wrap="square" rtlCol="0">
-            <a:spAutoFit/>
-          </a:bodyPr>
-          <a:lstStyle/>
-          <a:p>
-            <a:pPr marL="285750" indent="-285750">
-              <a:buFont typeface="Wingdings" panose="05000000000000000000" pitchFamily="2" charset="2"/>
-              <a:buChar char="v"/>
-            </a:pPr>
-            <a:r>
-              <a:rPr lang="fr-FR" sz="2400" dirty="0" smtClean="0">
-                <a:solidFill>
-                  <a:schemeClr val="bg1">
-                    <a:lumMod val="65000"/>
-                  </a:schemeClr>
-                </a:solidFill>
-              </a:rPr>
-              <a:t>Gestion des sessions</a:t>
-            </a:r>
-          </a:p>
-          <a:p>
-            <a:endParaRPr lang="fr-FR" dirty="0">
-              <a:solidFill>
-                <a:schemeClr val="bg1">
-                  <a:lumMod val="65000"/>
-                </a:schemeClr>
-              </a:solidFill>
-            </a:endParaRPr>
-          </a:p>
-          <a:p>
-            <a:endParaRPr lang="fr-FR" dirty="0">
-              <a:solidFill>
-                <a:schemeClr val="bg1">
-                  <a:lumMod val="65000"/>
-                </a:schemeClr>
-              </a:solidFill>
-            </a:endParaRPr>
-          </a:p>
-        </p:txBody>
-      </p:sp>
+        </p:spPr>
+      </p:pic>
     </p:spTree>
     <p:extLst>
       <p:ext uri="{BB962C8B-B14F-4D97-AF65-F5344CB8AC3E}">
-        <p14:creationId xmlns:p14="http://schemas.microsoft.com/office/powerpoint/2010/main" val="3933585696"/>
+        <p14:creationId xmlns:p14="http://schemas.microsoft.com/office/powerpoint/2010/main" val="2211947732"/>
       </p:ext>
     </p:extLst>
   </p:cSld>
@@ -6440,840 +6140,6 @@
 </file>
 
 <file path=ppt/slides/slide11.xml><?xml version="1.0" encoding="utf-8"?>
-<p:sld xmlns:a="http://schemas.openxmlformats.org/drawingml/2006/main" xmlns:r="http://schemas.openxmlformats.org/officeDocument/2006/relationships" xmlns:p="http://schemas.openxmlformats.org/presentationml/2006/main">
-  <p:cSld>
-    <p:spTree>
-      <p:nvGrpSpPr>
-        <p:cNvPr id="1" name=""/>
-        <p:cNvGrpSpPr/>
-        <p:nvPr/>
-      </p:nvGrpSpPr>
-      <p:grpSpPr>
-        <a:xfrm>
-          <a:off x="0" y="0"/>
-          <a:ext cx="0" cy="0"/>
-          <a:chOff x="0" y="0"/>
-          <a:chExt cx="0" cy="0"/>
-        </a:xfrm>
-      </p:grpSpPr>
-      <p:sp>
-        <p:nvSpPr>
-          <p:cNvPr id="2" name="Titre 1"/>
-          <p:cNvSpPr>
-            <a:spLocks noGrp="1"/>
-          </p:cNvSpPr>
-          <p:nvPr>
-            <p:ph type="ctrTitle"/>
-          </p:nvPr>
-        </p:nvSpPr>
-        <p:spPr>
-          <a:xfrm>
-            <a:off x="906086" y="-258478"/>
-            <a:ext cx="5868786" cy="1656770"/>
-          </a:xfrm>
-        </p:spPr>
-        <p:txBody>
-          <a:bodyPr/>
-          <a:lstStyle/>
-          <a:p>
-            <a:r>
-              <a:rPr lang="fr-FR" sz="4000" dirty="0" smtClean="0"/>
-              <a:t>Cheminement du front </a:t>
-            </a:r>
-            <a:br>
-              <a:rPr lang="fr-FR" sz="4000" dirty="0" smtClean="0"/>
-            </a:br>
-            <a:r>
-              <a:rPr lang="fr-FR" sz="4000" dirty="0" smtClean="0"/>
-              <a:t>au back-end</a:t>
-            </a:r>
-            <a:endParaRPr lang="fr-FR" sz="4000" dirty="0"/>
-          </a:p>
-        </p:txBody>
-      </p:sp>
-      <p:pic>
-        <p:nvPicPr>
-          <p:cNvPr id="5" name="Image 4"/>
-          <p:cNvPicPr>
-            <a:picLocks noChangeAspect="1"/>
-          </p:cNvPicPr>
-          <p:nvPr/>
-        </p:nvPicPr>
-        <p:blipFill>
-          <a:blip r:embed="rId2">
-            <a:extLst>
-              <a:ext uri="{28A0092B-C50C-407E-A947-70E740481C1C}">
-                <a14:useLocalDpi xmlns:a14="http://schemas.microsoft.com/office/drawing/2010/main" val="0"/>
-              </a:ext>
-            </a:extLst>
-          </a:blip>
-          <a:stretch>
-            <a:fillRect/>
-          </a:stretch>
-        </p:blipFill>
-        <p:spPr>
-          <a:xfrm>
-            <a:off x="7739148" y="182880"/>
-            <a:ext cx="1438101" cy="1431154"/>
-          </a:xfrm>
-          <a:prstGeom prst="rect">
-            <a:avLst/>
-          </a:prstGeom>
-        </p:spPr>
-      </p:pic>
-      <p:sp>
-        <p:nvSpPr>
-          <p:cNvPr id="9" name="ZoneTexte 8"/>
-          <p:cNvSpPr txBox="1"/>
-          <p:nvPr/>
-        </p:nvSpPr>
-        <p:spPr>
-          <a:xfrm>
-            <a:off x="1305098" y="2298951"/>
-            <a:ext cx="6716684" cy="369332"/>
-          </a:xfrm>
-          <a:prstGeom prst="rect">
-            <a:avLst/>
-          </a:prstGeom>
-          <a:noFill/>
-        </p:spPr>
-        <p:txBody>
-          <a:bodyPr wrap="square" rtlCol="0">
-            <a:spAutoFit/>
-          </a:bodyPr>
-          <a:lstStyle/>
-          <a:p>
-            <a:r>
-              <a:rPr lang="fr-FR" dirty="0" smtClean="0">
-                <a:solidFill>
-                  <a:schemeClr val="bg1">
-                    <a:lumMod val="65000"/>
-                  </a:schemeClr>
-                </a:solidFill>
-              </a:rPr>
-              <a:t>Exemple de la connexion d’un utilisateur</a:t>
-            </a:r>
-            <a:endParaRPr lang="fr-FR" b="1" dirty="0" smtClean="0">
-              <a:solidFill>
-                <a:schemeClr val="bg1">
-                  <a:lumMod val="65000"/>
-                </a:schemeClr>
-              </a:solidFill>
-            </a:endParaRPr>
-          </a:p>
-        </p:txBody>
-      </p:sp>
-    </p:spTree>
-    <p:extLst>
-      <p:ext uri="{BB962C8B-B14F-4D97-AF65-F5344CB8AC3E}">
-        <p14:creationId xmlns:p14="http://schemas.microsoft.com/office/powerpoint/2010/main" val="2931377543"/>
-      </p:ext>
-    </p:extLst>
-  </p:cSld>
-  <p:clrMapOvr>
-    <a:masterClrMapping/>
-  </p:clrMapOvr>
-</p:sld>
-</file>
-
-<file path=ppt/slides/slide12.xml><?xml version="1.0" encoding="utf-8"?>
-<p:sld xmlns:a="http://schemas.openxmlformats.org/drawingml/2006/main" xmlns:r="http://schemas.openxmlformats.org/officeDocument/2006/relationships" xmlns:p="http://schemas.openxmlformats.org/presentationml/2006/main">
-  <p:cSld>
-    <p:spTree>
-      <p:nvGrpSpPr>
-        <p:cNvPr id="1" name=""/>
-        <p:cNvGrpSpPr/>
-        <p:nvPr/>
-      </p:nvGrpSpPr>
-      <p:grpSpPr>
-        <a:xfrm>
-          <a:off x="0" y="0"/>
-          <a:ext cx="0" cy="0"/>
-          <a:chOff x="0" y="0"/>
-          <a:chExt cx="0" cy="0"/>
-        </a:xfrm>
-      </p:grpSpPr>
-      <p:sp>
-        <p:nvSpPr>
-          <p:cNvPr id="2" name="Titre 1"/>
-          <p:cNvSpPr>
-            <a:spLocks noGrp="1"/>
-          </p:cNvSpPr>
-          <p:nvPr>
-            <p:ph type="ctrTitle"/>
-          </p:nvPr>
-        </p:nvSpPr>
-        <p:spPr>
-          <a:xfrm>
-            <a:off x="906086" y="-258478"/>
-            <a:ext cx="4937761" cy="1239380"/>
-          </a:xfrm>
-        </p:spPr>
-        <p:txBody>
-          <a:bodyPr/>
-          <a:lstStyle/>
-          <a:p>
-            <a:r>
-              <a:rPr lang="fr-FR" dirty="0" smtClean="0"/>
-              <a:t>Démonstration</a:t>
-            </a:r>
-            <a:endParaRPr lang="fr-FR" dirty="0"/>
-          </a:p>
-        </p:txBody>
-      </p:sp>
-      <p:pic>
-        <p:nvPicPr>
-          <p:cNvPr id="5" name="Image 4"/>
-          <p:cNvPicPr>
-            <a:picLocks noChangeAspect="1"/>
-          </p:cNvPicPr>
-          <p:nvPr/>
-        </p:nvPicPr>
-        <p:blipFill>
-          <a:blip r:embed="rId2">
-            <a:extLst>
-              <a:ext uri="{28A0092B-C50C-407E-A947-70E740481C1C}">
-                <a14:useLocalDpi xmlns:a14="http://schemas.microsoft.com/office/drawing/2010/main" val="0"/>
-              </a:ext>
-            </a:extLst>
-          </a:blip>
-          <a:stretch>
-            <a:fillRect/>
-          </a:stretch>
-        </p:blipFill>
-        <p:spPr>
-          <a:xfrm>
-            <a:off x="7739148" y="182880"/>
-            <a:ext cx="1438101" cy="1431154"/>
-          </a:xfrm>
-          <a:prstGeom prst="rect">
-            <a:avLst/>
-          </a:prstGeom>
-        </p:spPr>
-      </p:pic>
-    </p:spTree>
-    <p:extLst>
-      <p:ext uri="{BB962C8B-B14F-4D97-AF65-F5344CB8AC3E}">
-        <p14:creationId xmlns:p14="http://schemas.microsoft.com/office/powerpoint/2010/main" val="969082092"/>
-      </p:ext>
-    </p:extLst>
-  </p:cSld>
-  <p:clrMapOvr>
-    <a:masterClrMapping/>
-  </p:clrMapOvr>
-</p:sld>
-</file>
-
-<file path=ppt/slides/slide2.xml><?xml version="1.0" encoding="utf-8"?>
-<p:sld xmlns:a="http://schemas.openxmlformats.org/drawingml/2006/main" xmlns:r="http://schemas.openxmlformats.org/officeDocument/2006/relationships" xmlns:p="http://schemas.openxmlformats.org/presentationml/2006/main">
-  <p:cSld>
-    <p:spTree>
-      <p:nvGrpSpPr>
-        <p:cNvPr id="1" name=""/>
-        <p:cNvGrpSpPr/>
-        <p:nvPr/>
-      </p:nvGrpSpPr>
-      <p:grpSpPr>
-        <a:xfrm>
-          <a:off x="0" y="0"/>
-          <a:ext cx="0" cy="0"/>
-          <a:chOff x="0" y="0"/>
-          <a:chExt cx="0" cy="0"/>
-        </a:xfrm>
-      </p:grpSpPr>
-      <p:sp>
-        <p:nvSpPr>
-          <p:cNvPr id="2" name="Titre 1"/>
-          <p:cNvSpPr>
-            <a:spLocks noGrp="1"/>
-          </p:cNvSpPr>
-          <p:nvPr>
-            <p:ph type="ctrTitle"/>
-          </p:nvPr>
-        </p:nvSpPr>
-        <p:spPr>
-          <a:xfrm>
-            <a:off x="609292" y="83127"/>
-            <a:ext cx="4370032" cy="1058254"/>
-          </a:xfrm>
-        </p:spPr>
-        <p:txBody>
-          <a:bodyPr/>
-          <a:lstStyle/>
-          <a:p>
-            <a:r>
-              <a:rPr lang="fr-FR" dirty="0" smtClean="0"/>
-              <a:t>Présentation</a:t>
-            </a:r>
-            <a:endParaRPr lang="fr-FR" dirty="0"/>
-          </a:p>
-        </p:txBody>
-      </p:sp>
-      <p:pic>
-        <p:nvPicPr>
-          <p:cNvPr id="5" name="Image 4"/>
-          <p:cNvPicPr>
-            <a:picLocks noChangeAspect="1"/>
-          </p:cNvPicPr>
-          <p:nvPr/>
-        </p:nvPicPr>
-        <p:blipFill>
-          <a:blip r:embed="rId2">
-            <a:extLst>
-              <a:ext uri="{28A0092B-C50C-407E-A947-70E740481C1C}">
-                <a14:useLocalDpi xmlns:a14="http://schemas.microsoft.com/office/drawing/2010/main" val="0"/>
-              </a:ext>
-            </a:extLst>
-          </a:blip>
-          <a:stretch>
-            <a:fillRect/>
-          </a:stretch>
-        </p:blipFill>
-        <p:spPr>
-          <a:xfrm>
-            <a:off x="7739148" y="182880"/>
-            <a:ext cx="1438101" cy="1431154"/>
-          </a:xfrm>
-          <a:prstGeom prst="rect">
-            <a:avLst/>
-          </a:prstGeom>
-        </p:spPr>
-      </p:pic>
-      <p:sp>
-        <p:nvSpPr>
-          <p:cNvPr id="6" name="ZoneTexte 5"/>
-          <p:cNvSpPr txBox="1"/>
-          <p:nvPr/>
-        </p:nvSpPr>
-        <p:spPr>
-          <a:xfrm>
-            <a:off x="1346662" y="1429789"/>
-            <a:ext cx="4463934" cy="1015663"/>
-          </a:xfrm>
-          <a:prstGeom prst="rect">
-            <a:avLst/>
-          </a:prstGeom>
-          <a:noFill/>
-        </p:spPr>
-        <p:txBody>
-          <a:bodyPr wrap="square" rtlCol="0">
-            <a:spAutoFit/>
-          </a:bodyPr>
-          <a:lstStyle/>
-          <a:p>
-            <a:pPr marL="285750" indent="-285750">
-              <a:buFont typeface="Wingdings" panose="05000000000000000000" pitchFamily="2" charset="2"/>
-              <a:buChar char="v"/>
-            </a:pPr>
-            <a:r>
-              <a:rPr lang="fr-FR" sz="2400" dirty="0" smtClean="0">
-                <a:solidFill>
-                  <a:schemeClr val="bg1">
-                    <a:lumMod val="65000"/>
-                  </a:schemeClr>
-                </a:solidFill>
-              </a:rPr>
-              <a:t>Réseau social professionnel</a:t>
-            </a:r>
-          </a:p>
-          <a:p>
-            <a:endParaRPr lang="fr-FR" dirty="0">
-              <a:solidFill>
-                <a:schemeClr val="bg1">
-                  <a:lumMod val="65000"/>
-                </a:schemeClr>
-              </a:solidFill>
-            </a:endParaRPr>
-          </a:p>
-          <a:p>
-            <a:endParaRPr lang="fr-FR" dirty="0">
-              <a:solidFill>
-                <a:schemeClr val="bg1">
-                  <a:lumMod val="65000"/>
-                </a:schemeClr>
-              </a:solidFill>
-            </a:endParaRPr>
-          </a:p>
-        </p:txBody>
-      </p:sp>
-      <p:sp>
-        <p:nvSpPr>
-          <p:cNvPr id="7" name="ZoneTexte 6"/>
-          <p:cNvSpPr txBox="1"/>
-          <p:nvPr/>
-        </p:nvSpPr>
-        <p:spPr>
-          <a:xfrm>
-            <a:off x="1546167" y="2028305"/>
-            <a:ext cx="6716684" cy="1077218"/>
-          </a:xfrm>
-          <a:prstGeom prst="rect">
-            <a:avLst/>
-          </a:prstGeom>
-          <a:noFill/>
-        </p:spPr>
-        <p:txBody>
-          <a:bodyPr wrap="square" rtlCol="0">
-            <a:spAutoFit/>
-          </a:bodyPr>
-          <a:lstStyle/>
-          <a:p>
-            <a:r>
-              <a:rPr lang="fr-FR" sz="1600" dirty="0" smtClean="0">
-                <a:solidFill>
-                  <a:schemeClr val="bg1">
-                    <a:lumMod val="65000"/>
-                  </a:schemeClr>
-                </a:solidFill>
-              </a:rPr>
-              <a:t>Plusieurs profils : grossiste, distributeur, détaillant.</a:t>
-            </a:r>
-          </a:p>
-          <a:p>
-            <a:r>
-              <a:rPr lang="fr-FR" sz="1600" dirty="0" smtClean="0">
-                <a:solidFill>
-                  <a:schemeClr val="bg1">
-                    <a:lumMod val="65000"/>
-                  </a:schemeClr>
-                </a:solidFill>
-              </a:rPr>
-              <a:t>Création d’une demande ou d’une offre.</a:t>
-            </a:r>
-          </a:p>
-          <a:p>
-            <a:r>
-              <a:rPr lang="fr-FR" sz="1600" dirty="0" smtClean="0">
-                <a:solidFill>
-                  <a:schemeClr val="bg1">
-                    <a:lumMod val="65000"/>
-                  </a:schemeClr>
-                </a:solidFill>
-              </a:rPr>
-              <a:t>Négociation autour des ces offres ou demandes.</a:t>
-            </a:r>
-          </a:p>
-          <a:p>
-            <a:r>
-              <a:rPr lang="fr-FR" sz="1600" dirty="0" smtClean="0">
-                <a:solidFill>
-                  <a:schemeClr val="bg1">
-                    <a:lumMod val="65000"/>
-                  </a:schemeClr>
-                </a:solidFill>
-              </a:rPr>
-              <a:t>Domaine cible : volaille (pourra être étendu à d’autre domaine).</a:t>
-            </a:r>
-            <a:endParaRPr lang="fr-FR" sz="1600" dirty="0">
-              <a:solidFill>
-                <a:schemeClr val="bg1">
-                  <a:lumMod val="65000"/>
-                </a:schemeClr>
-              </a:solidFill>
-            </a:endParaRPr>
-          </a:p>
-        </p:txBody>
-      </p:sp>
-    </p:spTree>
-    <p:extLst>
-      <p:ext uri="{BB962C8B-B14F-4D97-AF65-F5344CB8AC3E}">
-        <p14:creationId xmlns:p14="http://schemas.microsoft.com/office/powerpoint/2010/main" val="1766926305"/>
-      </p:ext>
-    </p:extLst>
-  </p:cSld>
-  <p:clrMapOvr>
-    <a:masterClrMapping/>
-  </p:clrMapOvr>
-</p:sld>
-</file>
-
-<file path=ppt/slides/slide3.xml><?xml version="1.0" encoding="utf-8"?>
-<p:sld xmlns:a="http://schemas.openxmlformats.org/drawingml/2006/main" xmlns:r="http://schemas.openxmlformats.org/officeDocument/2006/relationships" xmlns:p="http://schemas.openxmlformats.org/presentationml/2006/main">
-  <p:cSld>
-    <p:spTree>
-      <p:nvGrpSpPr>
-        <p:cNvPr id="1" name=""/>
-        <p:cNvGrpSpPr/>
-        <p:nvPr/>
-      </p:nvGrpSpPr>
-      <p:grpSpPr>
-        <a:xfrm>
-          <a:off x="0" y="0"/>
-          <a:ext cx="0" cy="0"/>
-          <a:chOff x="0" y="0"/>
-          <a:chExt cx="0" cy="0"/>
-        </a:xfrm>
-      </p:grpSpPr>
-      <p:sp>
-        <p:nvSpPr>
-          <p:cNvPr id="2" name="Titre 1"/>
-          <p:cNvSpPr>
-            <a:spLocks noGrp="1"/>
-          </p:cNvSpPr>
-          <p:nvPr>
-            <p:ph type="ctrTitle"/>
-          </p:nvPr>
-        </p:nvSpPr>
-        <p:spPr>
-          <a:xfrm>
-            <a:off x="609291" y="83127"/>
-            <a:ext cx="6140643" cy="1058254"/>
-          </a:xfrm>
-        </p:spPr>
-        <p:txBody>
-          <a:bodyPr/>
-          <a:lstStyle/>
-          <a:p>
-            <a:r>
-              <a:rPr lang="fr-FR" dirty="0" smtClean="0"/>
-              <a:t>Création du projet</a:t>
-            </a:r>
-            <a:endParaRPr lang="fr-FR" dirty="0"/>
-          </a:p>
-        </p:txBody>
-      </p:sp>
-      <p:pic>
-        <p:nvPicPr>
-          <p:cNvPr id="5" name="Image 4"/>
-          <p:cNvPicPr>
-            <a:picLocks noChangeAspect="1"/>
-          </p:cNvPicPr>
-          <p:nvPr/>
-        </p:nvPicPr>
-        <p:blipFill>
-          <a:blip r:embed="rId2">
-            <a:extLst>
-              <a:ext uri="{28A0092B-C50C-407E-A947-70E740481C1C}">
-                <a14:useLocalDpi xmlns:a14="http://schemas.microsoft.com/office/drawing/2010/main" val="0"/>
-              </a:ext>
-            </a:extLst>
-          </a:blip>
-          <a:stretch>
-            <a:fillRect/>
-          </a:stretch>
-        </p:blipFill>
-        <p:spPr>
-          <a:xfrm>
-            <a:off x="7739148" y="182880"/>
-            <a:ext cx="1438101" cy="1431154"/>
-          </a:xfrm>
-          <a:prstGeom prst="rect">
-            <a:avLst/>
-          </a:prstGeom>
-        </p:spPr>
-      </p:pic>
-      <p:sp>
-        <p:nvSpPr>
-          <p:cNvPr id="6" name="ZoneTexte 5"/>
-          <p:cNvSpPr txBox="1"/>
-          <p:nvPr/>
-        </p:nvSpPr>
-        <p:spPr>
-          <a:xfrm>
-            <a:off x="1346662" y="1429789"/>
-            <a:ext cx="4463934" cy="738664"/>
-          </a:xfrm>
-          <a:prstGeom prst="rect">
-            <a:avLst/>
-          </a:prstGeom>
-          <a:noFill/>
-        </p:spPr>
-        <p:txBody>
-          <a:bodyPr wrap="square" rtlCol="0">
-            <a:spAutoFit/>
-          </a:bodyPr>
-          <a:lstStyle/>
-          <a:p>
-            <a:pPr marL="285750" indent="-285750">
-              <a:buFont typeface="Wingdings" panose="05000000000000000000" pitchFamily="2" charset="2"/>
-              <a:buChar char="v"/>
-            </a:pPr>
-            <a:r>
-              <a:rPr lang="fr-FR" sz="2400" dirty="0" smtClean="0">
-                <a:solidFill>
-                  <a:schemeClr val="bg1">
-                    <a:lumMod val="65000"/>
-                  </a:schemeClr>
-                </a:solidFill>
-              </a:rPr>
-              <a:t>Conception</a:t>
-            </a:r>
-            <a:endParaRPr lang="fr-FR" dirty="0">
-              <a:solidFill>
-                <a:schemeClr val="bg1">
-                  <a:lumMod val="65000"/>
-                </a:schemeClr>
-              </a:solidFill>
-            </a:endParaRPr>
-          </a:p>
-          <a:p>
-            <a:endParaRPr lang="fr-FR" dirty="0">
-              <a:solidFill>
-                <a:schemeClr val="bg1">
-                  <a:lumMod val="65000"/>
-                </a:schemeClr>
-              </a:solidFill>
-            </a:endParaRPr>
-          </a:p>
-        </p:txBody>
-      </p:sp>
-      <p:sp>
-        <p:nvSpPr>
-          <p:cNvPr id="7" name="ZoneTexte 6"/>
-          <p:cNvSpPr txBox="1"/>
-          <p:nvPr/>
-        </p:nvSpPr>
-        <p:spPr>
-          <a:xfrm>
-            <a:off x="1546167" y="2028305"/>
-            <a:ext cx="6716684" cy="1815882"/>
-          </a:xfrm>
-          <a:prstGeom prst="rect">
-            <a:avLst/>
-          </a:prstGeom>
-          <a:noFill/>
-        </p:spPr>
-        <p:txBody>
-          <a:bodyPr wrap="square" rtlCol="0">
-            <a:spAutoFit/>
-          </a:bodyPr>
-          <a:lstStyle/>
-          <a:p>
-            <a:r>
-              <a:rPr lang="fr-FR" sz="1600" dirty="0" smtClean="0">
-                <a:solidFill>
-                  <a:schemeClr val="bg1">
-                    <a:lumMod val="65000"/>
-                  </a:schemeClr>
-                </a:solidFill>
-              </a:rPr>
-              <a:t>Cahier des charges</a:t>
-            </a:r>
-          </a:p>
-          <a:p>
-            <a:endParaRPr lang="fr-FR" sz="1600" dirty="0">
-              <a:solidFill>
-                <a:schemeClr val="bg1">
-                  <a:lumMod val="65000"/>
-                </a:schemeClr>
-              </a:solidFill>
-            </a:endParaRPr>
-          </a:p>
-          <a:p>
-            <a:r>
-              <a:rPr lang="fr-FR" sz="1600" dirty="0" smtClean="0">
-                <a:solidFill>
-                  <a:schemeClr val="bg1">
-                    <a:lumMod val="65000"/>
-                  </a:schemeClr>
-                </a:solidFill>
-              </a:rPr>
-              <a:t>Maquettage (Adobe XD)</a:t>
-            </a:r>
-          </a:p>
-          <a:p>
-            <a:endParaRPr lang="fr-FR" sz="1600" dirty="0" smtClean="0">
-              <a:solidFill>
-                <a:schemeClr val="bg1">
-                  <a:lumMod val="65000"/>
-                </a:schemeClr>
-              </a:solidFill>
-            </a:endParaRPr>
-          </a:p>
-          <a:p>
-            <a:r>
-              <a:rPr lang="fr-FR" sz="1600" dirty="0" smtClean="0">
-                <a:solidFill>
-                  <a:schemeClr val="bg1">
-                    <a:lumMod val="65000"/>
-                  </a:schemeClr>
-                </a:solidFill>
-              </a:rPr>
-              <a:t>MCD (</a:t>
-            </a:r>
-            <a:r>
-              <a:rPr lang="fr-FR" sz="1600" dirty="0" err="1" smtClean="0">
-                <a:solidFill>
-                  <a:schemeClr val="bg1">
-                    <a:lumMod val="65000"/>
-                  </a:schemeClr>
-                </a:solidFill>
-              </a:rPr>
-              <a:t>Jmerise</a:t>
-            </a:r>
-            <a:r>
-              <a:rPr lang="fr-FR" sz="1600" dirty="0" smtClean="0">
-                <a:solidFill>
-                  <a:schemeClr val="bg1">
-                    <a:lumMod val="65000"/>
-                  </a:schemeClr>
-                </a:solidFill>
-              </a:rPr>
-              <a:t>)</a:t>
-            </a:r>
-          </a:p>
-          <a:p>
-            <a:endParaRPr lang="fr-FR" sz="1600" dirty="0" smtClean="0">
-              <a:solidFill>
-                <a:schemeClr val="bg1">
-                  <a:lumMod val="65000"/>
-                </a:schemeClr>
-              </a:solidFill>
-            </a:endParaRPr>
-          </a:p>
-          <a:p>
-            <a:r>
-              <a:rPr lang="fr-FR" sz="1600" dirty="0" smtClean="0">
-                <a:solidFill>
-                  <a:schemeClr val="bg1">
-                    <a:lumMod val="65000"/>
-                  </a:schemeClr>
-                </a:solidFill>
-              </a:rPr>
-              <a:t>MLD</a:t>
-            </a:r>
-            <a:endParaRPr lang="fr-FR" sz="1600" dirty="0">
-              <a:solidFill>
-                <a:schemeClr val="bg1">
-                  <a:lumMod val="65000"/>
-                </a:schemeClr>
-              </a:solidFill>
-            </a:endParaRPr>
-          </a:p>
-        </p:txBody>
-      </p:sp>
-    </p:spTree>
-    <p:extLst>
-      <p:ext uri="{BB962C8B-B14F-4D97-AF65-F5344CB8AC3E}">
-        <p14:creationId xmlns:p14="http://schemas.microsoft.com/office/powerpoint/2010/main" val="3554051345"/>
-      </p:ext>
-    </p:extLst>
-  </p:cSld>
-  <p:clrMapOvr>
-    <a:masterClrMapping/>
-  </p:clrMapOvr>
-</p:sld>
-</file>
-
-<file path=ppt/slides/slide4.xml><?xml version="1.0" encoding="utf-8"?>
-<p:sld xmlns:a="http://schemas.openxmlformats.org/drawingml/2006/main" xmlns:r="http://schemas.openxmlformats.org/officeDocument/2006/relationships" xmlns:p="http://schemas.openxmlformats.org/presentationml/2006/main">
-  <p:cSld>
-    <p:spTree>
-      <p:nvGrpSpPr>
-        <p:cNvPr id="1" name=""/>
-        <p:cNvGrpSpPr/>
-        <p:nvPr/>
-      </p:nvGrpSpPr>
-      <p:grpSpPr>
-        <a:xfrm>
-          <a:off x="0" y="0"/>
-          <a:ext cx="0" cy="0"/>
-          <a:chOff x="0" y="0"/>
-          <a:chExt cx="0" cy="0"/>
-        </a:xfrm>
-      </p:grpSpPr>
-      <p:sp>
-        <p:nvSpPr>
-          <p:cNvPr id="2" name="Titre 1"/>
-          <p:cNvSpPr>
-            <a:spLocks noGrp="1"/>
-          </p:cNvSpPr>
-          <p:nvPr>
-            <p:ph type="ctrTitle"/>
-          </p:nvPr>
-        </p:nvSpPr>
-        <p:spPr>
-          <a:xfrm>
-            <a:off x="609292" y="83127"/>
-            <a:ext cx="4153902" cy="1058254"/>
-          </a:xfrm>
-        </p:spPr>
-        <p:txBody>
-          <a:bodyPr/>
-          <a:lstStyle/>
-          <a:p>
-            <a:r>
-              <a:rPr lang="fr-FR" dirty="0" smtClean="0"/>
-              <a:t>Maquettage</a:t>
-            </a:r>
-            <a:endParaRPr lang="fr-FR" dirty="0"/>
-          </a:p>
-        </p:txBody>
-      </p:sp>
-      <p:pic>
-        <p:nvPicPr>
-          <p:cNvPr id="5" name="Image 4"/>
-          <p:cNvPicPr>
-            <a:picLocks noChangeAspect="1"/>
-          </p:cNvPicPr>
-          <p:nvPr/>
-        </p:nvPicPr>
-        <p:blipFill>
-          <a:blip r:embed="rId2">
-            <a:extLst>
-              <a:ext uri="{28A0092B-C50C-407E-A947-70E740481C1C}">
-                <a14:useLocalDpi xmlns:a14="http://schemas.microsoft.com/office/drawing/2010/main" val="0"/>
-              </a:ext>
-            </a:extLst>
-          </a:blip>
-          <a:stretch>
-            <a:fillRect/>
-          </a:stretch>
-        </p:blipFill>
-        <p:spPr>
-          <a:xfrm>
-            <a:off x="7739148" y="182880"/>
-            <a:ext cx="1438101" cy="1431154"/>
-          </a:xfrm>
-          <a:prstGeom prst="rect">
-            <a:avLst/>
-          </a:prstGeom>
-        </p:spPr>
-      </p:pic>
-      <p:pic>
-        <p:nvPicPr>
-          <p:cNvPr id="3" name="Image 2"/>
-          <p:cNvPicPr>
-            <a:picLocks noChangeAspect="1"/>
-          </p:cNvPicPr>
-          <p:nvPr/>
-        </p:nvPicPr>
-        <p:blipFill>
-          <a:blip r:embed="rId3">
-            <a:extLst>
-              <a:ext uri="{28A0092B-C50C-407E-A947-70E740481C1C}">
-                <a14:useLocalDpi xmlns:a14="http://schemas.microsoft.com/office/drawing/2010/main" val="0"/>
-              </a:ext>
-            </a:extLst>
-          </a:blip>
-          <a:stretch>
-            <a:fillRect/>
-          </a:stretch>
-        </p:blipFill>
-        <p:spPr>
-          <a:xfrm>
-            <a:off x="973369" y="1839167"/>
-            <a:ext cx="6907098" cy="4446119"/>
-          </a:xfrm>
-          <a:prstGeom prst="rect">
-            <a:avLst/>
-          </a:prstGeom>
-        </p:spPr>
-      </p:pic>
-    </p:spTree>
-    <p:extLst>
-      <p:ext uri="{BB962C8B-B14F-4D97-AF65-F5344CB8AC3E}">
-        <p14:creationId xmlns:p14="http://schemas.microsoft.com/office/powerpoint/2010/main" val="2892972684"/>
-      </p:ext>
-    </p:extLst>
-  </p:cSld>
-  <p:clrMapOvr>
-    <a:masterClrMapping/>
-  </p:clrMapOvr>
-</p:sld>
-</file>
-
-<file path=ppt/slides/slide5.xml><?xml version="1.0" encoding="utf-8"?>
 <p:sld xmlns:a="http://schemas.openxmlformats.org/drawingml/2006/main" xmlns:r="http://schemas.openxmlformats.org/officeDocument/2006/relationships" xmlns:p="http://schemas.openxmlformats.org/presentationml/2006/main">
   <p:cSld>
     <p:spTree>
@@ -7434,7 +6300,7 @@
 </p:sld>
 </file>
 
-<file path=ppt/slides/slide6.xml><?xml version="1.0" encoding="utf-8"?>
+<file path=ppt/slides/slide12.xml><?xml version="1.0" encoding="utf-8"?>
 <p:sld xmlns:a="http://schemas.openxmlformats.org/drawingml/2006/main" xmlns:r="http://schemas.openxmlformats.org/officeDocument/2006/relationships" xmlns:p="http://schemas.openxmlformats.org/presentationml/2006/main">
   <p:cSld>
     <p:spTree>
@@ -9433,7 +8299,7 @@
 </p:sld>
 </file>
 
-<file path=ppt/slides/slide7.xml><?xml version="1.0" encoding="utf-8"?>
+<file path=ppt/slides/slide13.xml><?xml version="1.0" encoding="utf-8"?>
 <p:sld xmlns:a="http://schemas.openxmlformats.org/drawingml/2006/main" xmlns:r="http://schemas.openxmlformats.org/officeDocument/2006/relationships" xmlns:p="http://schemas.openxmlformats.org/presentationml/2006/main">
   <p:cSld>
     <p:spTree>
@@ -9623,7 +8489,7 @@
 </p:sld>
 </file>
 
-<file path=ppt/slides/slide8.xml><?xml version="1.0" encoding="utf-8"?>
+<file path=ppt/slides/slide14.xml><?xml version="1.0" encoding="utf-8"?>
 <p:sld xmlns:a="http://schemas.openxmlformats.org/drawingml/2006/main" xmlns:r="http://schemas.openxmlformats.org/officeDocument/2006/relationships" xmlns:p="http://schemas.openxmlformats.org/presentationml/2006/main">
   <p:cSld>
     <p:spTree>
@@ -10051,6 +8917,3653 @@
     <p:extLst>
       <p:ext uri="{BB962C8B-B14F-4D97-AF65-F5344CB8AC3E}">
         <p14:creationId xmlns:p14="http://schemas.microsoft.com/office/powerpoint/2010/main" val="212136970"/>
+      </p:ext>
+    </p:extLst>
+  </p:cSld>
+  <p:clrMapOvr>
+    <a:masterClrMapping/>
+  </p:clrMapOvr>
+</p:sld>
+</file>
+
+<file path=ppt/slides/slide15.xml><?xml version="1.0" encoding="utf-8"?>
+<p:sld xmlns:a="http://schemas.openxmlformats.org/drawingml/2006/main" xmlns:r="http://schemas.openxmlformats.org/officeDocument/2006/relationships" xmlns:p="http://schemas.openxmlformats.org/presentationml/2006/main">
+  <p:cSld>
+    <p:spTree>
+      <p:nvGrpSpPr>
+        <p:cNvPr id="1" name=""/>
+        <p:cNvGrpSpPr/>
+        <p:nvPr/>
+      </p:nvGrpSpPr>
+      <p:grpSpPr>
+        <a:xfrm>
+          <a:off x="0" y="0"/>
+          <a:ext cx="0" cy="0"/>
+          <a:chOff x="0" y="0"/>
+          <a:chExt cx="0" cy="0"/>
+        </a:xfrm>
+      </p:grpSpPr>
+      <p:sp>
+        <p:nvSpPr>
+          <p:cNvPr id="2" name="Titre 1"/>
+          <p:cNvSpPr>
+            <a:spLocks noGrp="1"/>
+          </p:cNvSpPr>
+          <p:nvPr>
+            <p:ph type="ctrTitle"/>
+          </p:nvPr>
+        </p:nvSpPr>
+        <p:spPr>
+          <a:xfrm>
+            <a:off x="609292" y="83127"/>
+            <a:ext cx="3630199" cy="1058254"/>
+          </a:xfrm>
+        </p:spPr>
+        <p:txBody>
+          <a:bodyPr/>
+          <a:lstStyle/>
+          <a:p>
+            <a:r>
+              <a:rPr lang="fr-FR" dirty="0" smtClean="0"/>
+              <a:t>Back-end</a:t>
+            </a:r>
+            <a:endParaRPr lang="fr-FR" dirty="0"/>
+          </a:p>
+        </p:txBody>
+      </p:sp>
+      <p:pic>
+        <p:nvPicPr>
+          <p:cNvPr id="5" name="Image 4"/>
+          <p:cNvPicPr>
+            <a:picLocks noChangeAspect="1"/>
+          </p:cNvPicPr>
+          <p:nvPr/>
+        </p:nvPicPr>
+        <p:blipFill>
+          <a:blip r:embed="rId2">
+            <a:extLst>
+              <a:ext uri="{28A0092B-C50C-407E-A947-70E740481C1C}">
+                <a14:useLocalDpi xmlns:a14="http://schemas.microsoft.com/office/drawing/2010/main" val="0"/>
+              </a:ext>
+            </a:extLst>
+          </a:blip>
+          <a:stretch>
+            <a:fillRect/>
+          </a:stretch>
+        </p:blipFill>
+        <p:spPr>
+          <a:xfrm>
+            <a:off x="7739148" y="182880"/>
+            <a:ext cx="1438101" cy="1431154"/>
+          </a:xfrm>
+          <a:prstGeom prst="rect">
+            <a:avLst/>
+          </a:prstGeom>
+        </p:spPr>
+      </p:pic>
+      <p:sp>
+        <p:nvSpPr>
+          <p:cNvPr id="9" name="ZoneTexte 8"/>
+          <p:cNvSpPr txBox="1"/>
+          <p:nvPr/>
+        </p:nvSpPr>
+        <p:spPr>
+          <a:xfrm>
+            <a:off x="1546167" y="1983067"/>
+            <a:ext cx="6716684" cy="584775"/>
+          </a:xfrm>
+          <a:prstGeom prst="rect">
+            <a:avLst/>
+          </a:prstGeom>
+          <a:noFill/>
+        </p:spPr>
+        <p:txBody>
+          <a:bodyPr wrap="square" rtlCol="0">
+            <a:spAutoFit/>
+          </a:bodyPr>
+          <a:lstStyle/>
+          <a:p>
+            <a:r>
+              <a:rPr lang="fr-FR" sz="1600" dirty="0" smtClean="0">
+                <a:solidFill>
+                  <a:schemeClr val="bg1">
+                    <a:lumMod val="65000"/>
+                  </a:schemeClr>
+                </a:solidFill>
+              </a:rPr>
+              <a:t>Mise en place de la base de données via un script </a:t>
+            </a:r>
+            <a:r>
+              <a:rPr lang="fr-FR" sz="1600" b="1" dirty="0" smtClean="0">
+                <a:solidFill>
+                  <a:schemeClr val="bg1">
+                    <a:lumMod val="65000"/>
+                  </a:schemeClr>
+                </a:solidFill>
+              </a:rPr>
+              <a:t>SQL</a:t>
+            </a:r>
+            <a:r>
+              <a:rPr lang="fr-FR" sz="1600" dirty="0" smtClean="0">
+                <a:solidFill>
+                  <a:schemeClr val="bg1">
+                    <a:lumMod val="65000"/>
+                  </a:schemeClr>
+                </a:solidFill>
+              </a:rPr>
+              <a:t> réaliser à partir du </a:t>
+            </a:r>
+            <a:r>
+              <a:rPr lang="fr-FR" sz="1600" b="1" dirty="0" smtClean="0">
+                <a:solidFill>
+                  <a:schemeClr val="bg1">
+                    <a:lumMod val="65000"/>
+                  </a:schemeClr>
+                </a:solidFill>
+              </a:rPr>
+              <a:t>MLD</a:t>
+            </a:r>
+          </a:p>
+        </p:txBody>
+      </p:sp>
+      <p:sp>
+        <p:nvSpPr>
+          <p:cNvPr id="10" name="ZoneTexte 9"/>
+          <p:cNvSpPr txBox="1"/>
+          <p:nvPr/>
+        </p:nvSpPr>
+        <p:spPr>
+          <a:xfrm>
+            <a:off x="1346662" y="1384551"/>
+            <a:ext cx="4463934" cy="1015663"/>
+          </a:xfrm>
+          <a:prstGeom prst="rect">
+            <a:avLst/>
+          </a:prstGeom>
+          <a:noFill/>
+        </p:spPr>
+        <p:txBody>
+          <a:bodyPr wrap="square" rtlCol="0">
+            <a:spAutoFit/>
+          </a:bodyPr>
+          <a:lstStyle/>
+          <a:p>
+            <a:pPr marL="285750" indent="-285750">
+              <a:buFont typeface="Wingdings" panose="05000000000000000000" pitchFamily="2" charset="2"/>
+              <a:buChar char="v"/>
+            </a:pPr>
+            <a:r>
+              <a:rPr lang="fr-FR" sz="2400" dirty="0" smtClean="0">
+                <a:solidFill>
+                  <a:schemeClr val="bg1">
+                    <a:lumMod val="65000"/>
+                  </a:schemeClr>
+                </a:solidFill>
+              </a:rPr>
+              <a:t>Base de données</a:t>
+            </a:r>
+          </a:p>
+          <a:p>
+            <a:endParaRPr lang="fr-FR" dirty="0">
+              <a:solidFill>
+                <a:schemeClr val="bg1">
+                  <a:lumMod val="65000"/>
+                </a:schemeClr>
+              </a:solidFill>
+            </a:endParaRPr>
+          </a:p>
+          <a:p>
+            <a:endParaRPr lang="fr-FR" dirty="0">
+              <a:solidFill>
+                <a:schemeClr val="bg1">
+                  <a:lumMod val="65000"/>
+                </a:schemeClr>
+              </a:solidFill>
+            </a:endParaRPr>
+          </a:p>
+        </p:txBody>
+      </p:sp>
+      <p:sp>
+        <p:nvSpPr>
+          <p:cNvPr id="11" name="ZoneTexte 10"/>
+          <p:cNvSpPr txBox="1"/>
+          <p:nvPr/>
+        </p:nvSpPr>
+        <p:spPr>
+          <a:xfrm>
+            <a:off x="1546167" y="3535391"/>
+            <a:ext cx="6716684" cy="1569660"/>
+          </a:xfrm>
+          <a:prstGeom prst="rect">
+            <a:avLst/>
+          </a:prstGeom>
+          <a:noFill/>
+        </p:spPr>
+        <p:txBody>
+          <a:bodyPr wrap="square" rtlCol="0">
+            <a:spAutoFit/>
+          </a:bodyPr>
+          <a:lstStyle/>
+          <a:p>
+            <a:r>
+              <a:rPr lang="fr-FR" sz="1600" dirty="0" smtClean="0">
+                <a:solidFill>
+                  <a:schemeClr val="bg1">
+                    <a:lumMod val="65000"/>
+                  </a:schemeClr>
+                </a:solidFill>
+              </a:rPr>
+              <a:t>Création d’entités et de </a:t>
+            </a:r>
+            <a:r>
+              <a:rPr lang="fr-FR" sz="1600" dirty="0" err="1" smtClean="0">
+                <a:solidFill>
+                  <a:schemeClr val="bg1">
+                    <a:lumMod val="65000"/>
+                  </a:schemeClr>
+                </a:solidFill>
+              </a:rPr>
+              <a:t>Repository</a:t>
+            </a:r>
+            <a:r>
+              <a:rPr lang="fr-FR" sz="1600" dirty="0" smtClean="0">
+                <a:solidFill>
+                  <a:schemeClr val="bg1">
+                    <a:lumMod val="65000"/>
+                  </a:schemeClr>
+                </a:solidFill>
+              </a:rPr>
+              <a:t> grâce au </a:t>
+            </a:r>
+            <a:r>
+              <a:rPr lang="fr-FR" sz="1600" dirty="0" err="1" smtClean="0">
+                <a:solidFill>
+                  <a:schemeClr val="bg1">
+                    <a:lumMod val="65000"/>
+                  </a:schemeClr>
+                </a:solidFill>
+              </a:rPr>
+              <a:t>framework</a:t>
+            </a:r>
+            <a:r>
+              <a:rPr lang="fr-FR" sz="1600" dirty="0" smtClean="0">
+                <a:solidFill>
+                  <a:schemeClr val="bg1">
+                    <a:lumMod val="65000"/>
+                  </a:schemeClr>
+                </a:solidFill>
+              </a:rPr>
+              <a:t> </a:t>
+            </a:r>
+            <a:r>
+              <a:rPr lang="fr-FR" sz="1600" b="1" dirty="0" err="1" smtClean="0">
+                <a:solidFill>
+                  <a:schemeClr val="bg1">
+                    <a:lumMod val="65000"/>
+                  </a:schemeClr>
+                </a:solidFill>
+              </a:rPr>
+              <a:t>Spring</a:t>
+            </a:r>
+            <a:endParaRPr lang="fr-FR" sz="1600" b="1" dirty="0" smtClean="0">
+              <a:solidFill>
+                <a:schemeClr val="bg1">
+                  <a:lumMod val="65000"/>
+                </a:schemeClr>
+              </a:solidFill>
+            </a:endParaRPr>
+          </a:p>
+          <a:p>
+            <a:endParaRPr lang="fr-FR" sz="1600" dirty="0">
+              <a:solidFill>
+                <a:schemeClr val="bg1">
+                  <a:lumMod val="65000"/>
+                </a:schemeClr>
+              </a:solidFill>
+            </a:endParaRPr>
+          </a:p>
+          <a:p>
+            <a:r>
+              <a:rPr lang="fr-FR" sz="1600" dirty="0" smtClean="0">
+                <a:solidFill>
+                  <a:schemeClr val="bg1">
+                    <a:lumMod val="65000"/>
+                  </a:schemeClr>
+                </a:solidFill>
+              </a:rPr>
+              <a:t>Utilisation des </a:t>
+            </a:r>
+            <a:r>
+              <a:rPr lang="fr-FR" sz="1600" b="1" dirty="0" err="1" smtClean="0">
+                <a:solidFill>
+                  <a:schemeClr val="bg1">
+                    <a:lumMod val="65000"/>
+                  </a:schemeClr>
+                </a:solidFill>
+              </a:rPr>
+              <a:t>Rest</a:t>
+            </a:r>
+            <a:r>
+              <a:rPr lang="fr-FR" sz="1600" dirty="0" smtClean="0">
+                <a:solidFill>
+                  <a:schemeClr val="bg1">
+                    <a:lumMod val="65000"/>
+                  </a:schemeClr>
+                </a:solidFill>
+              </a:rPr>
+              <a:t> </a:t>
+            </a:r>
+            <a:r>
+              <a:rPr lang="fr-FR" sz="1600" b="1" dirty="0" err="1" smtClean="0">
+                <a:solidFill>
+                  <a:schemeClr val="bg1">
+                    <a:lumMod val="65000"/>
+                  </a:schemeClr>
+                </a:solidFill>
+              </a:rPr>
+              <a:t>Controllers</a:t>
+            </a:r>
+            <a:r>
+              <a:rPr lang="fr-FR" sz="1600" dirty="0" smtClean="0">
+                <a:solidFill>
+                  <a:schemeClr val="bg1">
+                    <a:lumMod val="65000"/>
+                  </a:schemeClr>
+                </a:solidFill>
+              </a:rPr>
+              <a:t> pour appeler la base de données</a:t>
+            </a:r>
+          </a:p>
+          <a:p>
+            <a:endParaRPr lang="fr-FR" sz="1600" dirty="0">
+              <a:solidFill>
+                <a:schemeClr val="bg1">
+                  <a:lumMod val="65000"/>
+                </a:schemeClr>
+              </a:solidFill>
+            </a:endParaRPr>
+          </a:p>
+          <a:p>
+            <a:r>
+              <a:rPr lang="fr-FR" sz="1600" dirty="0" smtClean="0">
+                <a:solidFill>
+                  <a:schemeClr val="bg1">
+                    <a:lumMod val="65000"/>
+                  </a:schemeClr>
+                </a:solidFill>
+              </a:rPr>
+              <a:t>Mise en place de </a:t>
+            </a:r>
+            <a:r>
+              <a:rPr lang="fr-FR" sz="1600" b="1" dirty="0" smtClean="0">
+                <a:solidFill>
+                  <a:schemeClr val="bg1">
+                    <a:lumMod val="65000"/>
+                  </a:schemeClr>
+                </a:solidFill>
+              </a:rPr>
+              <a:t>DTO</a:t>
+            </a:r>
+            <a:r>
+              <a:rPr lang="fr-FR" sz="1600" dirty="0" smtClean="0">
+                <a:solidFill>
+                  <a:schemeClr val="bg1">
+                    <a:lumMod val="65000"/>
+                  </a:schemeClr>
+                </a:solidFill>
+              </a:rPr>
+              <a:t> pour éviter de manipuler les entités dans le Front</a:t>
+            </a:r>
+            <a:endParaRPr lang="fr-FR" sz="1600" dirty="0">
+              <a:solidFill>
+                <a:schemeClr val="bg1">
+                  <a:lumMod val="65000"/>
+                </a:schemeClr>
+              </a:solidFill>
+            </a:endParaRPr>
+          </a:p>
+        </p:txBody>
+      </p:sp>
+      <p:sp>
+        <p:nvSpPr>
+          <p:cNvPr id="12" name="ZoneTexte 11"/>
+          <p:cNvSpPr txBox="1"/>
+          <p:nvPr/>
+        </p:nvSpPr>
+        <p:spPr>
+          <a:xfrm>
+            <a:off x="1346662" y="2936875"/>
+            <a:ext cx="4463934" cy="1015663"/>
+          </a:xfrm>
+          <a:prstGeom prst="rect">
+            <a:avLst/>
+          </a:prstGeom>
+          <a:noFill/>
+        </p:spPr>
+        <p:txBody>
+          <a:bodyPr wrap="square" rtlCol="0">
+            <a:spAutoFit/>
+          </a:bodyPr>
+          <a:lstStyle/>
+          <a:p>
+            <a:pPr marL="285750" indent="-285750">
+              <a:buFont typeface="Wingdings" panose="05000000000000000000" pitchFamily="2" charset="2"/>
+              <a:buChar char="v"/>
+            </a:pPr>
+            <a:r>
+              <a:rPr lang="fr-FR" sz="2400" dirty="0" smtClean="0">
+                <a:solidFill>
+                  <a:schemeClr val="bg1">
+                    <a:lumMod val="65000"/>
+                  </a:schemeClr>
+                </a:solidFill>
+              </a:rPr>
+              <a:t>Entités / Contrôleurs</a:t>
+            </a:r>
+          </a:p>
+          <a:p>
+            <a:endParaRPr lang="fr-FR" dirty="0">
+              <a:solidFill>
+                <a:schemeClr val="bg1">
+                  <a:lumMod val="65000"/>
+                </a:schemeClr>
+              </a:solidFill>
+            </a:endParaRPr>
+          </a:p>
+          <a:p>
+            <a:endParaRPr lang="fr-FR" dirty="0">
+              <a:solidFill>
+                <a:schemeClr val="bg1">
+                  <a:lumMod val="65000"/>
+                </a:schemeClr>
+              </a:solidFill>
+            </a:endParaRPr>
+          </a:p>
+        </p:txBody>
+      </p:sp>
+    </p:spTree>
+    <p:extLst>
+      <p:ext uri="{BB962C8B-B14F-4D97-AF65-F5344CB8AC3E}">
+        <p14:creationId xmlns:p14="http://schemas.microsoft.com/office/powerpoint/2010/main" val="2426825249"/>
+      </p:ext>
+    </p:extLst>
+  </p:cSld>
+  <p:clrMapOvr>
+    <a:masterClrMapping/>
+  </p:clrMapOvr>
+</p:sld>
+</file>
+
+<file path=ppt/slides/slide16.xml><?xml version="1.0" encoding="utf-8"?>
+<p:sld xmlns:a="http://schemas.openxmlformats.org/drawingml/2006/main" xmlns:r="http://schemas.openxmlformats.org/officeDocument/2006/relationships" xmlns:p="http://schemas.openxmlformats.org/presentationml/2006/main">
+  <p:cSld>
+    <p:spTree>
+      <p:nvGrpSpPr>
+        <p:cNvPr id="1" name=""/>
+        <p:cNvGrpSpPr/>
+        <p:nvPr/>
+      </p:nvGrpSpPr>
+      <p:grpSpPr>
+        <a:xfrm>
+          <a:off x="0" y="0"/>
+          <a:ext cx="0" cy="0"/>
+          <a:chOff x="0" y="0"/>
+          <a:chExt cx="0" cy="0"/>
+        </a:xfrm>
+      </p:grpSpPr>
+      <p:sp>
+        <p:nvSpPr>
+          <p:cNvPr id="2" name="Titre 1"/>
+          <p:cNvSpPr>
+            <a:spLocks noGrp="1"/>
+          </p:cNvSpPr>
+          <p:nvPr>
+            <p:ph type="ctrTitle"/>
+          </p:nvPr>
+        </p:nvSpPr>
+        <p:spPr>
+          <a:xfrm>
+            <a:off x="609292" y="83127"/>
+            <a:ext cx="3630199" cy="1058254"/>
+          </a:xfrm>
+        </p:spPr>
+        <p:txBody>
+          <a:bodyPr/>
+          <a:lstStyle/>
+          <a:p>
+            <a:r>
+              <a:rPr lang="fr-FR" dirty="0" smtClean="0"/>
+              <a:t>Front-end</a:t>
+            </a:r>
+            <a:endParaRPr lang="fr-FR" dirty="0"/>
+          </a:p>
+        </p:txBody>
+      </p:sp>
+      <p:pic>
+        <p:nvPicPr>
+          <p:cNvPr id="5" name="Image 4"/>
+          <p:cNvPicPr>
+            <a:picLocks noChangeAspect="1"/>
+          </p:cNvPicPr>
+          <p:nvPr/>
+        </p:nvPicPr>
+        <p:blipFill>
+          <a:blip r:embed="rId2">
+            <a:extLst>
+              <a:ext uri="{28A0092B-C50C-407E-A947-70E740481C1C}">
+                <a14:useLocalDpi xmlns:a14="http://schemas.microsoft.com/office/drawing/2010/main" val="0"/>
+              </a:ext>
+            </a:extLst>
+          </a:blip>
+          <a:stretch>
+            <a:fillRect/>
+          </a:stretch>
+        </p:blipFill>
+        <p:spPr>
+          <a:xfrm>
+            <a:off x="7739148" y="182880"/>
+            <a:ext cx="1438101" cy="1431154"/>
+          </a:xfrm>
+          <a:prstGeom prst="rect">
+            <a:avLst/>
+          </a:prstGeom>
+        </p:spPr>
+      </p:pic>
+      <p:sp>
+        <p:nvSpPr>
+          <p:cNvPr id="9" name="ZoneTexte 8"/>
+          <p:cNvSpPr txBox="1"/>
+          <p:nvPr/>
+        </p:nvSpPr>
+        <p:spPr>
+          <a:xfrm>
+            <a:off x="1546167" y="1983067"/>
+            <a:ext cx="6716684" cy="830997"/>
+          </a:xfrm>
+          <a:prstGeom prst="rect">
+            <a:avLst/>
+          </a:prstGeom>
+          <a:noFill/>
+        </p:spPr>
+        <p:txBody>
+          <a:bodyPr wrap="square" rtlCol="0">
+            <a:spAutoFit/>
+          </a:bodyPr>
+          <a:lstStyle/>
+          <a:p>
+            <a:r>
+              <a:rPr lang="fr-FR" sz="1600" dirty="0" smtClean="0">
+                <a:solidFill>
+                  <a:schemeClr val="bg1">
+                    <a:lumMod val="65000"/>
+                  </a:schemeClr>
+                </a:solidFill>
+              </a:rPr>
+              <a:t>Utilisation de </a:t>
+            </a:r>
+            <a:r>
+              <a:rPr lang="fr-FR" sz="1600" b="1" dirty="0" err="1" smtClean="0">
+                <a:solidFill>
+                  <a:schemeClr val="bg1">
+                    <a:lumMod val="65000"/>
+                  </a:schemeClr>
+                </a:solidFill>
+              </a:rPr>
+              <a:t>Axios</a:t>
+            </a:r>
+            <a:r>
+              <a:rPr lang="fr-FR" sz="1600" dirty="0" smtClean="0">
+                <a:solidFill>
+                  <a:schemeClr val="bg1">
+                    <a:lumMod val="65000"/>
+                  </a:schemeClr>
+                </a:solidFill>
+              </a:rPr>
+              <a:t> pour envoyer les requêtes </a:t>
+            </a:r>
+            <a:r>
+              <a:rPr lang="fr-FR" sz="1600" b="1" dirty="0" smtClean="0">
+                <a:solidFill>
+                  <a:schemeClr val="bg1">
+                    <a:lumMod val="65000"/>
+                  </a:schemeClr>
+                </a:solidFill>
+              </a:rPr>
+              <a:t>JSON</a:t>
+            </a:r>
+            <a:r>
+              <a:rPr lang="fr-FR" sz="1600" dirty="0" smtClean="0">
+                <a:solidFill>
+                  <a:schemeClr val="bg1">
+                    <a:lumMod val="65000"/>
+                  </a:schemeClr>
+                </a:solidFill>
+              </a:rPr>
+              <a:t> vers le Back</a:t>
+            </a:r>
+          </a:p>
+          <a:p>
+            <a:endParaRPr lang="fr-FR" sz="1600" dirty="0">
+              <a:solidFill>
+                <a:schemeClr val="bg1">
+                  <a:lumMod val="65000"/>
+                </a:schemeClr>
+              </a:solidFill>
+            </a:endParaRPr>
+          </a:p>
+          <a:p>
+            <a:r>
+              <a:rPr lang="fr-FR" sz="1600" dirty="0" err="1" smtClean="0">
+                <a:solidFill>
+                  <a:schemeClr val="bg1">
+                    <a:lumMod val="65000"/>
+                  </a:schemeClr>
+                </a:solidFill>
+              </a:rPr>
+              <a:t>Hashage</a:t>
+            </a:r>
+            <a:r>
+              <a:rPr lang="fr-FR" sz="1600" dirty="0" smtClean="0">
+                <a:solidFill>
+                  <a:schemeClr val="bg1">
+                    <a:lumMod val="65000"/>
+                  </a:schemeClr>
+                </a:solidFill>
+              </a:rPr>
+              <a:t> des mots de passe dans le Front avec </a:t>
+            </a:r>
+            <a:r>
+              <a:rPr lang="fr-FR" sz="1600" b="1" dirty="0" smtClean="0">
+                <a:solidFill>
+                  <a:schemeClr val="bg1">
+                    <a:lumMod val="65000"/>
+                  </a:schemeClr>
+                </a:solidFill>
+              </a:rPr>
+              <a:t>Js-Sha256</a:t>
+            </a:r>
+          </a:p>
+        </p:txBody>
+      </p:sp>
+      <p:sp>
+        <p:nvSpPr>
+          <p:cNvPr id="6" name="ZoneTexte 5"/>
+          <p:cNvSpPr txBox="1"/>
+          <p:nvPr/>
+        </p:nvSpPr>
+        <p:spPr>
+          <a:xfrm>
+            <a:off x="1346662" y="1398292"/>
+            <a:ext cx="4463934" cy="1015663"/>
+          </a:xfrm>
+          <a:prstGeom prst="rect">
+            <a:avLst/>
+          </a:prstGeom>
+          <a:noFill/>
+        </p:spPr>
+        <p:txBody>
+          <a:bodyPr wrap="square" rtlCol="0">
+            <a:spAutoFit/>
+          </a:bodyPr>
+          <a:lstStyle/>
+          <a:p>
+            <a:pPr marL="285750" indent="-285750">
+              <a:buFont typeface="Wingdings" panose="05000000000000000000" pitchFamily="2" charset="2"/>
+              <a:buChar char="v"/>
+            </a:pPr>
+            <a:r>
+              <a:rPr lang="fr-FR" sz="2400" dirty="0" smtClean="0">
+                <a:solidFill>
+                  <a:schemeClr val="bg1">
+                    <a:lumMod val="65000"/>
+                  </a:schemeClr>
+                </a:solidFill>
+              </a:rPr>
+              <a:t>Dépendances </a:t>
+            </a:r>
+            <a:r>
+              <a:rPr lang="fr-FR" sz="2400" dirty="0" err="1" smtClean="0">
+                <a:solidFill>
+                  <a:schemeClr val="bg1">
+                    <a:lumMod val="65000"/>
+                  </a:schemeClr>
+                </a:solidFill>
+              </a:rPr>
+              <a:t>React</a:t>
+            </a:r>
+            <a:endParaRPr lang="fr-FR" sz="2400" dirty="0" smtClean="0">
+              <a:solidFill>
+                <a:schemeClr val="bg1">
+                  <a:lumMod val="65000"/>
+                </a:schemeClr>
+              </a:solidFill>
+            </a:endParaRPr>
+          </a:p>
+          <a:p>
+            <a:endParaRPr lang="fr-FR" dirty="0">
+              <a:solidFill>
+                <a:schemeClr val="bg1">
+                  <a:lumMod val="65000"/>
+                </a:schemeClr>
+              </a:solidFill>
+            </a:endParaRPr>
+          </a:p>
+          <a:p>
+            <a:endParaRPr lang="fr-FR" dirty="0">
+              <a:solidFill>
+                <a:schemeClr val="bg1">
+                  <a:lumMod val="65000"/>
+                </a:schemeClr>
+              </a:solidFill>
+            </a:endParaRPr>
+          </a:p>
+        </p:txBody>
+      </p:sp>
+      <p:sp>
+        <p:nvSpPr>
+          <p:cNvPr id="7" name="ZoneTexte 6"/>
+          <p:cNvSpPr txBox="1"/>
+          <p:nvPr/>
+        </p:nvSpPr>
+        <p:spPr>
+          <a:xfrm>
+            <a:off x="1546167" y="3690928"/>
+            <a:ext cx="6716684" cy="584775"/>
+          </a:xfrm>
+          <a:prstGeom prst="rect">
+            <a:avLst/>
+          </a:prstGeom>
+          <a:noFill/>
+        </p:spPr>
+        <p:txBody>
+          <a:bodyPr wrap="square" rtlCol="0">
+            <a:spAutoFit/>
+          </a:bodyPr>
+          <a:lstStyle/>
+          <a:p>
+            <a:endParaRPr lang="fr-FR" sz="1600" dirty="0">
+              <a:solidFill>
+                <a:schemeClr val="bg1">
+                  <a:lumMod val="65000"/>
+                </a:schemeClr>
+              </a:solidFill>
+            </a:endParaRPr>
+          </a:p>
+          <a:p>
+            <a:r>
+              <a:rPr lang="fr-FR" sz="1600" b="1" dirty="0" err="1" smtClean="0">
+                <a:solidFill>
+                  <a:schemeClr val="bg1">
+                    <a:lumMod val="65000"/>
+                  </a:schemeClr>
+                </a:solidFill>
+              </a:rPr>
+              <a:t>Bootstrap</a:t>
+            </a:r>
+            <a:r>
+              <a:rPr lang="fr-FR" sz="1600" dirty="0" smtClean="0">
+                <a:solidFill>
+                  <a:schemeClr val="bg1">
+                    <a:lumMod val="65000"/>
+                  </a:schemeClr>
+                </a:solidFill>
+              </a:rPr>
+              <a:t> </a:t>
+            </a:r>
+            <a:r>
+              <a:rPr lang="fr-FR" sz="1600" b="1" dirty="0" smtClean="0">
+                <a:solidFill>
+                  <a:schemeClr val="bg1">
+                    <a:lumMod val="65000"/>
+                  </a:schemeClr>
+                </a:solidFill>
+              </a:rPr>
+              <a:t>5</a:t>
+            </a:r>
+            <a:r>
+              <a:rPr lang="fr-FR" sz="1600" dirty="0" smtClean="0">
+                <a:solidFill>
+                  <a:schemeClr val="bg1">
+                    <a:lumMod val="65000"/>
+                  </a:schemeClr>
+                </a:solidFill>
+              </a:rPr>
+              <a:t> pour l’aspect visuel du site</a:t>
+            </a:r>
+            <a:endParaRPr lang="fr-FR" sz="1600" dirty="0">
+              <a:solidFill>
+                <a:schemeClr val="bg1">
+                  <a:lumMod val="65000"/>
+                </a:schemeClr>
+              </a:solidFill>
+            </a:endParaRPr>
+          </a:p>
+        </p:txBody>
+      </p:sp>
+      <p:sp>
+        <p:nvSpPr>
+          <p:cNvPr id="8" name="ZoneTexte 7"/>
+          <p:cNvSpPr txBox="1"/>
+          <p:nvPr/>
+        </p:nvSpPr>
+        <p:spPr>
+          <a:xfrm>
+            <a:off x="1346662" y="3183097"/>
+            <a:ext cx="4463934" cy="1015663"/>
+          </a:xfrm>
+          <a:prstGeom prst="rect">
+            <a:avLst/>
+          </a:prstGeom>
+          <a:noFill/>
+        </p:spPr>
+        <p:txBody>
+          <a:bodyPr wrap="square" rtlCol="0">
+            <a:spAutoFit/>
+          </a:bodyPr>
+          <a:lstStyle/>
+          <a:p>
+            <a:pPr marL="285750" indent="-285750">
+              <a:buFont typeface="Wingdings" panose="05000000000000000000" pitchFamily="2" charset="2"/>
+              <a:buChar char="v"/>
+            </a:pPr>
+            <a:r>
+              <a:rPr lang="fr-FR" sz="2400" dirty="0" smtClean="0">
+                <a:solidFill>
+                  <a:schemeClr val="bg1">
+                    <a:lumMod val="65000"/>
+                  </a:schemeClr>
+                </a:solidFill>
+              </a:rPr>
+              <a:t>HTML/CSS</a:t>
+            </a:r>
+          </a:p>
+          <a:p>
+            <a:endParaRPr lang="fr-FR" dirty="0">
+              <a:solidFill>
+                <a:schemeClr val="bg1">
+                  <a:lumMod val="65000"/>
+                </a:schemeClr>
+              </a:solidFill>
+            </a:endParaRPr>
+          </a:p>
+          <a:p>
+            <a:endParaRPr lang="fr-FR" dirty="0">
+              <a:solidFill>
+                <a:schemeClr val="bg1">
+                  <a:lumMod val="65000"/>
+                </a:schemeClr>
+              </a:solidFill>
+            </a:endParaRPr>
+          </a:p>
+        </p:txBody>
+      </p:sp>
+      <p:sp>
+        <p:nvSpPr>
+          <p:cNvPr id="10" name="ZoneTexte 9"/>
+          <p:cNvSpPr txBox="1"/>
+          <p:nvPr/>
+        </p:nvSpPr>
+        <p:spPr>
+          <a:xfrm>
+            <a:off x="1546167" y="5166308"/>
+            <a:ext cx="6716684" cy="830997"/>
+          </a:xfrm>
+          <a:prstGeom prst="rect">
+            <a:avLst/>
+          </a:prstGeom>
+          <a:noFill/>
+        </p:spPr>
+        <p:txBody>
+          <a:bodyPr wrap="square" rtlCol="0">
+            <a:spAutoFit/>
+          </a:bodyPr>
+          <a:lstStyle/>
+          <a:p>
+            <a:r>
+              <a:rPr lang="fr-FR" sz="1600" dirty="0" smtClean="0">
+                <a:solidFill>
+                  <a:schemeClr val="bg1">
+                    <a:lumMod val="65000"/>
+                  </a:schemeClr>
+                </a:solidFill>
+              </a:rPr>
+              <a:t>Session stockée dans le </a:t>
+            </a:r>
+            <a:r>
+              <a:rPr lang="fr-FR" sz="1600" b="1" dirty="0" err="1" smtClean="0">
+                <a:solidFill>
+                  <a:schemeClr val="bg1">
+                    <a:lumMod val="65000"/>
+                  </a:schemeClr>
+                </a:solidFill>
+              </a:rPr>
+              <a:t>localStorage</a:t>
+            </a:r>
+            <a:endParaRPr lang="fr-FR" sz="1600" b="1" dirty="0" smtClean="0">
+              <a:solidFill>
+                <a:schemeClr val="bg1">
+                  <a:lumMod val="65000"/>
+                </a:schemeClr>
+              </a:solidFill>
+            </a:endParaRPr>
+          </a:p>
+          <a:p>
+            <a:endParaRPr lang="fr-FR" sz="1600" dirty="0">
+              <a:solidFill>
+                <a:schemeClr val="bg1">
+                  <a:lumMod val="65000"/>
+                </a:schemeClr>
+              </a:solidFill>
+            </a:endParaRPr>
+          </a:p>
+          <a:p>
+            <a:r>
+              <a:rPr lang="fr-FR" sz="1600" dirty="0" smtClean="0">
+                <a:solidFill>
+                  <a:schemeClr val="bg1">
+                    <a:lumMod val="65000"/>
+                  </a:schemeClr>
+                </a:solidFill>
+              </a:rPr>
+              <a:t>Expiration de la session après </a:t>
+            </a:r>
+            <a:r>
+              <a:rPr lang="fr-FR" sz="1600" b="1" dirty="0" smtClean="0">
+                <a:solidFill>
+                  <a:schemeClr val="bg1">
+                    <a:lumMod val="65000"/>
+                  </a:schemeClr>
+                </a:solidFill>
+              </a:rPr>
+              <a:t>30min</a:t>
+            </a:r>
+            <a:r>
+              <a:rPr lang="fr-FR" sz="1600" dirty="0" smtClean="0">
+                <a:solidFill>
+                  <a:schemeClr val="bg1">
+                    <a:lumMod val="65000"/>
+                  </a:schemeClr>
+                </a:solidFill>
+              </a:rPr>
+              <a:t> d’inactivité</a:t>
+            </a:r>
+          </a:p>
+        </p:txBody>
+      </p:sp>
+      <p:sp>
+        <p:nvSpPr>
+          <p:cNvPr id="11" name="ZoneTexte 10"/>
+          <p:cNvSpPr txBox="1"/>
+          <p:nvPr/>
+        </p:nvSpPr>
+        <p:spPr>
+          <a:xfrm>
+            <a:off x="1346662" y="4567792"/>
+            <a:ext cx="4463934" cy="1015663"/>
+          </a:xfrm>
+          <a:prstGeom prst="rect">
+            <a:avLst/>
+          </a:prstGeom>
+          <a:noFill/>
+        </p:spPr>
+        <p:txBody>
+          <a:bodyPr wrap="square" rtlCol="0">
+            <a:spAutoFit/>
+          </a:bodyPr>
+          <a:lstStyle/>
+          <a:p>
+            <a:pPr marL="285750" indent="-285750">
+              <a:buFont typeface="Wingdings" panose="05000000000000000000" pitchFamily="2" charset="2"/>
+              <a:buChar char="v"/>
+            </a:pPr>
+            <a:r>
+              <a:rPr lang="fr-FR" sz="2400" dirty="0" smtClean="0">
+                <a:solidFill>
+                  <a:schemeClr val="bg1">
+                    <a:lumMod val="65000"/>
+                  </a:schemeClr>
+                </a:solidFill>
+              </a:rPr>
+              <a:t>Gestion des sessions</a:t>
+            </a:r>
+          </a:p>
+          <a:p>
+            <a:endParaRPr lang="fr-FR" dirty="0">
+              <a:solidFill>
+                <a:schemeClr val="bg1">
+                  <a:lumMod val="65000"/>
+                </a:schemeClr>
+              </a:solidFill>
+            </a:endParaRPr>
+          </a:p>
+          <a:p>
+            <a:endParaRPr lang="fr-FR" dirty="0">
+              <a:solidFill>
+                <a:schemeClr val="bg1">
+                  <a:lumMod val="65000"/>
+                </a:schemeClr>
+              </a:solidFill>
+            </a:endParaRPr>
+          </a:p>
+        </p:txBody>
+      </p:sp>
+    </p:spTree>
+    <p:extLst>
+      <p:ext uri="{BB962C8B-B14F-4D97-AF65-F5344CB8AC3E}">
+        <p14:creationId xmlns:p14="http://schemas.microsoft.com/office/powerpoint/2010/main" val="3933585696"/>
+      </p:ext>
+    </p:extLst>
+  </p:cSld>
+  <p:clrMapOvr>
+    <a:masterClrMapping/>
+  </p:clrMapOvr>
+</p:sld>
+</file>
+
+<file path=ppt/slides/slide17.xml><?xml version="1.0" encoding="utf-8"?>
+<p:sld xmlns:a="http://schemas.openxmlformats.org/drawingml/2006/main" xmlns:r="http://schemas.openxmlformats.org/officeDocument/2006/relationships" xmlns:p="http://schemas.openxmlformats.org/presentationml/2006/main">
+  <p:cSld>
+    <p:spTree>
+      <p:nvGrpSpPr>
+        <p:cNvPr id="1" name=""/>
+        <p:cNvGrpSpPr/>
+        <p:nvPr/>
+      </p:nvGrpSpPr>
+      <p:grpSpPr>
+        <a:xfrm>
+          <a:off x="0" y="0"/>
+          <a:ext cx="0" cy="0"/>
+          <a:chOff x="0" y="0"/>
+          <a:chExt cx="0" cy="0"/>
+        </a:xfrm>
+      </p:grpSpPr>
+      <p:sp>
+        <p:nvSpPr>
+          <p:cNvPr id="2" name="Titre 1"/>
+          <p:cNvSpPr>
+            <a:spLocks noGrp="1"/>
+          </p:cNvSpPr>
+          <p:nvPr>
+            <p:ph type="ctrTitle"/>
+          </p:nvPr>
+        </p:nvSpPr>
+        <p:spPr>
+          <a:xfrm>
+            <a:off x="906086" y="-258478"/>
+            <a:ext cx="5868786" cy="1656770"/>
+          </a:xfrm>
+        </p:spPr>
+        <p:txBody>
+          <a:bodyPr/>
+          <a:lstStyle/>
+          <a:p>
+            <a:r>
+              <a:rPr lang="fr-FR" sz="4000" dirty="0" smtClean="0"/>
+              <a:t>Cheminement du front </a:t>
+            </a:r>
+            <a:br>
+              <a:rPr lang="fr-FR" sz="4000" dirty="0" smtClean="0"/>
+            </a:br>
+            <a:r>
+              <a:rPr lang="fr-FR" sz="4000" dirty="0" smtClean="0"/>
+              <a:t>au back-end</a:t>
+            </a:r>
+            <a:endParaRPr lang="fr-FR" sz="4000" dirty="0"/>
+          </a:p>
+        </p:txBody>
+      </p:sp>
+      <p:pic>
+        <p:nvPicPr>
+          <p:cNvPr id="5" name="Image 4"/>
+          <p:cNvPicPr>
+            <a:picLocks noChangeAspect="1"/>
+          </p:cNvPicPr>
+          <p:nvPr/>
+        </p:nvPicPr>
+        <p:blipFill>
+          <a:blip r:embed="rId2">
+            <a:extLst>
+              <a:ext uri="{28A0092B-C50C-407E-A947-70E740481C1C}">
+                <a14:useLocalDpi xmlns:a14="http://schemas.microsoft.com/office/drawing/2010/main" val="0"/>
+              </a:ext>
+            </a:extLst>
+          </a:blip>
+          <a:stretch>
+            <a:fillRect/>
+          </a:stretch>
+        </p:blipFill>
+        <p:spPr>
+          <a:xfrm>
+            <a:off x="7739148" y="182880"/>
+            <a:ext cx="1438101" cy="1431154"/>
+          </a:xfrm>
+          <a:prstGeom prst="rect">
+            <a:avLst/>
+          </a:prstGeom>
+        </p:spPr>
+      </p:pic>
+      <p:sp>
+        <p:nvSpPr>
+          <p:cNvPr id="12" name="ZoneTexte 11"/>
+          <p:cNvSpPr txBox="1"/>
+          <p:nvPr/>
+        </p:nvSpPr>
+        <p:spPr>
+          <a:xfrm>
+            <a:off x="1014153" y="1514671"/>
+            <a:ext cx="4463934" cy="1015663"/>
+          </a:xfrm>
+          <a:prstGeom prst="rect">
+            <a:avLst/>
+          </a:prstGeom>
+          <a:noFill/>
+        </p:spPr>
+        <p:txBody>
+          <a:bodyPr wrap="square" rtlCol="0">
+            <a:spAutoFit/>
+          </a:bodyPr>
+          <a:lstStyle/>
+          <a:p>
+            <a:pPr marL="285750" indent="-285750">
+              <a:buFont typeface="Wingdings" panose="05000000000000000000" pitchFamily="2" charset="2"/>
+              <a:buChar char="v"/>
+            </a:pPr>
+            <a:r>
+              <a:rPr lang="fr-FR" sz="2400" dirty="0" smtClean="0">
+                <a:solidFill>
+                  <a:schemeClr val="bg1">
+                    <a:lumMod val="65000"/>
+                  </a:schemeClr>
+                </a:solidFill>
+              </a:rPr>
+              <a:t>Connexion de l’utilisateur</a:t>
+            </a:r>
+          </a:p>
+          <a:p>
+            <a:endParaRPr lang="fr-FR" dirty="0">
+              <a:solidFill>
+                <a:schemeClr val="bg1">
+                  <a:lumMod val="65000"/>
+                </a:schemeClr>
+              </a:solidFill>
+            </a:endParaRPr>
+          </a:p>
+          <a:p>
+            <a:endParaRPr lang="fr-FR" dirty="0">
+              <a:solidFill>
+                <a:schemeClr val="bg1">
+                  <a:lumMod val="65000"/>
+                </a:schemeClr>
+              </a:solidFill>
+            </a:endParaRPr>
+          </a:p>
+        </p:txBody>
+      </p:sp>
+      <p:pic>
+        <p:nvPicPr>
+          <p:cNvPr id="3" name="Image 2"/>
+          <p:cNvPicPr>
+            <a:picLocks noChangeAspect="1"/>
+          </p:cNvPicPr>
+          <p:nvPr/>
+        </p:nvPicPr>
+        <p:blipFill>
+          <a:blip r:embed="rId3">
+            <a:extLst>
+              <a:ext uri="{28A0092B-C50C-407E-A947-70E740481C1C}">
+                <a14:useLocalDpi xmlns:a14="http://schemas.microsoft.com/office/drawing/2010/main" val="0"/>
+              </a:ext>
+            </a:extLst>
+          </a:blip>
+          <a:stretch>
+            <a:fillRect/>
+          </a:stretch>
+        </p:blipFill>
+        <p:spPr>
+          <a:xfrm>
+            <a:off x="792024" y="2012288"/>
+            <a:ext cx="7952965" cy="4043737"/>
+          </a:xfrm>
+          <a:prstGeom prst="rect">
+            <a:avLst/>
+          </a:prstGeom>
+        </p:spPr>
+      </p:pic>
+    </p:spTree>
+    <p:extLst>
+      <p:ext uri="{BB962C8B-B14F-4D97-AF65-F5344CB8AC3E}">
+        <p14:creationId xmlns:p14="http://schemas.microsoft.com/office/powerpoint/2010/main" val="2931377543"/>
+      </p:ext>
+    </p:extLst>
+  </p:cSld>
+  <p:clrMapOvr>
+    <a:masterClrMapping/>
+  </p:clrMapOvr>
+</p:sld>
+</file>
+
+<file path=ppt/slides/slide18.xml><?xml version="1.0" encoding="utf-8"?>
+<p:sld xmlns:a="http://schemas.openxmlformats.org/drawingml/2006/main" xmlns:r="http://schemas.openxmlformats.org/officeDocument/2006/relationships" xmlns:p="http://schemas.openxmlformats.org/presentationml/2006/main">
+  <p:cSld>
+    <p:spTree>
+      <p:nvGrpSpPr>
+        <p:cNvPr id="1" name=""/>
+        <p:cNvGrpSpPr/>
+        <p:nvPr/>
+      </p:nvGrpSpPr>
+      <p:grpSpPr>
+        <a:xfrm>
+          <a:off x="0" y="0"/>
+          <a:ext cx="0" cy="0"/>
+          <a:chOff x="0" y="0"/>
+          <a:chExt cx="0" cy="0"/>
+        </a:xfrm>
+      </p:grpSpPr>
+      <p:sp>
+        <p:nvSpPr>
+          <p:cNvPr id="2" name="Titre 1"/>
+          <p:cNvSpPr>
+            <a:spLocks noGrp="1"/>
+          </p:cNvSpPr>
+          <p:nvPr>
+            <p:ph type="ctrTitle"/>
+          </p:nvPr>
+        </p:nvSpPr>
+        <p:spPr>
+          <a:xfrm>
+            <a:off x="515389" y="-258478"/>
+            <a:ext cx="5769034" cy="1656770"/>
+          </a:xfrm>
+        </p:spPr>
+        <p:txBody>
+          <a:bodyPr/>
+          <a:lstStyle/>
+          <a:p>
+            <a:r>
+              <a:rPr lang="fr-FR" sz="4000" dirty="0" smtClean="0"/>
+              <a:t>Cheminement du front </a:t>
+            </a:r>
+            <a:br>
+              <a:rPr lang="fr-FR" sz="4000" dirty="0" smtClean="0"/>
+            </a:br>
+            <a:r>
+              <a:rPr lang="fr-FR" sz="4000" dirty="0" smtClean="0"/>
+              <a:t>au back-end</a:t>
+            </a:r>
+            <a:endParaRPr lang="fr-FR" sz="4000" dirty="0"/>
+          </a:p>
+        </p:txBody>
+      </p:sp>
+      <p:pic>
+        <p:nvPicPr>
+          <p:cNvPr id="5" name="Image 4"/>
+          <p:cNvPicPr>
+            <a:picLocks noChangeAspect="1"/>
+          </p:cNvPicPr>
+          <p:nvPr/>
+        </p:nvPicPr>
+        <p:blipFill>
+          <a:blip r:embed="rId2">
+            <a:extLst>
+              <a:ext uri="{28A0092B-C50C-407E-A947-70E740481C1C}">
+                <a14:useLocalDpi xmlns:a14="http://schemas.microsoft.com/office/drawing/2010/main" val="0"/>
+              </a:ext>
+            </a:extLst>
+          </a:blip>
+          <a:stretch>
+            <a:fillRect/>
+          </a:stretch>
+        </p:blipFill>
+        <p:spPr>
+          <a:xfrm>
+            <a:off x="7739148" y="182880"/>
+            <a:ext cx="1438101" cy="1431154"/>
+          </a:xfrm>
+          <a:prstGeom prst="rect">
+            <a:avLst/>
+          </a:prstGeom>
+        </p:spPr>
+      </p:pic>
+      <p:sp>
+        <p:nvSpPr>
+          <p:cNvPr id="12" name="ZoneTexte 11"/>
+          <p:cNvSpPr txBox="1"/>
+          <p:nvPr/>
+        </p:nvSpPr>
+        <p:spPr>
+          <a:xfrm>
+            <a:off x="1014153" y="1514671"/>
+            <a:ext cx="8096596" cy="1384995"/>
+          </a:xfrm>
+          <a:prstGeom prst="rect">
+            <a:avLst/>
+          </a:prstGeom>
+          <a:noFill/>
+        </p:spPr>
+        <p:txBody>
+          <a:bodyPr wrap="square" rtlCol="0">
+            <a:spAutoFit/>
+          </a:bodyPr>
+          <a:lstStyle/>
+          <a:p>
+            <a:pPr marL="285750" indent="-285750">
+              <a:buFont typeface="Wingdings" panose="05000000000000000000" pitchFamily="2" charset="2"/>
+              <a:buChar char="v"/>
+            </a:pPr>
+            <a:r>
+              <a:rPr lang="fr-FR" sz="2400" dirty="0" smtClean="0">
+                <a:solidFill>
+                  <a:schemeClr val="bg1">
+                    <a:lumMod val="65000"/>
+                  </a:schemeClr>
+                </a:solidFill>
+              </a:rPr>
+              <a:t>Méthode qui réalise envoie la requête vers la base de données et le State</a:t>
+            </a:r>
+          </a:p>
+          <a:p>
+            <a:endParaRPr lang="fr-FR" dirty="0">
+              <a:solidFill>
+                <a:schemeClr val="bg1">
+                  <a:lumMod val="65000"/>
+                </a:schemeClr>
+              </a:solidFill>
+            </a:endParaRPr>
+          </a:p>
+          <a:p>
+            <a:endParaRPr lang="fr-FR" dirty="0">
+              <a:solidFill>
+                <a:schemeClr val="bg1">
+                  <a:lumMod val="65000"/>
+                </a:schemeClr>
+              </a:solidFill>
+            </a:endParaRPr>
+          </a:p>
+        </p:txBody>
+      </p:sp>
+      <p:pic>
+        <p:nvPicPr>
+          <p:cNvPr id="4" name="Image 3"/>
+          <p:cNvPicPr>
+            <a:picLocks noChangeAspect="1"/>
+          </p:cNvPicPr>
+          <p:nvPr/>
+        </p:nvPicPr>
+        <p:blipFill>
+          <a:blip r:embed="rId3">
+            <a:extLst>
+              <a:ext uri="{28A0092B-C50C-407E-A947-70E740481C1C}">
+                <a14:useLocalDpi xmlns:a14="http://schemas.microsoft.com/office/drawing/2010/main" val="0"/>
+              </a:ext>
+            </a:extLst>
+          </a:blip>
+          <a:stretch>
+            <a:fillRect/>
+          </a:stretch>
+        </p:blipFill>
+        <p:spPr>
+          <a:xfrm>
+            <a:off x="4141067" y="2654849"/>
+            <a:ext cx="4525006" cy="3153215"/>
+          </a:xfrm>
+          <a:prstGeom prst="rect">
+            <a:avLst/>
+          </a:prstGeom>
+        </p:spPr>
+      </p:pic>
+      <p:pic>
+        <p:nvPicPr>
+          <p:cNvPr id="6" name="Image 5"/>
+          <p:cNvPicPr>
+            <a:picLocks noChangeAspect="1"/>
+          </p:cNvPicPr>
+          <p:nvPr/>
+        </p:nvPicPr>
+        <p:blipFill>
+          <a:blip r:embed="rId4">
+            <a:extLst>
+              <a:ext uri="{28A0092B-C50C-407E-A947-70E740481C1C}">
+                <a14:useLocalDpi xmlns:a14="http://schemas.microsoft.com/office/drawing/2010/main" val="0"/>
+              </a:ext>
+            </a:extLst>
+          </a:blip>
+          <a:stretch>
+            <a:fillRect/>
+          </a:stretch>
+        </p:blipFill>
+        <p:spPr>
+          <a:xfrm>
+            <a:off x="1397785" y="2654849"/>
+            <a:ext cx="1981477" cy="1267002"/>
+          </a:xfrm>
+          <a:prstGeom prst="rect">
+            <a:avLst/>
+          </a:prstGeom>
+        </p:spPr>
+      </p:pic>
+    </p:spTree>
+    <p:extLst>
+      <p:ext uri="{BB962C8B-B14F-4D97-AF65-F5344CB8AC3E}">
+        <p14:creationId xmlns:p14="http://schemas.microsoft.com/office/powerpoint/2010/main" val="1054908013"/>
+      </p:ext>
+    </p:extLst>
+  </p:cSld>
+  <p:clrMapOvr>
+    <a:masterClrMapping/>
+  </p:clrMapOvr>
+</p:sld>
+</file>
+
+<file path=ppt/slides/slide19.xml><?xml version="1.0" encoding="utf-8"?>
+<p:sld xmlns:a="http://schemas.openxmlformats.org/drawingml/2006/main" xmlns:r="http://schemas.openxmlformats.org/officeDocument/2006/relationships" xmlns:p="http://schemas.openxmlformats.org/presentationml/2006/main">
+  <p:cSld>
+    <p:spTree>
+      <p:nvGrpSpPr>
+        <p:cNvPr id="1" name=""/>
+        <p:cNvGrpSpPr/>
+        <p:nvPr/>
+      </p:nvGrpSpPr>
+      <p:grpSpPr>
+        <a:xfrm>
+          <a:off x="0" y="0"/>
+          <a:ext cx="0" cy="0"/>
+          <a:chOff x="0" y="0"/>
+          <a:chExt cx="0" cy="0"/>
+        </a:xfrm>
+      </p:grpSpPr>
+      <p:sp>
+        <p:nvSpPr>
+          <p:cNvPr id="2" name="Titre 1"/>
+          <p:cNvSpPr>
+            <a:spLocks noGrp="1"/>
+          </p:cNvSpPr>
+          <p:nvPr>
+            <p:ph type="ctrTitle"/>
+          </p:nvPr>
+        </p:nvSpPr>
+        <p:spPr>
+          <a:xfrm>
+            <a:off x="515389" y="-258478"/>
+            <a:ext cx="5769034" cy="1656770"/>
+          </a:xfrm>
+        </p:spPr>
+        <p:txBody>
+          <a:bodyPr/>
+          <a:lstStyle/>
+          <a:p>
+            <a:r>
+              <a:rPr lang="fr-FR" sz="4000" dirty="0" smtClean="0"/>
+              <a:t>Cheminement du front </a:t>
+            </a:r>
+            <a:br>
+              <a:rPr lang="fr-FR" sz="4000" dirty="0" smtClean="0"/>
+            </a:br>
+            <a:r>
+              <a:rPr lang="fr-FR" sz="4000" dirty="0" smtClean="0"/>
+              <a:t>au back-end</a:t>
+            </a:r>
+            <a:endParaRPr lang="fr-FR" sz="4000" dirty="0"/>
+          </a:p>
+        </p:txBody>
+      </p:sp>
+      <p:pic>
+        <p:nvPicPr>
+          <p:cNvPr id="5" name="Image 4"/>
+          <p:cNvPicPr>
+            <a:picLocks noChangeAspect="1"/>
+          </p:cNvPicPr>
+          <p:nvPr/>
+        </p:nvPicPr>
+        <p:blipFill>
+          <a:blip r:embed="rId2">
+            <a:extLst>
+              <a:ext uri="{28A0092B-C50C-407E-A947-70E740481C1C}">
+                <a14:useLocalDpi xmlns:a14="http://schemas.microsoft.com/office/drawing/2010/main" val="0"/>
+              </a:ext>
+            </a:extLst>
+          </a:blip>
+          <a:stretch>
+            <a:fillRect/>
+          </a:stretch>
+        </p:blipFill>
+        <p:spPr>
+          <a:xfrm>
+            <a:off x="7739148" y="182880"/>
+            <a:ext cx="1438101" cy="1431154"/>
+          </a:xfrm>
+          <a:prstGeom prst="rect">
+            <a:avLst/>
+          </a:prstGeom>
+        </p:spPr>
+      </p:pic>
+      <p:sp>
+        <p:nvSpPr>
+          <p:cNvPr id="12" name="ZoneTexte 11"/>
+          <p:cNvSpPr txBox="1"/>
+          <p:nvPr/>
+        </p:nvSpPr>
+        <p:spPr>
+          <a:xfrm>
+            <a:off x="1014153" y="1639360"/>
+            <a:ext cx="8096596" cy="1015663"/>
+          </a:xfrm>
+          <a:prstGeom prst="rect">
+            <a:avLst/>
+          </a:prstGeom>
+          <a:noFill/>
+        </p:spPr>
+        <p:txBody>
+          <a:bodyPr wrap="square" rtlCol="0">
+            <a:spAutoFit/>
+          </a:bodyPr>
+          <a:lstStyle/>
+          <a:p>
+            <a:pPr marL="285750" indent="-285750">
+              <a:buFont typeface="Wingdings" panose="05000000000000000000" pitchFamily="2" charset="2"/>
+              <a:buChar char="v"/>
+            </a:pPr>
+            <a:r>
+              <a:rPr lang="fr-FR" sz="2400" dirty="0" smtClean="0">
+                <a:solidFill>
+                  <a:schemeClr val="bg1">
+                    <a:lumMod val="65000"/>
+                  </a:schemeClr>
+                </a:solidFill>
+              </a:rPr>
+              <a:t>Méthode appelé par la requête (</a:t>
+            </a:r>
+            <a:r>
+              <a:rPr lang="fr-FR" sz="2400" dirty="0" err="1" smtClean="0">
+                <a:solidFill>
+                  <a:schemeClr val="bg1">
+                    <a:lumMod val="65000"/>
+                  </a:schemeClr>
+                </a:solidFill>
+              </a:rPr>
+              <a:t>UtilisateurController</a:t>
+            </a:r>
+            <a:r>
+              <a:rPr lang="fr-FR" sz="2400" dirty="0" smtClean="0">
+                <a:solidFill>
+                  <a:schemeClr val="bg1">
+                    <a:lumMod val="65000"/>
+                  </a:schemeClr>
+                </a:solidFill>
+              </a:rPr>
+              <a:t>)</a:t>
+            </a:r>
+          </a:p>
+          <a:p>
+            <a:endParaRPr lang="fr-FR" dirty="0">
+              <a:solidFill>
+                <a:schemeClr val="bg1">
+                  <a:lumMod val="65000"/>
+                </a:schemeClr>
+              </a:solidFill>
+            </a:endParaRPr>
+          </a:p>
+          <a:p>
+            <a:endParaRPr lang="fr-FR" dirty="0">
+              <a:solidFill>
+                <a:schemeClr val="bg1">
+                  <a:lumMod val="65000"/>
+                </a:schemeClr>
+              </a:solidFill>
+            </a:endParaRPr>
+          </a:p>
+        </p:txBody>
+      </p:sp>
+      <p:pic>
+        <p:nvPicPr>
+          <p:cNvPr id="3" name="Image 2"/>
+          <p:cNvPicPr>
+            <a:picLocks noChangeAspect="1"/>
+          </p:cNvPicPr>
+          <p:nvPr/>
+        </p:nvPicPr>
+        <p:blipFill>
+          <a:blip r:embed="rId3">
+            <a:extLst>
+              <a:ext uri="{28A0092B-C50C-407E-A947-70E740481C1C}">
+                <a14:useLocalDpi xmlns:a14="http://schemas.microsoft.com/office/drawing/2010/main" val="0"/>
+              </a:ext>
+            </a:extLst>
+          </a:blip>
+          <a:stretch>
+            <a:fillRect/>
+          </a:stretch>
+        </p:blipFill>
+        <p:spPr>
+          <a:xfrm>
+            <a:off x="947653" y="2189511"/>
+            <a:ext cx="7954485" cy="2191056"/>
+          </a:xfrm>
+          <a:prstGeom prst="rect">
+            <a:avLst/>
+          </a:prstGeom>
+        </p:spPr>
+      </p:pic>
+      <p:pic>
+        <p:nvPicPr>
+          <p:cNvPr id="7" name="Image 6"/>
+          <p:cNvPicPr>
+            <a:picLocks noChangeAspect="1"/>
+          </p:cNvPicPr>
+          <p:nvPr/>
+        </p:nvPicPr>
+        <p:blipFill>
+          <a:blip r:embed="rId4">
+            <a:extLst>
+              <a:ext uri="{28A0092B-C50C-407E-A947-70E740481C1C}">
+                <a14:useLocalDpi xmlns:a14="http://schemas.microsoft.com/office/drawing/2010/main" val="0"/>
+              </a:ext>
+            </a:extLst>
+          </a:blip>
+          <a:stretch>
+            <a:fillRect/>
+          </a:stretch>
+        </p:blipFill>
+        <p:spPr>
+          <a:xfrm>
+            <a:off x="1014153" y="5356365"/>
+            <a:ext cx="8821381" cy="866896"/>
+          </a:xfrm>
+          <a:prstGeom prst="rect">
+            <a:avLst/>
+          </a:prstGeom>
+        </p:spPr>
+      </p:pic>
+      <p:sp>
+        <p:nvSpPr>
+          <p:cNvPr id="9" name="ZoneTexte 8"/>
+          <p:cNvSpPr txBox="1"/>
+          <p:nvPr/>
+        </p:nvSpPr>
+        <p:spPr>
+          <a:xfrm>
+            <a:off x="1014153" y="4664898"/>
+            <a:ext cx="8096596" cy="1015663"/>
+          </a:xfrm>
+          <a:prstGeom prst="rect">
+            <a:avLst/>
+          </a:prstGeom>
+          <a:noFill/>
+        </p:spPr>
+        <p:txBody>
+          <a:bodyPr wrap="square" rtlCol="0">
+            <a:spAutoFit/>
+          </a:bodyPr>
+          <a:lstStyle/>
+          <a:p>
+            <a:pPr marL="285750" indent="-285750">
+              <a:buFont typeface="Wingdings" panose="05000000000000000000" pitchFamily="2" charset="2"/>
+              <a:buChar char="v"/>
+            </a:pPr>
+            <a:r>
+              <a:rPr lang="fr-FR" sz="2400" dirty="0" smtClean="0">
+                <a:solidFill>
+                  <a:schemeClr val="bg1">
+                    <a:lumMod val="65000"/>
+                  </a:schemeClr>
+                </a:solidFill>
+              </a:rPr>
+              <a:t>Méthode appelé par le contrôleur (</a:t>
+            </a:r>
+            <a:r>
+              <a:rPr lang="fr-FR" sz="2400" dirty="0" err="1" smtClean="0">
+                <a:solidFill>
+                  <a:schemeClr val="bg1">
+                    <a:lumMod val="65000"/>
+                  </a:schemeClr>
+                </a:solidFill>
+              </a:rPr>
+              <a:t>UtilisateurService</a:t>
+            </a:r>
+            <a:r>
+              <a:rPr lang="fr-FR" sz="2400" dirty="0" smtClean="0">
+                <a:solidFill>
+                  <a:schemeClr val="bg1">
+                    <a:lumMod val="65000"/>
+                  </a:schemeClr>
+                </a:solidFill>
+              </a:rPr>
+              <a:t>)</a:t>
+            </a:r>
+          </a:p>
+          <a:p>
+            <a:endParaRPr lang="fr-FR" dirty="0">
+              <a:solidFill>
+                <a:schemeClr val="bg1">
+                  <a:lumMod val="65000"/>
+                </a:schemeClr>
+              </a:solidFill>
+            </a:endParaRPr>
+          </a:p>
+          <a:p>
+            <a:endParaRPr lang="fr-FR" dirty="0">
+              <a:solidFill>
+                <a:schemeClr val="bg1">
+                  <a:lumMod val="65000"/>
+                </a:schemeClr>
+              </a:solidFill>
+            </a:endParaRPr>
+          </a:p>
+        </p:txBody>
+      </p:sp>
+    </p:spTree>
+    <p:extLst>
+      <p:ext uri="{BB962C8B-B14F-4D97-AF65-F5344CB8AC3E}">
+        <p14:creationId xmlns:p14="http://schemas.microsoft.com/office/powerpoint/2010/main" val="2222055326"/>
+      </p:ext>
+    </p:extLst>
+  </p:cSld>
+  <p:clrMapOvr>
+    <a:masterClrMapping/>
+  </p:clrMapOvr>
+</p:sld>
+</file>
+
+<file path=ppt/slides/slide2.xml><?xml version="1.0" encoding="utf-8"?>
+<p:sld xmlns:a="http://schemas.openxmlformats.org/drawingml/2006/main" xmlns:r="http://schemas.openxmlformats.org/officeDocument/2006/relationships" xmlns:p="http://schemas.openxmlformats.org/presentationml/2006/main">
+  <p:cSld>
+    <p:spTree>
+      <p:nvGrpSpPr>
+        <p:cNvPr id="1" name=""/>
+        <p:cNvGrpSpPr/>
+        <p:nvPr/>
+      </p:nvGrpSpPr>
+      <p:grpSpPr>
+        <a:xfrm>
+          <a:off x="0" y="0"/>
+          <a:ext cx="0" cy="0"/>
+          <a:chOff x="0" y="0"/>
+          <a:chExt cx="0" cy="0"/>
+        </a:xfrm>
+      </p:grpSpPr>
+      <p:sp>
+        <p:nvSpPr>
+          <p:cNvPr id="2" name="Titre 1"/>
+          <p:cNvSpPr>
+            <a:spLocks noGrp="1"/>
+          </p:cNvSpPr>
+          <p:nvPr>
+            <p:ph type="ctrTitle"/>
+          </p:nvPr>
+        </p:nvSpPr>
+        <p:spPr>
+          <a:xfrm>
+            <a:off x="609292" y="83127"/>
+            <a:ext cx="4370032" cy="1058254"/>
+          </a:xfrm>
+        </p:spPr>
+        <p:txBody>
+          <a:bodyPr/>
+          <a:lstStyle/>
+          <a:p>
+            <a:r>
+              <a:rPr lang="fr-FR" dirty="0" smtClean="0"/>
+              <a:t>Présentation</a:t>
+            </a:r>
+            <a:endParaRPr lang="fr-FR" dirty="0"/>
+          </a:p>
+        </p:txBody>
+      </p:sp>
+      <p:pic>
+        <p:nvPicPr>
+          <p:cNvPr id="5" name="Image 4"/>
+          <p:cNvPicPr>
+            <a:picLocks noChangeAspect="1"/>
+          </p:cNvPicPr>
+          <p:nvPr/>
+        </p:nvPicPr>
+        <p:blipFill>
+          <a:blip r:embed="rId2">
+            <a:extLst>
+              <a:ext uri="{28A0092B-C50C-407E-A947-70E740481C1C}">
+                <a14:useLocalDpi xmlns:a14="http://schemas.microsoft.com/office/drawing/2010/main" val="0"/>
+              </a:ext>
+            </a:extLst>
+          </a:blip>
+          <a:stretch>
+            <a:fillRect/>
+          </a:stretch>
+        </p:blipFill>
+        <p:spPr>
+          <a:xfrm>
+            <a:off x="7739148" y="182880"/>
+            <a:ext cx="1438101" cy="1431154"/>
+          </a:xfrm>
+          <a:prstGeom prst="rect">
+            <a:avLst/>
+          </a:prstGeom>
+        </p:spPr>
+      </p:pic>
+      <p:sp>
+        <p:nvSpPr>
+          <p:cNvPr id="6" name="ZoneTexte 5"/>
+          <p:cNvSpPr txBox="1"/>
+          <p:nvPr/>
+        </p:nvSpPr>
+        <p:spPr>
+          <a:xfrm>
+            <a:off x="1346662" y="1429789"/>
+            <a:ext cx="4463934" cy="1015663"/>
+          </a:xfrm>
+          <a:prstGeom prst="rect">
+            <a:avLst/>
+          </a:prstGeom>
+          <a:noFill/>
+        </p:spPr>
+        <p:txBody>
+          <a:bodyPr wrap="square" rtlCol="0">
+            <a:spAutoFit/>
+          </a:bodyPr>
+          <a:lstStyle/>
+          <a:p>
+            <a:pPr marL="285750" indent="-285750">
+              <a:buFont typeface="Wingdings" panose="05000000000000000000" pitchFamily="2" charset="2"/>
+              <a:buChar char="v"/>
+            </a:pPr>
+            <a:r>
+              <a:rPr lang="fr-FR" sz="2400" dirty="0" smtClean="0">
+                <a:solidFill>
+                  <a:schemeClr val="bg1">
+                    <a:lumMod val="65000"/>
+                  </a:schemeClr>
+                </a:solidFill>
+              </a:rPr>
+              <a:t>Réseau social professionnel</a:t>
+            </a:r>
+          </a:p>
+          <a:p>
+            <a:endParaRPr lang="fr-FR" dirty="0">
+              <a:solidFill>
+                <a:schemeClr val="bg1">
+                  <a:lumMod val="65000"/>
+                </a:schemeClr>
+              </a:solidFill>
+            </a:endParaRPr>
+          </a:p>
+          <a:p>
+            <a:endParaRPr lang="fr-FR" dirty="0">
+              <a:solidFill>
+                <a:schemeClr val="bg1">
+                  <a:lumMod val="65000"/>
+                </a:schemeClr>
+              </a:solidFill>
+            </a:endParaRPr>
+          </a:p>
+        </p:txBody>
+      </p:sp>
+      <p:sp>
+        <p:nvSpPr>
+          <p:cNvPr id="7" name="ZoneTexte 6"/>
+          <p:cNvSpPr txBox="1"/>
+          <p:nvPr/>
+        </p:nvSpPr>
+        <p:spPr>
+          <a:xfrm>
+            <a:off x="1546167" y="2028305"/>
+            <a:ext cx="6716684" cy="1815882"/>
+          </a:xfrm>
+          <a:prstGeom prst="rect">
+            <a:avLst/>
+          </a:prstGeom>
+          <a:noFill/>
+        </p:spPr>
+        <p:txBody>
+          <a:bodyPr wrap="square" rtlCol="0">
+            <a:spAutoFit/>
+          </a:bodyPr>
+          <a:lstStyle/>
+          <a:p>
+            <a:r>
+              <a:rPr lang="fr-FR" sz="1600" dirty="0" smtClean="0">
+                <a:solidFill>
+                  <a:schemeClr val="bg1">
+                    <a:lumMod val="65000"/>
+                  </a:schemeClr>
+                </a:solidFill>
+              </a:rPr>
+              <a:t>Plusieurs profils : grossiste, distributeur, détaillant.</a:t>
+            </a:r>
+          </a:p>
+          <a:p>
+            <a:endParaRPr lang="fr-FR" sz="1600" dirty="0" smtClean="0">
+              <a:solidFill>
+                <a:schemeClr val="bg1">
+                  <a:lumMod val="65000"/>
+                </a:schemeClr>
+              </a:solidFill>
+            </a:endParaRPr>
+          </a:p>
+          <a:p>
+            <a:r>
+              <a:rPr lang="fr-FR" sz="1600" dirty="0" smtClean="0">
+                <a:solidFill>
+                  <a:schemeClr val="bg1">
+                    <a:lumMod val="65000"/>
+                  </a:schemeClr>
+                </a:solidFill>
+              </a:rPr>
+              <a:t>Création d’une demande ou d’une offre.</a:t>
+            </a:r>
+          </a:p>
+          <a:p>
+            <a:endParaRPr lang="fr-FR" sz="1600" dirty="0" smtClean="0">
+              <a:solidFill>
+                <a:schemeClr val="bg1">
+                  <a:lumMod val="65000"/>
+                </a:schemeClr>
+              </a:solidFill>
+            </a:endParaRPr>
+          </a:p>
+          <a:p>
+            <a:r>
+              <a:rPr lang="fr-FR" sz="1600" dirty="0" smtClean="0">
+                <a:solidFill>
+                  <a:schemeClr val="bg1">
+                    <a:lumMod val="65000"/>
+                  </a:schemeClr>
+                </a:solidFill>
+              </a:rPr>
+              <a:t>Négociation autour des ces offres ou demandes.</a:t>
+            </a:r>
+          </a:p>
+          <a:p>
+            <a:endParaRPr lang="fr-FR" sz="1600" dirty="0" smtClean="0">
+              <a:solidFill>
+                <a:schemeClr val="bg1">
+                  <a:lumMod val="65000"/>
+                </a:schemeClr>
+              </a:solidFill>
+            </a:endParaRPr>
+          </a:p>
+          <a:p>
+            <a:r>
+              <a:rPr lang="fr-FR" sz="1600" dirty="0" smtClean="0">
+                <a:solidFill>
+                  <a:schemeClr val="bg1">
+                    <a:lumMod val="65000"/>
+                  </a:schemeClr>
+                </a:solidFill>
+              </a:rPr>
+              <a:t>Domaine cible : volaille (pourra être étendu à d’autre domaine).</a:t>
+            </a:r>
+            <a:endParaRPr lang="fr-FR" sz="1600" dirty="0">
+              <a:solidFill>
+                <a:schemeClr val="bg1">
+                  <a:lumMod val="65000"/>
+                </a:schemeClr>
+              </a:solidFill>
+            </a:endParaRPr>
+          </a:p>
+        </p:txBody>
+      </p:sp>
+    </p:spTree>
+    <p:extLst>
+      <p:ext uri="{BB962C8B-B14F-4D97-AF65-F5344CB8AC3E}">
+        <p14:creationId xmlns:p14="http://schemas.microsoft.com/office/powerpoint/2010/main" val="1766926305"/>
+      </p:ext>
+    </p:extLst>
+  </p:cSld>
+  <p:clrMapOvr>
+    <a:masterClrMapping/>
+  </p:clrMapOvr>
+</p:sld>
+</file>
+
+<file path=ppt/slides/slide20.xml><?xml version="1.0" encoding="utf-8"?>
+<p:sld xmlns:a="http://schemas.openxmlformats.org/drawingml/2006/main" xmlns:r="http://schemas.openxmlformats.org/officeDocument/2006/relationships" xmlns:p="http://schemas.openxmlformats.org/presentationml/2006/main">
+  <p:cSld>
+    <p:spTree>
+      <p:nvGrpSpPr>
+        <p:cNvPr id="1" name=""/>
+        <p:cNvGrpSpPr/>
+        <p:nvPr/>
+      </p:nvGrpSpPr>
+      <p:grpSpPr>
+        <a:xfrm>
+          <a:off x="0" y="0"/>
+          <a:ext cx="0" cy="0"/>
+          <a:chOff x="0" y="0"/>
+          <a:chExt cx="0" cy="0"/>
+        </a:xfrm>
+      </p:grpSpPr>
+      <p:sp>
+        <p:nvSpPr>
+          <p:cNvPr id="2" name="Titre 1"/>
+          <p:cNvSpPr>
+            <a:spLocks noGrp="1"/>
+          </p:cNvSpPr>
+          <p:nvPr>
+            <p:ph type="ctrTitle"/>
+          </p:nvPr>
+        </p:nvSpPr>
+        <p:spPr>
+          <a:xfrm>
+            <a:off x="515389" y="-258478"/>
+            <a:ext cx="5769034" cy="1656770"/>
+          </a:xfrm>
+        </p:spPr>
+        <p:txBody>
+          <a:bodyPr/>
+          <a:lstStyle/>
+          <a:p>
+            <a:r>
+              <a:rPr lang="fr-FR" sz="4000" dirty="0" smtClean="0"/>
+              <a:t>Cheminement du front </a:t>
+            </a:r>
+            <a:br>
+              <a:rPr lang="fr-FR" sz="4000" dirty="0" smtClean="0"/>
+            </a:br>
+            <a:r>
+              <a:rPr lang="fr-FR" sz="4000" dirty="0" smtClean="0"/>
+              <a:t>au back-end</a:t>
+            </a:r>
+            <a:endParaRPr lang="fr-FR" sz="4000" dirty="0"/>
+          </a:p>
+        </p:txBody>
+      </p:sp>
+      <p:pic>
+        <p:nvPicPr>
+          <p:cNvPr id="5" name="Image 4"/>
+          <p:cNvPicPr>
+            <a:picLocks noChangeAspect="1"/>
+          </p:cNvPicPr>
+          <p:nvPr/>
+        </p:nvPicPr>
+        <p:blipFill>
+          <a:blip r:embed="rId2">
+            <a:extLst>
+              <a:ext uri="{28A0092B-C50C-407E-A947-70E740481C1C}">
+                <a14:useLocalDpi xmlns:a14="http://schemas.microsoft.com/office/drawing/2010/main" val="0"/>
+              </a:ext>
+            </a:extLst>
+          </a:blip>
+          <a:stretch>
+            <a:fillRect/>
+          </a:stretch>
+        </p:blipFill>
+        <p:spPr>
+          <a:xfrm>
+            <a:off x="7739148" y="182880"/>
+            <a:ext cx="1438101" cy="1431154"/>
+          </a:xfrm>
+          <a:prstGeom prst="rect">
+            <a:avLst/>
+          </a:prstGeom>
+        </p:spPr>
+      </p:pic>
+      <p:sp>
+        <p:nvSpPr>
+          <p:cNvPr id="12" name="ZoneTexte 11"/>
+          <p:cNvSpPr txBox="1"/>
+          <p:nvPr/>
+        </p:nvSpPr>
+        <p:spPr>
+          <a:xfrm>
+            <a:off x="1014153" y="1930307"/>
+            <a:ext cx="9468196" cy="1015663"/>
+          </a:xfrm>
+          <a:prstGeom prst="rect">
+            <a:avLst/>
+          </a:prstGeom>
+          <a:noFill/>
+        </p:spPr>
+        <p:txBody>
+          <a:bodyPr wrap="square" rtlCol="0">
+            <a:spAutoFit/>
+          </a:bodyPr>
+          <a:lstStyle/>
+          <a:p>
+            <a:pPr marL="285750" indent="-285750">
+              <a:buFont typeface="Wingdings" panose="05000000000000000000" pitchFamily="2" charset="2"/>
+              <a:buChar char="v"/>
+            </a:pPr>
+            <a:r>
+              <a:rPr lang="fr-FR" sz="2400" dirty="0" smtClean="0">
+                <a:solidFill>
+                  <a:schemeClr val="bg1">
+                    <a:lumMod val="65000"/>
+                  </a:schemeClr>
+                </a:solidFill>
+              </a:rPr>
+              <a:t>Conversion de l’entité en DTO (</a:t>
+            </a:r>
+            <a:r>
+              <a:rPr lang="fr-FR" sz="2400" dirty="0" err="1" smtClean="0">
+                <a:solidFill>
+                  <a:schemeClr val="bg1">
+                    <a:lumMod val="65000"/>
+                  </a:schemeClr>
+                </a:solidFill>
+              </a:rPr>
+              <a:t>UtilisateurConverter</a:t>
+            </a:r>
+            <a:r>
+              <a:rPr lang="fr-FR" sz="2400" dirty="0" smtClean="0">
+                <a:solidFill>
+                  <a:schemeClr val="bg1">
+                    <a:lumMod val="65000"/>
+                  </a:schemeClr>
+                </a:solidFill>
+              </a:rPr>
+              <a:t>)</a:t>
+            </a:r>
+          </a:p>
+          <a:p>
+            <a:endParaRPr lang="fr-FR" dirty="0">
+              <a:solidFill>
+                <a:schemeClr val="bg1">
+                  <a:lumMod val="65000"/>
+                </a:schemeClr>
+              </a:solidFill>
+            </a:endParaRPr>
+          </a:p>
+          <a:p>
+            <a:endParaRPr lang="fr-FR" dirty="0">
+              <a:solidFill>
+                <a:schemeClr val="bg1">
+                  <a:lumMod val="65000"/>
+                </a:schemeClr>
+              </a:solidFill>
+            </a:endParaRPr>
+          </a:p>
+        </p:txBody>
+      </p:sp>
+      <p:pic>
+        <p:nvPicPr>
+          <p:cNvPr id="4" name="Image 3"/>
+          <p:cNvPicPr>
+            <a:picLocks noChangeAspect="1"/>
+          </p:cNvPicPr>
+          <p:nvPr/>
+        </p:nvPicPr>
+        <p:blipFill>
+          <a:blip r:embed="rId3">
+            <a:extLst>
+              <a:ext uri="{28A0092B-C50C-407E-A947-70E740481C1C}">
+                <a14:useLocalDpi xmlns:a14="http://schemas.microsoft.com/office/drawing/2010/main" val="0"/>
+              </a:ext>
+            </a:extLst>
+          </a:blip>
+          <a:stretch>
+            <a:fillRect/>
+          </a:stretch>
+        </p:blipFill>
+        <p:spPr>
+          <a:xfrm>
+            <a:off x="1661350" y="2559849"/>
+            <a:ext cx="6077798" cy="1171739"/>
+          </a:xfrm>
+          <a:prstGeom prst="rect">
+            <a:avLst/>
+          </a:prstGeom>
+        </p:spPr>
+      </p:pic>
+      <p:pic>
+        <p:nvPicPr>
+          <p:cNvPr id="6" name="Image 5"/>
+          <p:cNvPicPr>
+            <a:picLocks noChangeAspect="1"/>
+          </p:cNvPicPr>
+          <p:nvPr/>
+        </p:nvPicPr>
+        <p:blipFill>
+          <a:blip r:embed="rId4">
+            <a:extLst>
+              <a:ext uri="{28A0092B-C50C-407E-A947-70E740481C1C}">
+                <a14:useLocalDpi xmlns:a14="http://schemas.microsoft.com/office/drawing/2010/main" val="0"/>
+              </a:ext>
+            </a:extLst>
+          </a:blip>
+          <a:stretch>
+            <a:fillRect/>
+          </a:stretch>
+        </p:blipFill>
+        <p:spPr>
+          <a:xfrm>
+            <a:off x="1248578" y="4774735"/>
+            <a:ext cx="8326012" cy="638264"/>
+          </a:xfrm>
+          <a:prstGeom prst="rect">
+            <a:avLst/>
+          </a:prstGeom>
+        </p:spPr>
+      </p:pic>
+      <p:sp>
+        <p:nvSpPr>
+          <p:cNvPr id="10" name="ZoneTexte 9"/>
+          <p:cNvSpPr txBox="1"/>
+          <p:nvPr/>
+        </p:nvSpPr>
+        <p:spPr>
+          <a:xfrm>
+            <a:off x="1014152" y="3989117"/>
+            <a:ext cx="8794865" cy="1015663"/>
+          </a:xfrm>
+          <a:prstGeom prst="rect">
+            <a:avLst/>
+          </a:prstGeom>
+          <a:noFill/>
+        </p:spPr>
+        <p:txBody>
+          <a:bodyPr wrap="square" rtlCol="0">
+            <a:spAutoFit/>
+          </a:bodyPr>
+          <a:lstStyle/>
+          <a:p>
+            <a:pPr marL="285750" indent="-285750">
+              <a:buFont typeface="Wingdings" panose="05000000000000000000" pitchFamily="2" charset="2"/>
+              <a:buChar char="v"/>
+            </a:pPr>
+            <a:r>
+              <a:rPr lang="fr-FR" sz="2400" dirty="0" smtClean="0">
+                <a:solidFill>
+                  <a:schemeClr val="bg1">
+                    <a:lumMod val="65000"/>
+                  </a:schemeClr>
+                </a:solidFill>
+              </a:rPr>
+              <a:t>Requête envoyé à la base de données (</a:t>
+            </a:r>
+            <a:r>
+              <a:rPr lang="fr-FR" sz="2400" dirty="0" err="1" smtClean="0">
+                <a:solidFill>
+                  <a:schemeClr val="bg1">
+                    <a:lumMod val="65000"/>
+                  </a:schemeClr>
+                </a:solidFill>
+              </a:rPr>
+              <a:t>UtilisateurRepository</a:t>
+            </a:r>
+            <a:r>
+              <a:rPr lang="fr-FR" sz="2400" dirty="0" smtClean="0">
+                <a:solidFill>
+                  <a:schemeClr val="bg1">
+                    <a:lumMod val="65000"/>
+                  </a:schemeClr>
+                </a:solidFill>
+              </a:rPr>
+              <a:t>)</a:t>
+            </a:r>
+          </a:p>
+          <a:p>
+            <a:endParaRPr lang="fr-FR" dirty="0">
+              <a:solidFill>
+                <a:schemeClr val="bg1">
+                  <a:lumMod val="65000"/>
+                </a:schemeClr>
+              </a:solidFill>
+            </a:endParaRPr>
+          </a:p>
+          <a:p>
+            <a:endParaRPr lang="fr-FR" dirty="0">
+              <a:solidFill>
+                <a:schemeClr val="bg1">
+                  <a:lumMod val="65000"/>
+                </a:schemeClr>
+              </a:solidFill>
+            </a:endParaRPr>
+          </a:p>
+        </p:txBody>
+      </p:sp>
+    </p:spTree>
+    <p:extLst>
+      <p:ext uri="{BB962C8B-B14F-4D97-AF65-F5344CB8AC3E}">
+        <p14:creationId xmlns:p14="http://schemas.microsoft.com/office/powerpoint/2010/main" val="704930066"/>
+      </p:ext>
+    </p:extLst>
+  </p:cSld>
+  <p:clrMapOvr>
+    <a:masterClrMapping/>
+  </p:clrMapOvr>
+</p:sld>
+</file>
+
+<file path=ppt/slides/slide21.xml><?xml version="1.0" encoding="utf-8"?>
+<p:sld xmlns:a="http://schemas.openxmlformats.org/drawingml/2006/main" xmlns:r="http://schemas.openxmlformats.org/officeDocument/2006/relationships" xmlns:p="http://schemas.openxmlformats.org/presentationml/2006/main">
+  <p:cSld>
+    <p:spTree>
+      <p:nvGrpSpPr>
+        <p:cNvPr id="1" name=""/>
+        <p:cNvGrpSpPr/>
+        <p:nvPr/>
+      </p:nvGrpSpPr>
+      <p:grpSpPr>
+        <a:xfrm>
+          <a:off x="0" y="0"/>
+          <a:ext cx="0" cy="0"/>
+          <a:chOff x="0" y="0"/>
+          <a:chExt cx="0" cy="0"/>
+        </a:xfrm>
+      </p:grpSpPr>
+      <p:sp>
+        <p:nvSpPr>
+          <p:cNvPr id="2" name="Titre 1"/>
+          <p:cNvSpPr>
+            <a:spLocks noGrp="1"/>
+          </p:cNvSpPr>
+          <p:nvPr>
+            <p:ph type="ctrTitle"/>
+          </p:nvPr>
+        </p:nvSpPr>
+        <p:spPr>
+          <a:xfrm>
+            <a:off x="906086" y="-258478"/>
+            <a:ext cx="4937761" cy="1239380"/>
+          </a:xfrm>
+        </p:spPr>
+        <p:txBody>
+          <a:bodyPr/>
+          <a:lstStyle/>
+          <a:p>
+            <a:r>
+              <a:rPr lang="fr-FR" dirty="0" smtClean="0"/>
+              <a:t>Démonstration</a:t>
+            </a:r>
+            <a:endParaRPr lang="fr-FR" dirty="0"/>
+          </a:p>
+        </p:txBody>
+      </p:sp>
+      <p:pic>
+        <p:nvPicPr>
+          <p:cNvPr id="5" name="Image 4"/>
+          <p:cNvPicPr>
+            <a:picLocks noChangeAspect="1"/>
+          </p:cNvPicPr>
+          <p:nvPr/>
+        </p:nvPicPr>
+        <p:blipFill>
+          <a:blip r:embed="rId2">
+            <a:extLst>
+              <a:ext uri="{28A0092B-C50C-407E-A947-70E740481C1C}">
+                <a14:useLocalDpi xmlns:a14="http://schemas.microsoft.com/office/drawing/2010/main" val="0"/>
+              </a:ext>
+            </a:extLst>
+          </a:blip>
+          <a:stretch>
+            <a:fillRect/>
+          </a:stretch>
+        </p:blipFill>
+        <p:spPr>
+          <a:xfrm>
+            <a:off x="7739148" y="182880"/>
+            <a:ext cx="1438101" cy="1431154"/>
+          </a:xfrm>
+          <a:prstGeom prst="rect">
+            <a:avLst/>
+          </a:prstGeom>
+        </p:spPr>
+      </p:pic>
+    </p:spTree>
+    <p:extLst>
+      <p:ext uri="{BB962C8B-B14F-4D97-AF65-F5344CB8AC3E}">
+        <p14:creationId xmlns:p14="http://schemas.microsoft.com/office/powerpoint/2010/main" val="969082092"/>
+      </p:ext>
+    </p:extLst>
+  </p:cSld>
+  <p:clrMapOvr>
+    <a:masterClrMapping/>
+  </p:clrMapOvr>
+</p:sld>
+</file>
+
+<file path=ppt/slides/slide3.xml><?xml version="1.0" encoding="utf-8"?>
+<p:sld xmlns:a="http://schemas.openxmlformats.org/drawingml/2006/main" xmlns:r="http://schemas.openxmlformats.org/officeDocument/2006/relationships" xmlns:p="http://schemas.openxmlformats.org/presentationml/2006/main">
+  <p:cSld>
+    <p:spTree>
+      <p:nvGrpSpPr>
+        <p:cNvPr id="1" name=""/>
+        <p:cNvGrpSpPr/>
+        <p:nvPr/>
+      </p:nvGrpSpPr>
+      <p:grpSpPr>
+        <a:xfrm>
+          <a:off x="0" y="0"/>
+          <a:ext cx="0" cy="0"/>
+          <a:chOff x="0" y="0"/>
+          <a:chExt cx="0" cy="0"/>
+        </a:xfrm>
+      </p:grpSpPr>
+      <p:sp>
+        <p:nvSpPr>
+          <p:cNvPr id="2" name="Titre 1"/>
+          <p:cNvSpPr>
+            <a:spLocks noGrp="1"/>
+          </p:cNvSpPr>
+          <p:nvPr>
+            <p:ph type="ctrTitle"/>
+          </p:nvPr>
+        </p:nvSpPr>
+        <p:spPr>
+          <a:xfrm>
+            <a:off x="609291" y="83127"/>
+            <a:ext cx="6140643" cy="1058254"/>
+          </a:xfrm>
+        </p:spPr>
+        <p:txBody>
+          <a:bodyPr/>
+          <a:lstStyle/>
+          <a:p>
+            <a:r>
+              <a:rPr lang="fr-FR" dirty="0" smtClean="0"/>
+              <a:t>Création du projet</a:t>
+            </a:r>
+            <a:endParaRPr lang="fr-FR" dirty="0"/>
+          </a:p>
+        </p:txBody>
+      </p:sp>
+      <p:pic>
+        <p:nvPicPr>
+          <p:cNvPr id="5" name="Image 4"/>
+          <p:cNvPicPr>
+            <a:picLocks noChangeAspect="1"/>
+          </p:cNvPicPr>
+          <p:nvPr/>
+        </p:nvPicPr>
+        <p:blipFill>
+          <a:blip r:embed="rId2">
+            <a:extLst>
+              <a:ext uri="{28A0092B-C50C-407E-A947-70E740481C1C}">
+                <a14:useLocalDpi xmlns:a14="http://schemas.microsoft.com/office/drawing/2010/main" val="0"/>
+              </a:ext>
+            </a:extLst>
+          </a:blip>
+          <a:stretch>
+            <a:fillRect/>
+          </a:stretch>
+        </p:blipFill>
+        <p:spPr>
+          <a:xfrm>
+            <a:off x="7739148" y="182880"/>
+            <a:ext cx="1438101" cy="1431154"/>
+          </a:xfrm>
+          <a:prstGeom prst="rect">
+            <a:avLst/>
+          </a:prstGeom>
+        </p:spPr>
+      </p:pic>
+      <p:sp>
+        <p:nvSpPr>
+          <p:cNvPr id="6" name="ZoneTexte 5"/>
+          <p:cNvSpPr txBox="1"/>
+          <p:nvPr/>
+        </p:nvSpPr>
+        <p:spPr>
+          <a:xfrm>
+            <a:off x="1346662" y="1429789"/>
+            <a:ext cx="4463934" cy="738664"/>
+          </a:xfrm>
+          <a:prstGeom prst="rect">
+            <a:avLst/>
+          </a:prstGeom>
+          <a:noFill/>
+        </p:spPr>
+        <p:txBody>
+          <a:bodyPr wrap="square" rtlCol="0">
+            <a:spAutoFit/>
+          </a:bodyPr>
+          <a:lstStyle/>
+          <a:p>
+            <a:pPr marL="285750" indent="-285750">
+              <a:buFont typeface="Wingdings" panose="05000000000000000000" pitchFamily="2" charset="2"/>
+              <a:buChar char="v"/>
+            </a:pPr>
+            <a:r>
+              <a:rPr lang="fr-FR" sz="2400" dirty="0" smtClean="0">
+                <a:solidFill>
+                  <a:schemeClr val="bg1">
+                    <a:lumMod val="65000"/>
+                  </a:schemeClr>
+                </a:solidFill>
+              </a:rPr>
+              <a:t>Conception</a:t>
+            </a:r>
+            <a:endParaRPr lang="fr-FR" dirty="0">
+              <a:solidFill>
+                <a:schemeClr val="bg1">
+                  <a:lumMod val="65000"/>
+                </a:schemeClr>
+              </a:solidFill>
+            </a:endParaRPr>
+          </a:p>
+          <a:p>
+            <a:endParaRPr lang="fr-FR" dirty="0">
+              <a:solidFill>
+                <a:schemeClr val="bg1">
+                  <a:lumMod val="65000"/>
+                </a:schemeClr>
+              </a:solidFill>
+            </a:endParaRPr>
+          </a:p>
+        </p:txBody>
+      </p:sp>
+      <p:sp>
+        <p:nvSpPr>
+          <p:cNvPr id="7" name="ZoneTexte 6"/>
+          <p:cNvSpPr txBox="1"/>
+          <p:nvPr/>
+        </p:nvSpPr>
+        <p:spPr>
+          <a:xfrm>
+            <a:off x="1546167" y="2028305"/>
+            <a:ext cx="6716684" cy="1815882"/>
+          </a:xfrm>
+          <a:prstGeom prst="rect">
+            <a:avLst/>
+          </a:prstGeom>
+          <a:noFill/>
+        </p:spPr>
+        <p:txBody>
+          <a:bodyPr wrap="square" rtlCol="0">
+            <a:spAutoFit/>
+          </a:bodyPr>
+          <a:lstStyle/>
+          <a:p>
+            <a:r>
+              <a:rPr lang="fr-FR" sz="1600" dirty="0" smtClean="0">
+                <a:solidFill>
+                  <a:schemeClr val="bg1">
+                    <a:lumMod val="65000"/>
+                  </a:schemeClr>
+                </a:solidFill>
+              </a:rPr>
+              <a:t>Cahier des charges</a:t>
+            </a:r>
+          </a:p>
+          <a:p>
+            <a:endParaRPr lang="fr-FR" sz="1600" dirty="0">
+              <a:solidFill>
+                <a:schemeClr val="bg1">
+                  <a:lumMod val="65000"/>
+                </a:schemeClr>
+              </a:solidFill>
+            </a:endParaRPr>
+          </a:p>
+          <a:p>
+            <a:r>
+              <a:rPr lang="fr-FR" sz="1600" dirty="0" smtClean="0">
+                <a:solidFill>
+                  <a:schemeClr val="bg1">
+                    <a:lumMod val="65000"/>
+                  </a:schemeClr>
+                </a:solidFill>
+              </a:rPr>
+              <a:t>Maquettage (Adobe XD)</a:t>
+            </a:r>
+          </a:p>
+          <a:p>
+            <a:endParaRPr lang="fr-FR" sz="1600" dirty="0" smtClean="0">
+              <a:solidFill>
+                <a:schemeClr val="bg1">
+                  <a:lumMod val="65000"/>
+                </a:schemeClr>
+              </a:solidFill>
+            </a:endParaRPr>
+          </a:p>
+          <a:p>
+            <a:r>
+              <a:rPr lang="fr-FR" sz="1600" dirty="0" smtClean="0">
+                <a:solidFill>
+                  <a:schemeClr val="bg1">
+                    <a:lumMod val="65000"/>
+                  </a:schemeClr>
+                </a:solidFill>
+              </a:rPr>
+              <a:t>MCD (</a:t>
+            </a:r>
+            <a:r>
+              <a:rPr lang="fr-FR" sz="1600" dirty="0" err="1" smtClean="0">
+                <a:solidFill>
+                  <a:schemeClr val="bg1">
+                    <a:lumMod val="65000"/>
+                  </a:schemeClr>
+                </a:solidFill>
+              </a:rPr>
+              <a:t>Jmerise</a:t>
+            </a:r>
+            <a:r>
+              <a:rPr lang="fr-FR" sz="1600" dirty="0" smtClean="0">
+                <a:solidFill>
+                  <a:schemeClr val="bg1">
+                    <a:lumMod val="65000"/>
+                  </a:schemeClr>
+                </a:solidFill>
+              </a:rPr>
+              <a:t>)</a:t>
+            </a:r>
+          </a:p>
+          <a:p>
+            <a:endParaRPr lang="fr-FR" sz="1600" dirty="0" smtClean="0">
+              <a:solidFill>
+                <a:schemeClr val="bg1">
+                  <a:lumMod val="65000"/>
+                </a:schemeClr>
+              </a:solidFill>
+            </a:endParaRPr>
+          </a:p>
+          <a:p>
+            <a:r>
+              <a:rPr lang="fr-FR" sz="1600" dirty="0" smtClean="0">
+                <a:solidFill>
+                  <a:schemeClr val="bg1">
+                    <a:lumMod val="65000"/>
+                  </a:schemeClr>
+                </a:solidFill>
+              </a:rPr>
+              <a:t>MLD</a:t>
+            </a:r>
+            <a:endParaRPr lang="fr-FR" sz="1600" dirty="0">
+              <a:solidFill>
+                <a:schemeClr val="bg1">
+                  <a:lumMod val="65000"/>
+                </a:schemeClr>
+              </a:solidFill>
+            </a:endParaRPr>
+          </a:p>
+        </p:txBody>
+      </p:sp>
+    </p:spTree>
+    <p:extLst>
+      <p:ext uri="{BB962C8B-B14F-4D97-AF65-F5344CB8AC3E}">
+        <p14:creationId xmlns:p14="http://schemas.microsoft.com/office/powerpoint/2010/main" val="3554051345"/>
+      </p:ext>
+    </p:extLst>
+  </p:cSld>
+  <p:clrMapOvr>
+    <a:masterClrMapping/>
+  </p:clrMapOvr>
+</p:sld>
+</file>
+
+<file path=ppt/slides/slide4.xml><?xml version="1.0" encoding="utf-8"?>
+<p:sld xmlns:a="http://schemas.openxmlformats.org/drawingml/2006/main" xmlns:r="http://schemas.openxmlformats.org/officeDocument/2006/relationships" xmlns:p="http://schemas.openxmlformats.org/presentationml/2006/main">
+  <p:cSld>
+    <p:spTree>
+      <p:nvGrpSpPr>
+        <p:cNvPr id="1" name=""/>
+        <p:cNvGrpSpPr/>
+        <p:nvPr/>
+      </p:nvGrpSpPr>
+      <p:grpSpPr>
+        <a:xfrm>
+          <a:off x="0" y="0"/>
+          <a:ext cx="0" cy="0"/>
+          <a:chOff x="0" y="0"/>
+          <a:chExt cx="0" cy="0"/>
+        </a:xfrm>
+      </p:grpSpPr>
+      <p:sp>
+        <p:nvSpPr>
+          <p:cNvPr id="2" name="Titre 1"/>
+          <p:cNvSpPr>
+            <a:spLocks noGrp="1"/>
+          </p:cNvSpPr>
+          <p:nvPr>
+            <p:ph type="ctrTitle"/>
+          </p:nvPr>
+        </p:nvSpPr>
+        <p:spPr>
+          <a:xfrm>
+            <a:off x="609291" y="83127"/>
+            <a:ext cx="6140643" cy="1058254"/>
+          </a:xfrm>
+        </p:spPr>
+        <p:txBody>
+          <a:bodyPr/>
+          <a:lstStyle/>
+          <a:p>
+            <a:r>
+              <a:rPr lang="fr-FR" dirty="0" smtClean="0"/>
+              <a:t>Cahier des charges </a:t>
+            </a:r>
+            <a:endParaRPr lang="fr-FR" dirty="0"/>
+          </a:p>
+        </p:txBody>
+      </p:sp>
+      <p:pic>
+        <p:nvPicPr>
+          <p:cNvPr id="5" name="Image 4"/>
+          <p:cNvPicPr>
+            <a:picLocks noChangeAspect="1"/>
+          </p:cNvPicPr>
+          <p:nvPr/>
+        </p:nvPicPr>
+        <p:blipFill>
+          <a:blip r:embed="rId2">
+            <a:extLst>
+              <a:ext uri="{28A0092B-C50C-407E-A947-70E740481C1C}">
+                <a14:useLocalDpi xmlns:a14="http://schemas.microsoft.com/office/drawing/2010/main" val="0"/>
+              </a:ext>
+            </a:extLst>
+          </a:blip>
+          <a:stretch>
+            <a:fillRect/>
+          </a:stretch>
+        </p:blipFill>
+        <p:spPr>
+          <a:xfrm>
+            <a:off x="7739148" y="182880"/>
+            <a:ext cx="1438101" cy="1431154"/>
+          </a:xfrm>
+          <a:prstGeom prst="rect">
+            <a:avLst/>
+          </a:prstGeom>
+        </p:spPr>
+      </p:pic>
+      <p:sp>
+        <p:nvSpPr>
+          <p:cNvPr id="6" name="ZoneTexte 5"/>
+          <p:cNvSpPr txBox="1"/>
+          <p:nvPr/>
+        </p:nvSpPr>
+        <p:spPr>
+          <a:xfrm>
+            <a:off x="1346662" y="1429789"/>
+            <a:ext cx="4463934" cy="738664"/>
+          </a:xfrm>
+          <a:prstGeom prst="rect">
+            <a:avLst/>
+          </a:prstGeom>
+          <a:noFill/>
+        </p:spPr>
+        <p:txBody>
+          <a:bodyPr wrap="square" rtlCol="0">
+            <a:spAutoFit/>
+          </a:bodyPr>
+          <a:lstStyle/>
+          <a:p>
+            <a:pPr marL="285750" indent="-285750">
+              <a:buFont typeface="Wingdings" panose="05000000000000000000" pitchFamily="2" charset="2"/>
+              <a:buChar char="v"/>
+            </a:pPr>
+            <a:r>
+              <a:rPr lang="fr-FR" sz="2400" dirty="0" smtClean="0">
+                <a:solidFill>
+                  <a:schemeClr val="bg1">
+                    <a:lumMod val="65000"/>
+                  </a:schemeClr>
+                </a:solidFill>
+              </a:rPr>
+              <a:t>Conception</a:t>
+            </a:r>
+            <a:endParaRPr lang="fr-FR" dirty="0">
+              <a:solidFill>
+                <a:schemeClr val="bg1">
+                  <a:lumMod val="65000"/>
+                </a:schemeClr>
+              </a:solidFill>
+            </a:endParaRPr>
+          </a:p>
+          <a:p>
+            <a:endParaRPr lang="fr-FR" dirty="0">
+              <a:solidFill>
+                <a:schemeClr val="bg1">
+                  <a:lumMod val="65000"/>
+                </a:schemeClr>
+              </a:solidFill>
+            </a:endParaRPr>
+          </a:p>
+        </p:txBody>
+      </p:sp>
+      <p:sp>
+        <p:nvSpPr>
+          <p:cNvPr id="7" name="ZoneTexte 6"/>
+          <p:cNvSpPr txBox="1"/>
+          <p:nvPr/>
+        </p:nvSpPr>
+        <p:spPr>
+          <a:xfrm>
+            <a:off x="1546167" y="2028305"/>
+            <a:ext cx="6716684" cy="1815882"/>
+          </a:xfrm>
+          <a:prstGeom prst="rect">
+            <a:avLst/>
+          </a:prstGeom>
+          <a:noFill/>
+        </p:spPr>
+        <p:txBody>
+          <a:bodyPr wrap="square" rtlCol="0">
+            <a:spAutoFit/>
+          </a:bodyPr>
+          <a:lstStyle/>
+          <a:p>
+            <a:r>
+              <a:rPr lang="fr-FR" sz="1600" dirty="0" smtClean="0">
+                <a:solidFill>
+                  <a:schemeClr val="bg1">
+                    <a:lumMod val="65000"/>
+                  </a:schemeClr>
+                </a:solidFill>
+              </a:rPr>
+              <a:t>Cahier des charges</a:t>
+            </a:r>
+          </a:p>
+          <a:p>
+            <a:endParaRPr lang="fr-FR" sz="1600" dirty="0">
+              <a:solidFill>
+                <a:schemeClr val="bg1">
+                  <a:lumMod val="65000"/>
+                </a:schemeClr>
+              </a:solidFill>
+            </a:endParaRPr>
+          </a:p>
+          <a:p>
+            <a:r>
+              <a:rPr lang="fr-FR" sz="1600" dirty="0" smtClean="0">
+                <a:solidFill>
+                  <a:schemeClr val="bg1">
+                    <a:lumMod val="65000"/>
+                  </a:schemeClr>
+                </a:solidFill>
+              </a:rPr>
+              <a:t>Maquettage (Adobe XD)</a:t>
+            </a:r>
+          </a:p>
+          <a:p>
+            <a:endParaRPr lang="fr-FR" sz="1600" dirty="0" smtClean="0">
+              <a:solidFill>
+                <a:schemeClr val="bg1">
+                  <a:lumMod val="65000"/>
+                </a:schemeClr>
+              </a:solidFill>
+            </a:endParaRPr>
+          </a:p>
+          <a:p>
+            <a:r>
+              <a:rPr lang="fr-FR" sz="1600" dirty="0" smtClean="0">
+                <a:solidFill>
+                  <a:schemeClr val="bg1">
+                    <a:lumMod val="65000"/>
+                  </a:schemeClr>
+                </a:solidFill>
+              </a:rPr>
+              <a:t>MCD (</a:t>
+            </a:r>
+            <a:r>
+              <a:rPr lang="fr-FR" sz="1600" dirty="0" err="1" smtClean="0">
+                <a:solidFill>
+                  <a:schemeClr val="bg1">
+                    <a:lumMod val="65000"/>
+                  </a:schemeClr>
+                </a:solidFill>
+              </a:rPr>
+              <a:t>Jmerise</a:t>
+            </a:r>
+            <a:r>
+              <a:rPr lang="fr-FR" sz="1600" dirty="0" smtClean="0">
+                <a:solidFill>
+                  <a:schemeClr val="bg1">
+                    <a:lumMod val="65000"/>
+                  </a:schemeClr>
+                </a:solidFill>
+              </a:rPr>
+              <a:t>)</a:t>
+            </a:r>
+          </a:p>
+          <a:p>
+            <a:endParaRPr lang="fr-FR" sz="1600" dirty="0" smtClean="0">
+              <a:solidFill>
+                <a:schemeClr val="bg1">
+                  <a:lumMod val="65000"/>
+                </a:schemeClr>
+              </a:solidFill>
+            </a:endParaRPr>
+          </a:p>
+          <a:p>
+            <a:r>
+              <a:rPr lang="fr-FR" sz="1600" dirty="0" smtClean="0">
+                <a:solidFill>
+                  <a:schemeClr val="bg1">
+                    <a:lumMod val="65000"/>
+                  </a:schemeClr>
+                </a:solidFill>
+              </a:rPr>
+              <a:t>MLD</a:t>
+            </a:r>
+            <a:endParaRPr lang="fr-FR" sz="1600" dirty="0">
+              <a:solidFill>
+                <a:schemeClr val="bg1">
+                  <a:lumMod val="65000"/>
+                </a:schemeClr>
+              </a:solidFill>
+            </a:endParaRPr>
+          </a:p>
+        </p:txBody>
+      </p:sp>
+    </p:spTree>
+    <p:extLst>
+      <p:ext uri="{BB962C8B-B14F-4D97-AF65-F5344CB8AC3E}">
+        <p14:creationId xmlns:p14="http://schemas.microsoft.com/office/powerpoint/2010/main" val="440745320"/>
+      </p:ext>
+    </p:extLst>
+  </p:cSld>
+  <p:clrMapOvr>
+    <a:masterClrMapping/>
+  </p:clrMapOvr>
+</p:sld>
+</file>
+
+<file path=ppt/slides/slide5.xml><?xml version="1.0" encoding="utf-8"?>
+<p:sld xmlns:a="http://schemas.openxmlformats.org/drawingml/2006/main" xmlns:r="http://schemas.openxmlformats.org/officeDocument/2006/relationships" xmlns:p="http://schemas.openxmlformats.org/presentationml/2006/main">
+  <p:cSld>
+    <p:spTree>
+      <p:nvGrpSpPr>
+        <p:cNvPr id="1" name=""/>
+        <p:cNvGrpSpPr/>
+        <p:nvPr/>
+      </p:nvGrpSpPr>
+      <p:grpSpPr>
+        <a:xfrm>
+          <a:off x="0" y="0"/>
+          <a:ext cx="0" cy="0"/>
+          <a:chOff x="0" y="0"/>
+          <a:chExt cx="0" cy="0"/>
+        </a:xfrm>
+      </p:grpSpPr>
+      <p:sp>
+        <p:nvSpPr>
+          <p:cNvPr id="2" name="Titre 1"/>
+          <p:cNvSpPr>
+            <a:spLocks noGrp="1"/>
+          </p:cNvSpPr>
+          <p:nvPr>
+            <p:ph type="ctrTitle"/>
+          </p:nvPr>
+        </p:nvSpPr>
+        <p:spPr>
+          <a:xfrm>
+            <a:off x="609292" y="83127"/>
+            <a:ext cx="4153902" cy="1058254"/>
+          </a:xfrm>
+        </p:spPr>
+        <p:txBody>
+          <a:bodyPr/>
+          <a:lstStyle/>
+          <a:p>
+            <a:r>
+              <a:rPr lang="fr-FR" dirty="0" smtClean="0"/>
+              <a:t>Maquettage</a:t>
+            </a:r>
+            <a:endParaRPr lang="fr-FR" dirty="0"/>
+          </a:p>
+        </p:txBody>
+      </p:sp>
+      <p:pic>
+        <p:nvPicPr>
+          <p:cNvPr id="5" name="Image 4"/>
+          <p:cNvPicPr>
+            <a:picLocks noChangeAspect="1"/>
+          </p:cNvPicPr>
+          <p:nvPr/>
+        </p:nvPicPr>
+        <p:blipFill>
+          <a:blip r:embed="rId2">
+            <a:extLst>
+              <a:ext uri="{28A0092B-C50C-407E-A947-70E740481C1C}">
+                <a14:useLocalDpi xmlns:a14="http://schemas.microsoft.com/office/drawing/2010/main" val="0"/>
+              </a:ext>
+            </a:extLst>
+          </a:blip>
+          <a:stretch>
+            <a:fillRect/>
+          </a:stretch>
+        </p:blipFill>
+        <p:spPr>
+          <a:xfrm>
+            <a:off x="7739148" y="182880"/>
+            <a:ext cx="1438101" cy="1431154"/>
+          </a:xfrm>
+          <a:prstGeom prst="rect">
+            <a:avLst/>
+          </a:prstGeom>
+        </p:spPr>
+      </p:pic>
+      <p:sp>
+        <p:nvSpPr>
+          <p:cNvPr id="8" name="ZoneTexte 7"/>
+          <p:cNvSpPr txBox="1"/>
+          <p:nvPr/>
+        </p:nvSpPr>
+        <p:spPr>
+          <a:xfrm>
+            <a:off x="1097280" y="1331335"/>
+            <a:ext cx="4463934" cy="1015663"/>
+          </a:xfrm>
+          <a:prstGeom prst="rect">
+            <a:avLst/>
+          </a:prstGeom>
+          <a:noFill/>
+        </p:spPr>
+        <p:txBody>
+          <a:bodyPr wrap="square" rtlCol="0">
+            <a:spAutoFit/>
+          </a:bodyPr>
+          <a:lstStyle/>
+          <a:p>
+            <a:pPr marL="285750" indent="-285750">
+              <a:buFont typeface="Wingdings" panose="05000000000000000000" pitchFamily="2" charset="2"/>
+              <a:buChar char="v"/>
+            </a:pPr>
+            <a:r>
+              <a:rPr lang="fr-FR" sz="2400" dirty="0" smtClean="0">
+                <a:solidFill>
+                  <a:schemeClr val="bg1">
+                    <a:lumMod val="65000"/>
+                  </a:schemeClr>
+                </a:solidFill>
+              </a:rPr>
+              <a:t>Page de connexion</a:t>
+            </a:r>
+          </a:p>
+          <a:p>
+            <a:endParaRPr lang="fr-FR" dirty="0">
+              <a:solidFill>
+                <a:schemeClr val="bg1">
+                  <a:lumMod val="65000"/>
+                </a:schemeClr>
+              </a:solidFill>
+            </a:endParaRPr>
+          </a:p>
+          <a:p>
+            <a:endParaRPr lang="fr-FR" dirty="0">
+              <a:solidFill>
+                <a:schemeClr val="bg1">
+                  <a:lumMod val="65000"/>
+                </a:schemeClr>
+              </a:solidFill>
+            </a:endParaRPr>
+          </a:p>
+        </p:txBody>
+      </p:sp>
+      <p:pic>
+        <p:nvPicPr>
+          <p:cNvPr id="6" name="Image 5"/>
+          <p:cNvPicPr>
+            <a:picLocks noChangeAspect="1"/>
+          </p:cNvPicPr>
+          <p:nvPr/>
+        </p:nvPicPr>
+        <p:blipFill>
+          <a:blip r:embed="rId3">
+            <a:extLst>
+              <a:ext uri="{28A0092B-C50C-407E-A947-70E740481C1C}">
+                <a14:useLocalDpi xmlns:a14="http://schemas.microsoft.com/office/drawing/2010/main" val="0"/>
+              </a:ext>
+            </a:extLst>
+          </a:blip>
+          <a:stretch>
+            <a:fillRect/>
+          </a:stretch>
+        </p:blipFill>
+        <p:spPr>
+          <a:xfrm>
+            <a:off x="2801042" y="1978873"/>
+            <a:ext cx="2760172" cy="4525229"/>
+          </a:xfrm>
+          <a:prstGeom prst="rect">
+            <a:avLst/>
+          </a:prstGeom>
+        </p:spPr>
+      </p:pic>
+    </p:spTree>
+    <p:extLst>
+      <p:ext uri="{BB962C8B-B14F-4D97-AF65-F5344CB8AC3E}">
+        <p14:creationId xmlns:p14="http://schemas.microsoft.com/office/powerpoint/2010/main" val="3621340773"/>
+      </p:ext>
+    </p:extLst>
+  </p:cSld>
+  <p:clrMapOvr>
+    <a:masterClrMapping/>
+  </p:clrMapOvr>
+</p:sld>
+</file>
+
+<file path=ppt/slides/slide6.xml><?xml version="1.0" encoding="utf-8"?>
+<p:sld xmlns:a="http://schemas.openxmlformats.org/drawingml/2006/main" xmlns:r="http://schemas.openxmlformats.org/officeDocument/2006/relationships" xmlns:p="http://schemas.openxmlformats.org/presentationml/2006/main">
+  <p:cSld>
+    <p:spTree>
+      <p:nvGrpSpPr>
+        <p:cNvPr id="1" name=""/>
+        <p:cNvGrpSpPr/>
+        <p:nvPr/>
+      </p:nvGrpSpPr>
+      <p:grpSpPr>
+        <a:xfrm>
+          <a:off x="0" y="0"/>
+          <a:ext cx="0" cy="0"/>
+          <a:chOff x="0" y="0"/>
+          <a:chExt cx="0" cy="0"/>
+        </a:xfrm>
+      </p:grpSpPr>
+      <p:sp>
+        <p:nvSpPr>
+          <p:cNvPr id="2" name="Titre 1"/>
+          <p:cNvSpPr>
+            <a:spLocks noGrp="1"/>
+          </p:cNvSpPr>
+          <p:nvPr>
+            <p:ph type="ctrTitle"/>
+          </p:nvPr>
+        </p:nvSpPr>
+        <p:spPr>
+          <a:xfrm>
+            <a:off x="609292" y="83127"/>
+            <a:ext cx="4153902" cy="1058254"/>
+          </a:xfrm>
+        </p:spPr>
+        <p:txBody>
+          <a:bodyPr/>
+          <a:lstStyle/>
+          <a:p>
+            <a:r>
+              <a:rPr lang="fr-FR" dirty="0" smtClean="0"/>
+              <a:t>Maquettage</a:t>
+            </a:r>
+            <a:endParaRPr lang="fr-FR" dirty="0"/>
+          </a:p>
+        </p:txBody>
+      </p:sp>
+      <p:pic>
+        <p:nvPicPr>
+          <p:cNvPr id="5" name="Image 4"/>
+          <p:cNvPicPr>
+            <a:picLocks noChangeAspect="1"/>
+          </p:cNvPicPr>
+          <p:nvPr/>
+        </p:nvPicPr>
+        <p:blipFill>
+          <a:blip r:embed="rId2">
+            <a:extLst>
+              <a:ext uri="{28A0092B-C50C-407E-A947-70E740481C1C}">
+                <a14:useLocalDpi xmlns:a14="http://schemas.microsoft.com/office/drawing/2010/main" val="0"/>
+              </a:ext>
+            </a:extLst>
+          </a:blip>
+          <a:stretch>
+            <a:fillRect/>
+          </a:stretch>
+        </p:blipFill>
+        <p:spPr>
+          <a:xfrm>
+            <a:off x="7739148" y="182880"/>
+            <a:ext cx="1438101" cy="1431154"/>
+          </a:xfrm>
+          <a:prstGeom prst="rect">
+            <a:avLst/>
+          </a:prstGeom>
+        </p:spPr>
+      </p:pic>
+      <p:sp>
+        <p:nvSpPr>
+          <p:cNvPr id="8" name="ZoneTexte 7"/>
+          <p:cNvSpPr txBox="1"/>
+          <p:nvPr/>
+        </p:nvSpPr>
+        <p:spPr>
+          <a:xfrm>
+            <a:off x="1097280" y="1331335"/>
+            <a:ext cx="4463934" cy="1015663"/>
+          </a:xfrm>
+          <a:prstGeom prst="rect">
+            <a:avLst/>
+          </a:prstGeom>
+          <a:noFill/>
+        </p:spPr>
+        <p:txBody>
+          <a:bodyPr wrap="square" rtlCol="0">
+            <a:spAutoFit/>
+          </a:bodyPr>
+          <a:lstStyle/>
+          <a:p>
+            <a:pPr marL="285750" indent="-285750">
+              <a:buFont typeface="Wingdings" panose="05000000000000000000" pitchFamily="2" charset="2"/>
+              <a:buChar char="v"/>
+            </a:pPr>
+            <a:r>
+              <a:rPr lang="fr-FR" sz="2400" dirty="0" smtClean="0">
+                <a:solidFill>
+                  <a:schemeClr val="bg1">
+                    <a:lumMod val="65000"/>
+                  </a:schemeClr>
+                </a:solidFill>
+              </a:rPr>
+              <a:t>Page d’inscription</a:t>
+            </a:r>
+          </a:p>
+          <a:p>
+            <a:endParaRPr lang="fr-FR" dirty="0">
+              <a:solidFill>
+                <a:schemeClr val="bg1">
+                  <a:lumMod val="65000"/>
+                </a:schemeClr>
+              </a:solidFill>
+            </a:endParaRPr>
+          </a:p>
+          <a:p>
+            <a:endParaRPr lang="fr-FR" dirty="0">
+              <a:solidFill>
+                <a:schemeClr val="bg1">
+                  <a:lumMod val="65000"/>
+                </a:schemeClr>
+              </a:solidFill>
+            </a:endParaRPr>
+          </a:p>
+        </p:txBody>
+      </p:sp>
+      <p:pic>
+        <p:nvPicPr>
+          <p:cNvPr id="3" name="Image 2"/>
+          <p:cNvPicPr>
+            <a:picLocks noChangeAspect="1"/>
+          </p:cNvPicPr>
+          <p:nvPr/>
+        </p:nvPicPr>
+        <p:blipFill rotWithShape="1">
+          <a:blip r:embed="rId3">
+            <a:extLst>
+              <a:ext uri="{28A0092B-C50C-407E-A947-70E740481C1C}">
+                <a14:useLocalDpi xmlns:a14="http://schemas.microsoft.com/office/drawing/2010/main" val="0"/>
+              </a:ext>
+            </a:extLst>
+          </a:blip>
+          <a:srcRect b="55971"/>
+          <a:stretch/>
+        </p:blipFill>
+        <p:spPr>
+          <a:xfrm>
+            <a:off x="1577695" y="2010638"/>
+            <a:ext cx="2446178" cy="3808272"/>
+          </a:xfrm>
+          <a:prstGeom prst="rect">
+            <a:avLst/>
+          </a:prstGeom>
+        </p:spPr>
+      </p:pic>
+      <p:pic>
+        <p:nvPicPr>
+          <p:cNvPr id="4" name="Image 3"/>
+          <p:cNvPicPr>
+            <a:picLocks noChangeAspect="1"/>
+          </p:cNvPicPr>
+          <p:nvPr/>
+        </p:nvPicPr>
+        <p:blipFill rotWithShape="1">
+          <a:blip r:embed="rId3">
+            <a:extLst>
+              <a:ext uri="{28A0092B-C50C-407E-A947-70E740481C1C}">
+                <a14:useLocalDpi xmlns:a14="http://schemas.microsoft.com/office/drawing/2010/main" val="0"/>
+              </a:ext>
+            </a:extLst>
+          </a:blip>
+          <a:srcRect t="44121" b="1819"/>
+          <a:stretch/>
+        </p:blipFill>
+        <p:spPr>
+          <a:xfrm>
+            <a:off x="4504288" y="2010638"/>
+            <a:ext cx="2411901" cy="4610398"/>
+          </a:xfrm>
+          <a:prstGeom prst="rect">
+            <a:avLst/>
+          </a:prstGeom>
+        </p:spPr>
+      </p:pic>
+    </p:spTree>
+    <p:extLst>
+      <p:ext uri="{BB962C8B-B14F-4D97-AF65-F5344CB8AC3E}">
+        <p14:creationId xmlns:p14="http://schemas.microsoft.com/office/powerpoint/2010/main" val="1137187325"/>
+      </p:ext>
+    </p:extLst>
+  </p:cSld>
+  <p:clrMapOvr>
+    <a:masterClrMapping/>
+  </p:clrMapOvr>
+</p:sld>
+</file>
+
+<file path=ppt/slides/slide7.xml><?xml version="1.0" encoding="utf-8"?>
+<p:sld xmlns:a="http://schemas.openxmlformats.org/drawingml/2006/main" xmlns:r="http://schemas.openxmlformats.org/officeDocument/2006/relationships" xmlns:p="http://schemas.openxmlformats.org/presentationml/2006/main">
+  <p:cSld>
+    <p:spTree>
+      <p:nvGrpSpPr>
+        <p:cNvPr id="1" name=""/>
+        <p:cNvGrpSpPr/>
+        <p:nvPr/>
+      </p:nvGrpSpPr>
+      <p:grpSpPr>
+        <a:xfrm>
+          <a:off x="0" y="0"/>
+          <a:ext cx="0" cy="0"/>
+          <a:chOff x="0" y="0"/>
+          <a:chExt cx="0" cy="0"/>
+        </a:xfrm>
+      </p:grpSpPr>
+      <p:sp>
+        <p:nvSpPr>
+          <p:cNvPr id="2" name="Titre 1"/>
+          <p:cNvSpPr>
+            <a:spLocks noGrp="1"/>
+          </p:cNvSpPr>
+          <p:nvPr>
+            <p:ph type="ctrTitle"/>
+          </p:nvPr>
+        </p:nvSpPr>
+        <p:spPr>
+          <a:xfrm>
+            <a:off x="609292" y="83127"/>
+            <a:ext cx="4153902" cy="1058254"/>
+          </a:xfrm>
+        </p:spPr>
+        <p:txBody>
+          <a:bodyPr/>
+          <a:lstStyle/>
+          <a:p>
+            <a:r>
+              <a:rPr lang="fr-FR" dirty="0" smtClean="0"/>
+              <a:t>Maquettage</a:t>
+            </a:r>
+            <a:endParaRPr lang="fr-FR" dirty="0"/>
+          </a:p>
+        </p:txBody>
+      </p:sp>
+      <p:pic>
+        <p:nvPicPr>
+          <p:cNvPr id="5" name="Image 4"/>
+          <p:cNvPicPr>
+            <a:picLocks noChangeAspect="1"/>
+          </p:cNvPicPr>
+          <p:nvPr/>
+        </p:nvPicPr>
+        <p:blipFill>
+          <a:blip r:embed="rId2">
+            <a:extLst>
+              <a:ext uri="{28A0092B-C50C-407E-A947-70E740481C1C}">
+                <a14:useLocalDpi xmlns:a14="http://schemas.microsoft.com/office/drawing/2010/main" val="0"/>
+              </a:ext>
+            </a:extLst>
+          </a:blip>
+          <a:stretch>
+            <a:fillRect/>
+          </a:stretch>
+        </p:blipFill>
+        <p:spPr>
+          <a:xfrm>
+            <a:off x="7739148" y="182880"/>
+            <a:ext cx="1438101" cy="1431154"/>
+          </a:xfrm>
+          <a:prstGeom prst="rect">
+            <a:avLst/>
+          </a:prstGeom>
+        </p:spPr>
+      </p:pic>
+      <p:sp>
+        <p:nvSpPr>
+          <p:cNvPr id="8" name="ZoneTexte 7"/>
+          <p:cNvSpPr txBox="1"/>
+          <p:nvPr/>
+        </p:nvSpPr>
+        <p:spPr>
+          <a:xfrm>
+            <a:off x="1097280" y="1331335"/>
+            <a:ext cx="4463934" cy="1015663"/>
+          </a:xfrm>
+          <a:prstGeom prst="rect">
+            <a:avLst/>
+          </a:prstGeom>
+          <a:noFill/>
+        </p:spPr>
+        <p:txBody>
+          <a:bodyPr wrap="square" rtlCol="0">
+            <a:spAutoFit/>
+          </a:bodyPr>
+          <a:lstStyle/>
+          <a:p>
+            <a:pPr marL="285750" indent="-285750">
+              <a:buFont typeface="Wingdings" panose="05000000000000000000" pitchFamily="2" charset="2"/>
+              <a:buChar char="v"/>
+            </a:pPr>
+            <a:r>
+              <a:rPr lang="fr-FR" sz="2400" dirty="0" smtClean="0">
+                <a:solidFill>
+                  <a:schemeClr val="bg1">
+                    <a:lumMod val="65000"/>
+                  </a:schemeClr>
+                </a:solidFill>
+              </a:rPr>
+              <a:t>Affichage des publications</a:t>
+            </a:r>
+          </a:p>
+          <a:p>
+            <a:endParaRPr lang="fr-FR" dirty="0">
+              <a:solidFill>
+                <a:schemeClr val="bg1">
+                  <a:lumMod val="65000"/>
+                </a:schemeClr>
+              </a:solidFill>
+            </a:endParaRPr>
+          </a:p>
+          <a:p>
+            <a:endParaRPr lang="fr-FR" dirty="0">
+              <a:solidFill>
+                <a:schemeClr val="bg1">
+                  <a:lumMod val="65000"/>
+                </a:schemeClr>
+              </a:solidFill>
+            </a:endParaRPr>
+          </a:p>
+        </p:txBody>
+      </p:sp>
+      <p:pic>
+        <p:nvPicPr>
+          <p:cNvPr id="6" name="Image 5"/>
+          <p:cNvPicPr>
+            <a:picLocks noChangeAspect="1"/>
+          </p:cNvPicPr>
+          <p:nvPr/>
+        </p:nvPicPr>
+        <p:blipFill rotWithShape="1">
+          <a:blip r:embed="rId3">
+            <a:extLst>
+              <a:ext uri="{28A0092B-C50C-407E-A947-70E740481C1C}">
+                <a14:useLocalDpi xmlns:a14="http://schemas.microsoft.com/office/drawing/2010/main" val="0"/>
+              </a:ext>
+            </a:extLst>
+          </a:blip>
+          <a:srcRect t="2060" b="13333"/>
+          <a:stretch/>
+        </p:blipFill>
+        <p:spPr>
+          <a:xfrm>
+            <a:off x="1787237" y="1900441"/>
+            <a:ext cx="4954385" cy="4649987"/>
+          </a:xfrm>
+          <a:prstGeom prst="rect">
+            <a:avLst/>
+          </a:prstGeom>
+        </p:spPr>
+      </p:pic>
+    </p:spTree>
+    <p:extLst>
+      <p:ext uri="{BB962C8B-B14F-4D97-AF65-F5344CB8AC3E}">
+        <p14:creationId xmlns:p14="http://schemas.microsoft.com/office/powerpoint/2010/main" val="2060169258"/>
+      </p:ext>
+    </p:extLst>
+  </p:cSld>
+  <p:clrMapOvr>
+    <a:masterClrMapping/>
+  </p:clrMapOvr>
+</p:sld>
+</file>
+
+<file path=ppt/slides/slide8.xml><?xml version="1.0" encoding="utf-8"?>
+<p:sld xmlns:a="http://schemas.openxmlformats.org/drawingml/2006/main" xmlns:r="http://schemas.openxmlformats.org/officeDocument/2006/relationships" xmlns:p="http://schemas.openxmlformats.org/presentationml/2006/main">
+  <p:cSld>
+    <p:spTree>
+      <p:nvGrpSpPr>
+        <p:cNvPr id="1" name=""/>
+        <p:cNvGrpSpPr/>
+        <p:nvPr/>
+      </p:nvGrpSpPr>
+      <p:grpSpPr>
+        <a:xfrm>
+          <a:off x="0" y="0"/>
+          <a:ext cx="0" cy="0"/>
+          <a:chOff x="0" y="0"/>
+          <a:chExt cx="0" cy="0"/>
+        </a:xfrm>
+      </p:grpSpPr>
+      <p:sp>
+        <p:nvSpPr>
+          <p:cNvPr id="2" name="Titre 1"/>
+          <p:cNvSpPr>
+            <a:spLocks noGrp="1"/>
+          </p:cNvSpPr>
+          <p:nvPr>
+            <p:ph type="ctrTitle"/>
+          </p:nvPr>
+        </p:nvSpPr>
+        <p:spPr>
+          <a:xfrm>
+            <a:off x="609292" y="83127"/>
+            <a:ext cx="4153902" cy="1058254"/>
+          </a:xfrm>
+        </p:spPr>
+        <p:txBody>
+          <a:bodyPr/>
+          <a:lstStyle/>
+          <a:p>
+            <a:r>
+              <a:rPr lang="fr-FR" dirty="0" smtClean="0"/>
+              <a:t>Maquettage</a:t>
+            </a:r>
+            <a:endParaRPr lang="fr-FR" dirty="0"/>
+          </a:p>
+        </p:txBody>
+      </p:sp>
+      <p:pic>
+        <p:nvPicPr>
+          <p:cNvPr id="5" name="Image 4"/>
+          <p:cNvPicPr>
+            <a:picLocks noChangeAspect="1"/>
+          </p:cNvPicPr>
+          <p:nvPr/>
+        </p:nvPicPr>
+        <p:blipFill>
+          <a:blip r:embed="rId2">
+            <a:extLst>
+              <a:ext uri="{28A0092B-C50C-407E-A947-70E740481C1C}">
+                <a14:useLocalDpi xmlns:a14="http://schemas.microsoft.com/office/drawing/2010/main" val="0"/>
+              </a:ext>
+            </a:extLst>
+          </a:blip>
+          <a:stretch>
+            <a:fillRect/>
+          </a:stretch>
+        </p:blipFill>
+        <p:spPr>
+          <a:xfrm>
+            <a:off x="7739148" y="182880"/>
+            <a:ext cx="1438101" cy="1431154"/>
+          </a:xfrm>
+          <a:prstGeom prst="rect">
+            <a:avLst/>
+          </a:prstGeom>
+        </p:spPr>
+      </p:pic>
+      <p:pic>
+        <p:nvPicPr>
+          <p:cNvPr id="3" name="Image 2"/>
+          <p:cNvPicPr>
+            <a:picLocks noChangeAspect="1"/>
+          </p:cNvPicPr>
+          <p:nvPr/>
+        </p:nvPicPr>
+        <p:blipFill>
+          <a:blip r:embed="rId3">
+            <a:extLst>
+              <a:ext uri="{28A0092B-C50C-407E-A947-70E740481C1C}">
+                <a14:useLocalDpi xmlns:a14="http://schemas.microsoft.com/office/drawing/2010/main" val="0"/>
+              </a:ext>
+            </a:extLst>
+          </a:blip>
+          <a:stretch>
+            <a:fillRect/>
+          </a:stretch>
+        </p:blipFill>
+        <p:spPr>
+          <a:xfrm>
+            <a:off x="973369" y="1839167"/>
+            <a:ext cx="6907098" cy="4446119"/>
+          </a:xfrm>
+          <a:prstGeom prst="rect">
+            <a:avLst/>
+          </a:prstGeom>
+        </p:spPr>
+      </p:pic>
+      <p:sp>
+        <p:nvSpPr>
+          <p:cNvPr id="8" name="ZoneTexte 7"/>
+          <p:cNvSpPr txBox="1"/>
+          <p:nvPr/>
+        </p:nvSpPr>
+        <p:spPr>
+          <a:xfrm>
+            <a:off x="1097280" y="1331335"/>
+            <a:ext cx="4463934" cy="1015663"/>
+          </a:xfrm>
+          <a:prstGeom prst="rect">
+            <a:avLst/>
+          </a:prstGeom>
+          <a:noFill/>
+        </p:spPr>
+        <p:txBody>
+          <a:bodyPr wrap="square" rtlCol="0">
+            <a:spAutoFit/>
+          </a:bodyPr>
+          <a:lstStyle/>
+          <a:p>
+            <a:pPr marL="285750" indent="-285750">
+              <a:buFont typeface="Wingdings" panose="05000000000000000000" pitchFamily="2" charset="2"/>
+              <a:buChar char="v"/>
+            </a:pPr>
+            <a:r>
+              <a:rPr lang="fr-FR" sz="2400" dirty="0" smtClean="0">
+                <a:solidFill>
+                  <a:schemeClr val="bg1">
+                    <a:lumMod val="65000"/>
+                  </a:schemeClr>
+                </a:solidFill>
+              </a:rPr>
+              <a:t>Affichage négociations</a:t>
+            </a:r>
+          </a:p>
+          <a:p>
+            <a:endParaRPr lang="fr-FR" dirty="0">
+              <a:solidFill>
+                <a:schemeClr val="bg1">
+                  <a:lumMod val="65000"/>
+                </a:schemeClr>
+              </a:solidFill>
+            </a:endParaRPr>
+          </a:p>
+          <a:p>
+            <a:endParaRPr lang="fr-FR" dirty="0">
+              <a:solidFill>
+                <a:schemeClr val="bg1">
+                  <a:lumMod val="65000"/>
+                </a:schemeClr>
+              </a:solidFill>
+            </a:endParaRPr>
+          </a:p>
+        </p:txBody>
+      </p:sp>
+    </p:spTree>
+    <p:extLst>
+      <p:ext uri="{BB962C8B-B14F-4D97-AF65-F5344CB8AC3E}">
+        <p14:creationId xmlns:p14="http://schemas.microsoft.com/office/powerpoint/2010/main" val="2892972684"/>
       </p:ext>
     </p:extLst>
   </p:cSld>
@@ -10090,7 +12603,7 @@
         <p:spPr>
           <a:xfrm>
             <a:off x="609292" y="83127"/>
-            <a:ext cx="3630199" cy="1058254"/>
+            <a:ext cx="4153902" cy="1058254"/>
           </a:xfrm>
         </p:spPr>
         <p:txBody>
@@ -10099,7 +12612,7 @@
           <a:p>
             <a:r>
               <a:rPr lang="fr-FR" dirty="0" smtClean="0"/>
-              <a:t>Back-end</a:t>
+              <a:t>Maquettage</a:t>
             </a:r>
             <a:endParaRPr lang="fr-FR" dirty="0"/>
           </a:p>
@@ -10137,14 +12650,14 @@
       </p:pic>
       <p:sp>
         <p:nvSpPr>
-          <p:cNvPr id="9" name="ZoneTexte 8"/>
+          <p:cNvPr id="8" name="ZoneTexte 7"/>
           <p:cNvSpPr txBox="1"/>
           <p:nvPr/>
         </p:nvSpPr>
         <p:spPr>
           <a:xfrm>
-            <a:off x="1546167" y="1983067"/>
-            <a:ext cx="6716684" cy="584775"/>
+            <a:off x="1097280" y="1331335"/>
+            <a:ext cx="4463934" cy="1015663"/>
           </a:xfrm>
           <a:prstGeom prst="rect">
             <a:avLst/>
@@ -10157,71 +12670,6 @@
           </a:bodyPr>
           <a:lstStyle/>
           <a:p>
-            <a:r>
-              <a:rPr lang="fr-FR" sz="1600" dirty="0" smtClean="0">
-                <a:solidFill>
-                  <a:schemeClr val="bg1">
-                    <a:lumMod val="65000"/>
-                  </a:schemeClr>
-                </a:solidFill>
-              </a:rPr>
-              <a:t>Mise en place de la base de données via un script </a:t>
-            </a:r>
-            <a:r>
-              <a:rPr lang="fr-FR" sz="1600" b="1" dirty="0" smtClean="0">
-                <a:solidFill>
-                  <a:schemeClr val="bg1">
-                    <a:lumMod val="65000"/>
-                  </a:schemeClr>
-                </a:solidFill>
-              </a:rPr>
-              <a:t>SQL</a:t>
-            </a:r>
-            <a:r>
-              <a:rPr lang="fr-FR" sz="1600" dirty="0" smtClean="0">
-                <a:solidFill>
-                  <a:schemeClr val="bg1">
-                    <a:lumMod val="65000"/>
-                  </a:schemeClr>
-                </a:solidFill>
-              </a:rPr>
-              <a:t> réaliser à partir du </a:t>
-            </a:r>
-            <a:r>
-              <a:rPr lang="fr-FR" sz="1600" b="1" dirty="0" smtClean="0">
-                <a:solidFill>
-                  <a:schemeClr val="bg1">
-                    <a:lumMod val="65000"/>
-                  </a:schemeClr>
-                </a:solidFill>
-              </a:rPr>
-              <a:t>MLD</a:t>
-            </a:r>
-          </a:p>
-        </p:txBody>
-      </p:sp>
-      <p:sp>
-        <p:nvSpPr>
-          <p:cNvPr id="10" name="ZoneTexte 9"/>
-          <p:cNvSpPr txBox="1"/>
-          <p:nvPr/>
-        </p:nvSpPr>
-        <p:spPr>
-          <a:xfrm>
-            <a:off x="1346662" y="1384551"/>
-            <a:ext cx="4463934" cy="1015663"/>
-          </a:xfrm>
-          <a:prstGeom prst="rect">
-            <a:avLst/>
-          </a:prstGeom>
-          <a:noFill/>
-        </p:spPr>
-        <p:txBody>
-          <a:bodyPr wrap="square" rtlCol="0">
-            <a:spAutoFit/>
-          </a:bodyPr>
-          <a:lstStyle/>
-          <a:p>
             <a:pPr marL="285750" indent="-285750">
               <a:buFont typeface="Wingdings" panose="05000000000000000000" pitchFamily="2" charset="2"/>
               <a:buChar char="v"/>
@@ -10234,7 +12682,7 @@
                   </a:schemeClr>
                 </a:solidFill>
               </a:rPr>
-              <a:t>Base de données</a:t>
+              <a:t>Contenu des publications</a:t>
             </a:r>
           </a:p>
           <a:p>
@@ -10257,268 +12705,39 @@
           </a:p>
         </p:txBody>
       </p:sp>
-      <p:sp>
-        <p:nvSpPr>
-          <p:cNvPr id="11" name="ZoneTexte 10"/>
-          <p:cNvSpPr txBox="1"/>
+      <p:pic>
+        <p:nvPicPr>
+          <p:cNvPr id="4" name="Image 3"/>
+          <p:cNvPicPr>
+            <a:picLocks noChangeAspect="1"/>
+          </p:cNvPicPr>
           <p:nvPr/>
-        </p:nvSpPr>
-        <p:spPr>
-          <a:xfrm>
-            <a:off x="1546167" y="3535391"/>
-            <a:ext cx="6716684" cy="1569660"/>
+        </p:nvPicPr>
+        <p:blipFill rotWithShape="1">
+          <a:blip r:embed="rId3">
+            <a:extLst>
+              <a:ext uri="{28A0092B-C50C-407E-A947-70E740481C1C}">
+                <a14:useLocalDpi xmlns:a14="http://schemas.microsoft.com/office/drawing/2010/main" val="0"/>
+              </a:ext>
+            </a:extLst>
+          </a:blip>
+          <a:srcRect t="3670" b="34716"/>
+          <a:stretch/>
+        </p:blipFill>
+        <p:spPr>
+          <a:xfrm>
+            <a:off x="2429414" y="2003367"/>
+            <a:ext cx="2566535" cy="3996859"/>
           </a:xfrm>
           <a:prstGeom prst="rect">
             <a:avLst/>
           </a:prstGeom>
-          <a:noFill/>
-        </p:spPr>
-        <p:txBody>
-          <a:bodyPr wrap="square" rtlCol="0">
-            <a:spAutoFit/>
-          </a:bodyPr>
-          <a:lstStyle/>
-          <a:p>
-            <a:r>
-              <a:rPr lang="fr-FR" sz="1600" dirty="0" smtClean="0">
-                <a:solidFill>
-                  <a:schemeClr val="bg1">
-                    <a:lumMod val="65000"/>
-                  </a:schemeClr>
-                </a:solidFill>
-              </a:rPr>
-              <a:t>Création d’entités et de </a:t>
-            </a:r>
-            <a:r>
-              <a:rPr lang="fr-FR" sz="1600" dirty="0" err="1" smtClean="0">
-                <a:solidFill>
-                  <a:schemeClr val="bg1">
-                    <a:lumMod val="65000"/>
-                  </a:schemeClr>
-                </a:solidFill>
-              </a:rPr>
-              <a:t>Repository</a:t>
-            </a:r>
-            <a:r>
-              <a:rPr lang="fr-FR" sz="1600" dirty="0" smtClean="0">
-                <a:solidFill>
-                  <a:schemeClr val="bg1">
-                    <a:lumMod val="65000"/>
-                  </a:schemeClr>
-                </a:solidFill>
-              </a:rPr>
-              <a:t> grâce au </a:t>
-            </a:r>
-            <a:r>
-              <a:rPr lang="fr-FR" sz="1600" dirty="0" err="1" smtClean="0">
-                <a:solidFill>
-                  <a:schemeClr val="bg1">
-                    <a:lumMod val="65000"/>
-                  </a:schemeClr>
-                </a:solidFill>
-              </a:rPr>
-              <a:t>framework</a:t>
-            </a:r>
-            <a:r>
-              <a:rPr lang="fr-FR" sz="1600" dirty="0" smtClean="0">
-                <a:solidFill>
-                  <a:schemeClr val="bg1">
-                    <a:lumMod val="65000"/>
-                  </a:schemeClr>
-                </a:solidFill>
-              </a:rPr>
-              <a:t> </a:t>
-            </a:r>
-            <a:r>
-              <a:rPr lang="fr-FR" sz="1600" b="1" dirty="0" err="1" smtClean="0">
-                <a:solidFill>
-                  <a:schemeClr val="bg1">
-                    <a:lumMod val="65000"/>
-                  </a:schemeClr>
-                </a:solidFill>
-              </a:rPr>
-              <a:t>Spring</a:t>
-            </a:r>
-            <a:endParaRPr lang="fr-FR" sz="1600" b="1" dirty="0" smtClean="0">
-              <a:solidFill>
-                <a:schemeClr val="bg1">
-                  <a:lumMod val="65000"/>
-                </a:schemeClr>
-              </a:solidFill>
-            </a:endParaRPr>
-          </a:p>
-          <a:p>
-            <a:endParaRPr lang="fr-FR" sz="1600" dirty="0">
-              <a:solidFill>
-                <a:schemeClr val="bg1">
-                  <a:lumMod val="65000"/>
-                </a:schemeClr>
-              </a:solidFill>
-            </a:endParaRPr>
-          </a:p>
-          <a:p>
-            <a:r>
-              <a:rPr lang="fr-FR" sz="1600" dirty="0" smtClean="0">
-                <a:solidFill>
-                  <a:schemeClr val="bg1">
-                    <a:lumMod val="65000"/>
-                  </a:schemeClr>
-                </a:solidFill>
-              </a:rPr>
-              <a:t>Utilisation des </a:t>
-            </a:r>
-            <a:r>
-              <a:rPr lang="fr-FR" sz="1600" b="1" dirty="0" err="1" smtClean="0">
-                <a:solidFill>
-                  <a:schemeClr val="bg1">
-                    <a:lumMod val="65000"/>
-                  </a:schemeClr>
-                </a:solidFill>
-              </a:rPr>
-              <a:t>Rest</a:t>
-            </a:r>
-            <a:r>
-              <a:rPr lang="fr-FR" sz="1600" dirty="0" smtClean="0">
-                <a:solidFill>
-                  <a:schemeClr val="bg1">
-                    <a:lumMod val="65000"/>
-                  </a:schemeClr>
-                </a:solidFill>
-              </a:rPr>
-              <a:t> </a:t>
-            </a:r>
-            <a:r>
-              <a:rPr lang="fr-FR" sz="1600" b="1" dirty="0" err="1" smtClean="0">
-                <a:solidFill>
-                  <a:schemeClr val="bg1">
-                    <a:lumMod val="65000"/>
-                  </a:schemeClr>
-                </a:solidFill>
-              </a:rPr>
-              <a:t>Controllers</a:t>
-            </a:r>
-            <a:r>
-              <a:rPr lang="fr-FR" sz="1600" dirty="0" smtClean="0">
-                <a:solidFill>
-                  <a:schemeClr val="bg1">
-                    <a:lumMod val="65000"/>
-                  </a:schemeClr>
-                </a:solidFill>
-              </a:rPr>
-              <a:t> pour appeler la base de données</a:t>
-            </a:r>
-          </a:p>
-          <a:p>
-            <a:endParaRPr lang="fr-FR" sz="1600" dirty="0">
-              <a:solidFill>
-                <a:schemeClr val="bg1">
-                  <a:lumMod val="65000"/>
-                </a:schemeClr>
-              </a:solidFill>
-            </a:endParaRPr>
-          </a:p>
-          <a:p>
-            <a:r>
-              <a:rPr lang="fr-FR" sz="1600" dirty="0" smtClean="0">
-                <a:solidFill>
-                  <a:schemeClr val="bg1">
-                    <a:lumMod val="65000"/>
-                  </a:schemeClr>
-                </a:solidFill>
-              </a:rPr>
-              <a:t>Mise en place de </a:t>
-            </a:r>
-            <a:r>
-              <a:rPr lang="fr-FR" sz="1600" b="1" dirty="0" smtClean="0">
-                <a:solidFill>
-                  <a:schemeClr val="bg1">
-                    <a:lumMod val="65000"/>
-                  </a:schemeClr>
-                </a:solidFill>
-              </a:rPr>
-              <a:t>DTO</a:t>
-            </a:r>
-            <a:r>
-              <a:rPr lang="fr-FR" sz="1600" dirty="0" smtClean="0">
-                <a:solidFill>
-                  <a:schemeClr val="bg1">
-                    <a:lumMod val="65000"/>
-                  </a:schemeClr>
-                </a:solidFill>
-              </a:rPr>
-              <a:t> pour éviter de manipuler les entités dans le Front</a:t>
-            </a:r>
-            <a:endParaRPr lang="fr-FR" sz="1600" dirty="0">
-              <a:solidFill>
-                <a:schemeClr val="bg1">
-                  <a:lumMod val="65000"/>
-                </a:schemeClr>
-              </a:solidFill>
-            </a:endParaRPr>
-          </a:p>
-        </p:txBody>
-      </p:sp>
-      <p:sp>
-        <p:nvSpPr>
-          <p:cNvPr id="12" name="ZoneTexte 11"/>
-          <p:cNvSpPr txBox="1"/>
-          <p:nvPr/>
-        </p:nvSpPr>
-        <p:spPr>
-          <a:xfrm>
-            <a:off x="1346662" y="2936875"/>
-            <a:ext cx="4463934" cy="1015663"/>
-          </a:xfrm>
-          <a:prstGeom prst="rect">
-            <a:avLst/>
-          </a:prstGeom>
-          <a:noFill/>
-        </p:spPr>
-        <p:txBody>
-          <a:bodyPr wrap="square" rtlCol="0">
-            <a:spAutoFit/>
-          </a:bodyPr>
-          <a:lstStyle/>
-          <a:p>
-            <a:pPr marL="285750" indent="-285750">
-              <a:buFont typeface="Wingdings" panose="05000000000000000000" pitchFamily="2" charset="2"/>
-              <a:buChar char="v"/>
-            </a:pPr>
-            <a:r>
-              <a:rPr lang="fr-FR" sz="2400" dirty="0" smtClean="0">
-                <a:solidFill>
-                  <a:schemeClr val="bg1">
-                    <a:lumMod val="65000"/>
-                  </a:schemeClr>
-                </a:solidFill>
-              </a:rPr>
-              <a:t>Entités / Contrôleurs</a:t>
-            </a:r>
-          </a:p>
-          <a:p>
-            <a:endParaRPr lang="fr-FR" dirty="0">
-              <a:solidFill>
-                <a:schemeClr val="bg1">
-                  <a:lumMod val="65000"/>
-                </a:schemeClr>
-              </a:solidFill>
-            </a:endParaRPr>
-          </a:p>
-          <a:p>
-            <a:endParaRPr lang="fr-FR" dirty="0">
-              <a:solidFill>
-                <a:schemeClr val="bg1">
-                  <a:lumMod val="65000"/>
-                </a:schemeClr>
-              </a:solidFill>
-            </a:endParaRPr>
-          </a:p>
-        </p:txBody>
-      </p:sp>
+        </p:spPr>
+      </p:pic>
     </p:spTree>
     <p:extLst>
       <p:ext uri="{BB962C8B-B14F-4D97-AF65-F5344CB8AC3E}">
-        <p14:creationId xmlns:p14="http://schemas.microsoft.com/office/powerpoint/2010/main" val="2426825249"/>
+        <p14:creationId xmlns:p14="http://schemas.microsoft.com/office/powerpoint/2010/main" val="485889649"/>
       </p:ext>
     </p:extLst>
   </p:cSld>

--- a/Presentation/PresentationTender.pptx
+++ b/Presentation/PresentationTender.pptx
@@ -8,24 +8,23 @@
     <p:sldId id="256" r:id="rId2"/>
     <p:sldId id="258" r:id="rId3"/>
     <p:sldId id="259" r:id="rId4"/>
-    <p:sldId id="272" r:id="rId5"/>
-    <p:sldId id="273" r:id="rId6"/>
-    <p:sldId id="274" r:id="rId7"/>
-    <p:sldId id="275" r:id="rId8"/>
-    <p:sldId id="262" r:id="rId9"/>
-    <p:sldId id="276" r:id="rId10"/>
-    <p:sldId id="277" r:id="rId11"/>
-    <p:sldId id="261" r:id="rId12"/>
-    <p:sldId id="265" r:id="rId13"/>
-    <p:sldId id="266" r:id="rId14"/>
-    <p:sldId id="260" r:id="rId15"/>
-    <p:sldId id="263" r:id="rId16"/>
-    <p:sldId id="264" r:id="rId17"/>
-    <p:sldId id="267" r:id="rId18"/>
-    <p:sldId id="269" r:id="rId19"/>
-    <p:sldId id="270" r:id="rId20"/>
-    <p:sldId id="271" r:id="rId21"/>
-    <p:sldId id="268" r:id="rId22"/>
+    <p:sldId id="273" r:id="rId5"/>
+    <p:sldId id="274" r:id="rId6"/>
+    <p:sldId id="275" r:id="rId7"/>
+    <p:sldId id="262" r:id="rId8"/>
+    <p:sldId id="276" r:id="rId9"/>
+    <p:sldId id="277" r:id="rId10"/>
+    <p:sldId id="261" r:id="rId11"/>
+    <p:sldId id="265" r:id="rId12"/>
+    <p:sldId id="266" r:id="rId13"/>
+    <p:sldId id="260" r:id="rId14"/>
+    <p:sldId id="263" r:id="rId15"/>
+    <p:sldId id="264" r:id="rId16"/>
+    <p:sldId id="267" r:id="rId17"/>
+    <p:sldId id="269" r:id="rId18"/>
+    <p:sldId id="270" r:id="rId19"/>
+    <p:sldId id="271" r:id="rId20"/>
+    <p:sldId id="268" r:id="rId21"/>
   </p:sldIdLst>
   <p:sldSz cx="12192000" cy="6858000"/>
   <p:notesSz cx="6858000" cy="9144000"/>
@@ -5953,41 +5952,15 @@
           <a:chExt cx="0" cy="0"/>
         </a:xfrm>
       </p:grpSpPr>
-      <p:sp>
-        <p:nvSpPr>
-          <p:cNvPr id="2" name="Titre 1"/>
-          <p:cNvSpPr>
-            <a:spLocks noGrp="1"/>
-          </p:cNvSpPr>
-          <p:nvPr>
-            <p:ph type="ctrTitle"/>
-          </p:nvPr>
-        </p:nvSpPr>
-        <p:spPr>
-          <a:xfrm>
-            <a:off x="609292" y="83127"/>
-            <a:ext cx="4153902" cy="1058254"/>
-          </a:xfrm>
-        </p:spPr>
-        <p:txBody>
-          <a:bodyPr/>
-          <a:lstStyle/>
-          <a:p>
-            <a:r>
-              <a:rPr lang="fr-FR" dirty="0" smtClean="0"/>
-              <a:t>Maquettage</a:t>
-            </a:r>
-            <a:endParaRPr lang="fr-FR" dirty="0"/>
-          </a:p>
-        </p:txBody>
-      </p:sp>
       <p:pic>
         <p:nvPicPr>
-          <p:cNvPr id="5" name="Image 4"/>
+          <p:cNvPr id="4" name="Espace réservé du contenu 3"/>
           <p:cNvPicPr>
-            <a:picLocks noChangeAspect="1"/>
+            <a:picLocks noGrp="1" noChangeAspect="1"/>
           </p:cNvPicPr>
-          <p:nvPr/>
+          <p:nvPr>
+            <p:ph idx="1"/>
+          </p:nvPr>
         </p:nvPicPr>
         <p:blipFill>
           <a:blip r:embed="rId2">
@@ -6003,133 +5976,117 @@
         </p:blipFill>
         <p:spPr>
           <a:xfrm>
-            <a:off x="7739148" y="182880"/>
-            <a:ext cx="1438101" cy="1431154"/>
+            <a:off x="291634" y="1179685"/>
+            <a:ext cx="9425278" cy="5678315"/>
+          </a:xfrm>
+        </p:spPr>
+      </p:pic>
+      <p:sp>
+        <p:nvSpPr>
+          <p:cNvPr id="6" name="Titre 1"/>
+          <p:cNvSpPr txBox="1">
+            <a:spLocks/>
+          </p:cNvSpPr>
+          <p:nvPr/>
+        </p:nvSpPr>
+        <p:spPr>
+          <a:xfrm>
+            <a:off x="291634" y="207817"/>
+            <a:ext cx="8326890" cy="1058254"/>
           </a:xfrm>
           <a:prstGeom prst="rect">
             <a:avLst/>
           </a:prstGeom>
         </p:spPr>
-      </p:pic>
-      <p:sp>
-        <p:nvSpPr>
-          <p:cNvPr id="8" name="ZoneTexte 7"/>
-          <p:cNvSpPr txBox="1"/>
-          <p:nvPr/>
-        </p:nvSpPr>
-        <p:spPr>
-          <a:xfrm>
-            <a:off x="1097280" y="1331335"/>
-            <a:ext cx="4463934" cy="1015663"/>
-          </a:xfrm>
-          <a:prstGeom prst="rect">
-            <a:avLst/>
-          </a:prstGeom>
-          <a:noFill/>
-        </p:spPr>
-        <p:txBody>
-          <a:bodyPr wrap="square" rtlCol="0">
-            <a:spAutoFit/>
+        <p:txBody>
+          <a:bodyPr vert="horz" lIns="91440" tIns="45720" rIns="91440" bIns="45720" rtlCol="0" anchor="t">
+            <a:normAutofit fontScale="77500" lnSpcReduction="20000"/>
           </a:bodyPr>
-          <a:lstStyle/>
-          <a:p>
-            <a:pPr marL="285750" indent="-285750">
-              <a:buFont typeface="Wingdings" panose="05000000000000000000" pitchFamily="2" charset="2"/>
-              <a:buChar char="v"/>
-            </a:pPr>
-            <a:r>
-              <a:rPr lang="fr-FR" sz="2400" dirty="0" smtClean="0">
-                <a:solidFill>
-                  <a:schemeClr val="bg1">
-                    <a:lumMod val="65000"/>
-                  </a:schemeClr>
-                </a:solidFill>
-              </a:rPr>
-              <a:t>Publier et page de profil</a:t>
-            </a:r>
-          </a:p>
-          <a:p>
-            <a:endParaRPr lang="fr-FR" dirty="0">
-              <a:solidFill>
-                <a:schemeClr val="bg1">
-                  <a:lumMod val="65000"/>
-                </a:schemeClr>
-              </a:solidFill>
-            </a:endParaRPr>
-          </a:p>
-          <a:p>
-            <a:endParaRPr lang="fr-FR" dirty="0">
-              <a:solidFill>
-                <a:schemeClr val="bg1">
-                  <a:lumMod val="65000"/>
-                </a:schemeClr>
-              </a:solidFill>
-            </a:endParaRPr>
-          </a:p>
-        </p:txBody>
-      </p:sp>
-      <p:pic>
-        <p:nvPicPr>
-          <p:cNvPr id="3" name="Image 2"/>
-          <p:cNvPicPr>
-            <a:picLocks noChangeAspect="1"/>
-          </p:cNvPicPr>
-          <p:nvPr/>
-        </p:nvPicPr>
-        <p:blipFill rotWithShape="1">
-          <a:blip r:embed="rId3">
-            <a:extLst>
-              <a:ext uri="{28A0092B-C50C-407E-A947-70E740481C1C}">
-                <a14:useLocalDpi xmlns:a14="http://schemas.microsoft.com/office/drawing/2010/main" val="0"/>
-              </a:ext>
-            </a:extLst>
-          </a:blip>
-          <a:srcRect b="7040"/>
-          <a:stretch/>
-        </p:blipFill>
-        <p:spPr>
-          <a:xfrm>
-            <a:off x="2325636" y="1920240"/>
-            <a:ext cx="2437558" cy="4639802"/>
-          </a:xfrm>
-          <a:prstGeom prst="rect">
-            <a:avLst/>
-          </a:prstGeom>
-        </p:spPr>
-      </p:pic>
-      <p:pic>
-        <p:nvPicPr>
-          <p:cNvPr id="6" name="Image 5"/>
-          <p:cNvPicPr>
-            <a:picLocks noChangeAspect="1"/>
-          </p:cNvPicPr>
-          <p:nvPr/>
-        </p:nvPicPr>
-        <p:blipFill rotWithShape="1">
-          <a:blip r:embed="rId4">
-            <a:extLst>
-              <a:ext uri="{28A0092B-C50C-407E-A947-70E740481C1C}">
-                <a14:useLocalDpi xmlns:a14="http://schemas.microsoft.com/office/drawing/2010/main" val="0"/>
-              </a:ext>
-            </a:extLst>
-          </a:blip>
-          <a:srcRect t="849" b="10302"/>
-          <a:stretch/>
-        </p:blipFill>
-        <p:spPr>
-          <a:xfrm>
-            <a:off x="5321856" y="612254"/>
-            <a:ext cx="1858630" cy="6093229"/>
-          </a:xfrm>
-          <a:prstGeom prst="rect">
-            <a:avLst/>
-          </a:prstGeom>
-        </p:spPr>
-      </p:pic>
+          <a:lstStyle>
+            <a:lvl1pPr algn="l" defTabSz="457200" rtl="0" eaLnBrk="1" latinLnBrk="0" hangingPunct="1">
+              <a:spcBef>
+                <a:spcPct val="0"/>
+              </a:spcBef>
+              <a:buNone/>
+              <a:defRPr sz="3600" kern="1200">
+                <a:solidFill>
+                  <a:schemeClr val="accent1"/>
+                </a:solidFill>
+                <a:latin typeface="+mj-lt"/>
+                <a:ea typeface="+mj-ea"/>
+                <a:cs typeface="+mj-cs"/>
+              </a:defRPr>
+            </a:lvl1pPr>
+            <a:lvl2pPr eaLnBrk="1" hangingPunct="1">
+              <a:defRPr>
+                <a:solidFill>
+                  <a:schemeClr val="tx2"/>
+                </a:solidFill>
+              </a:defRPr>
+            </a:lvl2pPr>
+            <a:lvl3pPr eaLnBrk="1" hangingPunct="1">
+              <a:defRPr>
+                <a:solidFill>
+                  <a:schemeClr val="tx2"/>
+                </a:solidFill>
+              </a:defRPr>
+            </a:lvl3pPr>
+            <a:lvl4pPr eaLnBrk="1" hangingPunct="1">
+              <a:defRPr>
+                <a:solidFill>
+                  <a:schemeClr val="tx2"/>
+                </a:solidFill>
+              </a:defRPr>
+            </a:lvl4pPr>
+            <a:lvl5pPr eaLnBrk="1" hangingPunct="1">
+              <a:defRPr>
+                <a:solidFill>
+                  <a:schemeClr val="tx2"/>
+                </a:solidFill>
+              </a:defRPr>
+            </a:lvl5pPr>
+            <a:lvl6pPr eaLnBrk="1" hangingPunct="1">
+              <a:defRPr>
+                <a:solidFill>
+                  <a:schemeClr val="tx2"/>
+                </a:solidFill>
+              </a:defRPr>
+            </a:lvl6pPr>
+            <a:lvl7pPr eaLnBrk="1" hangingPunct="1">
+              <a:defRPr>
+                <a:solidFill>
+                  <a:schemeClr val="tx2"/>
+                </a:solidFill>
+              </a:defRPr>
+            </a:lvl7pPr>
+            <a:lvl8pPr eaLnBrk="1" hangingPunct="1">
+              <a:defRPr>
+                <a:solidFill>
+                  <a:schemeClr val="tx2"/>
+                </a:solidFill>
+              </a:defRPr>
+            </a:lvl8pPr>
+            <a:lvl9pPr eaLnBrk="1" hangingPunct="1">
+              <a:defRPr>
+                <a:solidFill>
+                  <a:schemeClr val="tx2"/>
+                </a:solidFill>
+              </a:defRPr>
+            </a:lvl9pPr>
+          </a:lstStyle>
+          <a:p>
+            <a:r>
+              <a:rPr lang="fr-FR" sz="5400" dirty="0" smtClean="0"/>
+              <a:t>Modèle conceptuelle de données</a:t>
+            </a:r>
+            <a:endParaRPr lang="fr-FR" sz="5400" dirty="0"/>
+          </a:p>
+        </p:txBody>
+      </p:sp>
     </p:spTree>
     <p:extLst>
       <p:ext uri="{BB962C8B-B14F-4D97-AF65-F5344CB8AC3E}">
-        <p14:creationId xmlns:p14="http://schemas.microsoft.com/office/powerpoint/2010/main" val="2211947732"/>
+        <p14:creationId xmlns:p14="http://schemas.microsoft.com/office/powerpoint/2010/main" val="3285001544"/>
       </p:ext>
     </p:extLst>
   </p:cSld>
@@ -6156,167 +6113,6 @@
           <a:chExt cx="0" cy="0"/>
         </a:xfrm>
       </p:grpSpPr>
-      <p:pic>
-        <p:nvPicPr>
-          <p:cNvPr id="4" name="Espace réservé du contenu 3"/>
-          <p:cNvPicPr>
-            <a:picLocks noGrp="1" noChangeAspect="1"/>
-          </p:cNvPicPr>
-          <p:nvPr>
-            <p:ph idx="1"/>
-          </p:nvPr>
-        </p:nvPicPr>
-        <p:blipFill>
-          <a:blip r:embed="rId2">
-            <a:extLst>
-              <a:ext uri="{28A0092B-C50C-407E-A947-70E740481C1C}">
-                <a14:useLocalDpi xmlns:a14="http://schemas.microsoft.com/office/drawing/2010/main" val="0"/>
-              </a:ext>
-            </a:extLst>
-          </a:blip>
-          <a:stretch>
-            <a:fillRect/>
-          </a:stretch>
-        </p:blipFill>
-        <p:spPr>
-          <a:xfrm>
-            <a:off x="291634" y="1179685"/>
-            <a:ext cx="9425278" cy="5678315"/>
-          </a:xfrm>
-        </p:spPr>
-      </p:pic>
-      <p:sp>
-        <p:nvSpPr>
-          <p:cNvPr id="6" name="Titre 1"/>
-          <p:cNvSpPr txBox="1">
-            <a:spLocks/>
-          </p:cNvSpPr>
-          <p:nvPr/>
-        </p:nvSpPr>
-        <p:spPr>
-          <a:xfrm>
-            <a:off x="291634" y="207817"/>
-            <a:ext cx="8326890" cy="1058254"/>
-          </a:xfrm>
-          <a:prstGeom prst="rect">
-            <a:avLst/>
-          </a:prstGeom>
-        </p:spPr>
-        <p:txBody>
-          <a:bodyPr vert="horz" lIns="91440" tIns="45720" rIns="91440" bIns="45720" rtlCol="0" anchor="t">
-            <a:normAutofit fontScale="77500" lnSpcReduction="20000"/>
-          </a:bodyPr>
-          <a:lstStyle>
-            <a:lvl1pPr algn="l" defTabSz="457200" rtl="0" eaLnBrk="1" latinLnBrk="0" hangingPunct="1">
-              <a:spcBef>
-                <a:spcPct val="0"/>
-              </a:spcBef>
-              <a:buNone/>
-              <a:defRPr sz="3600" kern="1200">
-                <a:solidFill>
-                  <a:schemeClr val="accent1"/>
-                </a:solidFill>
-                <a:latin typeface="+mj-lt"/>
-                <a:ea typeface="+mj-ea"/>
-                <a:cs typeface="+mj-cs"/>
-              </a:defRPr>
-            </a:lvl1pPr>
-            <a:lvl2pPr eaLnBrk="1" hangingPunct="1">
-              <a:defRPr>
-                <a:solidFill>
-                  <a:schemeClr val="tx2"/>
-                </a:solidFill>
-              </a:defRPr>
-            </a:lvl2pPr>
-            <a:lvl3pPr eaLnBrk="1" hangingPunct="1">
-              <a:defRPr>
-                <a:solidFill>
-                  <a:schemeClr val="tx2"/>
-                </a:solidFill>
-              </a:defRPr>
-            </a:lvl3pPr>
-            <a:lvl4pPr eaLnBrk="1" hangingPunct="1">
-              <a:defRPr>
-                <a:solidFill>
-                  <a:schemeClr val="tx2"/>
-                </a:solidFill>
-              </a:defRPr>
-            </a:lvl4pPr>
-            <a:lvl5pPr eaLnBrk="1" hangingPunct="1">
-              <a:defRPr>
-                <a:solidFill>
-                  <a:schemeClr val="tx2"/>
-                </a:solidFill>
-              </a:defRPr>
-            </a:lvl5pPr>
-            <a:lvl6pPr eaLnBrk="1" hangingPunct="1">
-              <a:defRPr>
-                <a:solidFill>
-                  <a:schemeClr val="tx2"/>
-                </a:solidFill>
-              </a:defRPr>
-            </a:lvl6pPr>
-            <a:lvl7pPr eaLnBrk="1" hangingPunct="1">
-              <a:defRPr>
-                <a:solidFill>
-                  <a:schemeClr val="tx2"/>
-                </a:solidFill>
-              </a:defRPr>
-            </a:lvl7pPr>
-            <a:lvl8pPr eaLnBrk="1" hangingPunct="1">
-              <a:defRPr>
-                <a:solidFill>
-                  <a:schemeClr val="tx2"/>
-                </a:solidFill>
-              </a:defRPr>
-            </a:lvl8pPr>
-            <a:lvl9pPr eaLnBrk="1" hangingPunct="1">
-              <a:defRPr>
-                <a:solidFill>
-                  <a:schemeClr val="tx2"/>
-                </a:solidFill>
-              </a:defRPr>
-            </a:lvl9pPr>
-          </a:lstStyle>
-          <a:p>
-            <a:r>
-              <a:rPr lang="fr-FR" sz="5400" dirty="0" smtClean="0"/>
-              <a:t>Modèle conceptuelle de données</a:t>
-            </a:r>
-            <a:endParaRPr lang="fr-FR" sz="5400" dirty="0"/>
-          </a:p>
-        </p:txBody>
-      </p:sp>
-    </p:spTree>
-    <p:extLst>
-      <p:ext uri="{BB962C8B-B14F-4D97-AF65-F5344CB8AC3E}">
-        <p14:creationId xmlns:p14="http://schemas.microsoft.com/office/powerpoint/2010/main" val="3285001544"/>
-      </p:ext>
-    </p:extLst>
-  </p:cSld>
-  <p:clrMapOvr>
-    <a:masterClrMapping/>
-  </p:clrMapOvr>
-</p:sld>
-</file>
-
-<file path=ppt/slides/slide12.xml><?xml version="1.0" encoding="utf-8"?>
-<p:sld xmlns:a="http://schemas.openxmlformats.org/drawingml/2006/main" xmlns:r="http://schemas.openxmlformats.org/officeDocument/2006/relationships" xmlns:p="http://schemas.openxmlformats.org/presentationml/2006/main">
-  <p:cSld>
-    <p:spTree>
-      <p:nvGrpSpPr>
-        <p:cNvPr id="1" name=""/>
-        <p:cNvGrpSpPr/>
-        <p:nvPr/>
-      </p:nvGrpSpPr>
-      <p:grpSpPr>
-        <a:xfrm>
-          <a:off x="0" y="0"/>
-          <a:ext cx="0" cy="0"/>
-          <a:chOff x="0" y="0"/>
-          <a:chExt cx="0" cy="0"/>
-        </a:xfrm>
-      </p:grpSpPr>
       <p:sp>
         <p:nvSpPr>
           <p:cNvPr id="5" name="ZoneTexte 4"/>
@@ -8299,7 +8095,7 @@
 </p:sld>
 </file>
 
-<file path=ppt/slides/slide13.xml><?xml version="1.0" encoding="utf-8"?>
+<file path=ppt/slides/slide12.xml><?xml version="1.0" encoding="utf-8"?>
 <p:sld xmlns:a="http://schemas.openxmlformats.org/drawingml/2006/main" xmlns:r="http://schemas.openxmlformats.org/officeDocument/2006/relationships" xmlns:p="http://schemas.openxmlformats.org/presentationml/2006/main">
   <p:cSld>
     <p:spTree>
@@ -8489,7 +8285,7 @@
 </p:sld>
 </file>
 
-<file path=ppt/slides/slide14.xml><?xml version="1.0" encoding="utf-8"?>
+<file path=ppt/slides/slide13.xml><?xml version="1.0" encoding="utf-8"?>
 <p:sld xmlns:a="http://schemas.openxmlformats.org/drawingml/2006/main" xmlns:r="http://schemas.openxmlformats.org/officeDocument/2006/relationships" xmlns:p="http://schemas.openxmlformats.org/presentationml/2006/main">
   <p:cSld>
     <p:spTree>
@@ -8663,6 +8459,16 @@
           </a:p>
           <a:p>
             <a:r>
+              <a:rPr lang="fr-FR" sz="1600" dirty="0" smtClean="0">
+                <a:solidFill>
+                  <a:schemeClr val="bg1">
+                    <a:lumMod val="65000"/>
+                  </a:schemeClr>
+                </a:solidFill>
+              </a:rPr>
+              <a:t>HTML/CSS avec </a:t>
+            </a:r>
+            <a:r>
               <a:rPr lang="fr-FR" sz="1600" dirty="0" err="1" smtClean="0">
                 <a:solidFill>
                   <a:schemeClr val="bg1">
@@ -8917,6 +8723,474 @@
     <p:extLst>
       <p:ext uri="{BB962C8B-B14F-4D97-AF65-F5344CB8AC3E}">
         <p14:creationId xmlns:p14="http://schemas.microsoft.com/office/powerpoint/2010/main" val="212136970"/>
+      </p:ext>
+    </p:extLst>
+  </p:cSld>
+  <p:clrMapOvr>
+    <a:masterClrMapping/>
+  </p:clrMapOvr>
+</p:sld>
+</file>
+
+<file path=ppt/slides/slide14.xml><?xml version="1.0" encoding="utf-8"?>
+<p:sld xmlns:a="http://schemas.openxmlformats.org/drawingml/2006/main" xmlns:r="http://schemas.openxmlformats.org/officeDocument/2006/relationships" xmlns:p="http://schemas.openxmlformats.org/presentationml/2006/main">
+  <p:cSld>
+    <p:spTree>
+      <p:nvGrpSpPr>
+        <p:cNvPr id="1" name=""/>
+        <p:cNvGrpSpPr/>
+        <p:nvPr/>
+      </p:nvGrpSpPr>
+      <p:grpSpPr>
+        <a:xfrm>
+          <a:off x="0" y="0"/>
+          <a:ext cx="0" cy="0"/>
+          <a:chOff x="0" y="0"/>
+          <a:chExt cx="0" cy="0"/>
+        </a:xfrm>
+      </p:grpSpPr>
+      <p:sp>
+        <p:nvSpPr>
+          <p:cNvPr id="2" name="Titre 1"/>
+          <p:cNvSpPr>
+            <a:spLocks noGrp="1"/>
+          </p:cNvSpPr>
+          <p:nvPr>
+            <p:ph type="ctrTitle"/>
+          </p:nvPr>
+        </p:nvSpPr>
+        <p:spPr>
+          <a:xfrm>
+            <a:off x="609292" y="83127"/>
+            <a:ext cx="3630199" cy="1058254"/>
+          </a:xfrm>
+        </p:spPr>
+        <p:txBody>
+          <a:bodyPr/>
+          <a:lstStyle/>
+          <a:p>
+            <a:r>
+              <a:rPr lang="fr-FR" dirty="0" smtClean="0"/>
+              <a:t>Back-end</a:t>
+            </a:r>
+            <a:endParaRPr lang="fr-FR" dirty="0"/>
+          </a:p>
+        </p:txBody>
+      </p:sp>
+      <p:pic>
+        <p:nvPicPr>
+          <p:cNvPr id="5" name="Image 4"/>
+          <p:cNvPicPr>
+            <a:picLocks noChangeAspect="1"/>
+          </p:cNvPicPr>
+          <p:nvPr/>
+        </p:nvPicPr>
+        <p:blipFill>
+          <a:blip r:embed="rId2">
+            <a:extLst>
+              <a:ext uri="{28A0092B-C50C-407E-A947-70E740481C1C}">
+                <a14:useLocalDpi xmlns:a14="http://schemas.microsoft.com/office/drawing/2010/main" val="0"/>
+              </a:ext>
+            </a:extLst>
+          </a:blip>
+          <a:stretch>
+            <a:fillRect/>
+          </a:stretch>
+        </p:blipFill>
+        <p:spPr>
+          <a:xfrm>
+            <a:off x="7739148" y="182880"/>
+            <a:ext cx="1438101" cy="1431154"/>
+          </a:xfrm>
+          <a:prstGeom prst="rect">
+            <a:avLst/>
+          </a:prstGeom>
+        </p:spPr>
+      </p:pic>
+      <p:sp>
+        <p:nvSpPr>
+          <p:cNvPr id="9" name="ZoneTexte 8"/>
+          <p:cNvSpPr txBox="1"/>
+          <p:nvPr/>
+        </p:nvSpPr>
+        <p:spPr>
+          <a:xfrm>
+            <a:off x="1546167" y="1983067"/>
+            <a:ext cx="6716684" cy="584775"/>
+          </a:xfrm>
+          <a:prstGeom prst="rect">
+            <a:avLst/>
+          </a:prstGeom>
+          <a:noFill/>
+        </p:spPr>
+        <p:txBody>
+          <a:bodyPr wrap="square" rtlCol="0">
+            <a:spAutoFit/>
+          </a:bodyPr>
+          <a:lstStyle/>
+          <a:p>
+            <a:r>
+              <a:rPr lang="fr-FR" sz="1600" dirty="0" smtClean="0">
+                <a:solidFill>
+                  <a:schemeClr val="bg1">
+                    <a:lumMod val="65000"/>
+                  </a:schemeClr>
+                </a:solidFill>
+              </a:rPr>
+              <a:t>Mise en place de la base de données via un script </a:t>
+            </a:r>
+            <a:r>
+              <a:rPr lang="fr-FR" sz="1600" b="1" dirty="0" smtClean="0">
+                <a:solidFill>
+                  <a:schemeClr val="bg1">
+                    <a:lumMod val="65000"/>
+                  </a:schemeClr>
+                </a:solidFill>
+              </a:rPr>
+              <a:t>SQL</a:t>
+            </a:r>
+            <a:r>
+              <a:rPr lang="fr-FR" sz="1600" dirty="0" smtClean="0">
+                <a:solidFill>
+                  <a:schemeClr val="bg1">
+                    <a:lumMod val="65000"/>
+                  </a:schemeClr>
+                </a:solidFill>
+              </a:rPr>
+              <a:t> réaliser à partir du </a:t>
+            </a:r>
+            <a:r>
+              <a:rPr lang="fr-FR" sz="1600" b="1" dirty="0" smtClean="0">
+                <a:solidFill>
+                  <a:schemeClr val="bg1">
+                    <a:lumMod val="65000"/>
+                  </a:schemeClr>
+                </a:solidFill>
+              </a:rPr>
+              <a:t>MLD</a:t>
+            </a:r>
+          </a:p>
+        </p:txBody>
+      </p:sp>
+      <p:sp>
+        <p:nvSpPr>
+          <p:cNvPr id="10" name="ZoneTexte 9"/>
+          <p:cNvSpPr txBox="1"/>
+          <p:nvPr/>
+        </p:nvSpPr>
+        <p:spPr>
+          <a:xfrm>
+            <a:off x="1346662" y="1384551"/>
+            <a:ext cx="4463934" cy="1015663"/>
+          </a:xfrm>
+          <a:prstGeom prst="rect">
+            <a:avLst/>
+          </a:prstGeom>
+          <a:noFill/>
+        </p:spPr>
+        <p:txBody>
+          <a:bodyPr wrap="square" rtlCol="0">
+            <a:spAutoFit/>
+          </a:bodyPr>
+          <a:lstStyle/>
+          <a:p>
+            <a:pPr marL="285750" indent="-285750">
+              <a:buFont typeface="Wingdings" panose="05000000000000000000" pitchFamily="2" charset="2"/>
+              <a:buChar char="v"/>
+            </a:pPr>
+            <a:r>
+              <a:rPr lang="fr-FR" sz="2400" dirty="0" smtClean="0">
+                <a:solidFill>
+                  <a:schemeClr val="bg1">
+                    <a:lumMod val="65000"/>
+                  </a:schemeClr>
+                </a:solidFill>
+              </a:rPr>
+              <a:t>Base de données</a:t>
+            </a:r>
+          </a:p>
+          <a:p>
+            <a:endParaRPr lang="fr-FR" dirty="0">
+              <a:solidFill>
+                <a:schemeClr val="bg1">
+                  <a:lumMod val="65000"/>
+                </a:schemeClr>
+              </a:solidFill>
+            </a:endParaRPr>
+          </a:p>
+          <a:p>
+            <a:endParaRPr lang="fr-FR" dirty="0">
+              <a:solidFill>
+                <a:schemeClr val="bg1">
+                  <a:lumMod val="65000"/>
+                </a:schemeClr>
+              </a:solidFill>
+            </a:endParaRPr>
+          </a:p>
+        </p:txBody>
+      </p:sp>
+      <p:sp>
+        <p:nvSpPr>
+          <p:cNvPr id="11" name="ZoneTexte 10"/>
+          <p:cNvSpPr txBox="1"/>
+          <p:nvPr/>
+        </p:nvSpPr>
+        <p:spPr>
+          <a:xfrm>
+            <a:off x="1546167" y="3535391"/>
+            <a:ext cx="6716684" cy="1569660"/>
+          </a:xfrm>
+          <a:prstGeom prst="rect">
+            <a:avLst/>
+          </a:prstGeom>
+          <a:noFill/>
+        </p:spPr>
+        <p:txBody>
+          <a:bodyPr wrap="square" rtlCol="0">
+            <a:spAutoFit/>
+          </a:bodyPr>
+          <a:lstStyle/>
+          <a:p>
+            <a:r>
+              <a:rPr lang="fr-FR" sz="1600" dirty="0" smtClean="0">
+                <a:solidFill>
+                  <a:schemeClr val="bg1">
+                    <a:lumMod val="65000"/>
+                  </a:schemeClr>
+                </a:solidFill>
+              </a:rPr>
+              <a:t>Création d’entités et de </a:t>
+            </a:r>
+            <a:r>
+              <a:rPr lang="fr-FR" sz="1600" dirty="0" err="1" smtClean="0">
+                <a:solidFill>
+                  <a:schemeClr val="bg1">
+                    <a:lumMod val="65000"/>
+                  </a:schemeClr>
+                </a:solidFill>
+              </a:rPr>
+              <a:t>Repository</a:t>
+            </a:r>
+            <a:r>
+              <a:rPr lang="fr-FR" sz="1600" dirty="0" smtClean="0">
+                <a:solidFill>
+                  <a:schemeClr val="bg1">
+                    <a:lumMod val="65000"/>
+                  </a:schemeClr>
+                </a:solidFill>
+              </a:rPr>
+              <a:t> grâce au </a:t>
+            </a:r>
+            <a:r>
+              <a:rPr lang="fr-FR" sz="1600" dirty="0" err="1" smtClean="0">
+                <a:solidFill>
+                  <a:schemeClr val="bg1">
+                    <a:lumMod val="65000"/>
+                  </a:schemeClr>
+                </a:solidFill>
+              </a:rPr>
+              <a:t>framework</a:t>
+            </a:r>
+            <a:r>
+              <a:rPr lang="fr-FR" sz="1600" dirty="0" smtClean="0">
+                <a:solidFill>
+                  <a:schemeClr val="bg1">
+                    <a:lumMod val="65000"/>
+                  </a:schemeClr>
+                </a:solidFill>
+              </a:rPr>
+              <a:t> </a:t>
+            </a:r>
+            <a:r>
+              <a:rPr lang="fr-FR" sz="1600" b="1" dirty="0" err="1" smtClean="0">
+                <a:solidFill>
+                  <a:schemeClr val="bg1">
+                    <a:lumMod val="65000"/>
+                  </a:schemeClr>
+                </a:solidFill>
+              </a:rPr>
+              <a:t>Spring</a:t>
+            </a:r>
+            <a:endParaRPr lang="fr-FR" sz="1600" b="1" dirty="0" smtClean="0">
+              <a:solidFill>
+                <a:schemeClr val="bg1">
+                  <a:lumMod val="65000"/>
+                </a:schemeClr>
+              </a:solidFill>
+            </a:endParaRPr>
+          </a:p>
+          <a:p>
+            <a:endParaRPr lang="fr-FR" sz="1600" dirty="0">
+              <a:solidFill>
+                <a:schemeClr val="bg1">
+                  <a:lumMod val="65000"/>
+                </a:schemeClr>
+              </a:solidFill>
+            </a:endParaRPr>
+          </a:p>
+          <a:p>
+            <a:r>
+              <a:rPr lang="fr-FR" sz="1600" dirty="0" smtClean="0">
+                <a:solidFill>
+                  <a:schemeClr val="bg1">
+                    <a:lumMod val="65000"/>
+                  </a:schemeClr>
+                </a:solidFill>
+              </a:rPr>
+              <a:t>Utilisation des </a:t>
+            </a:r>
+            <a:r>
+              <a:rPr lang="fr-FR" sz="1600" b="1" dirty="0" err="1" smtClean="0">
+                <a:solidFill>
+                  <a:schemeClr val="bg1">
+                    <a:lumMod val="65000"/>
+                  </a:schemeClr>
+                </a:solidFill>
+              </a:rPr>
+              <a:t>Rest</a:t>
+            </a:r>
+            <a:r>
+              <a:rPr lang="fr-FR" sz="1600" dirty="0" smtClean="0">
+                <a:solidFill>
+                  <a:schemeClr val="bg1">
+                    <a:lumMod val="65000"/>
+                  </a:schemeClr>
+                </a:solidFill>
+              </a:rPr>
+              <a:t> </a:t>
+            </a:r>
+            <a:r>
+              <a:rPr lang="fr-FR" sz="1600" b="1" dirty="0" err="1" smtClean="0">
+                <a:solidFill>
+                  <a:schemeClr val="bg1">
+                    <a:lumMod val="65000"/>
+                  </a:schemeClr>
+                </a:solidFill>
+              </a:rPr>
+              <a:t>Controllers</a:t>
+            </a:r>
+            <a:r>
+              <a:rPr lang="fr-FR" sz="1600" dirty="0" smtClean="0">
+                <a:solidFill>
+                  <a:schemeClr val="bg1">
+                    <a:lumMod val="65000"/>
+                  </a:schemeClr>
+                </a:solidFill>
+              </a:rPr>
+              <a:t> pour appeler la base de données</a:t>
+            </a:r>
+          </a:p>
+          <a:p>
+            <a:endParaRPr lang="fr-FR" sz="1600" dirty="0">
+              <a:solidFill>
+                <a:schemeClr val="bg1">
+                  <a:lumMod val="65000"/>
+                </a:schemeClr>
+              </a:solidFill>
+            </a:endParaRPr>
+          </a:p>
+          <a:p>
+            <a:r>
+              <a:rPr lang="fr-FR" sz="1600" dirty="0" smtClean="0">
+                <a:solidFill>
+                  <a:schemeClr val="bg1">
+                    <a:lumMod val="65000"/>
+                  </a:schemeClr>
+                </a:solidFill>
+              </a:rPr>
+              <a:t>Mise en place de </a:t>
+            </a:r>
+            <a:r>
+              <a:rPr lang="fr-FR" sz="1600" b="1" dirty="0" smtClean="0">
+                <a:solidFill>
+                  <a:schemeClr val="bg1">
+                    <a:lumMod val="65000"/>
+                  </a:schemeClr>
+                </a:solidFill>
+              </a:rPr>
+              <a:t>DTO</a:t>
+            </a:r>
+            <a:r>
+              <a:rPr lang="fr-FR" sz="1600" dirty="0" smtClean="0">
+                <a:solidFill>
+                  <a:schemeClr val="bg1">
+                    <a:lumMod val="65000"/>
+                  </a:schemeClr>
+                </a:solidFill>
+              </a:rPr>
+              <a:t> pour éviter de manipuler les entités dans le Front</a:t>
+            </a:r>
+            <a:endParaRPr lang="fr-FR" sz="1600" dirty="0">
+              <a:solidFill>
+                <a:schemeClr val="bg1">
+                  <a:lumMod val="65000"/>
+                </a:schemeClr>
+              </a:solidFill>
+            </a:endParaRPr>
+          </a:p>
+        </p:txBody>
+      </p:sp>
+      <p:sp>
+        <p:nvSpPr>
+          <p:cNvPr id="12" name="ZoneTexte 11"/>
+          <p:cNvSpPr txBox="1"/>
+          <p:nvPr/>
+        </p:nvSpPr>
+        <p:spPr>
+          <a:xfrm>
+            <a:off x="1346662" y="2936875"/>
+            <a:ext cx="4463934" cy="1015663"/>
+          </a:xfrm>
+          <a:prstGeom prst="rect">
+            <a:avLst/>
+          </a:prstGeom>
+          <a:noFill/>
+        </p:spPr>
+        <p:txBody>
+          <a:bodyPr wrap="square" rtlCol="0">
+            <a:spAutoFit/>
+          </a:bodyPr>
+          <a:lstStyle/>
+          <a:p>
+            <a:pPr marL="285750" indent="-285750">
+              <a:buFont typeface="Wingdings" panose="05000000000000000000" pitchFamily="2" charset="2"/>
+              <a:buChar char="v"/>
+            </a:pPr>
+            <a:r>
+              <a:rPr lang="fr-FR" sz="2400" dirty="0" smtClean="0">
+                <a:solidFill>
+                  <a:schemeClr val="bg1">
+                    <a:lumMod val="65000"/>
+                  </a:schemeClr>
+                </a:solidFill>
+              </a:rPr>
+              <a:t>Entités / Contrôleurs</a:t>
+            </a:r>
+          </a:p>
+          <a:p>
+            <a:endParaRPr lang="fr-FR" dirty="0">
+              <a:solidFill>
+                <a:schemeClr val="bg1">
+                  <a:lumMod val="65000"/>
+                </a:schemeClr>
+              </a:solidFill>
+            </a:endParaRPr>
+          </a:p>
+          <a:p>
+            <a:endParaRPr lang="fr-FR" dirty="0">
+              <a:solidFill>
+                <a:schemeClr val="bg1">
+                  <a:lumMod val="65000"/>
+                </a:schemeClr>
+              </a:solidFill>
+            </a:endParaRPr>
+          </a:p>
+        </p:txBody>
+      </p:sp>
+    </p:spTree>
+    <p:extLst>
+      <p:ext uri="{BB962C8B-B14F-4D97-AF65-F5344CB8AC3E}">
+        <p14:creationId xmlns:p14="http://schemas.microsoft.com/office/powerpoint/2010/main" val="2426825249"/>
       </p:ext>
     </p:extLst>
   </p:cSld>
@@ -8965,7 +9239,7 @@
           <a:p>
             <a:r>
               <a:rPr lang="fr-FR" dirty="0" smtClean="0"/>
-              <a:t>Back-end</a:t>
+              <a:t>Front-end</a:t>
             </a:r>
             <a:endParaRPr lang="fr-FR" dirty="0"/>
           </a:p>
@@ -9010,7 +9284,7 @@
         <p:spPr>
           <a:xfrm>
             <a:off x="1546167" y="1983067"/>
-            <a:ext cx="6716684" cy="584775"/>
+            <a:ext cx="6716684" cy="830997"/>
           </a:xfrm>
           <a:prstGeom prst="rect">
             <a:avLst/>
@@ -9031,7 +9305,27 @@
                   </a:schemeClr>
                 </a:solidFill>
               </a:rPr>
-              <a:t>Mise en place de la base de données via un script </a:t>
+              <a:t>Utilisation de </a:t>
+            </a:r>
+            <a:r>
+              <a:rPr lang="fr-FR" sz="1600" b="1" dirty="0" err="1" smtClean="0">
+                <a:solidFill>
+                  <a:schemeClr val="bg1">
+                    <a:lumMod val="65000"/>
+                  </a:schemeClr>
+                </a:solidFill>
+              </a:rPr>
+              <a:t>Axios</a:t>
+            </a:r>
+            <a:r>
+              <a:rPr lang="fr-FR" sz="1600" dirty="0" smtClean="0">
+                <a:solidFill>
+                  <a:schemeClr val="bg1">
+                    <a:lumMod val="65000"/>
+                  </a:schemeClr>
+                </a:solidFill>
+              </a:rPr>
+              <a:t> pour envoyer les requêtes </a:t>
             </a:r>
             <a:r>
               <a:rPr lang="fr-FR" sz="1600" b="1" dirty="0" smtClean="0">
@@ -9041,7 +9335,7 @@
                   </a:schemeClr>
                 </a:solidFill>
               </a:rPr>
-              <a:t>SQL</a:t>
+              <a:t>JSON</a:t>
             </a:r>
             <a:r>
               <a:rPr lang="fr-FR" sz="1600" dirty="0" smtClean="0">
@@ -9051,7 +9345,38 @@
                   </a:schemeClr>
                 </a:solidFill>
               </a:rPr>
-              <a:t> réaliser à partir du </a:t>
+              <a:t> vers le Back</a:t>
+            </a:r>
+          </a:p>
+          <a:p>
+            <a:endParaRPr lang="fr-FR" sz="1600" dirty="0">
+              <a:solidFill>
+                <a:schemeClr val="bg1">
+                  <a:lumMod val="65000"/>
+                </a:schemeClr>
+              </a:solidFill>
+            </a:endParaRPr>
+          </a:p>
+          <a:p>
+            <a:r>
+              <a:rPr lang="fr-FR" sz="1600" dirty="0" err="1" smtClean="0">
+                <a:solidFill>
+                  <a:schemeClr val="bg1">
+                    <a:lumMod val="65000"/>
+                  </a:schemeClr>
+                </a:solidFill>
+              </a:rPr>
+              <a:t>Hashage</a:t>
+            </a:r>
+            <a:r>
+              <a:rPr lang="fr-FR" sz="1600" dirty="0" smtClean="0">
+                <a:solidFill>
+                  <a:schemeClr val="bg1">
+                    <a:lumMod val="65000"/>
+                  </a:schemeClr>
+                </a:solidFill>
+              </a:rPr>
+              <a:t> des mots de passe dans le Front avec </a:t>
             </a:r>
             <a:r>
               <a:rPr lang="fr-FR" sz="1600" b="1" dirty="0" smtClean="0">
@@ -9061,20 +9386,20 @@
                   </a:schemeClr>
                 </a:solidFill>
               </a:rPr>
-              <a:t>MLD</a:t>
-            </a:r>
-          </a:p>
-        </p:txBody>
-      </p:sp>
-      <p:sp>
-        <p:nvSpPr>
-          <p:cNvPr id="10" name="ZoneTexte 9"/>
+              <a:t>Js-Sha256</a:t>
+            </a:r>
+          </a:p>
+        </p:txBody>
+      </p:sp>
+      <p:sp>
+        <p:nvSpPr>
+          <p:cNvPr id="6" name="ZoneTexte 5"/>
           <p:cNvSpPr txBox="1"/>
           <p:nvPr/>
         </p:nvSpPr>
         <p:spPr>
           <a:xfrm>
-            <a:off x="1346662" y="1384551"/>
+            <a:off x="1346662" y="1398292"/>
             <a:ext cx="4463934" cy="1015663"/>
           </a:xfrm>
           <a:prstGeom prst="rect">
@@ -9100,8 +9425,25 @@
                   </a:schemeClr>
                 </a:solidFill>
               </a:rPr>
-              <a:t>Base de données</a:t>
-            </a:r>
+              <a:t>Dépendances </a:t>
+            </a:r>
+            <a:r>
+              <a:rPr lang="fr-FR" sz="2400" dirty="0" err="1" smtClean="0">
+                <a:solidFill>
+                  <a:schemeClr val="bg1">
+                    <a:lumMod val="65000"/>
+                  </a:schemeClr>
+                </a:solidFill>
+              </a:rPr>
+              <a:t>React</a:t>
+            </a:r>
+            <a:endParaRPr lang="fr-FR" sz="2400" dirty="0" smtClean="0">
+              <a:solidFill>
+                <a:schemeClr val="bg1">
+                  <a:lumMod val="65000"/>
+                </a:schemeClr>
+              </a:solidFill>
+            </a:endParaRPr>
           </a:p>
           <a:p>
             <a:endParaRPr lang="fr-FR" dirty="0">
@@ -9125,14 +9467,14 @@
       </p:sp>
       <p:sp>
         <p:nvSpPr>
-          <p:cNvPr id="11" name="ZoneTexte 10"/>
+          <p:cNvPr id="7" name="ZoneTexte 6"/>
           <p:cNvSpPr txBox="1"/>
           <p:nvPr/>
         </p:nvSpPr>
         <p:spPr>
           <a:xfrm>
-            <a:off x="1546167" y="3535391"/>
-            <a:ext cx="6716684" cy="1569660"/>
+            <a:off x="1546167" y="3690928"/>
+            <a:ext cx="6716684" cy="584775"/>
           </a:xfrm>
           <a:prstGeom prst="rect">
             <a:avLst/>
@@ -9145,6 +9487,25 @@
           </a:bodyPr>
           <a:lstStyle/>
           <a:p>
+            <a:endParaRPr lang="fr-FR" sz="1600" dirty="0">
+              <a:solidFill>
+                <a:schemeClr val="bg1">
+                  <a:lumMod val="65000"/>
+                </a:schemeClr>
+              </a:solidFill>
+            </a:endParaRPr>
+          </a:p>
+          <a:p>
+            <a:r>
+              <a:rPr lang="fr-FR" sz="1600" b="1" dirty="0" err="1" smtClean="0">
+                <a:solidFill>
+                  <a:schemeClr val="bg1">
+                    <a:lumMod val="65000"/>
+                  </a:schemeClr>
+                </a:solidFill>
+              </a:rPr>
+              <a:t>Bootstrap</a:t>
+            </a:r>
             <a:r>
               <a:rPr lang="fr-FR" sz="1600" dirty="0" smtClean="0">
                 <a:solidFill>
@@ -9153,17 +9514,17 @@
                   </a:schemeClr>
                 </a:solidFill>
               </a:rPr>
-              <a:t>Création d’entités et de </a:t>
-            </a:r>
-            <a:r>
-              <a:rPr lang="fr-FR" sz="1600" dirty="0" err="1" smtClean="0">
-                <a:solidFill>
-                  <a:schemeClr val="bg1">
-                    <a:lumMod val="65000"/>
-                  </a:schemeClr>
-                </a:solidFill>
-              </a:rPr>
-              <a:t>Repository</a:t>
+              <a:t> </a:t>
+            </a:r>
+            <a:r>
+              <a:rPr lang="fr-FR" sz="1600" b="1" dirty="0" smtClean="0">
+                <a:solidFill>
+                  <a:schemeClr val="bg1">
+                    <a:lumMod val="65000"/>
+                  </a:schemeClr>
+                </a:solidFill>
+              </a:rPr>
+              <a:t>5</a:t>
             </a:r>
             <a:r>
               <a:rPr lang="fr-FR" sz="1600" dirty="0" smtClean="0">
@@ -9173,18 +9534,97 @@
                   </a:schemeClr>
                 </a:solidFill>
               </a:rPr>
-              <a:t> grâce au </a:t>
-            </a:r>
-            <a:r>
-              <a:rPr lang="fr-FR" sz="1600" dirty="0" err="1" smtClean="0">
-                <a:solidFill>
-                  <a:schemeClr val="bg1">
-                    <a:lumMod val="65000"/>
-                  </a:schemeClr>
-                </a:solidFill>
-              </a:rPr>
-              <a:t>framework</a:t>
-            </a:r>
+              <a:t> pour l’aspect visuel du site</a:t>
+            </a:r>
+            <a:endParaRPr lang="fr-FR" sz="1600" dirty="0">
+              <a:solidFill>
+                <a:schemeClr val="bg1">
+                  <a:lumMod val="65000"/>
+                </a:schemeClr>
+              </a:solidFill>
+            </a:endParaRPr>
+          </a:p>
+        </p:txBody>
+      </p:sp>
+      <p:sp>
+        <p:nvSpPr>
+          <p:cNvPr id="8" name="ZoneTexte 7"/>
+          <p:cNvSpPr txBox="1"/>
+          <p:nvPr/>
+        </p:nvSpPr>
+        <p:spPr>
+          <a:xfrm>
+            <a:off x="1346662" y="3183097"/>
+            <a:ext cx="4463934" cy="1015663"/>
+          </a:xfrm>
+          <a:prstGeom prst="rect">
+            <a:avLst/>
+          </a:prstGeom>
+          <a:noFill/>
+        </p:spPr>
+        <p:txBody>
+          <a:bodyPr wrap="square" rtlCol="0">
+            <a:spAutoFit/>
+          </a:bodyPr>
+          <a:lstStyle/>
+          <a:p>
+            <a:pPr marL="285750" indent="-285750">
+              <a:buFont typeface="Wingdings" panose="05000000000000000000" pitchFamily="2" charset="2"/>
+              <a:buChar char="v"/>
+            </a:pPr>
+            <a:r>
+              <a:rPr lang="fr-FR" sz="2400" dirty="0" smtClean="0">
+                <a:solidFill>
+                  <a:schemeClr val="bg1">
+                    <a:lumMod val="65000"/>
+                  </a:schemeClr>
+                </a:solidFill>
+              </a:rPr>
+              <a:t>HTML/CSS</a:t>
+            </a:r>
+          </a:p>
+          <a:p>
+            <a:endParaRPr lang="fr-FR" dirty="0">
+              <a:solidFill>
+                <a:schemeClr val="bg1">
+                  <a:lumMod val="65000"/>
+                </a:schemeClr>
+              </a:solidFill>
+            </a:endParaRPr>
+          </a:p>
+          <a:p>
+            <a:endParaRPr lang="fr-FR" dirty="0">
+              <a:solidFill>
+                <a:schemeClr val="bg1">
+                  <a:lumMod val="65000"/>
+                </a:schemeClr>
+              </a:solidFill>
+            </a:endParaRPr>
+          </a:p>
+        </p:txBody>
+      </p:sp>
+      <p:sp>
+        <p:nvSpPr>
+          <p:cNvPr id="10" name="ZoneTexte 9"/>
+          <p:cNvSpPr txBox="1"/>
+          <p:nvPr/>
+        </p:nvSpPr>
+        <p:spPr>
+          <a:xfrm>
+            <a:off x="1546167" y="5166308"/>
+            <a:ext cx="6716684" cy="830997"/>
+          </a:xfrm>
+          <a:prstGeom prst="rect">
+            <a:avLst/>
+          </a:prstGeom>
+          <a:noFill/>
+        </p:spPr>
+        <p:txBody>
+          <a:bodyPr wrap="square" rtlCol="0">
+            <a:spAutoFit/>
+          </a:bodyPr>
+          <a:lstStyle/>
+          <a:p>
             <a:r>
               <a:rPr lang="fr-FR" sz="1600" dirty="0" smtClean="0">
                 <a:solidFill>
@@ -9193,7 +9633,7 @@
                   </a:schemeClr>
                 </a:solidFill>
               </a:rPr>
-              <a:t> </a:t>
+              <a:t>Session stockée dans le </a:t>
             </a:r>
             <a:r>
               <a:rPr lang="fr-FR" sz="1600" b="1" dirty="0" err="1" smtClean="0">
@@ -9203,7 +9643,7 @@
                   </a:schemeClr>
                 </a:solidFill>
               </a:rPr>
-              <a:t>Spring</a:t>
+              <a:t>localStorage</a:t>
             </a:r>
             <a:endParaRPr lang="fr-FR" sz="1600" b="1" dirty="0" smtClean="0">
               <a:solidFill>
@@ -9231,17 +9671,17 @@
                   </a:schemeClr>
                 </a:solidFill>
               </a:rPr>
-              <a:t>Utilisation des </a:t>
-            </a:r>
-            <a:r>
-              <a:rPr lang="fr-FR" sz="1600" b="1" dirty="0" err="1" smtClean="0">
-                <a:solidFill>
-                  <a:schemeClr val="bg1">
-                    <a:lumMod val="65000"/>
-                  </a:schemeClr>
-                </a:solidFill>
-              </a:rPr>
-              <a:t>Rest</a:t>
+              <a:t>Expiration de la session après </a:t>
+            </a:r>
+            <a:r>
+              <a:rPr lang="fr-FR" sz="1600" b="1" dirty="0" smtClean="0">
+                <a:solidFill>
+                  <a:schemeClr val="bg1">
+                    <a:lumMod val="65000"/>
+                  </a:schemeClr>
+                </a:solidFill>
+              </a:rPr>
+              <a:t>30min</a:t>
             </a:r>
             <a:r>
               <a:rPr lang="fr-FR" sz="1600" dirty="0" smtClean="0">
@@ -9251,88 +9691,20 @@
                   </a:schemeClr>
                 </a:solidFill>
               </a:rPr>
-              <a:t> </a:t>
-            </a:r>
-            <a:r>
-              <a:rPr lang="fr-FR" sz="1600" b="1" dirty="0" err="1" smtClean="0">
-                <a:solidFill>
-                  <a:schemeClr val="bg1">
-                    <a:lumMod val="65000"/>
-                  </a:schemeClr>
-                </a:solidFill>
-              </a:rPr>
-              <a:t>Controllers</a:t>
-            </a:r>
-            <a:r>
-              <a:rPr lang="fr-FR" sz="1600" dirty="0" smtClean="0">
-                <a:solidFill>
-                  <a:schemeClr val="bg1">
-                    <a:lumMod val="65000"/>
-                  </a:schemeClr>
-                </a:solidFill>
-              </a:rPr>
-              <a:t> pour appeler la base de données</a:t>
-            </a:r>
-          </a:p>
-          <a:p>
-            <a:endParaRPr lang="fr-FR" sz="1600" dirty="0">
-              <a:solidFill>
-                <a:schemeClr val="bg1">
-                  <a:lumMod val="65000"/>
-                </a:schemeClr>
-              </a:solidFill>
-            </a:endParaRPr>
-          </a:p>
-          <a:p>
-            <a:r>
-              <a:rPr lang="fr-FR" sz="1600" dirty="0" smtClean="0">
-                <a:solidFill>
-                  <a:schemeClr val="bg1">
-                    <a:lumMod val="65000"/>
-                  </a:schemeClr>
-                </a:solidFill>
-              </a:rPr>
-              <a:t>Mise en place de </a:t>
-            </a:r>
-            <a:r>
-              <a:rPr lang="fr-FR" sz="1600" b="1" dirty="0" smtClean="0">
-                <a:solidFill>
-                  <a:schemeClr val="bg1">
-                    <a:lumMod val="65000"/>
-                  </a:schemeClr>
-                </a:solidFill>
-              </a:rPr>
-              <a:t>DTO</a:t>
-            </a:r>
-            <a:r>
-              <a:rPr lang="fr-FR" sz="1600" dirty="0" smtClean="0">
-                <a:solidFill>
-                  <a:schemeClr val="bg1">
-                    <a:lumMod val="65000"/>
-                  </a:schemeClr>
-                </a:solidFill>
-              </a:rPr>
-              <a:t> pour éviter de manipuler les entités dans le Front</a:t>
-            </a:r>
-            <a:endParaRPr lang="fr-FR" sz="1600" dirty="0">
-              <a:solidFill>
-                <a:schemeClr val="bg1">
-                  <a:lumMod val="65000"/>
-                </a:schemeClr>
-              </a:solidFill>
-            </a:endParaRPr>
-          </a:p>
-        </p:txBody>
-      </p:sp>
-      <p:sp>
-        <p:nvSpPr>
-          <p:cNvPr id="12" name="ZoneTexte 11"/>
+              <a:t> d’inactivité</a:t>
+            </a:r>
+          </a:p>
+        </p:txBody>
+      </p:sp>
+      <p:sp>
+        <p:nvSpPr>
+          <p:cNvPr id="11" name="ZoneTexte 10"/>
           <p:cNvSpPr txBox="1"/>
           <p:nvPr/>
         </p:nvSpPr>
         <p:spPr>
           <a:xfrm>
-            <a:off x="1346662" y="2936875"/>
+            <a:off x="1346662" y="4567792"/>
             <a:ext cx="4463934" cy="1015663"/>
           </a:xfrm>
           <a:prstGeom prst="rect">
@@ -9358,7 +9730,7 @@
                   </a:schemeClr>
                 </a:solidFill>
               </a:rPr>
-              <a:t>Entités / Contrôleurs</a:t>
+              <a:t>Gestion des sessions</a:t>
             </a:r>
           </a:p>
           <a:p>
@@ -9384,7 +9756,7 @@
     </p:spTree>
     <p:extLst>
       <p:ext uri="{BB962C8B-B14F-4D97-AF65-F5344CB8AC3E}">
-        <p14:creationId xmlns:p14="http://schemas.microsoft.com/office/powerpoint/2010/main" val="2426825249"/>
+        <p14:creationId xmlns:p14="http://schemas.microsoft.com/office/powerpoint/2010/main" val="3933585696"/>
       </p:ext>
     </p:extLst>
   </p:cSld>
@@ -9423,8 +9795,8 @@
         </p:nvSpPr>
         <p:spPr>
           <a:xfrm>
-            <a:off x="609292" y="83127"/>
-            <a:ext cx="3630199" cy="1058254"/>
+            <a:off x="906086" y="-258478"/>
+            <a:ext cx="5868786" cy="1656770"/>
           </a:xfrm>
         </p:spPr>
         <p:txBody>
@@ -9432,10 +9804,17 @@
           <a:lstStyle/>
           <a:p>
             <a:r>
-              <a:rPr lang="fr-FR" dirty="0" smtClean="0"/>
-              <a:t>Front-end</a:t>
-            </a:r>
-            <a:endParaRPr lang="fr-FR" dirty="0"/>
+              <a:rPr lang="fr-FR" sz="4000" dirty="0" smtClean="0"/>
+              <a:t>Cheminement du front </a:t>
+            </a:r>
+            <a:br>
+              <a:rPr lang="fr-FR" sz="4000" dirty="0" smtClean="0"/>
+            </a:br>
+            <a:r>
+              <a:rPr lang="fr-FR" sz="4000" dirty="0" smtClean="0"/>
+              <a:t>au back-end</a:t>
+            </a:r>
+            <a:endParaRPr lang="fr-FR" sz="4000" dirty="0"/>
           </a:p>
         </p:txBody>
       </p:sp>
@@ -9471,14 +9850,14 @@
       </p:pic>
       <p:sp>
         <p:nvSpPr>
-          <p:cNvPr id="9" name="ZoneTexte 8"/>
+          <p:cNvPr id="12" name="ZoneTexte 11"/>
           <p:cNvSpPr txBox="1"/>
           <p:nvPr/>
         </p:nvSpPr>
         <p:spPr>
           <a:xfrm>
-            <a:off x="1546167" y="1983067"/>
-            <a:ext cx="6716684" cy="830997"/>
+            <a:off x="1014153" y="1514671"/>
+            <a:ext cx="4463934" cy="1015663"/>
           </a:xfrm>
           <a:prstGeom prst="rect">
             <a:avLst/>
@@ -9491,122 +9870,6 @@
           </a:bodyPr>
           <a:lstStyle/>
           <a:p>
-            <a:r>
-              <a:rPr lang="fr-FR" sz="1600" dirty="0" smtClean="0">
-                <a:solidFill>
-                  <a:schemeClr val="bg1">
-                    <a:lumMod val="65000"/>
-                  </a:schemeClr>
-                </a:solidFill>
-              </a:rPr>
-              <a:t>Utilisation de </a:t>
-            </a:r>
-            <a:r>
-              <a:rPr lang="fr-FR" sz="1600" b="1" dirty="0" err="1" smtClean="0">
-                <a:solidFill>
-                  <a:schemeClr val="bg1">
-                    <a:lumMod val="65000"/>
-                  </a:schemeClr>
-                </a:solidFill>
-              </a:rPr>
-              <a:t>Axios</a:t>
-            </a:r>
-            <a:r>
-              <a:rPr lang="fr-FR" sz="1600" dirty="0" smtClean="0">
-                <a:solidFill>
-                  <a:schemeClr val="bg1">
-                    <a:lumMod val="65000"/>
-                  </a:schemeClr>
-                </a:solidFill>
-              </a:rPr>
-              <a:t> pour envoyer les requêtes </a:t>
-            </a:r>
-            <a:r>
-              <a:rPr lang="fr-FR" sz="1600" b="1" dirty="0" smtClean="0">
-                <a:solidFill>
-                  <a:schemeClr val="bg1">
-                    <a:lumMod val="65000"/>
-                  </a:schemeClr>
-                </a:solidFill>
-              </a:rPr>
-              <a:t>JSON</a:t>
-            </a:r>
-            <a:r>
-              <a:rPr lang="fr-FR" sz="1600" dirty="0" smtClean="0">
-                <a:solidFill>
-                  <a:schemeClr val="bg1">
-                    <a:lumMod val="65000"/>
-                  </a:schemeClr>
-                </a:solidFill>
-              </a:rPr>
-              <a:t> vers le Back</a:t>
-            </a:r>
-          </a:p>
-          <a:p>
-            <a:endParaRPr lang="fr-FR" sz="1600" dirty="0">
-              <a:solidFill>
-                <a:schemeClr val="bg1">
-                  <a:lumMod val="65000"/>
-                </a:schemeClr>
-              </a:solidFill>
-            </a:endParaRPr>
-          </a:p>
-          <a:p>
-            <a:r>
-              <a:rPr lang="fr-FR" sz="1600" dirty="0" err="1" smtClean="0">
-                <a:solidFill>
-                  <a:schemeClr val="bg1">
-                    <a:lumMod val="65000"/>
-                  </a:schemeClr>
-                </a:solidFill>
-              </a:rPr>
-              <a:t>Hashage</a:t>
-            </a:r>
-            <a:r>
-              <a:rPr lang="fr-FR" sz="1600" dirty="0" smtClean="0">
-                <a:solidFill>
-                  <a:schemeClr val="bg1">
-                    <a:lumMod val="65000"/>
-                  </a:schemeClr>
-                </a:solidFill>
-              </a:rPr>
-              <a:t> des mots de passe dans le Front avec </a:t>
-            </a:r>
-            <a:r>
-              <a:rPr lang="fr-FR" sz="1600" b="1" dirty="0" smtClean="0">
-                <a:solidFill>
-                  <a:schemeClr val="bg1">
-                    <a:lumMod val="65000"/>
-                  </a:schemeClr>
-                </a:solidFill>
-              </a:rPr>
-              <a:t>Js-Sha256</a:t>
-            </a:r>
-          </a:p>
-        </p:txBody>
-      </p:sp>
-      <p:sp>
-        <p:nvSpPr>
-          <p:cNvPr id="6" name="ZoneTexte 5"/>
-          <p:cNvSpPr txBox="1"/>
-          <p:nvPr/>
-        </p:nvSpPr>
-        <p:spPr>
-          <a:xfrm>
-            <a:off x="1346662" y="1398292"/>
-            <a:ext cx="4463934" cy="1015663"/>
-          </a:xfrm>
-          <a:prstGeom prst="rect">
-            <a:avLst/>
-          </a:prstGeom>
-          <a:noFill/>
-        </p:spPr>
-        <p:txBody>
-          <a:bodyPr wrap="square" rtlCol="0">
-            <a:spAutoFit/>
-          </a:bodyPr>
-          <a:lstStyle/>
-          <a:p>
             <a:pPr marL="285750" indent="-285750">
               <a:buFont typeface="Wingdings" panose="05000000000000000000" pitchFamily="2" charset="2"/>
               <a:buChar char="v"/>
@@ -9619,25 +9882,8 @@
                   </a:schemeClr>
                 </a:solidFill>
               </a:rPr>
-              <a:t>Dépendances </a:t>
-            </a:r>
-            <a:r>
-              <a:rPr lang="fr-FR" sz="2400" dirty="0" err="1" smtClean="0">
-                <a:solidFill>
-                  <a:schemeClr val="bg1">
-                    <a:lumMod val="65000"/>
-                  </a:schemeClr>
-                </a:solidFill>
-              </a:rPr>
-              <a:t>React</a:t>
-            </a:r>
-            <a:endParaRPr lang="fr-FR" sz="2400" dirty="0" smtClean="0">
-              <a:solidFill>
-                <a:schemeClr val="bg1">
-                  <a:lumMod val="65000"/>
-                </a:schemeClr>
-              </a:solidFill>
-            </a:endParaRPr>
+              <a:t>Connexion de l’utilisateur</a:t>
+            </a:r>
           </a:p>
           <a:p>
             <a:endParaRPr lang="fr-FR" dirty="0">
@@ -9659,298 +9905,40 @@
           </a:p>
         </p:txBody>
       </p:sp>
-      <p:sp>
-        <p:nvSpPr>
-          <p:cNvPr id="7" name="ZoneTexte 6"/>
-          <p:cNvSpPr txBox="1"/>
+      <p:pic>
+        <p:nvPicPr>
+          <p:cNvPr id="3" name="Image 2"/>
+          <p:cNvPicPr>
+            <a:picLocks noChangeAspect="1"/>
+          </p:cNvPicPr>
           <p:nvPr/>
-        </p:nvSpPr>
+        </p:nvPicPr>
+        <p:blipFill>
+          <a:blip r:embed="rId3">
+            <a:extLst>
+              <a:ext uri="{28A0092B-C50C-407E-A947-70E740481C1C}">
+                <a14:useLocalDpi xmlns:a14="http://schemas.microsoft.com/office/drawing/2010/main" val="0"/>
+              </a:ext>
+            </a:extLst>
+          </a:blip>
+          <a:stretch>
+            <a:fillRect/>
+          </a:stretch>
+        </p:blipFill>
         <p:spPr>
           <a:xfrm>
-            <a:off x="1546167" y="3690928"/>
-            <a:ext cx="6716684" cy="584775"/>
+            <a:off x="792024" y="2012288"/>
+            <a:ext cx="7952965" cy="4043737"/>
           </a:xfrm>
           <a:prstGeom prst="rect">
             <a:avLst/>
           </a:prstGeom>
-          <a:noFill/>
         </p:spPr>
-        <p:txBody>
-          <a:bodyPr wrap="square" rtlCol="0">
-            <a:spAutoFit/>
-          </a:bodyPr>
-          <a:lstStyle/>
-          <a:p>
-            <a:endParaRPr lang="fr-FR" sz="1600" dirty="0">
-              <a:solidFill>
-                <a:schemeClr val="bg1">
-                  <a:lumMod val="65000"/>
-                </a:schemeClr>
-              </a:solidFill>
-            </a:endParaRPr>
-          </a:p>
-          <a:p>
-            <a:r>
-              <a:rPr lang="fr-FR" sz="1600" b="1" dirty="0" err="1" smtClean="0">
-                <a:solidFill>
-                  <a:schemeClr val="bg1">
-                    <a:lumMod val="65000"/>
-                  </a:schemeClr>
-                </a:solidFill>
-              </a:rPr>
-              <a:t>Bootstrap</a:t>
-            </a:r>
-            <a:r>
-              <a:rPr lang="fr-FR" sz="1600" dirty="0" smtClean="0">
-                <a:solidFill>
-                  <a:schemeClr val="bg1">
-                    <a:lumMod val="65000"/>
-                  </a:schemeClr>
-                </a:solidFill>
-              </a:rPr>
-              <a:t> </a:t>
-            </a:r>
-            <a:r>
-              <a:rPr lang="fr-FR" sz="1600" b="1" dirty="0" smtClean="0">
-                <a:solidFill>
-                  <a:schemeClr val="bg1">
-                    <a:lumMod val="65000"/>
-                  </a:schemeClr>
-                </a:solidFill>
-              </a:rPr>
-              <a:t>5</a:t>
-            </a:r>
-            <a:r>
-              <a:rPr lang="fr-FR" sz="1600" dirty="0" smtClean="0">
-                <a:solidFill>
-                  <a:schemeClr val="bg1">
-                    <a:lumMod val="65000"/>
-                  </a:schemeClr>
-                </a:solidFill>
-              </a:rPr>
-              <a:t> pour l’aspect visuel du site</a:t>
-            </a:r>
-            <a:endParaRPr lang="fr-FR" sz="1600" dirty="0">
-              <a:solidFill>
-                <a:schemeClr val="bg1">
-                  <a:lumMod val="65000"/>
-                </a:schemeClr>
-              </a:solidFill>
-            </a:endParaRPr>
-          </a:p>
-        </p:txBody>
-      </p:sp>
-      <p:sp>
-        <p:nvSpPr>
-          <p:cNvPr id="8" name="ZoneTexte 7"/>
-          <p:cNvSpPr txBox="1"/>
-          <p:nvPr/>
-        </p:nvSpPr>
-        <p:spPr>
-          <a:xfrm>
-            <a:off x="1346662" y="3183097"/>
-            <a:ext cx="4463934" cy="1015663"/>
-          </a:xfrm>
-          <a:prstGeom prst="rect">
-            <a:avLst/>
-          </a:prstGeom>
-          <a:noFill/>
-        </p:spPr>
-        <p:txBody>
-          <a:bodyPr wrap="square" rtlCol="0">
-            <a:spAutoFit/>
-          </a:bodyPr>
-          <a:lstStyle/>
-          <a:p>
-            <a:pPr marL="285750" indent="-285750">
-              <a:buFont typeface="Wingdings" panose="05000000000000000000" pitchFamily="2" charset="2"/>
-              <a:buChar char="v"/>
-            </a:pPr>
-            <a:r>
-              <a:rPr lang="fr-FR" sz="2400" dirty="0" smtClean="0">
-                <a:solidFill>
-                  <a:schemeClr val="bg1">
-                    <a:lumMod val="65000"/>
-                  </a:schemeClr>
-                </a:solidFill>
-              </a:rPr>
-              <a:t>HTML/CSS</a:t>
-            </a:r>
-          </a:p>
-          <a:p>
-            <a:endParaRPr lang="fr-FR" dirty="0">
-              <a:solidFill>
-                <a:schemeClr val="bg1">
-                  <a:lumMod val="65000"/>
-                </a:schemeClr>
-              </a:solidFill>
-            </a:endParaRPr>
-          </a:p>
-          <a:p>
-            <a:endParaRPr lang="fr-FR" dirty="0">
-              <a:solidFill>
-                <a:schemeClr val="bg1">
-                  <a:lumMod val="65000"/>
-                </a:schemeClr>
-              </a:solidFill>
-            </a:endParaRPr>
-          </a:p>
-        </p:txBody>
-      </p:sp>
-      <p:sp>
-        <p:nvSpPr>
-          <p:cNvPr id="10" name="ZoneTexte 9"/>
-          <p:cNvSpPr txBox="1"/>
-          <p:nvPr/>
-        </p:nvSpPr>
-        <p:spPr>
-          <a:xfrm>
-            <a:off x="1546167" y="5166308"/>
-            <a:ext cx="6716684" cy="830997"/>
-          </a:xfrm>
-          <a:prstGeom prst="rect">
-            <a:avLst/>
-          </a:prstGeom>
-          <a:noFill/>
-        </p:spPr>
-        <p:txBody>
-          <a:bodyPr wrap="square" rtlCol="0">
-            <a:spAutoFit/>
-          </a:bodyPr>
-          <a:lstStyle/>
-          <a:p>
-            <a:r>
-              <a:rPr lang="fr-FR" sz="1600" dirty="0" smtClean="0">
-                <a:solidFill>
-                  <a:schemeClr val="bg1">
-                    <a:lumMod val="65000"/>
-                  </a:schemeClr>
-                </a:solidFill>
-              </a:rPr>
-              <a:t>Session stockée dans le </a:t>
-            </a:r>
-            <a:r>
-              <a:rPr lang="fr-FR" sz="1600" b="1" dirty="0" err="1" smtClean="0">
-                <a:solidFill>
-                  <a:schemeClr val="bg1">
-                    <a:lumMod val="65000"/>
-                  </a:schemeClr>
-                </a:solidFill>
-              </a:rPr>
-              <a:t>localStorage</a:t>
-            </a:r>
-            <a:endParaRPr lang="fr-FR" sz="1600" b="1" dirty="0" smtClean="0">
-              <a:solidFill>
-                <a:schemeClr val="bg1">
-                  <a:lumMod val="65000"/>
-                </a:schemeClr>
-              </a:solidFill>
-            </a:endParaRPr>
-          </a:p>
-          <a:p>
-            <a:endParaRPr lang="fr-FR" sz="1600" dirty="0">
-              <a:solidFill>
-                <a:schemeClr val="bg1">
-                  <a:lumMod val="65000"/>
-                </a:schemeClr>
-              </a:solidFill>
-            </a:endParaRPr>
-          </a:p>
-          <a:p>
-            <a:r>
-              <a:rPr lang="fr-FR" sz="1600" dirty="0" smtClean="0">
-                <a:solidFill>
-                  <a:schemeClr val="bg1">
-                    <a:lumMod val="65000"/>
-                  </a:schemeClr>
-                </a:solidFill>
-              </a:rPr>
-              <a:t>Expiration de la session après </a:t>
-            </a:r>
-            <a:r>
-              <a:rPr lang="fr-FR" sz="1600" b="1" dirty="0" smtClean="0">
-                <a:solidFill>
-                  <a:schemeClr val="bg1">
-                    <a:lumMod val="65000"/>
-                  </a:schemeClr>
-                </a:solidFill>
-              </a:rPr>
-              <a:t>30min</a:t>
-            </a:r>
-            <a:r>
-              <a:rPr lang="fr-FR" sz="1600" dirty="0" smtClean="0">
-                <a:solidFill>
-                  <a:schemeClr val="bg1">
-                    <a:lumMod val="65000"/>
-                  </a:schemeClr>
-                </a:solidFill>
-              </a:rPr>
-              <a:t> d’inactivité</a:t>
-            </a:r>
-          </a:p>
-        </p:txBody>
-      </p:sp>
-      <p:sp>
-        <p:nvSpPr>
-          <p:cNvPr id="11" name="ZoneTexte 10"/>
-          <p:cNvSpPr txBox="1"/>
-          <p:nvPr/>
-        </p:nvSpPr>
-        <p:spPr>
-          <a:xfrm>
-            <a:off x="1346662" y="4567792"/>
-            <a:ext cx="4463934" cy="1015663"/>
-          </a:xfrm>
-          <a:prstGeom prst="rect">
-            <a:avLst/>
-          </a:prstGeom>
-          <a:noFill/>
-        </p:spPr>
-        <p:txBody>
-          <a:bodyPr wrap="square" rtlCol="0">
-            <a:spAutoFit/>
-          </a:bodyPr>
-          <a:lstStyle/>
-          <a:p>
-            <a:pPr marL="285750" indent="-285750">
-              <a:buFont typeface="Wingdings" panose="05000000000000000000" pitchFamily="2" charset="2"/>
-              <a:buChar char="v"/>
-            </a:pPr>
-            <a:r>
-              <a:rPr lang="fr-FR" sz="2400" dirty="0" smtClean="0">
-                <a:solidFill>
-                  <a:schemeClr val="bg1">
-                    <a:lumMod val="65000"/>
-                  </a:schemeClr>
-                </a:solidFill>
-              </a:rPr>
-              <a:t>Gestion des sessions</a:t>
-            </a:r>
-          </a:p>
-          <a:p>
-            <a:endParaRPr lang="fr-FR" dirty="0">
-              <a:solidFill>
-                <a:schemeClr val="bg1">
-                  <a:lumMod val="65000"/>
-                </a:schemeClr>
-              </a:solidFill>
-            </a:endParaRPr>
-          </a:p>
-          <a:p>
-            <a:endParaRPr lang="fr-FR" dirty="0">
-              <a:solidFill>
-                <a:schemeClr val="bg1">
-                  <a:lumMod val="65000"/>
-                </a:schemeClr>
-              </a:solidFill>
-            </a:endParaRPr>
-          </a:p>
-        </p:txBody>
-      </p:sp>
+      </p:pic>
     </p:spTree>
     <p:extLst>
       <p:ext uri="{BB962C8B-B14F-4D97-AF65-F5344CB8AC3E}">
-        <p14:creationId xmlns:p14="http://schemas.microsoft.com/office/powerpoint/2010/main" val="3933585696"/>
+        <p14:creationId xmlns:p14="http://schemas.microsoft.com/office/powerpoint/2010/main" val="2931377543"/>
       </p:ext>
     </p:extLst>
   </p:cSld>
@@ -9989,8 +9977,8 @@
         </p:nvSpPr>
         <p:spPr>
           <a:xfrm>
-            <a:off x="906086" y="-258478"/>
-            <a:ext cx="5868786" cy="1656770"/>
+            <a:off x="515389" y="-258478"/>
+            <a:ext cx="5769034" cy="1656770"/>
           </a:xfrm>
         </p:spPr>
         <p:txBody>
@@ -10051,7 +10039,7 @@
         <p:spPr>
           <a:xfrm>
             <a:off x="1014153" y="1514671"/>
-            <a:ext cx="4463934" cy="1015663"/>
+            <a:ext cx="8096596" cy="1384995"/>
           </a:xfrm>
           <a:prstGeom prst="rect">
             <a:avLst/>
@@ -10076,7 +10064,7 @@
                   </a:schemeClr>
                 </a:solidFill>
               </a:rPr>
-              <a:t>Connexion de l’utilisateur</a:t>
+              <a:t>Méthode qui réalise envoie la requête vers la base de données et le State</a:t>
             </a:r>
           </a:p>
           <a:p>
@@ -10101,7 +10089,7 @@
       </p:sp>
       <p:pic>
         <p:nvPicPr>
-          <p:cNvPr id="3" name="Image 2"/>
+          <p:cNvPr id="4" name="Image 3"/>
           <p:cNvPicPr>
             <a:picLocks noChangeAspect="1"/>
           </p:cNvPicPr>
@@ -10121,8 +10109,38 @@
         </p:blipFill>
         <p:spPr>
           <a:xfrm>
-            <a:off x="792024" y="2012288"/>
-            <a:ext cx="7952965" cy="4043737"/>
+            <a:off x="4141067" y="2654849"/>
+            <a:ext cx="4525006" cy="3153215"/>
+          </a:xfrm>
+          <a:prstGeom prst="rect">
+            <a:avLst/>
+          </a:prstGeom>
+        </p:spPr>
+      </p:pic>
+      <p:pic>
+        <p:nvPicPr>
+          <p:cNvPr id="6" name="Image 5"/>
+          <p:cNvPicPr>
+            <a:picLocks noChangeAspect="1"/>
+          </p:cNvPicPr>
+          <p:nvPr/>
+        </p:nvPicPr>
+        <p:blipFill>
+          <a:blip r:embed="rId4">
+            <a:extLst>
+              <a:ext uri="{28A0092B-C50C-407E-A947-70E740481C1C}">
+                <a14:useLocalDpi xmlns:a14="http://schemas.microsoft.com/office/drawing/2010/main" val="0"/>
+              </a:ext>
+            </a:extLst>
+          </a:blip>
+          <a:stretch>
+            <a:fillRect/>
+          </a:stretch>
+        </p:blipFill>
+        <p:spPr>
+          <a:xfrm>
+            <a:off x="1397785" y="2654849"/>
+            <a:ext cx="1981477" cy="1267002"/>
           </a:xfrm>
           <a:prstGeom prst="rect">
             <a:avLst/>
@@ -10132,7 +10150,7 @@
     </p:spTree>
     <p:extLst>
       <p:ext uri="{BB962C8B-B14F-4D97-AF65-F5344CB8AC3E}">
-        <p14:creationId xmlns:p14="http://schemas.microsoft.com/office/powerpoint/2010/main" val="2931377543"/>
+        <p14:creationId xmlns:p14="http://schemas.microsoft.com/office/powerpoint/2010/main" val="1054908013"/>
       </p:ext>
     </p:extLst>
   </p:cSld>
@@ -10232,8 +10250,8 @@
         </p:nvSpPr>
         <p:spPr>
           <a:xfrm>
-            <a:off x="1014153" y="1514671"/>
-            <a:ext cx="8096596" cy="1384995"/>
+            <a:off x="1014153" y="1639360"/>
+            <a:ext cx="8096596" cy="1015663"/>
           </a:xfrm>
           <a:prstGeom prst="rect">
             <a:avLst/>
@@ -10258,7 +10276,336 @@
                   </a:schemeClr>
                 </a:solidFill>
               </a:rPr>
-              <a:t>Méthode qui réalise envoie la requête vers la base de données et le State</a:t>
+              <a:t>Méthode appelé par la requête (</a:t>
+            </a:r>
+            <a:r>
+              <a:rPr lang="fr-FR" sz="2400" dirty="0" err="1" smtClean="0">
+                <a:solidFill>
+                  <a:schemeClr val="bg1">
+                    <a:lumMod val="65000"/>
+                  </a:schemeClr>
+                </a:solidFill>
+              </a:rPr>
+              <a:t>UtilisateurController</a:t>
+            </a:r>
+            <a:r>
+              <a:rPr lang="fr-FR" sz="2400" dirty="0" smtClean="0">
+                <a:solidFill>
+                  <a:schemeClr val="bg1">
+                    <a:lumMod val="65000"/>
+                  </a:schemeClr>
+                </a:solidFill>
+              </a:rPr>
+              <a:t>)</a:t>
+            </a:r>
+          </a:p>
+          <a:p>
+            <a:endParaRPr lang="fr-FR" dirty="0">
+              <a:solidFill>
+                <a:schemeClr val="bg1">
+                  <a:lumMod val="65000"/>
+                </a:schemeClr>
+              </a:solidFill>
+            </a:endParaRPr>
+          </a:p>
+          <a:p>
+            <a:endParaRPr lang="fr-FR" dirty="0">
+              <a:solidFill>
+                <a:schemeClr val="bg1">
+                  <a:lumMod val="65000"/>
+                </a:schemeClr>
+              </a:solidFill>
+            </a:endParaRPr>
+          </a:p>
+        </p:txBody>
+      </p:sp>
+      <p:pic>
+        <p:nvPicPr>
+          <p:cNvPr id="3" name="Image 2"/>
+          <p:cNvPicPr>
+            <a:picLocks noChangeAspect="1"/>
+          </p:cNvPicPr>
+          <p:nvPr/>
+        </p:nvPicPr>
+        <p:blipFill>
+          <a:blip r:embed="rId3">
+            <a:extLst>
+              <a:ext uri="{28A0092B-C50C-407E-A947-70E740481C1C}">
+                <a14:useLocalDpi xmlns:a14="http://schemas.microsoft.com/office/drawing/2010/main" val="0"/>
+              </a:ext>
+            </a:extLst>
+          </a:blip>
+          <a:stretch>
+            <a:fillRect/>
+          </a:stretch>
+        </p:blipFill>
+        <p:spPr>
+          <a:xfrm>
+            <a:off x="947653" y="2189511"/>
+            <a:ext cx="7954485" cy="2191056"/>
+          </a:xfrm>
+          <a:prstGeom prst="rect">
+            <a:avLst/>
+          </a:prstGeom>
+        </p:spPr>
+      </p:pic>
+      <p:pic>
+        <p:nvPicPr>
+          <p:cNvPr id="7" name="Image 6"/>
+          <p:cNvPicPr>
+            <a:picLocks noChangeAspect="1"/>
+          </p:cNvPicPr>
+          <p:nvPr/>
+        </p:nvPicPr>
+        <p:blipFill>
+          <a:blip r:embed="rId4">
+            <a:extLst>
+              <a:ext uri="{28A0092B-C50C-407E-A947-70E740481C1C}">
+                <a14:useLocalDpi xmlns:a14="http://schemas.microsoft.com/office/drawing/2010/main" val="0"/>
+              </a:ext>
+            </a:extLst>
+          </a:blip>
+          <a:stretch>
+            <a:fillRect/>
+          </a:stretch>
+        </p:blipFill>
+        <p:spPr>
+          <a:xfrm>
+            <a:off x="1014153" y="5356365"/>
+            <a:ext cx="8821381" cy="866896"/>
+          </a:xfrm>
+          <a:prstGeom prst="rect">
+            <a:avLst/>
+          </a:prstGeom>
+        </p:spPr>
+      </p:pic>
+      <p:sp>
+        <p:nvSpPr>
+          <p:cNvPr id="9" name="ZoneTexte 8"/>
+          <p:cNvSpPr txBox="1"/>
+          <p:nvPr/>
+        </p:nvSpPr>
+        <p:spPr>
+          <a:xfrm>
+            <a:off x="1014153" y="4664898"/>
+            <a:ext cx="8096596" cy="1015663"/>
+          </a:xfrm>
+          <a:prstGeom prst="rect">
+            <a:avLst/>
+          </a:prstGeom>
+          <a:noFill/>
+        </p:spPr>
+        <p:txBody>
+          <a:bodyPr wrap="square" rtlCol="0">
+            <a:spAutoFit/>
+          </a:bodyPr>
+          <a:lstStyle/>
+          <a:p>
+            <a:pPr marL="285750" indent="-285750">
+              <a:buFont typeface="Wingdings" panose="05000000000000000000" pitchFamily="2" charset="2"/>
+              <a:buChar char="v"/>
+            </a:pPr>
+            <a:r>
+              <a:rPr lang="fr-FR" sz="2400" dirty="0" smtClean="0">
+                <a:solidFill>
+                  <a:schemeClr val="bg1">
+                    <a:lumMod val="65000"/>
+                  </a:schemeClr>
+                </a:solidFill>
+              </a:rPr>
+              <a:t>Méthode appelé par le contrôleur (</a:t>
+            </a:r>
+            <a:r>
+              <a:rPr lang="fr-FR" sz="2400" dirty="0" err="1" smtClean="0">
+                <a:solidFill>
+                  <a:schemeClr val="bg1">
+                    <a:lumMod val="65000"/>
+                  </a:schemeClr>
+                </a:solidFill>
+              </a:rPr>
+              <a:t>UtilisateurService</a:t>
+            </a:r>
+            <a:r>
+              <a:rPr lang="fr-FR" sz="2400" dirty="0" smtClean="0">
+                <a:solidFill>
+                  <a:schemeClr val="bg1">
+                    <a:lumMod val="65000"/>
+                  </a:schemeClr>
+                </a:solidFill>
+              </a:rPr>
+              <a:t>)</a:t>
+            </a:r>
+          </a:p>
+          <a:p>
+            <a:endParaRPr lang="fr-FR" dirty="0">
+              <a:solidFill>
+                <a:schemeClr val="bg1">
+                  <a:lumMod val="65000"/>
+                </a:schemeClr>
+              </a:solidFill>
+            </a:endParaRPr>
+          </a:p>
+          <a:p>
+            <a:endParaRPr lang="fr-FR" dirty="0">
+              <a:solidFill>
+                <a:schemeClr val="bg1">
+                  <a:lumMod val="65000"/>
+                </a:schemeClr>
+              </a:solidFill>
+            </a:endParaRPr>
+          </a:p>
+        </p:txBody>
+      </p:sp>
+    </p:spTree>
+    <p:extLst>
+      <p:ext uri="{BB962C8B-B14F-4D97-AF65-F5344CB8AC3E}">
+        <p14:creationId xmlns:p14="http://schemas.microsoft.com/office/powerpoint/2010/main" val="2222055326"/>
+      </p:ext>
+    </p:extLst>
+  </p:cSld>
+  <p:clrMapOvr>
+    <a:masterClrMapping/>
+  </p:clrMapOvr>
+</p:sld>
+</file>
+
+<file path=ppt/slides/slide19.xml><?xml version="1.0" encoding="utf-8"?>
+<p:sld xmlns:a="http://schemas.openxmlformats.org/drawingml/2006/main" xmlns:r="http://schemas.openxmlformats.org/officeDocument/2006/relationships" xmlns:p="http://schemas.openxmlformats.org/presentationml/2006/main">
+  <p:cSld>
+    <p:spTree>
+      <p:nvGrpSpPr>
+        <p:cNvPr id="1" name=""/>
+        <p:cNvGrpSpPr/>
+        <p:nvPr/>
+      </p:nvGrpSpPr>
+      <p:grpSpPr>
+        <a:xfrm>
+          <a:off x="0" y="0"/>
+          <a:ext cx="0" cy="0"/>
+          <a:chOff x="0" y="0"/>
+          <a:chExt cx="0" cy="0"/>
+        </a:xfrm>
+      </p:grpSpPr>
+      <p:sp>
+        <p:nvSpPr>
+          <p:cNvPr id="2" name="Titre 1"/>
+          <p:cNvSpPr>
+            <a:spLocks noGrp="1"/>
+          </p:cNvSpPr>
+          <p:nvPr>
+            <p:ph type="ctrTitle"/>
+          </p:nvPr>
+        </p:nvSpPr>
+        <p:spPr>
+          <a:xfrm>
+            <a:off x="515389" y="-258478"/>
+            <a:ext cx="5769034" cy="1656770"/>
+          </a:xfrm>
+        </p:spPr>
+        <p:txBody>
+          <a:bodyPr/>
+          <a:lstStyle/>
+          <a:p>
+            <a:r>
+              <a:rPr lang="fr-FR" sz="4000" dirty="0" smtClean="0"/>
+              <a:t>Cheminement du front </a:t>
+            </a:r>
+            <a:br>
+              <a:rPr lang="fr-FR" sz="4000" dirty="0" smtClean="0"/>
+            </a:br>
+            <a:r>
+              <a:rPr lang="fr-FR" sz="4000" dirty="0" smtClean="0"/>
+              <a:t>au back-end</a:t>
+            </a:r>
+            <a:endParaRPr lang="fr-FR" sz="4000" dirty="0"/>
+          </a:p>
+        </p:txBody>
+      </p:sp>
+      <p:pic>
+        <p:nvPicPr>
+          <p:cNvPr id="5" name="Image 4"/>
+          <p:cNvPicPr>
+            <a:picLocks noChangeAspect="1"/>
+          </p:cNvPicPr>
+          <p:nvPr/>
+        </p:nvPicPr>
+        <p:blipFill>
+          <a:blip r:embed="rId2">
+            <a:extLst>
+              <a:ext uri="{28A0092B-C50C-407E-A947-70E740481C1C}">
+                <a14:useLocalDpi xmlns:a14="http://schemas.microsoft.com/office/drawing/2010/main" val="0"/>
+              </a:ext>
+            </a:extLst>
+          </a:blip>
+          <a:stretch>
+            <a:fillRect/>
+          </a:stretch>
+        </p:blipFill>
+        <p:spPr>
+          <a:xfrm>
+            <a:off x="7739148" y="182880"/>
+            <a:ext cx="1438101" cy="1431154"/>
+          </a:xfrm>
+          <a:prstGeom prst="rect">
+            <a:avLst/>
+          </a:prstGeom>
+        </p:spPr>
+      </p:pic>
+      <p:sp>
+        <p:nvSpPr>
+          <p:cNvPr id="12" name="ZoneTexte 11"/>
+          <p:cNvSpPr txBox="1"/>
+          <p:nvPr/>
+        </p:nvSpPr>
+        <p:spPr>
+          <a:xfrm>
+            <a:off x="1014153" y="1930307"/>
+            <a:ext cx="9468196" cy="1015663"/>
+          </a:xfrm>
+          <a:prstGeom prst="rect">
+            <a:avLst/>
+          </a:prstGeom>
+          <a:noFill/>
+        </p:spPr>
+        <p:txBody>
+          <a:bodyPr wrap="square" rtlCol="0">
+            <a:spAutoFit/>
+          </a:bodyPr>
+          <a:lstStyle/>
+          <a:p>
+            <a:pPr marL="285750" indent="-285750">
+              <a:buFont typeface="Wingdings" panose="05000000000000000000" pitchFamily="2" charset="2"/>
+              <a:buChar char="v"/>
+            </a:pPr>
+            <a:r>
+              <a:rPr lang="fr-FR" sz="2400" dirty="0" smtClean="0">
+                <a:solidFill>
+                  <a:schemeClr val="bg1">
+                    <a:lumMod val="65000"/>
+                  </a:schemeClr>
+                </a:solidFill>
+              </a:rPr>
+              <a:t>Conversion de l’entité en DTO (</a:t>
+            </a:r>
+            <a:r>
+              <a:rPr lang="fr-FR" sz="2400" dirty="0" err="1" smtClean="0">
+                <a:solidFill>
+                  <a:schemeClr val="bg1">
+                    <a:lumMod val="65000"/>
+                  </a:schemeClr>
+                </a:solidFill>
+              </a:rPr>
+              <a:t>UtilisateurConverter</a:t>
+            </a:r>
+            <a:r>
+              <a:rPr lang="fr-FR" sz="2400" dirty="0" smtClean="0">
+                <a:solidFill>
+                  <a:schemeClr val="bg1">
+                    <a:lumMod val="65000"/>
+                  </a:schemeClr>
+                </a:solidFill>
+              </a:rPr>
+              <a:t>)</a:t>
             </a:r>
           </a:p>
           <a:p>
@@ -10303,8 +10650,8 @@
         </p:blipFill>
         <p:spPr>
           <a:xfrm>
-            <a:off x="4141067" y="2654849"/>
-            <a:ext cx="4525006" cy="3153215"/>
+            <a:off x="1661350" y="2559849"/>
+            <a:ext cx="6077798" cy="1171739"/>
           </a:xfrm>
           <a:prstGeom prst="rect">
             <a:avLst/>
@@ -10333,119 +10680,24 @@
         </p:blipFill>
         <p:spPr>
           <a:xfrm>
-            <a:off x="1397785" y="2654849"/>
-            <a:ext cx="1981477" cy="1267002"/>
+            <a:off x="1248578" y="4774735"/>
+            <a:ext cx="8326012" cy="638264"/>
           </a:xfrm>
           <a:prstGeom prst="rect">
             <a:avLst/>
           </a:prstGeom>
         </p:spPr>
       </p:pic>
-    </p:spTree>
-    <p:extLst>
-      <p:ext uri="{BB962C8B-B14F-4D97-AF65-F5344CB8AC3E}">
-        <p14:creationId xmlns:p14="http://schemas.microsoft.com/office/powerpoint/2010/main" val="1054908013"/>
-      </p:ext>
-    </p:extLst>
-  </p:cSld>
-  <p:clrMapOvr>
-    <a:masterClrMapping/>
-  </p:clrMapOvr>
-</p:sld>
-</file>
-
-<file path=ppt/slides/slide19.xml><?xml version="1.0" encoding="utf-8"?>
-<p:sld xmlns:a="http://schemas.openxmlformats.org/drawingml/2006/main" xmlns:r="http://schemas.openxmlformats.org/officeDocument/2006/relationships" xmlns:p="http://schemas.openxmlformats.org/presentationml/2006/main">
-  <p:cSld>
-    <p:spTree>
-      <p:nvGrpSpPr>
-        <p:cNvPr id="1" name=""/>
-        <p:cNvGrpSpPr/>
-        <p:nvPr/>
-      </p:nvGrpSpPr>
-      <p:grpSpPr>
-        <a:xfrm>
-          <a:off x="0" y="0"/>
-          <a:ext cx="0" cy="0"/>
-          <a:chOff x="0" y="0"/>
-          <a:chExt cx="0" cy="0"/>
-        </a:xfrm>
-      </p:grpSpPr>
-      <p:sp>
-        <p:nvSpPr>
-          <p:cNvPr id="2" name="Titre 1"/>
-          <p:cNvSpPr>
-            <a:spLocks noGrp="1"/>
-          </p:cNvSpPr>
-          <p:nvPr>
-            <p:ph type="ctrTitle"/>
-          </p:nvPr>
-        </p:nvSpPr>
-        <p:spPr>
-          <a:xfrm>
-            <a:off x="515389" y="-258478"/>
-            <a:ext cx="5769034" cy="1656770"/>
-          </a:xfrm>
-        </p:spPr>
-        <p:txBody>
-          <a:bodyPr/>
-          <a:lstStyle/>
-          <a:p>
-            <a:r>
-              <a:rPr lang="fr-FR" sz="4000" dirty="0" smtClean="0"/>
-              <a:t>Cheminement du front </a:t>
-            </a:r>
-            <a:br>
-              <a:rPr lang="fr-FR" sz="4000" dirty="0" smtClean="0"/>
-            </a:br>
-            <a:r>
-              <a:rPr lang="fr-FR" sz="4000" dirty="0" smtClean="0"/>
-              <a:t>au back-end</a:t>
-            </a:r>
-            <a:endParaRPr lang="fr-FR" sz="4000" dirty="0"/>
-          </a:p>
-        </p:txBody>
-      </p:sp>
-      <p:pic>
-        <p:nvPicPr>
-          <p:cNvPr id="5" name="Image 4"/>
-          <p:cNvPicPr>
-            <a:picLocks noChangeAspect="1"/>
-          </p:cNvPicPr>
-          <p:nvPr/>
-        </p:nvPicPr>
-        <p:blipFill>
-          <a:blip r:embed="rId2">
-            <a:extLst>
-              <a:ext uri="{28A0092B-C50C-407E-A947-70E740481C1C}">
-                <a14:useLocalDpi xmlns:a14="http://schemas.microsoft.com/office/drawing/2010/main" val="0"/>
-              </a:ext>
-            </a:extLst>
-          </a:blip>
-          <a:stretch>
-            <a:fillRect/>
-          </a:stretch>
-        </p:blipFill>
-        <p:spPr>
-          <a:xfrm>
-            <a:off x="7739148" y="182880"/>
-            <a:ext cx="1438101" cy="1431154"/>
-          </a:xfrm>
-          <a:prstGeom prst="rect">
-            <a:avLst/>
-          </a:prstGeom>
-        </p:spPr>
-      </p:pic>
-      <p:sp>
-        <p:nvSpPr>
-          <p:cNvPr id="12" name="ZoneTexte 11"/>
+      <p:sp>
+        <p:nvSpPr>
+          <p:cNvPr id="10" name="ZoneTexte 9"/>
           <p:cNvSpPr txBox="1"/>
           <p:nvPr/>
         </p:nvSpPr>
         <p:spPr>
           <a:xfrm>
-            <a:off x="1014153" y="1639360"/>
-            <a:ext cx="8096596" cy="1015663"/>
+            <a:off x="1014152" y="3989117"/>
+            <a:ext cx="8794865" cy="1015663"/>
           </a:xfrm>
           <a:prstGeom prst="rect">
             <a:avLst/>
@@ -10470,7 +10722,7 @@
                   </a:schemeClr>
                 </a:solidFill>
               </a:rPr>
-              <a:t>Méthode appelé par la requête (</a:t>
+              <a:t>Requête envoyé à la base de données (</a:t>
             </a:r>
             <a:r>
               <a:rPr lang="fr-FR" sz="2400" dirty="0" err="1" smtClean="0">
@@ -10480,7 +10732,7 @@
                   </a:schemeClr>
                 </a:solidFill>
               </a:rPr>
-              <a:t>UtilisateurController</a:t>
+              <a:t>UtilisateurRepository</a:t>
             </a:r>
             <a:r>
               <a:rPr lang="fr-FR" sz="2400" dirty="0" smtClean="0">
@@ -10513,147 +10765,10 @@
           </a:p>
         </p:txBody>
       </p:sp>
-      <p:pic>
-        <p:nvPicPr>
-          <p:cNvPr id="3" name="Image 2"/>
-          <p:cNvPicPr>
-            <a:picLocks noChangeAspect="1"/>
-          </p:cNvPicPr>
-          <p:nvPr/>
-        </p:nvPicPr>
-        <p:blipFill>
-          <a:blip r:embed="rId3">
-            <a:extLst>
-              <a:ext uri="{28A0092B-C50C-407E-A947-70E740481C1C}">
-                <a14:useLocalDpi xmlns:a14="http://schemas.microsoft.com/office/drawing/2010/main" val="0"/>
-              </a:ext>
-            </a:extLst>
-          </a:blip>
-          <a:stretch>
-            <a:fillRect/>
-          </a:stretch>
-        </p:blipFill>
-        <p:spPr>
-          <a:xfrm>
-            <a:off x="947653" y="2189511"/>
-            <a:ext cx="7954485" cy="2191056"/>
-          </a:xfrm>
-          <a:prstGeom prst="rect">
-            <a:avLst/>
-          </a:prstGeom>
-        </p:spPr>
-      </p:pic>
-      <p:pic>
-        <p:nvPicPr>
-          <p:cNvPr id="7" name="Image 6"/>
-          <p:cNvPicPr>
-            <a:picLocks noChangeAspect="1"/>
-          </p:cNvPicPr>
-          <p:nvPr/>
-        </p:nvPicPr>
-        <p:blipFill>
-          <a:blip r:embed="rId4">
-            <a:extLst>
-              <a:ext uri="{28A0092B-C50C-407E-A947-70E740481C1C}">
-                <a14:useLocalDpi xmlns:a14="http://schemas.microsoft.com/office/drawing/2010/main" val="0"/>
-              </a:ext>
-            </a:extLst>
-          </a:blip>
-          <a:stretch>
-            <a:fillRect/>
-          </a:stretch>
-        </p:blipFill>
-        <p:spPr>
-          <a:xfrm>
-            <a:off x="1014153" y="5356365"/>
-            <a:ext cx="8821381" cy="866896"/>
-          </a:xfrm>
-          <a:prstGeom prst="rect">
-            <a:avLst/>
-          </a:prstGeom>
-        </p:spPr>
-      </p:pic>
-      <p:sp>
-        <p:nvSpPr>
-          <p:cNvPr id="9" name="ZoneTexte 8"/>
-          <p:cNvSpPr txBox="1"/>
-          <p:nvPr/>
-        </p:nvSpPr>
-        <p:spPr>
-          <a:xfrm>
-            <a:off x="1014153" y="4664898"/>
-            <a:ext cx="8096596" cy="1015663"/>
-          </a:xfrm>
-          <a:prstGeom prst="rect">
-            <a:avLst/>
-          </a:prstGeom>
-          <a:noFill/>
-        </p:spPr>
-        <p:txBody>
-          <a:bodyPr wrap="square" rtlCol="0">
-            <a:spAutoFit/>
-          </a:bodyPr>
-          <a:lstStyle/>
-          <a:p>
-            <a:pPr marL="285750" indent="-285750">
-              <a:buFont typeface="Wingdings" panose="05000000000000000000" pitchFamily="2" charset="2"/>
-              <a:buChar char="v"/>
-            </a:pPr>
-            <a:r>
-              <a:rPr lang="fr-FR" sz="2400" dirty="0" smtClean="0">
-                <a:solidFill>
-                  <a:schemeClr val="bg1">
-                    <a:lumMod val="65000"/>
-                  </a:schemeClr>
-                </a:solidFill>
-              </a:rPr>
-              <a:t>Méthode appelé par le contrôleur (</a:t>
-            </a:r>
-            <a:r>
-              <a:rPr lang="fr-FR" sz="2400" dirty="0" err="1" smtClean="0">
-                <a:solidFill>
-                  <a:schemeClr val="bg1">
-                    <a:lumMod val="65000"/>
-                  </a:schemeClr>
-                </a:solidFill>
-              </a:rPr>
-              <a:t>UtilisateurService</a:t>
-            </a:r>
-            <a:r>
-              <a:rPr lang="fr-FR" sz="2400" dirty="0" smtClean="0">
-                <a:solidFill>
-                  <a:schemeClr val="bg1">
-                    <a:lumMod val="65000"/>
-                  </a:schemeClr>
-                </a:solidFill>
-              </a:rPr>
-              <a:t>)</a:t>
-            </a:r>
-          </a:p>
-          <a:p>
-            <a:endParaRPr lang="fr-FR" dirty="0">
-              <a:solidFill>
-                <a:schemeClr val="bg1">
-                  <a:lumMod val="65000"/>
-                </a:schemeClr>
-              </a:solidFill>
-            </a:endParaRPr>
-          </a:p>
-          <a:p>
-            <a:endParaRPr lang="fr-FR" dirty="0">
-              <a:solidFill>
-                <a:schemeClr val="bg1">
-                  <a:lumMod val="65000"/>
-                </a:schemeClr>
-              </a:solidFill>
-            </a:endParaRPr>
-          </a:p>
-        </p:txBody>
-      </p:sp>
     </p:spTree>
     <p:extLst>
       <p:ext uri="{BB962C8B-B14F-4D97-AF65-F5344CB8AC3E}">
-        <p14:creationId xmlns:p14="http://schemas.microsoft.com/office/powerpoint/2010/main" val="2222055326"/>
+        <p14:creationId xmlns:p14="http://schemas.microsoft.com/office/powerpoint/2010/main" val="704930066"/>
       </p:ext>
     </p:extLst>
   </p:cSld>
@@ -10914,315 +11029,6 @@
 </file>
 
 <file path=ppt/slides/slide20.xml><?xml version="1.0" encoding="utf-8"?>
-<p:sld xmlns:a="http://schemas.openxmlformats.org/drawingml/2006/main" xmlns:r="http://schemas.openxmlformats.org/officeDocument/2006/relationships" xmlns:p="http://schemas.openxmlformats.org/presentationml/2006/main">
-  <p:cSld>
-    <p:spTree>
-      <p:nvGrpSpPr>
-        <p:cNvPr id="1" name=""/>
-        <p:cNvGrpSpPr/>
-        <p:nvPr/>
-      </p:nvGrpSpPr>
-      <p:grpSpPr>
-        <a:xfrm>
-          <a:off x="0" y="0"/>
-          <a:ext cx="0" cy="0"/>
-          <a:chOff x="0" y="0"/>
-          <a:chExt cx="0" cy="0"/>
-        </a:xfrm>
-      </p:grpSpPr>
-      <p:sp>
-        <p:nvSpPr>
-          <p:cNvPr id="2" name="Titre 1"/>
-          <p:cNvSpPr>
-            <a:spLocks noGrp="1"/>
-          </p:cNvSpPr>
-          <p:nvPr>
-            <p:ph type="ctrTitle"/>
-          </p:nvPr>
-        </p:nvSpPr>
-        <p:spPr>
-          <a:xfrm>
-            <a:off x="515389" y="-258478"/>
-            <a:ext cx="5769034" cy="1656770"/>
-          </a:xfrm>
-        </p:spPr>
-        <p:txBody>
-          <a:bodyPr/>
-          <a:lstStyle/>
-          <a:p>
-            <a:r>
-              <a:rPr lang="fr-FR" sz="4000" dirty="0" smtClean="0"/>
-              <a:t>Cheminement du front </a:t>
-            </a:r>
-            <a:br>
-              <a:rPr lang="fr-FR" sz="4000" dirty="0" smtClean="0"/>
-            </a:br>
-            <a:r>
-              <a:rPr lang="fr-FR" sz="4000" dirty="0" smtClean="0"/>
-              <a:t>au back-end</a:t>
-            </a:r>
-            <a:endParaRPr lang="fr-FR" sz="4000" dirty="0"/>
-          </a:p>
-        </p:txBody>
-      </p:sp>
-      <p:pic>
-        <p:nvPicPr>
-          <p:cNvPr id="5" name="Image 4"/>
-          <p:cNvPicPr>
-            <a:picLocks noChangeAspect="1"/>
-          </p:cNvPicPr>
-          <p:nvPr/>
-        </p:nvPicPr>
-        <p:blipFill>
-          <a:blip r:embed="rId2">
-            <a:extLst>
-              <a:ext uri="{28A0092B-C50C-407E-A947-70E740481C1C}">
-                <a14:useLocalDpi xmlns:a14="http://schemas.microsoft.com/office/drawing/2010/main" val="0"/>
-              </a:ext>
-            </a:extLst>
-          </a:blip>
-          <a:stretch>
-            <a:fillRect/>
-          </a:stretch>
-        </p:blipFill>
-        <p:spPr>
-          <a:xfrm>
-            <a:off x="7739148" y="182880"/>
-            <a:ext cx="1438101" cy="1431154"/>
-          </a:xfrm>
-          <a:prstGeom prst="rect">
-            <a:avLst/>
-          </a:prstGeom>
-        </p:spPr>
-      </p:pic>
-      <p:sp>
-        <p:nvSpPr>
-          <p:cNvPr id="12" name="ZoneTexte 11"/>
-          <p:cNvSpPr txBox="1"/>
-          <p:nvPr/>
-        </p:nvSpPr>
-        <p:spPr>
-          <a:xfrm>
-            <a:off x="1014153" y="1930307"/>
-            <a:ext cx="9468196" cy="1015663"/>
-          </a:xfrm>
-          <a:prstGeom prst="rect">
-            <a:avLst/>
-          </a:prstGeom>
-          <a:noFill/>
-        </p:spPr>
-        <p:txBody>
-          <a:bodyPr wrap="square" rtlCol="0">
-            <a:spAutoFit/>
-          </a:bodyPr>
-          <a:lstStyle/>
-          <a:p>
-            <a:pPr marL="285750" indent="-285750">
-              <a:buFont typeface="Wingdings" panose="05000000000000000000" pitchFamily="2" charset="2"/>
-              <a:buChar char="v"/>
-            </a:pPr>
-            <a:r>
-              <a:rPr lang="fr-FR" sz="2400" dirty="0" smtClean="0">
-                <a:solidFill>
-                  <a:schemeClr val="bg1">
-                    <a:lumMod val="65000"/>
-                  </a:schemeClr>
-                </a:solidFill>
-              </a:rPr>
-              <a:t>Conversion de l’entité en DTO (</a:t>
-            </a:r>
-            <a:r>
-              <a:rPr lang="fr-FR" sz="2400" dirty="0" err="1" smtClean="0">
-                <a:solidFill>
-                  <a:schemeClr val="bg1">
-                    <a:lumMod val="65000"/>
-                  </a:schemeClr>
-                </a:solidFill>
-              </a:rPr>
-              <a:t>UtilisateurConverter</a:t>
-            </a:r>
-            <a:r>
-              <a:rPr lang="fr-FR" sz="2400" dirty="0" smtClean="0">
-                <a:solidFill>
-                  <a:schemeClr val="bg1">
-                    <a:lumMod val="65000"/>
-                  </a:schemeClr>
-                </a:solidFill>
-              </a:rPr>
-              <a:t>)</a:t>
-            </a:r>
-          </a:p>
-          <a:p>
-            <a:endParaRPr lang="fr-FR" dirty="0">
-              <a:solidFill>
-                <a:schemeClr val="bg1">
-                  <a:lumMod val="65000"/>
-                </a:schemeClr>
-              </a:solidFill>
-            </a:endParaRPr>
-          </a:p>
-          <a:p>
-            <a:endParaRPr lang="fr-FR" dirty="0">
-              <a:solidFill>
-                <a:schemeClr val="bg1">
-                  <a:lumMod val="65000"/>
-                </a:schemeClr>
-              </a:solidFill>
-            </a:endParaRPr>
-          </a:p>
-        </p:txBody>
-      </p:sp>
-      <p:pic>
-        <p:nvPicPr>
-          <p:cNvPr id="4" name="Image 3"/>
-          <p:cNvPicPr>
-            <a:picLocks noChangeAspect="1"/>
-          </p:cNvPicPr>
-          <p:nvPr/>
-        </p:nvPicPr>
-        <p:blipFill>
-          <a:blip r:embed="rId3">
-            <a:extLst>
-              <a:ext uri="{28A0092B-C50C-407E-A947-70E740481C1C}">
-                <a14:useLocalDpi xmlns:a14="http://schemas.microsoft.com/office/drawing/2010/main" val="0"/>
-              </a:ext>
-            </a:extLst>
-          </a:blip>
-          <a:stretch>
-            <a:fillRect/>
-          </a:stretch>
-        </p:blipFill>
-        <p:spPr>
-          <a:xfrm>
-            <a:off x="1661350" y="2559849"/>
-            <a:ext cx="6077798" cy="1171739"/>
-          </a:xfrm>
-          <a:prstGeom prst="rect">
-            <a:avLst/>
-          </a:prstGeom>
-        </p:spPr>
-      </p:pic>
-      <p:pic>
-        <p:nvPicPr>
-          <p:cNvPr id="6" name="Image 5"/>
-          <p:cNvPicPr>
-            <a:picLocks noChangeAspect="1"/>
-          </p:cNvPicPr>
-          <p:nvPr/>
-        </p:nvPicPr>
-        <p:blipFill>
-          <a:blip r:embed="rId4">
-            <a:extLst>
-              <a:ext uri="{28A0092B-C50C-407E-A947-70E740481C1C}">
-                <a14:useLocalDpi xmlns:a14="http://schemas.microsoft.com/office/drawing/2010/main" val="0"/>
-              </a:ext>
-            </a:extLst>
-          </a:blip>
-          <a:stretch>
-            <a:fillRect/>
-          </a:stretch>
-        </p:blipFill>
-        <p:spPr>
-          <a:xfrm>
-            <a:off x="1248578" y="4774735"/>
-            <a:ext cx="8326012" cy="638264"/>
-          </a:xfrm>
-          <a:prstGeom prst="rect">
-            <a:avLst/>
-          </a:prstGeom>
-        </p:spPr>
-      </p:pic>
-      <p:sp>
-        <p:nvSpPr>
-          <p:cNvPr id="10" name="ZoneTexte 9"/>
-          <p:cNvSpPr txBox="1"/>
-          <p:nvPr/>
-        </p:nvSpPr>
-        <p:spPr>
-          <a:xfrm>
-            <a:off x="1014152" y="3989117"/>
-            <a:ext cx="8794865" cy="1015663"/>
-          </a:xfrm>
-          <a:prstGeom prst="rect">
-            <a:avLst/>
-          </a:prstGeom>
-          <a:noFill/>
-        </p:spPr>
-        <p:txBody>
-          <a:bodyPr wrap="square" rtlCol="0">
-            <a:spAutoFit/>
-          </a:bodyPr>
-          <a:lstStyle/>
-          <a:p>
-            <a:pPr marL="285750" indent="-285750">
-              <a:buFont typeface="Wingdings" panose="05000000000000000000" pitchFamily="2" charset="2"/>
-              <a:buChar char="v"/>
-            </a:pPr>
-            <a:r>
-              <a:rPr lang="fr-FR" sz="2400" dirty="0" smtClean="0">
-                <a:solidFill>
-                  <a:schemeClr val="bg1">
-                    <a:lumMod val="65000"/>
-                  </a:schemeClr>
-                </a:solidFill>
-              </a:rPr>
-              <a:t>Requête envoyé à la base de données (</a:t>
-            </a:r>
-            <a:r>
-              <a:rPr lang="fr-FR" sz="2400" dirty="0" err="1" smtClean="0">
-                <a:solidFill>
-                  <a:schemeClr val="bg1">
-                    <a:lumMod val="65000"/>
-                  </a:schemeClr>
-                </a:solidFill>
-              </a:rPr>
-              <a:t>UtilisateurRepository</a:t>
-            </a:r>
-            <a:r>
-              <a:rPr lang="fr-FR" sz="2400" dirty="0" smtClean="0">
-                <a:solidFill>
-                  <a:schemeClr val="bg1">
-                    <a:lumMod val="65000"/>
-                  </a:schemeClr>
-                </a:solidFill>
-              </a:rPr>
-              <a:t>)</a:t>
-            </a:r>
-          </a:p>
-          <a:p>
-            <a:endParaRPr lang="fr-FR" dirty="0">
-              <a:solidFill>
-                <a:schemeClr val="bg1">
-                  <a:lumMod val="65000"/>
-                </a:schemeClr>
-              </a:solidFill>
-            </a:endParaRPr>
-          </a:p>
-          <a:p>
-            <a:endParaRPr lang="fr-FR" dirty="0">
-              <a:solidFill>
-                <a:schemeClr val="bg1">
-                  <a:lumMod val="65000"/>
-                </a:schemeClr>
-              </a:solidFill>
-            </a:endParaRPr>
-          </a:p>
-        </p:txBody>
-      </p:sp>
-    </p:spTree>
-    <p:extLst>
-      <p:ext uri="{BB962C8B-B14F-4D97-AF65-F5344CB8AC3E}">
-        <p14:creationId xmlns:p14="http://schemas.microsoft.com/office/powerpoint/2010/main" val="704930066"/>
-      </p:ext>
-    </p:extLst>
-  </p:cSld>
-  <p:clrMapOvr>
-    <a:masterClrMapping/>
-  </p:clrMapOvr>
-</p:sld>
-</file>
-
-<file path=ppt/slides/slide21.xml><?xml version="1.0" encoding="utf-8"?>
 <p:sld xmlns:a="http://schemas.openxmlformats.org/drawingml/2006/main" xmlns:r="http://schemas.openxmlformats.org/officeDocument/2006/relationships" xmlns:p="http://schemas.openxmlformats.org/presentationml/2006/main">
   <p:cSld>
     <p:spTree>
@@ -11449,7 +11255,7 @@
         <p:spPr>
           <a:xfrm>
             <a:off x="1546167" y="2028305"/>
-            <a:ext cx="6716684" cy="1815882"/>
+            <a:ext cx="6716684" cy="2308324"/>
           </a:xfrm>
           <a:prstGeom prst="rect">
             <a:avLst/>
@@ -11491,7 +11297,7 @@
                   </a:schemeClr>
                 </a:solidFill>
               </a:rPr>
-              <a:t>Maquettage (Adobe XD)</a:t>
+              <a:t>Maquettage (Adobe XD) / Logo (Adobe Illustrator)</a:t>
             </a:r>
           </a:p>
           <a:p>
@@ -11512,7 +11318,7 @@
                   </a:schemeClr>
                 </a:solidFill>
               </a:rPr>
-              <a:t>MCD (</a:t>
+              <a:t>Modèle conceptuel de données (</a:t>
             </a:r>
             <a:r>
               <a:rPr lang="fr-FR" sz="1600" dirty="0" err="1" smtClean="0">
@@ -11522,7 +11328,7 @@
                   </a:schemeClr>
                 </a:solidFill>
               </a:rPr>
-              <a:t>Jmerise</a:t>
+              <a:t>JMerise</a:t>
             </a:r>
             <a:r>
               <a:rPr lang="fr-FR" sz="1600" dirty="0" smtClean="0">
@@ -11553,7 +11359,28 @@
                   </a:schemeClr>
                 </a:solidFill>
               </a:rPr>
-              <a:t>MLD</a:t>
+              <a:t>Modèle logique de données</a:t>
+            </a:r>
+          </a:p>
+          <a:p>
+            <a:endParaRPr lang="fr-FR" sz="1600" dirty="0">
+              <a:solidFill>
+                <a:schemeClr val="bg1">
+                  <a:lumMod val="65000"/>
+                </a:schemeClr>
+              </a:solidFill>
+            </a:endParaRPr>
+          </a:p>
+          <a:p>
+            <a:r>
+              <a:rPr lang="fr-FR" sz="1600" dirty="0" smtClean="0">
+                <a:solidFill>
+                  <a:schemeClr val="bg1">
+                    <a:lumMod val="65000"/>
+                  </a:schemeClr>
+                </a:solidFill>
+              </a:rPr>
+              <a:t>Diagramme de cas d’utilisation (Draw.io)</a:t>
             </a:r>
             <a:endParaRPr lang="fr-FR" sz="1600" dirty="0">
               <a:solidFill>
@@ -11607,8 +11434,8 @@
         </p:nvSpPr>
         <p:spPr>
           <a:xfrm>
-            <a:off x="609291" y="83127"/>
-            <a:ext cx="6140643" cy="1058254"/>
+            <a:off x="609292" y="83127"/>
+            <a:ext cx="4153902" cy="1058254"/>
           </a:xfrm>
         </p:spPr>
         <p:txBody>
@@ -11617,7 +11444,7 @@
           <a:p>
             <a:r>
               <a:rPr lang="fr-FR" dirty="0" smtClean="0"/>
-              <a:t>Cahier des charges </a:t>
+              <a:t>Maquettage</a:t>
             </a:r>
             <a:endParaRPr lang="fr-FR" dirty="0"/>
           </a:p>
@@ -11655,14 +11482,14 @@
       </p:pic>
       <p:sp>
         <p:nvSpPr>
-          <p:cNvPr id="6" name="ZoneTexte 5"/>
+          <p:cNvPr id="8" name="ZoneTexte 7"/>
           <p:cNvSpPr txBox="1"/>
           <p:nvPr/>
         </p:nvSpPr>
         <p:spPr>
           <a:xfrm>
-            <a:off x="1346662" y="1429789"/>
-            <a:ext cx="4463934" cy="738664"/>
+            <a:off x="1097280" y="1331335"/>
+            <a:ext cx="4463934" cy="1015663"/>
           </a:xfrm>
           <a:prstGeom prst="rect">
             <a:avLst/>
@@ -11687,8 +11514,10 @@
                   </a:schemeClr>
                 </a:solidFill>
               </a:rPr>
-              <a:t>Conception</a:t>
-            </a:r>
+              <a:t>Page de connexion</a:t>
+            </a:r>
+          </a:p>
+          <a:p>
             <a:endParaRPr lang="fr-FR" dirty="0">
               <a:solidFill>
                 <a:schemeClr val="bg1">
@@ -11708,135 +11537,40 @@
           </a:p>
         </p:txBody>
       </p:sp>
-      <p:sp>
-        <p:nvSpPr>
-          <p:cNvPr id="7" name="ZoneTexte 6"/>
-          <p:cNvSpPr txBox="1"/>
+      <p:pic>
+        <p:nvPicPr>
+          <p:cNvPr id="6" name="Image 5"/>
+          <p:cNvPicPr>
+            <a:picLocks noChangeAspect="1"/>
+          </p:cNvPicPr>
           <p:nvPr/>
-        </p:nvSpPr>
+        </p:nvPicPr>
+        <p:blipFill>
+          <a:blip r:embed="rId3">
+            <a:extLst>
+              <a:ext uri="{28A0092B-C50C-407E-A947-70E740481C1C}">
+                <a14:useLocalDpi xmlns:a14="http://schemas.microsoft.com/office/drawing/2010/main" val="0"/>
+              </a:ext>
+            </a:extLst>
+          </a:blip>
+          <a:stretch>
+            <a:fillRect/>
+          </a:stretch>
+        </p:blipFill>
         <p:spPr>
           <a:xfrm>
-            <a:off x="1546167" y="2028305"/>
-            <a:ext cx="6716684" cy="1815882"/>
+            <a:off x="2801042" y="1978873"/>
+            <a:ext cx="2760172" cy="4525229"/>
           </a:xfrm>
           <a:prstGeom prst="rect">
             <a:avLst/>
           </a:prstGeom>
-          <a:noFill/>
         </p:spPr>
-        <p:txBody>
-          <a:bodyPr wrap="square" rtlCol="0">
-            <a:spAutoFit/>
-          </a:bodyPr>
-          <a:lstStyle/>
-          <a:p>
-            <a:r>
-              <a:rPr lang="fr-FR" sz="1600" dirty="0" smtClean="0">
-                <a:solidFill>
-                  <a:schemeClr val="bg1">
-                    <a:lumMod val="65000"/>
-                  </a:schemeClr>
-                </a:solidFill>
-              </a:rPr>
-              <a:t>Cahier des charges</a:t>
-            </a:r>
-          </a:p>
-          <a:p>
-            <a:endParaRPr lang="fr-FR" sz="1600" dirty="0">
-              <a:solidFill>
-                <a:schemeClr val="bg1">
-                  <a:lumMod val="65000"/>
-                </a:schemeClr>
-              </a:solidFill>
-            </a:endParaRPr>
-          </a:p>
-          <a:p>
-            <a:r>
-              <a:rPr lang="fr-FR" sz="1600" dirty="0" smtClean="0">
-                <a:solidFill>
-                  <a:schemeClr val="bg1">
-                    <a:lumMod val="65000"/>
-                  </a:schemeClr>
-                </a:solidFill>
-              </a:rPr>
-              <a:t>Maquettage (Adobe XD)</a:t>
-            </a:r>
-          </a:p>
-          <a:p>
-            <a:endParaRPr lang="fr-FR" sz="1600" dirty="0" smtClean="0">
-              <a:solidFill>
-                <a:schemeClr val="bg1">
-                  <a:lumMod val="65000"/>
-                </a:schemeClr>
-              </a:solidFill>
-            </a:endParaRPr>
-          </a:p>
-          <a:p>
-            <a:r>
-              <a:rPr lang="fr-FR" sz="1600" dirty="0" smtClean="0">
-                <a:solidFill>
-                  <a:schemeClr val="bg1">
-                    <a:lumMod val="65000"/>
-                  </a:schemeClr>
-                </a:solidFill>
-              </a:rPr>
-              <a:t>MCD (</a:t>
-            </a:r>
-            <a:r>
-              <a:rPr lang="fr-FR" sz="1600" dirty="0" err="1" smtClean="0">
-                <a:solidFill>
-                  <a:schemeClr val="bg1">
-                    <a:lumMod val="65000"/>
-                  </a:schemeClr>
-                </a:solidFill>
-              </a:rPr>
-              <a:t>Jmerise</a:t>
-            </a:r>
-            <a:r>
-              <a:rPr lang="fr-FR" sz="1600" dirty="0" smtClean="0">
-                <a:solidFill>
-                  <a:schemeClr val="bg1">
-                    <a:lumMod val="65000"/>
-                  </a:schemeClr>
-                </a:solidFill>
-              </a:rPr>
-              <a:t>)</a:t>
-            </a:r>
-          </a:p>
-          <a:p>
-            <a:endParaRPr lang="fr-FR" sz="1600" dirty="0" smtClean="0">
-              <a:solidFill>
-                <a:schemeClr val="bg1">
-                  <a:lumMod val="65000"/>
-                </a:schemeClr>
-              </a:solidFill>
-            </a:endParaRPr>
-          </a:p>
-          <a:p>
-            <a:r>
-              <a:rPr lang="fr-FR" sz="1600" dirty="0" smtClean="0">
-                <a:solidFill>
-                  <a:schemeClr val="bg1">
-                    <a:lumMod val="65000"/>
-                  </a:schemeClr>
-                </a:solidFill>
-              </a:rPr>
-              <a:t>MLD</a:t>
-            </a:r>
-            <a:endParaRPr lang="fr-FR" sz="1600" dirty="0">
-              <a:solidFill>
-                <a:schemeClr val="bg1">
-                  <a:lumMod val="65000"/>
-                </a:schemeClr>
-              </a:solidFill>
-            </a:endParaRPr>
-          </a:p>
-        </p:txBody>
-      </p:sp>
+      </p:pic>
     </p:spTree>
     <p:extLst>
       <p:ext uri="{BB962C8B-B14F-4D97-AF65-F5344CB8AC3E}">
-        <p14:creationId xmlns:p14="http://schemas.microsoft.com/office/powerpoint/2010/main" val="440745320"/>
+        <p14:creationId xmlns:p14="http://schemas.microsoft.com/office/powerpoint/2010/main" val="3621340773"/>
       </p:ext>
     </p:extLst>
   </p:cSld>
@@ -11955,7 +11689,7 @@
                   </a:schemeClr>
                 </a:solidFill>
               </a:rPr>
-              <a:t>Page de connexion</a:t>
+              <a:t>Page d’inscription</a:t>
             </a:r>
           </a:p>
           <a:p>
@@ -11980,13 +11714,13 @@
       </p:sp>
       <p:pic>
         <p:nvPicPr>
-          <p:cNvPr id="6" name="Image 5"/>
+          <p:cNvPr id="3" name="Image 2"/>
           <p:cNvPicPr>
             <a:picLocks noChangeAspect="1"/>
           </p:cNvPicPr>
           <p:nvPr/>
         </p:nvPicPr>
-        <p:blipFill>
+        <p:blipFill rotWithShape="1">
           <a:blip r:embed="rId3">
             <a:extLst>
               <a:ext uri="{28A0092B-C50C-407E-A947-70E740481C1C}">
@@ -11994,14 +11728,42 @@
               </a:ext>
             </a:extLst>
           </a:blip>
-          <a:stretch>
-            <a:fillRect/>
-          </a:stretch>
+          <a:srcRect b="55971"/>
+          <a:stretch/>
         </p:blipFill>
         <p:spPr>
           <a:xfrm>
-            <a:off x="2801042" y="1978873"/>
-            <a:ext cx="2760172" cy="4525229"/>
+            <a:off x="1577695" y="2010638"/>
+            <a:ext cx="2446178" cy="3808272"/>
+          </a:xfrm>
+          <a:prstGeom prst="rect">
+            <a:avLst/>
+          </a:prstGeom>
+        </p:spPr>
+      </p:pic>
+      <p:pic>
+        <p:nvPicPr>
+          <p:cNvPr id="4" name="Image 3"/>
+          <p:cNvPicPr>
+            <a:picLocks noChangeAspect="1"/>
+          </p:cNvPicPr>
+          <p:nvPr/>
+        </p:nvPicPr>
+        <p:blipFill rotWithShape="1">
+          <a:blip r:embed="rId3">
+            <a:extLst>
+              <a:ext uri="{28A0092B-C50C-407E-A947-70E740481C1C}">
+                <a14:useLocalDpi xmlns:a14="http://schemas.microsoft.com/office/drawing/2010/main" val="0"/>
+              </a:ext>
+            </a:extLst>
+          </a:blip>
+          <a:srcRect t="44121" b="1819"/>
+          <a:stretch/>
+        </p:blipFill>
+        <p:spPr>
+          <a:xfrm>
+            <a:off x="4504288" y="2010638"/>
+            <a:ext cx="2411901" cy="4610398"/>
           </a:xfrm>
           <a:prstGeom prst="rect">
             <a:avLst/>
@@ -12011,7 +11773,7 @@
     </p:spTree>
     <p:extLst>
       <p:ext uri="{BB962C8B-B14F-4D97-AF65-F5344CB8AC3E}">
-        <p14:creationId xmlns:p14="http://schemas.microsoft.com/office/powerpoint/2010/main" val="3621340773"/>
+        <p14:creationId xmlns:p14="http://schemas.microsoft.com/office/powerpoint/2010/main" val="1137187325"/>
       </p:ext>
     </p:extLst>
   </p:cSld>
@@ -12130,7 +11892,7 @@
                   </a:schemeClr>
                 </a:solidFill>
               </a:rPr>
-              <a:t>Page d’inscription</a:t>
+              <a:t>Affichage des publications</a:t>
             </a:r>
           </a:p>
           <a:p>
@@ -12155,7 +11917,7 @@
       </p:sp>
       <p:pic>
         <p:nvPicPr>
-          <p:cNvPr id="3" name="Image 2"/>
+          <p:cNvPr id="6" name="Image 5"/>
           <p:cNvPicPr>
             <a:picLocks noChangeAspect="1"/>
           </p:cNvPicPr>
@@ -12169,42 +11931,13 @@
               </a:ext>
             </a:extLst>
           </a:blip>
-          <a:srcRect b="55971"/>
+          <a:srcRect t="2060" b="13333"/>
           <a:stretch/>
         </p:blipFill>
         <p:spPr>
           <a:xfrm>
-            <a:off x="1577695" y="2010638"/>
-            <a:ext cx="2446178" cy="3808272"/>
-          </a:xfrm>
-          <a:prstGeom prst="rect">
-            <a:avLst/>
-          </a:prstGeom>
-        </p:spPr>
-      </p:pic>
-      <p:pic>
-        <p:nvPicPr>
-          <p:cNvPr id="4" name="Image 3"/>
-          <p:cNvPicPr>
-            <a:picLocks noChangeAspect="1"/>
-          </p:cNvPicPr>
-          <p:nvPr/>
-        </p:nvPicPr>
-        <p:blipFill rotWithShape="1">
-          <a:blip r:embed="rId3">
-            <a:extLst>
-              <a:ext uri="{28A0092B-C50C-407E-A947-70E740481C1C}">
-                <a14:useLocalDpi xmlns:a14="http://schemas.microsoft.com/office/drawing/2010/main" val="0"/>
-              </a:ext>
-            </a:extLst>
-          </a:blip>
-          <a:srcRect t="44121" b="1819"/>
-          <a:stretch/>
-        </p:blipFill>
-        <p:spPr>
-          <a:xfrm>
-            <a:off x="4504288" y="2010638"/>
-            <a:ext cx="2411901" cy="4610398"/>
+            <a:off x="1787237" y="1900441"/>
+            <a:ext cx="4954385" cy="4649987"/>
           </a:xfrm>
           <a:prstGeom prst="rect">
             <a:avLst/>
@@ -12214,7 +11947,7 @@
     </p:spTree>
     <p:extLst>
       <p:ext uri="{BB962C8B-B14F-4D97-AF65-F5344CB8AC3E}">
-        <p14:creationId xmlns:p14="http://schemas.microsoft.com/office/powerpoint/2010/main" val="1137187325"/>
+        <p14:creationId xmlns:p14="http://schemas.microsoft.com/office/powerpoint/2010/main" val="2060169258"/>
       </p:ext>
     </p:extLst>
   </p:cSld>
@@ -12299,6 +12032,36 @@
           </a:prstGeom>
         </p:spPr>
       </p:pic>
+      <p:pic>
+        <p:nvPicPr>
+          <p:cNvPr id="3" name="Image 2"/>
+          <p:cNvPicPr>
+            <a:picLocks noChangeAspect="1"/>
+          </p:cNvPicPr>
+          <p:nvPr/>
+        </p:nvPicPr>
+        <p:blipFill>
+          <a:blip r:embed="rId3">
+            <a:extLst>
+              <a:ext uri="{28A0092B-C50C-407E-A947-70E740481C1C}">
+                <a14:useLocalDpi xmlns:a14="http://schemas.microsoft.com/office/drawing/2010/main" val="0"/>
+              </a:ext>
+            </a:extLst>
+          </a:blip>
+          <a:stretch>
+            <a:fillRect/>
+          </a:stretch>
+        </p:blipFill>
+        <p:spPr>
+          <a:xfrm>
+            <a:off x="973369" y="1839167"/>
+            <a:ext cx="6907098" cy="4446119"/>
+          </a:xfrm>
+          <a:prstGeom prst="rect">
+            <a:avLst/>
+          </a:prstGeom>
+        </p:spPr>
+      </p:pic>
       <p:sp>
         <p:nvSpPr>
           <p:cNvPr id="8" name="ZoneTexte 7"/>
@@ -12333,7 +12096,7 @@
                   </a:schemeClr>
                 </a:solidFill>
               </a:rPr>
-              <a:t>Affichage des publications</a:t>
+              <a:t>Affichage négociations</a:t>
             </a:r>
           </a:p>
           <a:p>
@@ -12356,39 +12119,10 @@
           </a:p>
         </p:txBody>
       </p:sp>
-      <p:pic>
-        <p:nvPicPr>
-          <p:cNvPr id="6" name="Image 5"/>
-          <p:cNvPicPr>
-            <a:picLocks noChangeAspect="1"/>
-          </p:cNvPicPr>
-          <p:nvPr/>
-        </p:nvPicPr>
-        <p:blipFill rotWithShape="1">
-          <a:blip r:embed="rId3">
-            <a:extLst>
-              <a:ext uri="{28A0092B-C50C-407E-A947-70E740481C1C}">
-                <a14:useLocalDpi xmlns:a14="http://schemas.microsoft.com/office/drawing/2010/main" val="0"/>
-              </a:ext>
-            </a:extLst>
-          </a:blip>
-          <a:srcRect t="2060" b="13333"/>
-          <a:stretch/>
-        </p:blipFill>
-        <p:spPr>
-          <a:xfrm>
-            <a:off x="1787237" y="1900441"/>
-            <a:ext cx="4954385" cy="4649987"/>
-          </a:xfrm>
-          <a:prstGeom prst="rect">
-            <a:avLst/>
-          </a:prstGeom>
-        </p:spPr>
-      </p:pic>
     </p:spTree>
     <p:extLst>
       <p:ext uri="{BB962C8B-B14F-4D97-AF65-F5344CB8AC3E}">
-        <p14:creationId xmlns:p14="http://schemas.microsoft.com/office/powerpoint/2010/main" val="2060169258"/>
+        <p14:creationId xmlns:p14="http://schemas.microsoft.com/office/powerpoint/2010/main" val="2892972684"/>
       </p:ext>
     </p:extLst>
   </p:cSld>
@@ -12473,15 +12207,72 @@
           </a:prstGeom>
         </p:spPr>
       </p:pic>
+      <p:sp>
+        <p:nvSpPr>
+          <p:cNvPr id="8" name="ZoneTexte 7"/>
+          <p:cNvSpPr txBox="1"/>
+          <p:nvPr/>
+        </p:nvSpPr>
+        <p:spPr>
+          <a:xfrm>
+            <a:off x="1097280" y="1331335"/>
+            <a:ext cx="4463934" cy="1015663"/>
+          </a:xfrm>
+          <a:prstGeom prst="rect">
+            <a:avLst/>
+          </a:prstGeom>
+          <a:noFill/>
+        </p:spPr>
+        <p:txBody>
+          <a:bodyPr wrap="square" rtlCol="0">
+            <a:spAutoFit/>
+          </a:bodyPr>
+          <a:lstStyle/>
+          <a:p>
+            <a:pPr marL="285750" indent="-285750">
+              <a:buFont typeface="Wingdings" panose="05000000000000000000" pitchFamily="2" charset="2"/>
+              <a:buChar char="v"/>
+            </a:pPr>
+            <a:r>
+              <a:rPr lang="fr-FR" sz="2400" dirty="0" smtClean="0">
+                <a:solidFill>
+                  <a:schemeClr val="bg1">
+                    <a:lumMod val="65000"/>
+                  </a:schemeClr>
+                </a:solidFill>
+              </a:rPr>
+              <a:t>Contenu des publications</a:t>
+            </a:r>
+          </a:p>
+          <a:p>
+            <a:endParaRPr lang="fr-FR" dirty="0">
+              <a:solidFill>
+                <a:schemeClr val="bg1">
+                  <a:lumMod val="65000"/>
+                </a:schemeClr>
+              </a:solidFill>
+            </a:endParaRPr>
+          </a:p>
+          <a:p>
+            <a:endParaRPr lang="fr-FR" dirty="0">
+              <a:solidFill>
+                <a:schemeClr val="bg1">
+                  <a:lumMod val="65000"/>
+                </a:schemeClr>
+              </a:solidFill>
+            </a:endParaRPr>
+          </a:p>
+        </p:txBody>
+      </p:sp>
       <p:pic>
         <p:nvPicPr>
-          <p:cNvPr id="3" name="Image 2"/>
+          <p:cNvPr id="4" name="Image 3"/>
           <p:cNvPicPr>
             <a:picLocks noChangeAspect="1"/>
           </p:cNvPicPr>
           <p:nvPr/>
         </p:nvPicPr>
-        <p:blipFill>
+        <p:blipFill rotWithShape="1">
           <a:blip r:embed="rId3">
             <a:extLst>
               <a:ext uri="{28A0092B-C50C-407E-A947-70E740481C1C}">
@@ -12489,81 +12280,23 @@
               </a:ext>
             </a:extLst>
           </a:blip>
-          <a:stretch>
-            <a:fillRect/>
-          </a:stretch>
+          <a:srcRect t="3670" b="34716"/>
+          <a:stretch/>
         </p:blipFill>
         <p:spPr>
           <a:xfrm>
-            <a:off x="973369" y="1839167"/>
-            <a:ext cx="6907098" cy="4446119"/>
+            <a:off x="2429414" y="2003367"/>
+            <a:ext cx="2566535" cy="3996859"/>
           </a:xfrm>
           <a:prstGeom prst="rect">
             <a:avLst/>
           </a:prstGeom>
         </p:spPr>
       </p:pic>
-      <p:sp>
-        <p:nvSpPr>
-          <p:cNvPr id="8" name="ZoneTexte 7"/>
-          <p:cNvSpPr txBox="1"/>
-          <p:nvPr/>
-        </p:nvSpPr>
-        <p:spPr>
-          <a:xfrm>
-            <a:off x="1097280" y="1331335"/>
-            <a:ext cx="4463934" cy="1015663"/>
-          </a:xfrm>
-          <a:prstGeom prst="rect">
-            <a:avLst/>
-          </a:prstGeom>
-          <a:noFill/>
-        </p:spPr>
-        <p:txBody>
-          <a:bodyPr wrap="square" rtlCol="0">
-            <a:spAutoFit/>
-          </a:bodyPr>
-          <a:lstStyle/>
-          <a:p>
-            <a:pPr marL="285750" indent="-285750">
-              <a:buFont typeface="Wingdings" panose="05000000000000000000" pitchFamily="2" charset="2"/>
-              <a:buChar char="v"/>
-            </a:pPr>
-            <a:r>
-              <a:rPr lang="fr-FR" sz="2400" dirty="0" smtClean="0">
-                <a:solidFill>
-                  <a:schemeClr val="bg1">
-                    <a:lumMod val="65000"/>
-                  </a:schemeClr>
-                </a:solidFill>
-              </a:rPr>
-              <a:t>Affichage négociations</a:t>
-            </a:r>
-          </a:p>
-          <a:p>
-            <a:endParaRPr lang="fr-FR" dirty="0">
-              <a:solidFill>
-                <a:schemeClr val="bg1">
-                  <a:lumMod val="65000"/>
-                </a:schemeClr>
-              </a:solidFill>
-            </a:endParaRPr>
-          </a:p>
-          <a:p>
-            <a:endParaRPr lang="fr-FR" dirty="0">
-              <a:solidFill>
-                <a:schemeClr val="bg1">
-                  <a:lumMod val="65000"/>
-                </a:schemeClr>
-              </a:solidFill>
-            </a:endParaRPr>
-          </a:p>
-        </p:txBody>
-      </p:sp>
     </p:spTree>
     <p:extLst>
       <p:ext uri="{BB962C8B-B14F-4D97-AF65-F5344CB8AC3E}">
-        <p14:creationId xmlns:p14="http://schemas.microsoft.com/office/powerpoint/2010/main" val="2892972684"/>
+        <p14:creationId xmlns:p14="http://schemas.microsoft.com/office/powerpoint/2010/main" val="485889649"/>
       </p:ext>
     </p:extLst>
   </p:cSld>
@@ -12682,7 +12415,7 @@
                   </a:schemeClr>
                 </a:solidFill>
               </a:rPr>
-              <a:t>Contenu des publications</a:t>
+              <a:t>Publier et page de profil</a:t>
             </a:r>
           </a:p>
           <a:p>
@@ -12707,7 +12440,7 @@
       </p:sp>
       <p:pic>
         <p:nvPicPr>
-          <p:cNvPr id="4" name="Image 3"/>
+          <p:cNvPr id="3" name="Image 2"/>
           <p:cNvPicPr>
             <a:picLocks noChangeAspect="1"/>
           </p:cNvPicPr>
@@ -12721,13 +12454,42 @@
               </a:ext>
             </a:extLst>
           </a:blip>
-          <a:srcRect t="3670" b="34716"/>
+          <a:srcRect b="7040"/>
           <a:stretch/>
         </p:blipFill>
         <p:spPr>
           <a:xfrm>
-            <a:off x="2429414" y="2003367"/>
-            <a:ext cx="2566535" cy="3996859"/>
+            <a:off x="2325636" y="1920240"/>
+            <a:ext cx="2437558" cy="4639802"/>
+          </a:xfrm>
+          <a:prstGeom prst="rect">
+            <a:avLst/>
+          </a:prstGeom>
+        </p:spPr>
+      </p:pic>
+      <p:pic>
+        <p:nvPicPr>
+          <p:cNvPr id="6" name="Image 5"/>
+          <p:cNvPicPr>
+            <a:picLocks noChangeAspect="1"/>
+          </p:cNvPicPr>
+          <p:nvPr/>
+        </p:nvPicPr>
+        <p:blipFill rotWithShape="1">
+          <a:blip r:embed="rId4">
+            <a:extLst>
+              <a:ext uri="{28A0092B-C50C-407E-A947-70E740481C1C}">
+                <a14:useLocalDpi xmlns:a14="http://schemas.microsoft.com/office/drawing/2010/main" val="0"/>
+              </a:ext>
+            </a:extLst>
+          </a:blip>
+          <a:srcRect t="849" b="10302"/>
+          <a:stretch/>
+        </p:blipFill>
+        <p:spPr>
+          <a:xfrm>
+            <a:off x="5321856" y="612254"/>
+            <a:ext cx="1858630" cy="6093229"/>
           </a:xfrm>
           <a:prstGeom prst="rect">
             <a:avLst/>
@@ -12737,7 +12499,7 @@
     </p:spTree>
     <p:extLst>
       <p:ext uri="{BB962C8B-B14F-4D97-AF65-F5344CB8AC3E}">
-        <p14:creationId xmlns:p14="http://schemas.microsoft.com/office/powerpoint/2010/main" val="485889649"/>
+        <p14:creationId xmlns:p14="http://schemas.microsoft.com/office/powerpoint/2010/main" val="2211947732"/>
       </p:ext>
     </p:extLst>
   </p:cSld>
